--- a/Course Notes/GamPartsAndTerms.pptx
+++ b/Course Notes/GamPartsAndTerms.pptx
@@ -22,12 +22,15 @@
     <p:sldId id="273" r:id="rId16"/>
     <p:sldId id="266" r:id="rId17"/>
     <p:sldId id="264" r:id="rId18"/>
-    <p:sldId id="267" r:id="rId19"/>
-    <p:sldId id="268" r:id="rId20"/>
-    <p:sldId id="270" r:id="rId21"/>
-    <p:sldId id="271" r:id="rId22"/>
-    <p:sldId id="272" r:id="rId23"/>
-    <p:sldId id="269" r:id="rId24"/>
+    <p:sldId id="281" r:id="rId19"/>
+    <p:sldId id="282" r:id="rId20"/>
+    <p:sldId id="283" r:id="rId21"/>
+    <p:sldId id="267" r:id="rId22"/>
+    <p:sldId id="268" r:id="rId23"/>
+    <p:sldId id="270" r:id="rId24"/>
+    <p:sldId id="271" r:id="rId25"/>
+    <p:sldId id="272" r:id="rId26"/>
+    <p:sldId id="269" r:id="rId27"/>
   </p:sldIdLst>
   <p:sldSz cx="12192000" cy="6858000"/>
   <p:notesSz cx="6858000" cy="9144000"/>
@@ -281,7 +284,7 @@
           <a:p>
             <a:fld id="{06ADBE60-9DBF-4AEC-B933-FFCA020856EA}" type="datetimeFigureOut">
               <a:rPr lang="en-US" smtClean="0"/>
-              <a:t>2/15/2021</a:t>
+              <a:t>3/22/2021</a:t>
             </a:fld>
             <a:endParaRPr lang="en-US"/>
           </a:p>
@@ -479,7 +482,7 @@
           <a:p>
             <a:fld id="{06ADBE60-9DBF-4AEC-B933-FFCA020856EA}" type="datetimeFigureOut">
               <a:rPr lang="en-US" smtClean="0"/>
-              <a:t>2/15/2021</a:t>
+              <a:t>3/22/2021</a:t>
             </a:fld>
             <a:endParaRPr lang="en-US"/>
           </a:p>
@@ -687,7 +690,7 @@
           <a:p>
             <a:fld id="{06ADBE60-9DBF-4AEC-B933-FFCA020856EA}" type="datetimeFigureOut">
               <a:rPr lang="en-US" smtClean="0"/>
-              <a:t>2/15/2021</a:t>
+              <a:t>3/22/2021</a:t>
             </a:fld>
             <a:endParaRPr lang="en-US"/>
           </a:p>
@@ -885,7 +888,7 @@
           <a:p>
             <a:fld id="{06ADBE60-9DBF-4AEC-B933-FFCA020856EA}" type="datetimeFigureOut">
               <a:rPr lang="en-US" smtClean="0"/>
-              <a:t>2/15/2021</a:t>
+              <a:t>3/22/2021</a:t>
             </a:fld>
             <a:endParaRPr lang="en-US"/>
           </a:p>
@@ -1160,7 +1163,7 @@
           <a:p>
             <a:fld id="{06ADBE60-9DBF-4AEC-B933-FFCA020856EA}" type="datetimeFigureOut">
               <a:rPr lang="en-US" smtClean="0"/>
-              <a:t>2/15/2021</a:t>
+              <a:t>3/22/2021</a:t>
             </a:fld>
             <a:endParaRPr lang="en-US"/>
           </a:p>
@@ -1425,7 +1428,7 @@
           <a:p>
             <a:fld id="{06ADBE60-9DBF-4AEC-B933-FFCA020856EA}" type="datetimeFigureOut">
               <a:rPr lang="en-US" smtClean="0"/>
-              <a:t>2/15/2021</a:t>
+              <a:t>3/22/2021</a:t>
             </a:fld>
             <a:endParaRPr lang="en-US"/>
           </a:p>
@@ -1837,7 +1840,7 @@
           <a:p>
             <a:fld id="{06ADBE60-9DBF-4AEC-B933-FFCA020856EA}" type="datetimeFigureOut">
               <a:rPr lang="en-US" smtClean="0"/>
-              <a:t>2/15/2021</a:t>
+              <a:t>3/22/2021</a:t>
             </a:fld>
             <a:endParaRPr lang="en-US"/>
           </a:p>
@@ -1978,7 +1981,7 @@
           <a:p>
             <a:fld id="{06ADBE60-9DBF-4AEC-B933-FFCA020856EA}" type="datetimeFigureOut">
               <a:rPr lang="en-US" smtClean="0"/>
-              <a:t>2/15/2021</a:t>
+              <a:t>3/22/2021</a:t>
             </a:fld>
             <a:endParaRPr lang="en-US"/>
           </a:p>
@@ -2091,7 +2094,7 @@
           <a:p>
             <a:fld id="{06ADBE60-9DBF-4AEC-B933-FFCA020856EA}" type="datetimeFigureOut">
               <a:rPr lang="en-US" smtClean="0"/>
-              <a:t>2/15/2021</a:t>
+              <a:t>3/22/2021</a:t>
             </a:fld>
             <a:endParaRPr lang="en-US"/>
           </a:p>
@@ -2402,7 +2405,7 @@
           <a:p>
             <a:fld id="{06ADBE60-9DBF-4AEC-B933-FFCA020856EA}" type="datetimeFigureOut">
               <a:rPr lang="en-US" smtClean="0"/>
-              <a:t>2/15/2021</a:t>
+              <a:t>3/22/2021</a:t>
             </a:fld>
             <a:endParaRPr lang="en-US"/>
           </a:p>
@@ -2690,7 +2693,7 @@
           <a:p>
             <a:fld id="{06ADBE60-9DBF-4AEC-B933-FFCA020856EA}" type="datetimeFigureOut">
               <a:rPr lang="en-US" smtClean="0"/>
-              <a:t>2/15/2021</a:t>
+              <a:t>3/22/2021</a:t>
             </a:fld>
             <a:endParaRPr lang="en-US"/>
           </a:p>
@@ -2931,7 +2934,7 @@
           <a:p>
             <a:fld id="{06ADBE60-9DBF-4AEC-B933-FFCA020856EA}" type="datetimeFigureOut">
               <a:rPr lang="en-US" smtClean="0"/>
-              <a:t>2/15/2021</a:t>
+              <a:t>3/22/2021</a:t>
             </a:fld>
             <a:endParaRPr lang="en-US"/>
           </a:p>
@@ -12863,7 +12866,7 @@
         <p:spPr>
           <a:xfrm>
             <a:off x="444897" y="1766969"/>
-            <a:ext cx="3372166" cy="1785104"/>
+            <a:ext cx="3372166" cy="2139047"/>
           </a:xfrm>
           <a:prstGeom prst="rect">
             <a:avLst/>
@@ -12922,8 +12925,22 @@
             </a:pPr>
             <a:r>
               <a:rPr lang="en-US" dirty="0"/>
-              <a:t>AABB/Circle intersect</a:t>
+              <a:t>AABB corner in Circle</a:t>
             </a:r>
+          </a:p>
+          <a:p>
+            <a:pPr marL="342900" indent="-342900">
+              <a:spcAft>
+                <a:spcPts val="600"/>
+              </a:spcAft>
+              <a:buFont typeface="+mj-lt"/>
+              <a:buAutoNum type="arabicPeriod"/>
+            </a:pPr>
+            <a:r>
+              <a:rPr lang="en-US"/>
+              <a:t>Circle overlaps AABB Edge</a:t>
+            </a:r>
+            <a:endParaRPr lang="en-US" dirty="0"/>
           </a:p>
           <a:p>
             <a:pPr marL="342900" indent="-342900">
@@ -13636,7 +13653,7 @@
           <a:p>
             <a:r>
               <a:rPr lang="en-US" dirty="0"/>
-              <a:t>3.</a:t>
+              <a:t>4.</a:t>
             </a:r>
           </a:p>
         </p:txBody>
@@ -13671,7 +13688,7 @@
           <a:p>
             <a:r>
               <a:rPr lang="en-US" dirty="0"/>
-              <a:t>4.</a:t>
+              <a:t>5.</a:t>
             </a:r>
           </a:p>
         </p:txBody>
@@ -14425,6 +14442,88 @@
           </a:prstGeom>
         </p:spPr>
       </p:pic>
+      <p:sp>
+        <p:nvSpPr>
+          <p:cNvPr id="39" name="Oval 38">
+            <a:extLst>
+              <a:ext uri="{FF2B5EF4-FFF2-40B4-BE49-F238E27FC236}">
+                <a16:creationId xmlns:a16="http://schemas.microsoft.com/office/drawing/2014/main" id="{14C774CD-D516-4CFB-A984-51F3A888178F}"/>
+              </a:ext>
+            </a:extLst>
+          </p:cNvPr>
+          <p:cNvSpPr/>
+          <p:nvPr/>
+        </p:nvSpPr>
+        <p:spPr>
+          <a:xfrm>
+            <a:off x="6441495" y="3754715"/>
+            <a:ext cx="901759" cy="901759"/>
+          </a:xfrm>
+          <a:prstGeom prst="ellipse">
+            <a:avLst/>
+          </a:prstGeom>
+          <a:solidFill>
+            <a:schemeClr val="bg1"/>
+          </a:solidFill>
+        </p:spPr>
+        <p:style>
+          <a:lnRef idx="2">
+            <a:schemeClr val="accent6"/>
+          </a:lnRef>
+          <a:fillRef idx="1">
+            <a:schemeClr val="lt1"/>
+          </a:fillRef>
+          <a:effectRef idx="0">
+            <a:schemeClr val="accent6"/>
+          </a:effectRef>
+          <a:fontRef idx="minor">
+            <a:schemeClr val="dk1"/>
+          </a:fontRef>
+        </p:style>
+        <p:txBody>
+          <a:bodyPr rtlCol="0" anchor="ctr"/>
+          <a:lstStyle/>
+          <a:p>
+            <a:pPr algn="ctr"/>
+            <a:endParaRPr lang="en-US"/>
+          </a:p>
+        </p:txBody>
+      </p:sp>
+      <p:sp>
+        <p:nvSpPr>
+          <p:cNvPr id="42" name="TextBox 41">
+            <a:extLst>
+              <a:ext uri="{FF2B5EF4-FFF2-40B4-BE49-F238E27FC236}">
+                <a16:creationId xmlns:a16="http://schemas.microsoft.com/office/drawing/2014/main" id="{C34BDE7B-C84D-4752-9372-76900011F801}"/>
+              </a:ext>
+            </a:extLst>
+          </p:cNvPr>
+          <p:cNvSpPr txBox="1"/>
+          <p:nvPr/>
+        </p:nvSpPr>
+        <p:spPr>
+          <a:xfrm>
+            <a:off x="6724364" y="3822741"/>
+            <a:ext cx="359394" cy="369332"/>
+          </a:xfrm>
+          <a:prstGeom prst="rect">
+            <a:avLst/>
+          </a:prstGeom>
+          <a:noFill/>
+        </p:spPr>
+        <p:txBody>
+          <a:bodyPr wrap="none" rtlCol="0">
+            <a:spAutoFit/>
+          </a:bodyPr>
+          <a:lstStyle/>
+          <a:p>
+            <a:r>
+              <a:rPr lang="en-US" dirty="0"/>
+              <a:t>3.</a:t>
+            </a:r>
+          </a:p>
+        </p:txBody>
+      </p:sp>
     </p:spTree>
     <p:extLst>
       <p:ext uri="{BB962C8B-B14F-4D97-AF65-F5344CB8AC3E}">
@@ -16897,7 +16996,7 @@
 </file>
 
 <file path=ppt/slides/slide17.xml><?xml version="1.0" encoding="utf-8"?>
-<p:sld xmlns:a="http://schemas.openxmlformats.org/drawingml/2006/main" xmlns:r="http://schemas.openxmlformats.org/officeDocument/2006/relationships" xmlns:p="http://schemas.openxmlformats.org/presentationml/2006/main">
+<p:sld xmlns:a="http://schemas.openxmlformats.org/drawingml/2006/main" xmlns:r="http://schemas.openxmlformats.org/officeDocument/2006/relationships" xmlns:p="http://schemas.openxmlformats.org/presentationml/2006/main" show="0">
   <p:cSld>
     <p:spTree>
       <p:nvGrpSpPr>
@@ -16929,7 +17028,7 @@
             <p:ph idx="1"/>
             <p:extLst>
               <p:ext uri="{D42A27DB-BD31-4B8C-83A1-F6EECF244321}">
-                <p14:modId xmlns:p14="http://schemas.microsoft.com/office/powerpoint/2010/main" val="1986494539"/>
+                <p14:modId xmlns:p14="http://schemas.microsoft.com/office/powerpoint/2010/main" val="4020169155"/>
               </p:ext>
             </p:extLst>
           </p:nvPr>
@@ -17484,7 +17583,7 @@
                     <a:p>
                       <a:r>
                         <a:rPr lang="en-US" sz="1600" dirty="0"/>
-                        <a:t>Deflate circle to point and inflate rectangle. Swap to point AAR</a:t>
+                        <a:t>Deflate circle to point and inflate rectangle. Swap to ~point AAR</a:t>
                       </a:r>
                     </a:p>
                   </a:txBody>
@@ -18195,40 +18294,6 @@
           </a:graphicData>
         </a:graphic>
       </p:graphicFrame>
-      <p:sp>
-        <p:nvSpPr>
-          <p:cNvPr id="2" name="Rectangle 1">
-            <a:extLst>
-              <a:ext uri="{FF2B5EF4-FFF2-40B4-BE49-F238E27FC236}">
-                <a16:creationId xmlns:a16="http://schemas.microsoft.com/office/drawing/2014/main" id="{CB7B5FDC-FBA0-45A2-AD7F-395F627DCE89}"/>
-              </a:ext>
-            </a:extLst>
-          </p:cNvPr>
-          <p:cNvSpPr/>
-          <p:nvPr/>
-        </p:nvSpPr>
-        <p:spPr>
-          <a:xfrm>
-            <a:off x="3519012" y="3244334"/>
-            <a:ext cx="5153975" cy="369332"/>
-          </a:xfrm>
-          <a:prstGeom prst="rect">
-            <a:avLst/>
-          </a:prstGeom>
-        </p:spPr>
-        <p:txBody>
-          <a:bodyPr wrap="none">
-            <a:spAutoFit/>
-          </a:bodyPr>
-          <a:lstStyle/>
-          <a:p>
-            <a:r>
-              <a:rPr lang="en-US" dirty="0"/>
-              <a:t>https://en.wikipedia.org/wiki/Pushdown_automaton</a:t>
-            </a:r>
-          </a:p>
-        </p:txBody>
-      </p:sp>
     </p:spTree>
     <p:extLst>
       <p:ext uri="{BB962C8B-B14F-4D97-AF65-F5344CB8AC3E}">
@@ -18243,6 +18308,3865 @@
 </file>
 
 <file path=ppt/slides/slide18.xml><?xml version="1.0" encoding="utf-8"?>
+<p:sld xmlns:a="http://schemas.openxmlformats.org/drawingml/2006/main" xmlns:r="http://schemas.openxmlformats.org/officeDocument/2006/relationships" xmlns:p="http://schemas.openxmlformats.org/presentationml/2006/main" show="0">
+  <p:cSld>
+    <p:spTree>
+      <p:nvGrpSpPr>
+        <p:cNvPr id="1" name=""/>
+        <p:cNvGrpSpPr/>
+        <p:nvPr/>
+      </p:nvGrpSpPr>
+      <p:grpSpPr>
+        <a:xfrm>
+          <a:off x="0" y="0"/>
+          <a:ext cx="0" cy="0"/>
+          <a:chOff x="0" y="0"/>
+          <a:chExt cx="0" cy="0"/>
+        </a:xfrm>
+      </p:grpSpPr>
+      <p:graphicFrame>
+        <p:nvGraphicFramePr>
+          <p:cNvPr id="4" name="Content Placeholder 3">
+            <a:extLst>
+              <a:ext uri="{FF2B5EF4-FFF2-40B4-BE49-F238E27FC236}">
+                <a16:creationId xmlns:a16="http://schemas.microsoft.com/office/drawing/2014/main" id="{0EF8AEDE-6298-4696-B258-D52B4C06883F}"/>
+              </a:ext>
+            </a:extLst>
+          </p:cNvPr>
+          <p:cNvGraphicFramePr>
+            <a:graphicFrameLocks noGrp="1"/>
+          </p:cNvGraphicFramePr>
+          <p:nvPr>
+            <p:ph idx="1"/>
+            <p:extLst>
+              <p:ext uri="{D42A27DB-BD31-4B8C-83A1-F6EECF244321}">
+                <p14:modId xmlns:p14="http://schemas.microsoft.com/office/powerpoint/2010/main" val="3644681546"/>
+              </p:ext>
+            </p:extLst>
+          </p:nvPr>
+        </p:nvGraphicFramePr>
+        <p:xfrm>
+          <a:off x="0" y="0"/>
+          <a:ext cx="12192003" cy="6858000"/>
+        </p:xfrm>
+        <a:graphic>
+          <a:graphicData uri="http://schemas.openxmlformats.org/drawingml/2006/table">
+            <a:tbl>
+              <a:tblPr bandRow="1" bandCol="1">
+                <a:tableStyleId>{5940675A-B579-460E-94D1-54222C63F5DA}</a:tableStyleId>
+              </a:tblPr>
+              <a:tblGrid>
+                <a:gridCol w="464820">
+                  <a:extLst>
+                    <a:ext uri="{9D8B030D-6E8A-4147-A177-3AD203B41FA5}">
+                      <a16:colId xmlns:a16="http://schemas.microsoft.com/office/drawing/2014/main" val="2339145252"/>
+                    </a:ext>
+                  </a:extLst>
+                </a:gridCol>
+                <a:gridCol w="1068705">
+                  <a:extLst>
+                    <a:ext uri="{9D8B030D-6E8A-4147-A177-3AD203B41FA5}">
+                      <a16:colId xmlns:a16="http://schemas.microsoft.com/office/drawing/2014/main" val="2120253669"/>
+                    </a:ext>
+                  </a:extLst>
+                </a:gridCol>
+                <a:gridCol w="1485900">
+                  <a:extLst>
+                    <a:ext uri="{9D8B030D-6E8A-4147-A177-3AD203B41FA5}">
+                      <a16:colId xmlns:a16="http://schemas.microsoft.com/office/drawing/2014/main" val="335998571"/>
+                    </a:ext>
+                  </a:extLst>
+                </a:gridCol>
+                <a:gridCol w="2266950">
+                  <a:extLst>
+                    <a:ext uri="{9D8B030D-6E8A-4147-A177-3AD203B41FA5}">
+                      <a16:colId xmlns:a16="http://schemas.microsoft.com/office/drawing/2014/main" val="1308737011"/>
+                    </a:ext>
+                  </a:extLst>
+                </a:gridCol>
+                <a:gridCol w="1792605">
+                  <a:extLst>
+                    <a:ext uri="{9D8B030D-6E8A-4147-A177-3AD203B41FA5}">
+                      <a16:colId xmlns:a16="http://schemas.microsoft.com/office/drawing/2014/main" val="8954318"/>
+                    </a:ext>
+                  </a:extLst>
+                </a:gridCol>
+                <a:gridCol w="1729740">
+                  <a:extLst>
+                    <a:ext uri="{9D8B030D-6E8A-4147-A177-3AD203B41FA5}">
+                      <a16:colId xmlns:a16="http://schemas.microsoft.com/office/drawing/2014/main" val="2260771656"/>
+                    </a:ext>
+                  </a:extLst>
+                </a:gridCol>
+                <a:gridCol w="1303020">
+                  <a:extLst>
+                    <a:ext uri="{9D8B030D-6E8A-4147-A177-3AD203B41FA5}">
+                      <a16:colId xmlns:a16="http://schemas.microsoft.com/office/drawing/2014/main" val="455674088"/>
+                    </a:ext>
+                  </a:extLst>
+                </a:gridCol>
+                <a:gridCol w="1059180">
+                  <a:extLst>
+                    <a:ext uri="{9D8B030D-6E8A-4147-A177-3AD203B41FA5}">
+                      <a16:colId xmlns:a16="http://schemas.microsoft.com/office/drawing/2014/main" val="3832917896"/>
+                    </a:ext>
+                  </a:extLst>
+                </a:gridCol>
+                <a:gridCol w="1021083">
+                  <a:extLst>
+                    <a:ext uri="{9D8B030D-6E8A-4147-A177-3AD203B41FA5}">
+                      <a16:colId xmlns:a16="http://schemas.microsoft.com/office/drawing/2014/main" val="2668960230"/>
+                    </a:ext>
+                  </a:extLst>
+                </a:gridCol>
+              </a:tblGrid>
+              <a:tr h="557310">
+                <a:tc rowSpan="2" gridSpan="2">
+                  <a:txBody>
+                    <a:bodyPr/>
+                    <a:lstStyle/>
+                    <a:p>
+                      <a:endParaRPr lang="en-US" sz="1600" dirty="0"/>
+                    </a:p>
+                  </a:txBody>
+                  <a:tcPr/>
+                </a:tc>
+                <a:tc rowSpan="2" hMerge="1">
+                  <a:txBody>
+                    <a:bodyPr/>
+                    <a:lstStyle/>
+                    <a:p>
+                      <a:endParaRPr lang="en-US" dirty="0"/>
+                    </a:p>
+                  </a:txBody>
+                  <a:tcPr/>
+                </a:tc>
+                <a:tc gridSpan="7">
+                  <a:txBody>
+                    <a:bodyPr/>
+                    <a:lstStyle/>
+                    <a:p>
+                      <a:pPr algn="ctr"/>
+                      <a:r>
+                        <a:rPr lang="en-US" sz="1600" dirty="0"/>
+                        <a:t>First Object</a:t>
+                      </a:r>
+                    </a:p>
+                  </a:txBody>
+                  <a:tcPr anchor="ctr"/>
+                </a:tc>
+                <a:tc hMerge="1">
+                  <a:txBody>
+                    <a:bodyPr/>
+                    <a:lstStyle/>
+                    <a:p>
+                      <a:endParaRPr lang="en-US" dirty="0"/>
+                    </a:p>
+                  </a:txBody>
+                  <a:tcPr/>
+                </a:tc>
+                <a:tc hMerge="1">
+                  <a:txBody>
+                    <a:bodyPr/>
+                    <a:lstStyle/>
+                    <a:p>
+                      <a:endParaRPr lang="en-US" dirty="0"/>
+                    </a:p>
+                  </a:txBody>
+                  <a:tcPr/>
+                </a:tc>
+                <a:tc hMerge="1">
+                  <a:txBody>
+                    <a:bodyPr/>
+                    <a:lstStyle/>
+                    <a:p>
+                      <a:endParaRPr lang="en-US" dirty="0"/>
+                    </a:p>
+                  </a:txBody>
+                  <a:tcPr/>
+                </a:tc>
+                <a:tc hMerge="1">
+                  <a:txBody>
+                    <a:bodyPr/>
+                    <a:lstStyle/>
+                    <a:p>
+                      <a:endParaRPr lang="en-US" dirty="0"/>
+                    </a:p>
+                  </a:txBody>
+                  <a:tcPr/>
+                </a:tc>
+                <a:tc hMerge="1">
+                  <a:txBody>
+                    <a:bodyPr/>
+                    <a:lstStyle/>
+                    <a:p>
+                      <a:endParaRPr lang="en-US" dirty="0"/>
+                    </a:p>
+                  </a:txBody>
+                  <a:tcPr/>
+                </a:tc>
+                <a:tc hMerge="1">
+                  <a:txBody>
+                    <a:bodyPr/>
+                    <a:lstStyle/>
+                    <a:p>
+                      <a:endParaRPr lang="en-US" dirty="0"/>
+                    </a:p>
+                  </a:txBody>
+                  <a:tcPr/>
+                </a:tc>
+                <a:extLst>
+                  <a:ext uri="{0D108BD9-81ED-4DB2-BD59-A6C34878D82A}">
+                    <a16:rowId xmlns:a16="http://schemas.microsoft.com/office/drawing/2014/main" val="785667150"/>
+                  </a:ext>
+                </a:extLst>
+              </a:tr>
+              <a:tr h="771361">
+                <a:tc gridSpan="2" vMerge="1">
+                  <a:txBody>
+                    <a:bodyPr/>
+                    <a:lstStyle/>
+                    <a:p>
+                      <a:endParaRPr lang="en-US" dirty="0"/>
+                    </a:p>
+                  </a:txBody>
+                  <a:tcPr/>
+                </a:tc>
+                <a:tc hMerge="1" vMerge="1">
+                  <a:txBody>
+                    <a:bodyPr/>
+                    <a:lstStyle/>
+                    <a:p>
+                      <a:endParaRPr lang="en-US" dirty="0"/>
+                    </a:p>
+                  </a:txBody>
+                  <a:tcPr/>
+                </a:tc>
+                <a:tc>
+                  <a:txBody>
+                    <a:bodyPr/>
+                    <a:lstStyle/>
+                    <a:p>
+                      <a:r>
+                        <a:rPr lang="en-US" sz="1600" b="1" dirty="0"/>
+                        <a:t>Point</a:t>
+                      </a:r>
+                    </a:p>
+                  </a:txBody>
+                  <a:tcPr/>
+                </a:tc>
+                <a:tc>
+                  <a:txBody>
+                    <a:bodyPr/>
+                    <a:lstStyle/>
+                    <a:p>
+                      <a:r>
+                        <a:rPr lang="en-US" sz="1600" b="1" dirty="0"/>
+                        <a:t>Circle</a:t>
+                      </a:r>
+                    </a:p>
+                  </a:txBody>
+                  <a:tcPr/>
+                </a:tc>
+                <a:tc>
+                  <a:txBody>
+                    <a:bodyPr/>
+                    <a:lstStyle/>
+                    <a:p>
+                      <a:r>
+                        <a:rPr lang="en-US" sz="1600" b="1" dirty="0"/>
+                        <a:t>Axis-Aligned Rectangle (AAR)</a:t>
+                      </a:r>
+                    </a:p>
+                  </a:txBody>
+                  <a:tcPr/>
+                </a:tc>
+                <a:tc>
+                  <a:txBody>
+                    <a:bodyPr/>
+                    <a:lstStyle/>
+                    <a:p>
+                      <a:r>
+                        <a:rPr lang="en-US" sz="1600" b="1" dirty="0"/>
+                        <a:t>Triangle</a:t>
+                      </a:r>
+                    </a:p>
+                  </a:txBody>
+                  <a:tcPr/>
+                </a:tc>
+                <a:tc>
+                  <a:txBody>
+                    <a:bodyPr/>
+                    <a:lstStyle/>
+                    <a:p>
+                      <a:r>
+                        <a:rPr lang="en-US" sz="1600" b="1" dirty="0"/>
+                        <a:t>General Rectangle</a:t>
+                      </a:r>
+                    </a:p>
+                  </a:txBody>
+                  <a:tcPr/>
+                </a:tc>
+                <a:tc>
+                  <a:txBody>
+                    <a:bodyPr/>
+                    <a:lstStyle/>
+                    <a:p>
+                      <a:r>
+                        <a:rPr lang="en-US" sz="1600" b="1" dirty="0"/>
+                        <a:t>Convex</a:t>
+                      </a:r>
+                    </a:p>
+                  </a:txBody>
+                  <a:tcPr/>
+                </a:tc>
+                <a:tc>
+                  <a:txBody>
+                    <a:bodyPr/>
+                    <a:lstStyle/>
+                    <a:p>
+                      <a:r>
+                        <a:rPr lang="en-US" sz="1600" b="1" dirty="0"/>
+                        <a:t>Concave</a:t>
+                      </a:r>
+                    </a:p>
+                  </a:txBody>
+                  <a:tcPr/>
+                </a:tc>
+                <a:extLst>
+                  <a:ext uri="{0D108BD9-81ED-4DB2-BD59-A6C34878D82A}">
+                    <a16:rowId xmlns:a16="http://schemas.microsoft.com/office/drawing/2014/main" val="3509654045"/>
+                  </a:ext>
+                </a:extLst>
+              </a:tr>
+              <a:tr h="998169">
+                <a:tc rowSpan="6">
+                  <a:txBody>
+                    <a:bodyPr/>
+                    <a:lstStyle/>
+                    <a:p>
+                      <a:pPr algn="ctr"/>
+                      <a:r>
+                        <a:rPr lang="en-US" sz="1600" dirty="0"/>
+                        <a:t>Second Object</a:t>
+                      </a:r>
+                    </a:p>
+                  </a:txBody>
+                  <a:tcPr vert="vert270" anchor="ctr"/>
+                </a:tc>
+                <a:tc>
+                  <a:txBody>
+                    <a:bodyPr/>
+                    <a:lstStyle/>
+                    <a:p>
+                      <a:r>
+                        <a:rPr lang="en-US" sz="1600" b="1" dirty="0"/>
+                        <a:t>Circle</a:t>
+                      </a:r>
+                    </a:p>
+                  </a:txBody>
+                  <a:tcPr/>
+                </a:tc>
+                <a:tc>
+                  <a:txBody>
+                    <a:bodyPr/>
+                    <a:lstStyle/>
+                    <a:p>
+                      <a:r>
+                        <a:rPr lang="en-US" sz="1600" dirty="0">
+                          <a:highlight>
+                            <a:srgbClr val="00FFFF"/>
+                          </a:highlight>
+                        </a:rPr>
+                        <a:t>Distance to circle center v circle radius.</a:t>
+                      </a:r>
+                    </a:p>
+                  </a:txBody>
+                  <a:tcPr/>
+                </a:tc>
+                <a:tc>
+                  <a:txBody>
+                    <a:bodyPr/>
+                    <a:lstStyle/>
+                    <a:p>
+                      <a:r>
+                        <a:rPr lang="en-US" sz="1600" dirty="0"/>
+                        <a:t>Deflate circle to point and inflate other circle. Do </a:t>
+                      </a:r>
+                      <a:r>
+                        <a:rPr lang="en-US" sz="1600" b="1" dirty="0"/>
+                        <a:t>Point/Circle</a:t>
+                      </a:r>
+                      <a:r>
+                        <a:rPr lang="en-US" sz="1600" dirty="0"/>
+                        <a:t>.</a:t>
+                      </a:r>
+                    </a:p>
+                  </a:txBody>
+                  <a:tcPr>
+                    <a:solidFill>
+                      <a:schemeClr val="bg1">
+                        <a:lumMod val="85000"/>
+                      </a:schemeClr>
+                    </a:solidFill>
+                  </a:tcPr>
+                </a:tc>
+                <a:tc>
+                  <a:txBody>
+                    <a:bodyPr/>
+                    <a:lstStyle/>
+                    <a:p>
+                      <a:r>
+                        <a:rPr lang="en-US" sz="1600" kern="1200" dirty="0">
+                          <a:solidFill>
+                            <a:schemeClr val="tx1"/>
+                          </a:solidFill>
+                          <a:latin typeface="+mn-lt"/>
+                          <a:ea typeface="+mn-ea"/>
+                          <a:cs typeface="+mn-cs"/>
+                        </a:rPr>
+                        <a:t>Swap</a:t>
+                      </a:r>
+                    </a:p>
+                  </a:txBody>
+                  <a:tcPr>
+                    <a:solidFill>
+                      <a:schemeClr val="bg1">
+                        <a:lumMod val="85000"/>
+                      </a:schemeClr>
+                    </a:solidFill>
+                  </a:tcPr>
+                </a:tc>
+                <a:tc>
+                  <a:txBody>
+                    <a:bodyPr/>
+                    <a:lstStyle/>
+                    <a:p>
+                      <a:r>
+                        <a:rPr lang="en-US" sz="1600" dirty="0"/>
+                        <a:t>Swap</a:t>
+                      </a:r>
+                      <a:endParaRPr lang="en-US" sz="1600" dirty="0">
+                        <a:solidFill>
+                          <a:schemeClr val="tx1">
+                            <a:lumMod val="50000"/>
+                            <a:lumOff val="50000"/>
+                          </a:schemeClr>
+                        </a:solidFill>
+                      </a:endParaRPr>
+                    </a:p>
+                  </a:txBody>
+                  <a:tcPr>
+                    <a:solidFill>
+                      <a:schemeClr val="bg1">
+                        <a:lumMod val="85000"/>
+                      </a:schemeClr>
+                    </a:solidFill>
+                  </a:tcPr>
+                </a:tc>
+                <a:tc rowSpan="6">
+                  <a:txBody>
+                    <a:bodyPr/>
+                    <a:lstStyle/>
+                    <a:p>
+                      <a:pPr algn="ctr"/>
+                      <a:r>
+                        <a:rPr lang="en-US" sz="1600" dirty="0"/>
+                        <a:t>Swap to circle general rectangle.</a:t>
+                      </a:r>
+                      <a:endParaRPr lang="en-US" sz="1600" dirty="0">
+                        <a:solidFill>
+                          <a:schemeClr val="tx1">
+                            <a:lumMod val="50000"/>
+                            <a:lumOff val="50000"/>
+                          </a:schemeClr>
+                        </a:solidFill>
+                      </a:endParaRPr>
+                    </a:p>
+                  </a:txBody>
+                  <a:tcPr vert="vert" anchor="ctr">
+                    <a:solidFill>
+                      <a:schemeClr val="bg1">
+                        <a:lumMod val="85000"/>
+                      </a:schemeClr>
+                    </a:solidFill>
+                  </a:tcPr>
+                </a:tc>
+                <a:tc rowSpan="6">
+                  <a:txBody>
+                    <a:bodyPr/>
+                    <a:lstStyle/>
+                    <a:p>
+                      <a:pPr algn="ctr"/>
+                      <a:r>
+                        <a:rPr lang="en-US" sz="1600" dirty="0"/>
+                        <a:t>Convert to triangles. Then swap to circle triangle.</a:t>
+                      </a:r>
+                      <a:endParaRPr lang="en-US" sz="1600" dirty="0">
+                        <a:solidFill>
+                          <a:schemeClr val="tx1">
+                            <a:lumMod val="50000"/>
+                            <a:lumOff val="50000"/>
+                          </a:schemeClr>
+                        </a:solidFill>
+                      </a:endParaRPr>
+                    </a:p>
+                  </a:txBody>
+                  <a:tcPr vert="vert" anchor="ctr">
+                    <a:solidFill>
+                      <a:schemeClr val="bg1">
+                        <a:lumMod val="85000"/>
+                      </a:schemeClr>
+                    </a:solidFill>
+                  </a:tcPr>
+                </a:tc>
+                <a:tc rowSpan="6">
+                  <a:txBody>
+                    <a:bodyPr/>
+                    <a:lstStyle/>
+                    <a:p>
+                      <a:pPr algn="ctr"/>
+                      <a:r>
+                        <a:rPr lang="en-US" sz="1600" dirty="0"/>
+                        <a:t>Convert to convex. Then swap to circle [shape].</a:t>
+                      </a:r>
+                      <a:endParaRPr lang="en-US" sz="1600" dirty="0">
+                        <a:solidFill>
+                          <a:schemeClr val="tx1">
+                            <a:lumMod val="50000"/>
+                            <a:lumOff val="50000"/>
+                          </a:schemeClr>
+                        </a:solidFill>
+                      </a:endParaRPr>
+                    </a:p>
+                  </a:txBody>
+                  <a:tcPr vert="vert" anchor="ctr">
+                    <a:solidFill>
+                      <a:schemeClr val="bg1">
+                        <a:lumMod val="85000"/>
+                      </a:schemeClr>
+                    </a:solidFill>
+                  </a:tcPr>
+                </a:tc>
+                <a:extLst>
+                  <a:ext uri="{0D108BD9-81ED-4DB2-BD59-A6C34878D82A}">
+                    <a16:rowId xmlns:a16="http://schemas.microsoft.com/office/drawing/2014/main" val="406190593"/>
+                  </a:ext>
+                </a:extLst>
+              </a:tr>
+              <a:tr h="837936">
+                <a:tc vMerge="1">
+                  <a:txBody>
+                    <a:bodyPr/>
+                    <a:lstStyle/>
+                    <a:p>
+                      <a:endParaRPr lang="en-US" dirty="0"/>
+                    </a:p>
+                  </a:txBody>
+                  <a:tcPr/>
+                </a:tc>
+                <a:tc>
+                  <a:txBody>
+                    <a:bodyPr/>
+                    <a:lstStyle/>
+                    <a:p>
+                      <a:r>
+                        <a:rPr lang="en-US" sz="1600" b="1" dirty="0"/>
+                        <a:t>AAR</a:t>
+                      </a:r>
+                    </a:p>
+                  </a:txBody>
+                  <a:tcPr/>
+                </a:tc>
+                <a:tc>
+                  <a:txBody>
+                    <a:bodyPr/>
+                    <a:lstStyle/>
+                    <a:p>
+                      <a:r>
+                        <a:rPr lang="en-US" sz="1600" dirty="0">
+                          <a:highlight>
+                            <a:srgbClr val="00FF00"/>
+                          </a:highlight>
+                        </a:rPr>
+                        <a:t>Interior bounds check.</a:t>
+                      </a:r>
+                    </a:p>
+                  </a:txBody>
+                  <a:tcPr/>
+                </a:tc>
+                <a:tc>
+                  <a:txBody>
+                    <a:bodyPr/>
+                    <a:lstStyle/>
+                    <a:p>
+                      <a:r>
+                        <a:rPr lang="en-US" sz="1600" dirty="0"/>
+                        <a:t>?</a:t>
+                      </a:r>
+                    </a:p>
+                  </a:txBody>
+                  <a:tcPr>
+                    <a:solidFill>
+                      <a:schemeClr val="bg1">
+                        <a:lumMod val="85000"/>
+                      </a:schemeClr>
+                    </a:solidFill>
+                  </a:tcPr>
+                </a:tc>
+                <a:tc>
+                  <a:txBody>
+                    <a:bodyPr/>
+                    <a:lstStyle/>
+                    <a:p>
+                      <a:r>
+                        <a:rPr lang="en-US" sz="1600" dirty="0">
+                          <a:highlight>
+                            <a:srgbClr val="FF00FF"/>
+                          </a:highlight>
+                        </a:rPr>
+                        <a:t>Left, right, top, bottom check.</a:t>
+                      </a:r>
+                    </a:p>
+                  </a:txBody>
+                  <a:tcPr/>
+                </a:tc>
+                <a:tc>
+                  <a:txBody>
+                    <a:bodyPr/>
+                    <a:lstStyle/>
+                    <a:p>
+                      <a:r>
+                        <a:rPr lang="en-US" sz="1600" dirty="0">
+                          <a:highlight>
+                            <a:srgbClr val="00FF00"/>
+                          </a:highlight>
+                        </a:rPr>
+                        <a:t>Interior bounds check </a:t>
+                      </a:r>
+                      <a:r>
+                        <a:rPr lang="en-US" sz="1600" dirty="0"/>
+                        <a:t>+ </a:t>
+                      </a:r>
+                      <a:r>
+                        <a:rPr lang="en-US" sz="1600" dirty="0">
+                          <a:highlight>
+                            <a:srgbClr val="00FF00"/>
+                          </a:highlight>
+                        </a:rPr>
+                        <a:t>same side.</a:t>
+                      </a:r>
+                    </a:p>
+                  </a:txBody>
+                  <a:tcPr/>
+                </a:tc>
+                <a:tc vMerge="1">
+                  <a:txBody>
+                    <a:bodyPr/>
+                    <a:lstStyle/>
+                    <a:p>
+                      <a:endParaRPr lang="en-US" dirty="0"/>
+                    </a:p>
+                  </a:txBody>
+                  <a:tcPr/>
+                </a:tc>
+                <a:tc vMerge="1">
+                  <a:txBody>
+                    <a:bodyPr/>
+                    <a:lstStyle/>
+                    <a:p>
+                      <a:endParaRPr lang="en-US" dirty="0"/>
+                    </a:p>
+                  </a:txBody>
+                  <a:tcPr/>
+                </a:tc>
+                <a:tc vMerge="1">
+                  <a:txBody>
+                    <a:bodyPr/>
+                    <a:lstStyle/>
+                    <a:p>
+                      <a:endParaRPr lang="en-US" dirty="0"/>
+                    </a:p>
+                  </a:txBody>
+                  <a:tcPr/>
+                </a:tc>
+                <a:extLst>
+                  <a:ext uri="{0D108BD9-81ED-4DB2-BD59-A6C34878D82A}">
+                    <a16:rowId xmlns:a16="http://schemas.microsoft.com/office/drawing/2014/main" val="303175858"/>
+                  </a:ext>
+                </a:extLst>
+              </a:tr>
+              <a:tr h="1297619">
+                <a:tc vMerge="1">
+                  <a:txBody>
+                    <a:bodyPr/>
+                    <a:lstStyle/>
+                    <a:p>
+                      <a:endParaRPr lang="en-US" dirty="0"/>
+                    </a:p>
+                  </a:txBody>
+                  <a:tcPr/>
+                </a:tc>
+                <a:tc>
+                  <a:txBody>
+                    <a:bodyPr/>
+                    <a:lstStyle/>
+                    <a:p>
+                      <a:r>
+                        <a:rPr lang="en-US" sz="1600" b="1" dirty="0"/>
+                        <a:t>General Rectangle</a:t>
+                      </a:r>
+                    </a:p>
+                  </a:txBody>
+                  <a:tcPr/>
+                </a:tc>
+                <a:tc>
+                  <a:txBody>
+                    <a:bodyPr/>
+                    <a:lstStyle/>
+                    <a:p>
+                      <a:r>
+                        <a:rPr lang="en-US" sz="1600" dirty="0">
+                          <a:highlight>
+                            <a:srgbClr val="00FF00"/>
+                          </a:highlight>
+                        </a:rPr>
+                        <a:t>Interior bounds check.</a:t>
+                      </a:r>
+                    </a:p>
+                  </a:txBody>
+                  <a:tcPr/>
+                </a:tc>
+                <a:tc>
+                  <a:txBody>
+                    <a:bodyPr/>
+                    <a:lstStyle/>
+                    <a:p>
+                      <a:r>
+                        <a:rPr lang="en-US" sz="1600" dirty="0"/>
+                        <a:t>?</a:t>
+                      </a:r>
+                    </a:p>
+                  </a:txBody>
+                  <a:tcPr>
+                    <a:solidFill>
+                      <a:schemeClr val="bg1">
+                        <a:lumMod val="85000"/>
+                      </a:schemeClr>
+                    </a:solidFill>
+                  </a:tcPr>
+                </a:tc>
+                <a:tc>
+                  <a:txBody>
+                    <a:bodyPr/>
+                    <a:lstStyle/>
+                    <a:p>
+                      <a:r>
+                        <a:rPr lang="en-US" sz="1600" dirty="0"/>
+                        <a:t>Convert rectangle to triangles. Do </a:t>
+                      </a:r>
+                      <a:r>
+                        <a:rPr lang="en-US" sz="1600" b="1" dirty="0"/>
+                        <a:t>AAR/Triangle</a:t>
+                      </a:r>
+                      <a:r>
+                        <a:rPr lang="en-US" sz="1600" dirty="0"/>
+                        <a:t>.</a:t>
+                      </a:r>
+                      <a:endParaRPr lang="en-US" sz="1600" dirty="0">
+                        <a:solidFill>
+                          <a:schemeClr val="tx1">
+                            <a:lumMod val="50000"/>
+                            <a:lumOff val="50000"/>
+                          </a:schemeClr>
+                        </a:solidFill>
+                      </a:endParaRPr>
+                    </a:p>
+                  </a:txBody>
+                  <a:tcPr>
+                    <a:solidFill>
+                      <a:schemeClr val="bg1">
+                        <a:lumMod val="85000"/>
+                      </a:schemeClr>
+                    </a:solidFill>
+                  </a:tcPr>
+                </a:tc>
+                <a:tc>
+                  <a:txBody>
+                    <a:bodyPr/>
+                    <a:lstStyle/>
+                    <a:p>
+                      <a:pPr marL="0" marR="0" lvl="0" indent="0" algn="l" defTabSz="914400" rtl="0" eaLnBrk="1" fontAlgn="auto" latinLnBrk="0" hangingPunct="1">
+                        <a:lnSpc>
+                          <a:spcPct val="100000"/>
+                        </a:lnSpc>
+                        <a:spcBef>
+                          <a:spcPts val="0"/>
+                        </a:spcBef>
+                        <a:spcAft>
+                          <a:spcPts val="0"/>
+                        </a:spcAft>
+                        <a:buClrTx/>
+                        <a:buSzTx/>
+                        <a:buFontTx/>
+                        <a:buNone/>
+                        <a:tabLst/>
+                        <a:defRPr/>
+                      </a:pPr>
+                      <a:r>
+                        <a:rPr lang="en-US" sz="1600" dirty="0"/>
+                        <a:t>Convert rectangle to set of triangles. Swap to AAR triangle.</a:t>
+                      </a:r>
+                    </a:p>
+                  </a:txBody>
+                  <a:tcPr>
+                    <a:solidFill>
+                      <a:schemeClr val="bg1">
+                        <a:lumMod val="85000"/>
+                      </a:schemeClr>
+                    </a:solidFill>
+                  </a:tcPr>
+                </a:tc>
+                <a:tc vMerge="1">
+                  <a:txBody>
+                    <a:bodyPr/>
+                    <a:lstStyle/>
+                    <a:p>
+                      <a:endParaRPr lang="en-US" dirty="0"/>
+                    </a:p>
+                  </a:txBody>
+                  <a:tcPr/>
+                </a:tc>
+                <a:tc vMerge="1">
+                  <a:txBody>
+                    <a:bodyPr/>
+                    <a:lstStyle/>
+                    <a:p>
+                      <a:endParaRPr lang="en-US" dirty="0"/>
+                    </a:p>
+                  </a:txBody>
+                  <a:tcPr/>
+                </a:tc>
+                <a:tc vMerge="1">
+                  <a:txBody>
+                    <a:bodyPr/>
+                    <a:lstStyle/>
+                    <a:p>
+                      <a:endParaRPr lang="en-US" dirty="0"/>
+                    </a:p>
+                  </a:txBody>
+                  <a:tcPr/>
+                </a:tc>
+                <a:extLst>
+                  <a:ext uri="{0D108BD9-81ED-4DB2-BD59-A6C34878D82A}">
+                    <a16:rowId xmlns:a16="http://schemas.microsoft.com/office/drawing/2014/main" val="2140716576"/>
+                  </a:ext>
+                </a:extLst>
+              </a:tr>
+              <a:tr h="698718">
+                <a:tc vMerge="1">
+                  <a:txBody>
+                    <a:bodyPr/>
+                    <a:lstStyle/>
+                    <a:p>
+                      <a:endParaRPr lang="en-US" dirty="0"/>
+                    </a:p>
+                  </a:txBody>
+                  <a:tcPr/>
+                </a:tc>
+                <a:tc>
+                  <a:txBody>
+                    <a:bodyPr/>
+                    <a:lstStyle/>
+                    <a:p>
+                      <a:r>
+                        <a:rPr lang="en-US" sz="1600" b="1" dirty="0"/>
+                        <a:t>Triangle</a:t>
+                      </a:r>
+                    </a:p>
+                  </a:txBody>
+                  <a:tcPr/>
+                </a:tc>
+                <a:tc>
+                  <a:txBody>
+                    <a:bodyPr/>
+                    <a:lstStyle/>
+                    <a:p>
+                      <a:r>
+                        <a:rPr lang="en-US" sz="1600" dirty="0">
+                          <a:highlight>
+                            <a:srgbClr val="00FF00"/>
+                          </a:highlight>
+                        </a:rPr>
+                        <a:t>Interior bounds check.</a:t>
+                      </a:r>
+                    </a:p>
+                  </a:txBody>
+                  <a:tcPr/>
+                </a:tc>
+                <a:tc>
+                  <a:txBody>
+                    <a:bodyPr/>
+                    <a:lstStyle/>
+                    <a:p>
+                      <a:r>
+                        <a:rPr lang="en-US" sz="1600" dirty="0">
+                          <a:highlight>
+                            <a:srgbClr val="00FF00"/>
+                          </a:highlight>
+                        </a:rPr>
+                        <a:t>Interior Test </a:t>
+                      </a:r>
+                      <a:r>
+                        <a:rPr lang="en-US" sz="1600" dirty="0"/>
+                        <a:t>+ </a:t>
+                      </a:r>
+                      <a:r>
+                        <a:rPr lang="en-US" sz="1600" dirty="0">
+                          <a:highlight>
+                            <a:srgbClr val="00FFFF"/>
+                          </a:highlight>
+                        </a:rPr>
+                        <a:t>Corner Test </a:t>
+                      </a:r>
+                      <a:r>
+                        <a:rPr lang="en-US" sz="1600" dirty="0"/>
+                        <a:t>+ </a:t>
+                      </a:r>
+                      <a:r>
+                        <a:rPr lang="en-US" sz="1600" dirty="0">
+                          <a:highlight>
+                            <a:srgbClr val="FFFF00"/>
+                          </a:highlight>
+                        </a:rPr>
+                        <a:t>Edge Test</a:t>
+                      </a:r>
+                    </a:p>
+                  </a:txBody>
+                  <a:tcPr/>
+                </a:tc>
+                <a:tc>
+                  <a:txBody>
+                    <a:bodyPr/>
+                    <a:lstStyle/>
+                    <a:p>
+                      <a:r>
+                        <a:rPr lang="en-US" sz="1600" dirty="0"/>
+                        <a:t>Swap to triangle AAR.</a:t>
+                      </a:r>
+                    </a:p>
+                  </a:txBody>
+                  <a:tcPr>
+                    <a:solidFill>
+                      <a:schemeClr val="bg1">
+                        <a:lumMod val="85000"/>
+                      </a:schemeClr>
+                    </a:solidFill>
+                  </a:tcPr>
+                </a:tc>
+                <a:tc>
+                  <a:txBody>
+                    <a:bodyPr/>
+                    <a:lstStyle/>
+                    <a:p>
+                      <a:r>
+                        <a:rPr lang="en-US" sz="1600" dirty="0">
+                          <a:highlight>
+                            <a:srgbClr val="00FF00"/>
+                          </a:highlight>
+                        </a:rPr>
+                        <a:t>Same side test</a:t>
+                      </a:r>
+                    </a:p>
+                  </a:txBody>
+                  <a:tcPr/>
+                </a:tc>
+                <a:tc vMerge="1">
+                  <a:txBody>
+                    <a:bodyPr/>
+                    <a:lstStyle/>
+                    <a:p>
+                      <a:endParaRPr lang="en-US" dirty="0"/>
+                    </a:p>
+                  </a:txBody>
+                  <a:tcPr/>
+                </a:tc>
+                <a:tc vMerge="1">
+                  <a:txBody>
+                    <a:bodyPr/>
+                    <a:lstStyle/>
+                    <a:p>
+                      <a:endParaRPr lang="en-US" dirty="0"/>
+                    </a:p>
+                  </a:txBody>
+                  <a:tcPr/>
+                </a:tc>
+                <a:tc vMerge="1">
+                  <a:txBody>
+                    <a:bodyPr/>
+                    <a:lstStyle/>
+                    <a:p>
+                      <a:endParaRPr lang="en-US" dirty="0"/>
+                    </a:p>
+                  </a:txBody>
+                  <a:tcPr/>
+                </a:tc>
+                <a:extLst>
+                  <a:ext uri="{0D108BD9-81ED-4DB2-BD59-A6C34878D82A}">
+                    <a16:rowId xmlns:a16="http://schemas.microsoft.com/office/drawing/2014/main" val="3317483247"/>
+                  </a:ext>
+                </a:extLst>
+              </a:tr>
+              <a:tr h="1297619">
+                <a:tc vMerge="1">
+                  <a:txBody>
+                    <a:bodyPr/>
+                    <a:lstStyle/>
+                    <a:p>
+                      <a:endParaRPr lang="en-US" dirty="0"/>
+                    </a:p>
+                  </a:txBody>
+                  <a:tcPr/>
+                </a:tc>
+                <a:tc>
+                  <a:txBody>
+                    <a:bodyPr/>
+                    <a:lstStyle/>
+                    <a:p>
+                      <a:r>
+                        <a:rPr lang="en-US" sz="1600" b="1" dirty="0"/>
+                        <a:t>Convex</a:t>
+                      </a:r>
+                    </a:p>
+                  </a:txBody>
+                  <a:tcPr/>
+                </a:tc>
+                <a:tc>
+                  <a:txBody>
+                    <a:bodyPr/>
+                    <a:lstStyle/>
+                    <a:p>
+                      <a:pPr algn="l"/>
+                      <a:r>
+                        <a:rPr lang="en-US" sz="1600" dirty="0">
+                          <a:highlight>
+                            <a:srgbClr val="00FF00"/>
+                          </a:highlight>
+                        </a:rPr>
+                        <a:t>Interior bounds check.</a:t>
+                      </a:r>
+                    </a:p>
+                  </a:txBody>
+                  <a:tcPr/>
+                </a:tc>
+                <a:tc>
+                  <a:txBody>
+                    <a:bodyPr/>
+                    <a:lstStyle/>
+                    <a:p>
+                      <a:pPr algn="l"/>
+                      <a:r>
+                        <a:rPr lang="en-US" sz="1600" dirty="0">
+                          <a:highlight>
+                            <a:srgbClr val="00FF00"/>
+                          </a:highlight>
+                        </a:rPr>
+                        <a:t>Interior Test </a:t>
+                      </a:r>
+                      <a:r>
+                        <a:rPr lang="en-US" sz="1600" dirty="0"/>
+                        <a:t>+ </a:t>
+                      </a:r>
+                      <a:r>
+                        <a:rPr lang="en-US" sz="1600" dirty="0">
+                          <a:highlight>
+                            <a:srgbClr val="00FFFF"/>
+                          </a:highlight>
+                        </a:rPr>
+                        <a:t>Corner Test</a:t>
+                      </a:r>
+                      <a:r>
+                        <a:rPr lang="en-US" sz="1600" dirty="0"/>
+                        <a:t> + </a:t>
+                      </a:r>
+                      <a:r>
+                        <a:rPr lang="en-US" sz="1600" dirty="0">
+                          <a:highlight>
+                            <a:srgbClr val="FFFF00"/>
+                          </a:highlight>
+                        </a:rPr>
+                        <a:t>Edge Test</a:t>
+                      </a:r>
+                    </a:p>
+                  </a:txBody>
+                  <a:tcPr/>
+                </a:tc>
+                <a:tc>
+                  <a:txBody>
+                    <a:bodyPr/>
+                    <a:lstStyle/>
+                    <a:p>
+                      <a:pPr algn="ctr"/>
+                      <a:r>
+                        <a:rPr lang="en-US" sz="1600" dirty="0"/>
+                        <a:t>Convert convex to set of  triangles. Do </a:t>
+                      </a:r>
+                      <a:r>
+                        <a:rPr lang="en-US" sz="1600" b="1" dirty="0"/>
+                        <a:t>AAR/Triangle </a:t>
+                      </a:r>
+                      <a:r>
+                        <a:rPr lang="en-US" sz="1600" dirty="0"/>
+                        <a:t>for each.</a:t>
+                      </a:r>
+                    </a:p>
+                  </a:txBody>
+                  <a:tcPr>
+                    <a:solidFill>
+                      <a:schemeClr val="bg1">
+                        <a:lumMod val="85000"/>
+                      </a:schemeClr>
+                    </a:solidFill>
+                  </a:tcPr>
+                </a:tc>
+                <a:tc>
+                  <a:txBody>
+                    <a:bodyPr/>
+                    <a:lstStyle/>
+                    <a:p>
+                      <a:pPr marL="0" marR="0" lvl="0" indent="0" algn="ctr" defTabSz="914400" rtl="0" eaLnBrk="1" fontAlgn="auto" latinLnBrk="0" hangingPunct="1">
+                        <a:lnSpc>
+                          <a:spcPct val="100000"/>
+                        </a:lnSpc>
+                        <a:spcBef>
+                          <a:spcPts val="0"/>
+                        </a:spcBef>
+                        <a:spcAft>
+                          <a:spcPts val="0"/>
+                        </a:spcAft>
+                        <a:buClrTx/>
+                        <a:buSzTx/>
+                        <a:buFontTx/>
+                        <a:buNone/>
+                        <a:tabLst/>
+                        <a:defRPr/>
+                      </a:pPr>
+                      <a:r>
+                        <a:rPr lang="en-US" sz="1600" dirty="0"/>
+                        <a:t>Convert to triangles. Swap to triangle </a:t>
+                      </a:r>
+                      <a:r>
+                        <a:rPr lang="en-US" sz="1600" dirty="0" err="1"/>
+                        <a:t>triangle</a:t>
+                      </a:r>
+                      <a:r>
+                        <a:rPr lang="en-US" sz="1600" dirty="0"/>
+                        <a:t>.</a:t>
+                      </a:r>
+                    </a:p>
+                  </a:txBody>
+                  <a:tcPr>
+                    <a:solidFill>
+                      <a:schemeClr val="bg1">
+                        <a:lumMod val="85000"/>
+                      </a:schemeClr>
+                    </a:solidFill>
+                  </a:tcPr>
+                </a:tc>
+                <a:tc vMerge="1">
+                  <a:txBody>
+                    <a:bodyPr/>
+                    <a:lstStyle/>
+                    <a:p>
+                      <a:pPr algn="ctr"/>
+                      <a:endParaRPr lang="en-US" dirty="0"/>
+                    </a:p>
+                  </a:txBody>
+                  <a:tcPr/>
+                </a:tc>
+                <a:tc vMerge="1">
+                  <a:txBody>
+                    <a:bodyPr/>
+                    <a:lstStyle/>
+                    <a:p>
+                      <a:pPr algn="ctr"/>
+                      <a:endParaRPr lang="en-US" dirty="0"/>
+                    </a:p>
+                  </a:txBody>
+                  <a:tcPr/>
+                </a:tc>
+                <a:tc vMerge="1">
+                  <a:txBody>
+                    <a:bodyPr/>
+                    <a:lstStyle/>
+                    <a:p>
+                      <a:pPr algn="ctr"/>
+                      <a:endParaRPr lang="en-US" dirty="0"/>
+                    </a:p>
+                  </a:txBody>
+                  <a:tcPr/>
+                </a:tc>
+                <a:extLst>
+                  <a:ext uri="{0D108BD9-81ED-4DB2-BD59-A6C34878D82A}">
+                    <a16:rowId xmlns:a16="http://schemas.microsoft.com/office/drawing/2014/main" val="4208287078"/>
+                  </a:ext>
+                </a:extLst>
+              </a:tr>
+              <a:tr h="399268">
+                <a:tc vMerge="1">
+                  <a:txBody>
+                    <a:bodyPr/>
+                    <a:lstStyle/>
+                    <a:p>
+                      <a:endParaRPr lang="en-US" dirty="0"/>
+                    </a:p>
+                  </a:txBody>
+                  <a:tcPr/>
+                </a:tc>
+                <a:tc>
+                  <a:txBody>
+                    <a:bodyPr/>
+                    <a:lstStyle/>
+                    <a:p>
+                      <a:r>
+                        <a:rPr lang="en-US" sz="1600" b="1" dirty="0"/>
+                        <a:t>Concave</a:t>
+                      </a:r>
+                    </a:p>
+                  </a:txBody>
+                  <a:tcPr/>
+                </a:tc>
+                <a:tc gridSpan="4">
+                  <a:txBody>
+                    <a:bodyPr/>
+                    <a:lstStyle/>
+                    <a:p>
+                      <a:pPr algn="ctr"/>
+                      <a:r>
+                        <a:rPr lang="en-US" sz="1600" dirty="0"/>
+                        <a:t>Convert concave to set of convex. Collide against all new convex shapes</a:t>
+                      </a:r>
+                    </a:p>
+                  </a:txBody>
+                  <a:tcPr>
+                    <a:solidFill>
+                      <a:schemeClr val="bg1">
+                        <a:lumMod val="85000"/>
+                      </a:schemeClr>
+                    </a:solidFill>
+                  </a:tcPr>
+                </a:tc>
+                <a:tc hMerge="1">
+                  <a:txBody>
+                    <a:bodyPr/>
+                    <a:lstStyle/>
+                    <a:p>
+                      <a:endParaRPr lang="en-US" dirty="0"/>
+                    </a:p>
+                  </a:txBody>
+                  <a:tcPr/>
+                </a:tc>
+                <a:tc hMerge="1">
+                  <a:txBody>
+                    <a:bodyPr/>
+                    <a:lstStyle/>
+                    <a:p>
+                      <a:endParaRPr lang="en-US" dirty="0"/>
+                    </a:p>
+                  </a:txBody>
+                  <a:tcPr/>
+                </a:tc>
+                <a:tc hMerge="1">
+                  <a:txBody>
+                    <a:bodyPr/>
+                    <a:lstStyle/>
+                    <a:p>
+                      <a:endParaRPr lang="en-US" dirty="0"/>
+                    </a:p>
+                  </a:txBody>
+                  <a:tcPr/>
+                </a:tc>
+                <a:tc vMerge="1">
+                  <a:txBody>
+                    <a:bodyPr/>
+                    <a:lstStyle/>
+                    <a:p>
+                      <a:pPr algn="ctr"/>
+                      <a:endParaRPr lang="en-US" dirty="0"/>
+                    </a:p>
+                  </a:txBody>
+                  <a:tcPr/>
+                </a:tc>
+                <a:tc vMerge="1">
+                  <a:txBody>
+                    <a:bodyPr/>
+                    <a:lstStyle/>
+                    <a:p>
+                      <a:pPr algn="ctr"/>
+                      <a:endParaRPr lang="en-US" dirty="0"/>
+                    </a:p>
+                  </a:txBody>
+                  <a:tcPr/>
+                </a:tc>
+                <a:tc vMerge="1">
+                  <a:txBody>
+                    <a:bodyPr/>
+                    <a:lstStyle/>
+                    <a:p>
+                      <a:pPr algn="ctr"/>
+                      <a:endParaRPr lang="en-US" dirty="0"/>
+                    </a:p>
+                  </a:txBody>
+                  <a:tcPr/>
+                </a:tc>
+                <a:extLst>
+                  <a:ext uri="{0D108BD9-81ED-4DB2-BD59-A6C34878D82A}">
+                    <a16:rowId xmlns:a16="http://schemas.microsoft.com/office/drawing/2014/main" val="4213133214"/>
+                  </a:ext>
+                </a:extLst>
+              </a:tr>
+            </a:tbl>
+          </a:graphicData>
+        </a:graphic>
+      </p:graphicFrame>
+    </p:spTree>
+    <p:extLst>
+      <p:ext uri="{BB962C8B-B14F-4D97-AF65-F5344CB8AC3E}">
+        <p14:creationId xmlns:p14="http://schemas.microsoft.com/office/powerpoint/2010/main" val="807574710"/>
+      </p:ext>
+    </p:extLst>
+  </p:cSld>
+  <p:clrMapOvr>
+    <a:masterClrMapping/>
+  </p:clrMapOvr>
+</p:sld>
+</file>
+
+<file path=ppt/slides/slide19.xml><?xml version="1.0" encoding="utf-8"?>
+<p:sld xmlns:a="http://schemas.openxmlformats.org/drawingml/2006/main" xmlns:r="http://schemas.openxmlformats.org/officeDocument/2006/relationships" xmlns:p="http://schemas.openxmlformats.org/presentationml/2006/main">
+  <p:cSld>
+    <p:spTree>
+      <p:nvGrpSpPr>
+        <p:cNvPr id="1" name=""/>
+        <p:cNvGrpSpPr/>
+        <p:nvPr/>
+      </p:nvGrpSpPr>
+      <p:grpSpPr>
+        <a:xfrm>
+          <a:off x="0" y="0"/>
+          <a:ext cx="0" cy="0"/>
+          <a:chOff x="0" y="0"/>
+          <a:chExt cx="0" cy="0"/>
+        </a:xfrm>
+      </p:grpSpPr>
+      <p:graphicFrame>
+        <p:nvGraphicFramePr>
+          <p:cNvPr id="4" name="Table 4">
+            <a:extLst>
+              <a:ext uri="{FF2B5EF4-FFF2-40B4-BE49-F238E27FC236}">
+                <a16:creationId xmlns:a16="http://schemas.microsoft.com/office/drawing/2014/main" id="{956CCF6E-976D-405A-AB38-F1B7FF885023}"/>
+              </a:ext>
+            </a:extLst>
+          </p:cNvPr>
+          <p:cNvGraphicFramePr>
+            <a:graphicFrameLocks noGrp="1"/>
+          </p:cNvGraphicFramePr>
+          <p:nvPr>
+            <p:extLst>
+              <p:ext uri="{D42A27DB-BD31-4B8C-83A1-F6EECF244321}">
+                <p14:modId xmlns:p14="http://schemas.microsoft.com/office/powerpoint/2010/main" val="343215556"/>
+              </p:ext>
+            </p:extLst>
+          </p:nvPr>
+        </p:nvGraphicFramePr>
+        <p:xfrm>
+          <a:off x="0" y="1"/>
+          <a:ext cx="12191999" cy="6685056"/>
+        </p:xfrm>
+        <a:graphic>
+          <a:graphicData uri="http://schemas.openxmlformats.org/drawingml/2006/table">
+            <a:tbl>
+              <a:tblPr firstRow="1" bandRow="1">
+                <a:tableStyleId>{5940675A-B579-460E-94D1-54222C63F5DA}</a:tableStyleId>
+              </a:tblPr>
+              <a:tblGrid>
+                <a:gridCol w="489122">
+                  <a:extLst>
+                    <a:ext uri="{9D8B030D-6E8A-4147-A177-3AD203B41FA5}">
+                      <a16:colId xmlns:a16="http://schemas.microsoft.com/office/drawing/2014/main" val="716726513"/>
+                    </a:ext>
+                  </a:extLst>
+                </a:gridCol>
+                <a:gridCol w="1862709">
+                  <a:extLst>
+                    <a:ext uri="{9D8B030D-6E8A-4147-A177-3AD203B41FA5}">
+                      <a16:colId xmlns:a16="http://schemas.microsoft.com/office/drawing/2014/main" val="2537481366"/>
+                    </a:ext>
+                  </a:extLst>
+                </a:gridCol>
+                <a:gridCol w="1314272">
+                  <a:extLst>
+                    <a:ext uri="{9D8B030D-6E8A-4147-A177-3AD203B41FA5}">
+                      <a16:colId xmlns:a16="http://schemas.microsoft.com/office/drawing/2014/main" val="1913629758"/>
+                    </a:ext>
+                  </a:extLst>
+                </a:gridCol>
+                <a:gridCol w="2131474">
+                  <a:extLst>
+                    <a:ext uri="{9D8B030D-6E8A-4147-A177-3AD203B41FA5}">
+                      <a16:colId xmlns:a16="http://schemas.microsoft.com/office/drawing/2014/main" val="4007346255"/>
+                    </a:ext>
+                  </a:extLst>
+                </a:gridCol>
+                <a:gridCol w="2131474">
+                  <a:extLst>
+                    <a:ext uri="{9D8B030D-6E8A-4147-A177-3AD203B41FA5}">
+                      <a16:colId xmlns:a16="http://schemas.microsoft.com/office/drawing/2014/main" val="2090263074"/>
+                    </a:ext>
+                  </a:extLst>
+                </a:gridCol>
+                <a:gridCol w="2131474">
+                  <a:extLst>
+                    <a:ext uri="{9D8B030D-6E8A-4147-A177-3AD203B41FA5}">
+                      <a16:colId xmlns:a16="http://schemas.microsoft.com/office/drawing/2014/main" val="842783627"/>
+                    </a:ext>
+                  </a:extLst>
+                </a:gridCol>
+                <a:gridCol w="2131474">
+                  <a:extLst>
+                    <a:ext uri="{9D8B030D-6E8A-4147-A177-3AD203B41FA5}">
+                      <a16:colId xmlns:a16="http://schemas.microsoft.com/office/drawing/2014/main" val="407476373"/>
+                    </a:ext>
+                  </a:extLst>
+                </a:gridCol>
+              </a:tblGrid>
+              <a:tr h="345552">
+                <a:tc>
+                  <a:txBody>
+                    <a:bodyPr/>
+                    <a:lstStyle/>
+                    <a:p>
+                      <a:endParaRPr lang="en-US" dirty="0"/>
+                    </a:p>
+                  </a:txBody>
+                  <a:tcPr/>
+                </a:tc>
+                <a:tc gridSpan="6">
+                  <a:txBody>
+                    <a:bodyPr/>
+                    <a:lstStyle/>
+                    <a:p>
+                      <a:pPr algn="ctr"/>
+                      <a:r>
+                        <a:rPr lang="en-US" dirty="0"/>
+                        <a:t>Two</a:t>
+                      </a:r>
+                    </a:p>
+                  </a:txBody>
+                  <a:tcPr/>
+                </a:tc>
+                <a:tc hMerge="1">
+                  <a:txBody>
+                    <a:bodyPr/>
+                    <a:lstStyle/>
+                    <a:p>
+                      <a:endParaRPr lang="en-US" dirty="0"/>
+                    </a:p>
+                  </a:txBody>
+                  <a:tcPr/>
+                </a:tc>
+                <a:tc hMerge="1">
+                  <a:txBody>
+                    <a:bodyPr/>
+                    <a:lstStyle/>
+                    <a:p>
+                      <a:endParaRPr lang="en-US" dirty="0"/>
+                    </a:p>
+                  </a:txBody>
+                  <a:tcPr/>
+                </a:tc>
+                <a:tc hMerge="1">
+                  <a:txBody>
+                    <a:bodyPr/>
+                    <a:lstStyle/>
+                    <a:p>
+                      <a:endParaRPr lang="en-US" dirty="0"/>
+                    </a:p>
+                  </a:txBody>
+                  <a:tcPr/>
+                </a:tc>
+                <a:tc hMerge="1">
+                  <a:txBody>
+                    <a:bodyPr/>
+                    <a:lstStyle/>
+                    <a:p>
+                      <a:endParaRPr lang="en-US" dirty="0"/>
+                    </a:p>
+                  </a:txBody>
+                  <a:tcPr/>
+                </a:tc>
+                <a:tc hMerge="1">
+                  <a:txBody>
+                    <a:bodyPr/>
+                    <a:lstStyle/>
+                    <a:p>
+                      <a:pPr algn="ctr"/>
+                      <a:endParaRPr lang="en-US" dirty="0"/>
+                    </a:p>
+                  </a:txBody>
+                  <a:tcPr/>
+                </a:tc>
+                <a:extLst>
+                  <a:ext uri="{0D108BD9-81ED-4DB2-BD59-A6C34878D82A}">
+                    <a16:rowId xmlns:a16="http://schemas.microsoft.com/office/drawing/2014/main" val="306709068"/>
+                  </a:ext>
+                </a:extLst>
+              </a:tr>
+              <a:tr h="345552">
+                <a:tc rowSpan="6">
+                  <a:txBody>
+                    <a:bodyPr/>
+                    <a:lstStyle/>
+                    <a:p>
+                      <a:pPr algn="ctr"/>
+                      <a:r>
+                        <a:rPr lang="en-US" dirty="0"/>
+                        <a:t>One</a:t>
+                      </a:r>
+                    </a:p>
+                  </a:txBody>
+                  <a:tcPr vert="vert270" anchor="ctr"/>
+                </a:tc>
+                <a:tc>
+                  <a:txBody>
+                    <a:bodyPr/>
+                    <a:lstStyle/>
+                    <a:p>
+                      <a:r>
+                        <a:rPr lang="en-US" dirty="0"/>
+                        <a:t>-</a:t>
+                      </a:r>
+                    </a:p>
+                  </a:txBody>
+                  <a:tcPr/>
+                </a:tc>
+                <a:tc>
+                  <a:txBody>
+                    <a:bodyPr/>
+                    <a:lstStyle/>
+                    <a:p>
+                      <a:r>
+                        <a:rPr lang="en-US" dirty="0"/>
+                        <a:t>Point</a:t>
+                      </a:r>
+                    </a:p>
+                  </a:txBody>
+                  <a:tcPr/>
+                </a:tc>
+                <a:tc>
+                  <a:txBody>
+                    <a:bodyPr/>
+                    <a:lstStyle/>
+                    <a:p>
+                      <a:r>
+                        <a:rPr lang="en-US" dirty="0"/>
+                        <a:t>Circle</a:t>
+                      </a:r>
+                    </a:p>
+                  </a:txBody>
+                  <a:tcPr/>
+                </a:tc>
+                <a:tc>
+                  <a:txBody>
+                    <a:bodyPr/>
+                    <a:lstStyle/>
+                    <a:p>
+                      <a:r>
+                        <a:rPr lang="en-US" dirty="0"/>
+                        <a:t>AAR</a:t>
+                      </a:r>
+                    </a:p>
+                  </a:txBody>
+                  <a:tcPr/>
+                </a:tc>
+                <a:tc>
+                  <a:txBody>
+                    <a:bodyPr/>
+                    <a:lstStyle/>
+                    <a:p>
+                      <a:r>
+                        <a:rPr lang="en-US" dirty="0"/>
+                        <a:t>Convex</a:t>
+                      </a:r>
+                    </a:p>
+                  </a:txBody>
+                  <a:tcPr/>
+                </a:tc>
+                <a:tc>
+                  <a:txBody>
+                    <a:bodyPr/>
+                    <a:lstStyle/>
+                    <a:p>
+                      <a:r>
+                        <a:rPr lang="en-US" dirty="0"/>
+                        <a:t>Concave</a:t>
+                      </a:r>
+                    </a:p>
+                  </a:txBody>
+                  <a:tcPr/>
+                </a:tc>
+                <a:extLst>
+                  <a:ext uri="{0D108BD9-81ED-4DB2-BD59-A6C34878D82A}">
+                    <a16:rowId xmlns:a16="http://schemas.microsoft.com/office/drawing/2014/main" val="165118986"/>
+                  </a:ext>
+                </a:extLst>
+              </a:tr>
+              <a:tr h="1321601">
+                <a:tc vMerge="1">
+                  <a:txBody>
+                    <a:bodyPr/>
+                    <a:lstStyle/>
+                    <a:p>
+                      <a:endParaRPr lang="en-US" dirty="0"/>
+                    </a:p>
+                  </a:txBody>
+                  <a:tcPr/>
+                </a:tc>
+                <a:tc>
+                  <a:txBody>
+                    <a:bodyPr/>
+                    <a:lstStyle/>
+                    <a:p>
+                      <a:r>
+                        <a:rPr lang="en-US" dirty="0"/>
+                        <a:t>Point</a:t>
+                      </a:r>
+                    </a:p>
+                  </a:txBody>
+                  <a:tcPr/>
+                </a:tc>
+                <a:tc>
+                  <a:txBody>
+                    <a:bodyPr/>
+                    <a:lstStyle/>
+                    <a:p>
+                      <a:endParaRPr lang="en-US" dirty="0"/>
+                    </a:p>
+                  </a:txBody>
+                  <a:tcPr/>
+                </a:tc>
+                <a:tc>
+                  <a:txBody>
+                    <a:bodyPr/>
+                    <a:lstStyle/>
+                    <a:p>
+                      <a:endParaRPr lang="en-US" dirty="0">
+                        <a:highlight>
+                          <a:srgbClr val="FF0000"/>
+                        </a:highlight>
+                      </a:endParaRPr>
+                    </a:p>
+                  </a:txBody>
+                  <a:tcPr/>
+                </a:tc>
+                <a:tc>
+                  <a:txBody>
+                    <a:bodyPr/>
+                    <a:lstStyle/>
+                    <a:p>
+                      <a:endParaRPr lang="en-US" dirty="0">
+                        <a:highlight>
+                          <a:srgbClr val="FF00FF"/>
+                        </a:highlight>
+                      </a:endParaRPr>
+                    </a:p>
+                  </a:txBody>
+                  <a:tcPr/>
+                </a:tc>
+                <a:tc>
+                  <a:txBody>
+                    <a:bodyPr/>
+                    <a:lstStyle/>
+                    <a:p>
+                      <a:endParaRPr lang="en-US" dirty="0">
+                        <a:highlight>
+                          <a:srgbClr val="FF00FF"/>
+                        </a:highlight>
+                      </a:endParaRPr>
+                    </a:p>
+                  </a:txBody>
+                  <a:tcPr/>
+                </a:tc>
+                <a:tc>
+                  <a:txBody>
+                    <a:bodyPr/>
+                    <a:lstStyle/>
+                    <a:p>
+                      <a:endParaRPr lang="en-US" b="1" dirty="0"/>
+                    </a:p>
+                  </a:txBody>
+                  <a:tcPr/>
+                </a:tc>
+                <a:extLst>
+                  <a:ext uri="{0D108BD9-81ED-4DB2-BD59-A6C34878D82A}">
+                    <a16:rowId xmlns:a16="http://schemas.microsoft.com/office/drawing/2014/main" val="1443863339"/>
+                  </a:ext>
+                </a:extLst>
+              </a:tr>
+              <a:tr h="1123046">
+                <a:tc vMerge="1">
+                  <a:txBody>
+                    <a:bodyPr/>
+                    <a:lstStyle/>
+                    <a:p>
+                      <a:endParaRPr lang="en-US" dirty="0"/>
+                    </a:p>
+                  </a:txBody>
+                  <a:tcPr/>
+                </a:tc>
+                <a:tc>
+                  <a:txBody>
+                    <a:bodyPr/>
+                    <a:lstStyle/>
+                    <a:p>
+                      <a:r>
+                        <a:rPr lang="en-US" dirty="0"/>
+                        <a:t>Circle</a:t>
+                      </a:r>
+                    </a:p>
+                  </a:txBody>
+                  <a:tcPr/>
+                </a:tc>
+                <a:tc>
+                  <a:txBody>
+                    <a:bodyPr/>
+                    <a:lstStyle/>
+                    <a:p>
+                      <a:endParaRPr lang="en-US" b="1" dirty="0"/>
+                    </a:p>
+                  </a:txBody>
+                  <a:tcPr/>
+                </a:tc>
+                <a:tc>
+                  <a:txBody>
+                    <a:bodyPr/>
+                    <a:lstStyle/>
+                    <a:p>
+                      <a:endParaRPr lang="en-US" dirty="0"/>
+                    </a:p>
+                  </a:txBody>
+                  <a:tcPr/>
+                </a:tc>
+                <a:tc>
+                  <a:txBody>
+                    <a:bodyPr/>
+                    <a:lstStyle/>
+                    <a:p>
+                      <a:endParaRPr lang="en-US" dirty="0"/>
+                    </a:p>
+                  </a:txBody>
+                  <a:tcPr/>
+                </a:tc>
+                <a:tc>
+                  <a:txBody>
+                    <a:bodyPr/>
+                    <a:lstStyle/>
+                    <a:p>
+                      <a:endParaRPr lang="en-US" dirty="0"/>
+                    </a:p>
+                  </a:txBody>
+                  <a:tcPr/>
+                </a:tc>
+                <a:tc>
+                  <a:txBody>
+                    <a:bodyPr/>
+                    <a:lstStyle/>
+                    <a:p>
+                      <a:pPr marL="0" marR="0" lvl="0" indent="0" algn="l" defTabSz="914400" rtl="0" eaLnBrk="1" fontAlgn="auto" latinLnBrk="0" hangingPunct="1">
+                        <a:lnSpc>
+                          <a:spcPct val="100000"/>
+                        </a:lnSpc>
+                        <a:spcBef>
+                          <a:spcPts val="0"/>
+                        </a:spcBef>
+                        <a:spcAft>
+                          <a:spcPts val="0"/>
+                        </a:spcAft>
+                        <a:buClrTx/>
+                        <a:buSzTx/>
+                        <a:buFontTx/>
+                        <a:buNone/>
+                        <a:tabLst/>
+                        <a:defRPr/>
+                      </a:pPr>
+                      <a:endParaRPr lang="en-US" b="1" dirty="0"/>
+                    </a:p>
+                  </a:txBody>
+                  <a:tcPr/>
+                </a:tc>
+                <a:extLst>
+                  <a:ext uri="{0D108BD9-81ED-4DB2-BD59-A6C34878D82A}">
+                    <a16:rowId xmlns:a16="http://schemas.microsoft.com/office/drawing/2014/main" val="4103566691"/>
+                  </a:ext>
+                </a:extLst>
+              </a:tr>
+              <a:tr h="1347079">
+                <a:tc vMerge="1">
+                  <a:txBody>
+                    <a:bodyPr/>
+                    <a:lstStyle/>
+                    <a:p>
+                      <a:endParaRPr lang="en-US" dirty="0"/>
+                    </a:p>
+                  </a:txBody>
+                  <a:tcPr/>
+                </a:tc>
+                <a:tc>
+                  <a:txBody>
+                    <a:bodyPr/>
+                    <a:lstStyle/>
+                    <a:p>
+                      <a:r>
+                        <a:rPr lang="en-US" dirty="0"/>
+                        <a:t>AAR</a:t>
+                      </a:r>
+                    </a:p>
+                  </a:txBody>
+                  <a:tcPr/>
+                </a:tc>
+                <a:tc>
+                  <a:txBody>
+                    <a:bodyPr/>
+                    <a:lstStyle/>
+                    <a:p>
+                      <a:endParaRPr lang="en-US" b="1" dirty="0"/>
+                    </a:p>
+                  </a:txBody>
+                  <a:tcPr/>
+                </a:tc>
+                <a:tc>
+                  <a:txBody>
+                    <a:bodyPr/>
+                    <a:lstStyle/>
+                    <a:p>
+                      <a:endParaRPr lang="en-US" b="1" dirty="0"/>
+                    </a:p>
+                  </a:txBody>
+                  <a:tcPr/>
+                </a:tc>
+                <a:tc>
+                  <a:txBody>
+                    <a:bodyPr/>
+                    <a:lstStyle/>
+                    <a:p>
+                      <a:endParaRPr lang="en-US" dirty="0"/>
+                    </a:p>
+                  </a:txBody>
+                  <a:tcPr/>
+                </a:tc>
+                <a:tc>
+                  <a:txBody>
+                    <a:bodyPr/>
+                    <a:lstStyle/>
+                    <a:p>
+                      <a:endParaRPr lang="en-US" dirty="0"/>
+                    </a:p>
+                  </a:txBody>
+                  <a:tcPr/>
+                </a:tc>
+                <a:tc>
+                  <a:txBody>
+                    <a:bodyPr/>
+                    <a:lstStyle/>
+                    <a:p>
+                      <a:pPr marL="0" marR="0" lvl="0" indent="0" algn="l" defTabSz="914400" rtl="0" eaLnBrk="1" fontAlgn="auto" latinLnBrk="0" hangingPunct="1">
+                        <a:lnSpc>
+                          <a:spcPct val="100000"/>
+                        </a:lnSpc>
+                        <a:spcBef>
+                          <a:spcPts val="0"/>
+                        </a:spcBef>
+                        <a:spcAft>
+                          <a:spcPts val="0"/>
+                        </a:spcAft>
+                        <a:buClrTx/>
+                        <a:buSzTx/>
+                        <a:buFontTx/>
+                        <a:buNone/>
+                        <a:tabLst/>
+                        <a:defRPr/>
+                      </a:pPr>
+                      <a:endParaRPr lang="en-US" b="1" dirty="0"/>
+                    </a:p>
+                  </a:txBody>
+                  <a:tcPr/>
+                </a:tc>
+                <a:extLst>
+                  <a:ext uri="{0D108BD9-81ED-4DB2-BD59-A6C34878D82A}">
+                    <a16:rowId xmlns:a16="http://schemas.microsoft.com/office/drawing/2014/main" val="44518630"/>
+                  </a:ext>
+                </a:extLst>
+              </a:tr>
+              <a:tr h="1251536">
+                <a:tc vMerge="1">
+                  <a:txBody>
+                    <a:bodyPr/>
+                    <a:lstStyle/>
+                    <a:p>
+                      <a:endParaRPr lang="en-US" dirty="0"/>
+                    </a:p>
+                  </a:txBody>
+                  <a:tcPr/>
+                </a:tc>
+                <a:tc>
+                  <a:txBody>
+                    <a:bodyPr/>
+                    <a:lstStyle/>
+                    <a:p>
+                      <a:r>
+                        <a:rPr lang="en-US" dirty="0"/>
+                        <a:t>Convex</a:t>
+                      </a:r>
+                    </a:p>
+                  </a:txBody>
+                  <a:tcPr/>
+                </a:tc>
+                <a:tc>
+                  <a:txBody>
+                    <a:bodyPr/>
+                    <a:lstStyle/>
+                    <a:p>
+                      <a:endParaRPr lang="en-US" b="1" dirty="0"/>
+                    </a:p>
+                  </a:txBody>
+                  <a:tcPr/>
+                </a:tc>
+                <a:tc>
+                  <a:txBody>
+                    <a:bodyPr/>
+                    <a:lstStyle/>
+                    <a:p>
+                      <a:endParaRPr lang="en-US" b="1" dirty="0"/>
+                    </a:p>
+                  </a:txBody>
+                  <a:tcPr/>
+                </a:tc>
+                <a:tc>
+                  <a:txBody>
+                    <a:bodyPr/>
+                    <a:lstStyle/>
+                    <a:p>
+                      <a:endParaRPr lang="en-US" b="1" dirty="0"/>
+                    </a:p>
+                  </a:txBody>
+                  <a:tcPr/>
+                </a:tc>
+                <a:tc>
+                  <a:txBody>
+                    <a:bodyPr/>
+                    <a:lstStyle/>
+                    <a:p>
+                      <a:pPr marL="0" marR="0" lvl="0" indent="0" algn="l" defTabSz="914400" rtl="0" eaLnBrk="1" fontAlgn="auto" latinLnBrk="0" hangingPunct="1">
+                        <a:lnSpc>
+                          <a:spcPct val="100000"/>
+                        </a:lnSpc>
+                        <a:spcBef>
+                          <a:spcPts val="0"/>
+                        </a:spcBef>
+                        <a:spcAft>
+                          <a:spcPts val="0"/>
+                        </a:spcAft>
+                        <a:buClrTx/>
+                        <a:buSzTx/>
+                        <a:buFontTx/>
+                        <a:buNone/>
+                        <a:tabLst/>
+                        <a:defRPr/>
+                      </a:pPr>
+                      <a:endParaRPr lang="en-US" dirty="0"/>
+                    </a:p>
+                  </a:txBody>
+                  <a:tcPr/>
+                </a:tc>
+                <a:tc>
+                  <a:txBody>
+                    <a:bodyPr/>
+                    <a:lstStyle/>
+                    <a:p>
+                      <a:pPr marL="0" marR="0" lvl="0" indent="0" algn="l" defTabSz="914400" rtl="0" eaLnBrk="1" fontAlgn="auto" latinLnBrk="0" hangingPunct="1">
+                        <a:lnSpc>
+                          <a:spcPct val="100000"/>
+                        </a:lnSpc>
+                        <a:spcBef>
+                          <a:spcPts val="0"/>
+                        </a:spcBef>
+                        <a:spcAft>
+                          <a:spcPts val="0"/>
+                        </a:spcAft>
+                        <a:buClrTx/>
+                        <a:buSzTx/>
+                        <a:buFontTx/>
+                        <a:buNone/>
+                        <a:tabLst/>
+                        <a:defRPr/>
+                      </a:pPr>
+                      <a:endParaRPr lang="en-US" b="1" dirty="0"/>
+                    </a:p>
+                  </a:txBody>
+                  <a:tcPr/>
+                </a:tc>
+                <a:extLst>
+                  <a:ext uri="{0D108BD9-81ED-4DB2-BD59-A6C34878D82A}">
+                    <a16:rowId xmlns:a16="http://schemas.microsoft.com/office/drawing/2014/main" val="3472991750"/>
+                  </a:ext>
+                </a:extLst>
+              </a:tr>
+              <a:tr h="910274">
+                <a:tc vMerge="1">
+                  <a:txBody>
+                    <a:bodyPr/>
+                    <a:lstStyle/>
+                    <a:p>
+                      <a:endParaRPr lang="en-US" dirty="0"/>
+                    </a:p>
+                  </a:txBody>
+                  <a:tcPr/>
+                </a:tc>
+                <a:tc>
+                  <a:txBody>
+                    <a:bodyPr/>
+                    <a:lstStyle/>
+                    <a:p>
+                      <a:r>
+                        <a:rPr lang="en-US" dirty="0"/>
+                        <a:t>Concave</a:t>
+                      </a:r>
+                    </a:p>
+                  </a:txBody>
+                  <a:tcPr/>
+                </a:tc>
+                <a:tc>
+                  <a:txBody>
+                    <a:bodyPr/>
+                    <a:lstStyle/>
+                    <a:p>
+                      <a:endParaRPr lang="en-US" b="1" dirty="0"/>
+                    </a:p>
+                  </a:txBody>
+                  <a:tcPr/>
+                </a:tc>
+                <a:tc>
+                  <a:txBody>
+                    <a:bodyPr/>
+                    <a:lstStyle/>
+                    <a:p>
+                      <a:endParaRPr lang="en-US" b="1" dirty="0"/>
+                    </a:p>
+                  </a:txBody>
+                  <a:tcPr/>
+                </a:tc>
+                <a:tc>
+                  <a:txBody>
+                    <a:bodyPr/>
+                    <a:lstStyle/>
+                    <a:p>
+                      <a:endParaRPr lang="en-US" b="1" dirty="0"/>
+                    </a:p>
+                  </a:txBody>
+                  <a:tcPr/>
+                </a:tc>
+                <a:tc>
+                  <a:txBody>
+                    <a:bodyPr/>
+                    <a:lstStyle/>
+                    <a:p>
+                      <a:endParaRPr lang="en-US" b="1" dirty="0"/>
+                    </a:p>
+                  </a:txBody>
+                  <a:tcPr/>
+                </a:tc>
+                <a:tc>
+                  <a:txBody>
+                    <a:bodyPr/>
+                    <a:lstStyle/>
+                    <a:p>
+                      <a:pPr marL="0" marR="0" lvl="0" indent="0" algn="l" defTabSz="914400" rtl="0" eaLnBrk="1" fontAlgn="auto" latinLnBrk="0" hangingPunct="1">
+                        <a:lnSpc>
+                          <a:spcPct val="100000"/>
+                        </a:lnSpc>
+                        <a:spcBef>
+                          <a:spcPts val="0"/>
+                        </a:spcBef>
+                        <a:spcAft>
+                          <a:spcPts val="0"/>
+                        </a:spcAft>
+                        <a:buClrTx/>
+                        <a:buSzTx/>
+                        <a:buFontTx/>
+                        <a:buNone/>
+                        <a:tabLst/>
+                        <a:defRPr/>
+                      </a:pPr>
+                      <a:endParaRPr lang="en-US" b="1" dirty="0"/>
+                    </a:p>
+                  </a:txBody>
+                  <a:tcPr/>
+                </a:tc>
+                <a:extLst>
+                  <a:ext uri="{0D108BD9-81ED-4DB2-BD59-A6C34878D82A}">
+                    <a16:rowId xmlns:a16="http://schemas.microsoft.com/office/drawing/2014/main" val="3605684786"/>
+                  </a:ext>
+                </a:extLst>
+              </a:tr>
+            </a:tbl>
+          </a:graphicData>
+        </a:graphic>
+      </p:graphicFrame>
+    </p:spTree>
+    <p:extLst>
+      <p:ext uri="{BB962C8B-B14F-4D97-AF65-F5344CB8AC3E}">
+        <p14:creationId xmlns:p14="http://schemas.microsoft.com/office/powerpoint/2010/main" val="4053374155"/>
+      </p:ext>
+    </p:extLst>
+  </p:cSld>
+  <p:clrMapOvr>
+    <a:masterClrMapping/>
+  </p:clrMapOvr>
+</p:sld>
+</file>
+
+<file path=ppt/slides/slide2.xml><?xml version="1.0" encoding="utf-8"?>
+<p:sld xmlns:a="http://schemas.openxmlformats.org/drawingml/2006/main" xmlns:r="http://schemas.openxmlformats.org/officeDocument/2006/relationships" xmlns:p="http://schemas.openxmlformats.org/presentationml/2006/main">
+  <p:cSld>
+    <p:spTree>
+      <p:nvGrpSpPr>
+        <p:cNvPr id="1" name=""/>
+        <p:cNvGrpSpPr/>
+        <p:nvPr/>
+      </p:nvGrpSpPr>
+      <p:grpSpPr>
+        <a:xfrm>
+          <a:off x="0" y="0"/>
+          <a:ext cx="0" cy="0"/>
+          <a:chOff x="0" y="0"/>
+          <a:chExt cx="0" cy="0"/>
+        </a:xfrm>
+      </p:grpSpPr>
+      <p:sp>
+        <p:nvSpPr>
+          <p:cNvPr id="4" name="TextBox 3">
+            <a:extLst>
+              <a:ext uri="{FF2B5EF4-FFF2-40B4-BE49-F238E27FC236}">
+                <a16:creationId xmlns:a16="http://schemas.microsoft.com/office/drawing/2014/main" id="{DC95240C-647E-4C0A-85CF-03CF4EBF7F0A}"/>
+              </a:ext>
+            </a:extLst>
+          </p:cNvPr>
+          <p:cNvSpPr txBox="1"/>
+          <p:nvPr/>
+        </p:nvSpPr>
+        <p:spPr>
+          <a:xfrm>
+            <a:off x="0" y="250222"/>
+            <a:ext cx="12192000" cy="523220"/>
+          </a:xfrm>
+          <a:prstGeom prst="rect">
+            <a:avLst/>
+          </a:prstGeom>
+          <a:noFill/>
+        </p:spPr>
+        <p:txBody>
+          <a:bodyPr wrap="square" rtlCol="0">
+            <a:spAutoFit/>
+          </a:bodyPr>
+          <a:lstStyle/>
+          <a:p>
+            <a:pPr algn="ctr"/>
+            <a:r>
+              <a:rPr lang="en-US" sz="2800" dirty="0">
+                <a:solidFill>
+                  <a:schemeClr val="accent6">
+                    <a:lumMod val="75000"/>
+                  </a:schemeClr>
+                </a:solidFill>
+              </a:rPr>
+              <a:t>Visual Layers</a:t>
+            </a:r>
+          </a:p>
+        </p:txBody>
+      </p:sp>
+      <p:grpSp>
+        <p:nvGrpSpPr>
+          <p:cNvPr id="5" name="Group 4">
+            <a:extLst>
+              <a:ext uri="{FF2B5EF4-FFF2-40B4-BE49-F238E27FC236}">
+                <a16:creationId xmlns:a16="http://schemas.microsoft.com/office/drawing/2014/main" id="{7D4465E7-FBDA-4DCF-BE58-C99E87108B7A}"/>
+              </a:ext>
+            </a:extLst>
+          </p:cNvPr>
+          <p:cNvGrpSpPr/>
+          <p:nvPr/>
+        </p:nvGrpSpPr>
+        <p:grpSpPr>
+          <a:xfrm>
+            <a:off x="3766877" y="629685"/>
+            <a:ext cx="4498072" cy="297874"/>
+            <a:chOff x="3971469" y="624781"/>
+            <a:chExt cx="4498072" cy="297874"/>
+          </a:xfrm>
+        </p:grpSpPr>
+        <p:cxnSp>
+          <p:nvCxnSpPr>
+            <p:cNvPr id="6" name="Straight Connector 5">
+              <a:extLst>
+                <a:ext uri="{FF2B5EF4-FFF2-40B4-BE49-F238E27FC236}">
+                  <a16:creationId xmlns:a16="http://schemas.microsoft.com/office/drawing/2014/main" id="{45C4EE94-FB9D-4197-BA3C-B4166A1C3CF2}"/>
+                </a:ext>
+              </a:extLst>
+            </p:cNvPr>
+            <p:cNvCxnSpPr/>
+            <p:nvPr/>
+          </p:nvCxnSpPr>
+          <p:spPr>
+            <a:xfrm>
+              <a:off x="5170031" y="773442"/>
+              <a:ext cx="2057400" cy="0"/>
+            </a:xfrm>
+            <a:prstGeom prst="line">
+              <a:avLst/>
+            </a:prstGeom>
+            <a:ln cap="rnd"/>
+          </p:spPr>
+          <p:style>
+            <a:lnRef idx="3">
+              <a:schemeClr val="accent6"/>
+            </a:lnRef>
+            <a:fillRef idx="0">
+              <a:schemeClr val="accent6"/>
+            </a:fillRef>
+            <a:effectRef idx="2">
+              <a:schemeClr val="accent6"/>
+            </a:effectRef>
+            <a:fontRef idx="minor">
+              <a:schemeClr val="tx1"/>
+            </a:fontRef>
+          </p:style>
+        </p:cxnSp>
+        <p:cxnSp>
+          <p:nvCxnSpPr>
+            <p:cNvPr id="7" name="Straight Connector 6">
+              <a:extLst>
+                <a:ext uri="{FF2B5EF4-FFF2-40B4-BE49-F238E27FC236}">
+                  <a16:creationId xmlns:a16="http://schemas.microsoft.com/office/drawing/2014/main" id="{D182A16C-9D8A-4A17-BE3E-120AC8E4521A}"/>
+                </a:ext>
+              </a:extLst>
+            </p:cNvPr>
+            <p:cNvCxnSpPr>
+              <a:cxnSpLocks/>
+            </p:cNvCxnSpPr>
+            <p:nvPr/>
+          </p:nvCxnSpPr>
+          <p:spPr>
+            <a:xfrm>
+              <a:off x="7349270" y="697242"/>
+              <a:ext cx="1027511" cy="0"/>
+            </a:xfrm>
+            <a:prstGeom prst="line">
+              <a:avLst/>
+            </a:prstGeom>
+            <a:ln cap="rnd"/>
+          </p:spPr>
+          <p:style>
+            <a:lnRef idx="3">
+              <a:schemeClr val="accent6"/>
+            </a:lnRef>
+            <a:fillRef idx="0">
+              <a:schemeClr val="accent6"/>
+            </a:fillRef>
+            <a:effectRef idx="2">
+              <a:schemeClr val="accent6"/>
+            </a:effectRef>
+            <a:fontRef idx="minor">
+              <a:schemeClr val="tx1"/>
+            </a:fontRef>
+          </p:style>
+        </p:cxnSp>
+        <p:cxnSp>
+          <p:nvCxnSpPr>
+            <p:cNvPr id="8" name="Straight Connector 7">
+              <a:extLst>
+                <a:ext uri="{FF2B5EF4-FFF2-40B4-BE49-F238E27FC236}">
+                  <a16:creationId xmlns:a16="http://schemas.microsoft.com/office/drawing/2014/main" id="{06489087-E70A-4009-85AE-578FC4B8D162}"/>
+                </a:ext>
+              </a:extLst>
+            </p:cNvPr>
+            <p:cNvCxnSpPr>
+              <a:cxnSpLocks/>
+            </p:cNvCxnSpPr>
+            <p:nvPr/>
+          </p:nvCxnSpPr>
+          <p:spPr>
+            <a:xfrm flipV="1">
+              <a:off x="7227431" y="697242"/>
+              <a:ext cx="121839" cy="76200"/>
+            </a:xfrm>
+            <a:prstGeom prst="line">
+              <a:avLst/>
+            </a:prstGeom>
+            <a:ln cap="rnd"/>
+          </p:spPr>
+          <p:style>
+            <a:lnRef idx="3">
+              <a:schemeClr val="accent6"/>
+            </a:lnRef>
+            <a:fillRef idx="0">
+              <a:schemeClr val="accent6"/>
+            </a:fillRef>
+            <a:effectRef idx="2">
+              <a:schemeClr val="accent6"/>
+            </a:effectRef>
+            <a:fontRef idx="minor">
+              <a:schemeClr val="tx1"/>
+            </a:fontRef>
+          </p:style>
+        </p:cxnSp>
+        <p:cxnSp>
+          <p:nvCxnSpPr>
+            <p:cNvPr id="9" name="Straight Connector 8">
+              <a:extLst>
+                <a:ext uri="{FF2B5EF4-FFF2-40B4-BE49-F238E27FC236}">
+                  <a16:creationId xmlns:a16="http://schemas.microsoft.com/office/drawing/2014/main" id="{B5325AAF-DF5C-48B6-A56D-722EDE0B2680}"/>
+                </a:ext>
+              </a:extLst>
+            </p:cNvPr>
+            <p:cNvCxnSpPr>
+              <a:cxnSpLocks/>
+            </p:cNvCxnSpPr>
+            <p:nvPr/>
+          </p:nvCxnSpPr>
+          <p:spPr>
+            <a:xfrm flipV="1">
+              <a:off x="5048192" y="773442"/>
+              <a:ext cx="121839" cy="76200"/>
+            </a:xfrm>
+            <a:prstGeom prst="line">
+              <a:avLst/>
+            </a:prstGeom>
+            <a:ln cap="rnd"/>
+          </p:spPr>
+          <p:style>
+            <a:lnRef idx="3">
+              <a:schemeClr val="accent6"/>
+            </a:lnRef>
+            <a:fillRef idx="0">
+              <a:schemeClr val="accent6"/>
+            </a:fillRef>
+            <a:effectRef idx="2">
+              <a:schemeClr val="accent6"/>
+            </a:effectRef>
+            <a:fontRef idx="minor">
+              <a:schemeClr val="tx1"/>
+            </a:fontRef>
+          </p:style>
+        </p:cxnSp>
+        <p:cxnSp>
+          <p:nvCxnSpPr>
+            <p:cNvPr id="10" name="Straight Connector 9">
+              <a:extLst>
+                <a:ext uri="{FF2B5EF4-FFF2-40B4-BE49-F238E27FC236}">
+                  <a16:creationId xmlns:a16="http://schemas.microsoft.com/office/drawing/2014/main" id="{3C3D5A29-BF66-496B-9AEB-4E9DB808D6DD}"/>
+                </a:ext>
+              </a:extLst>
+            </p:cNvPr>
+            <p:cNvCxnSpPr>
+              <a:cxnSpLocks/>
+            </p:cNvCxnSpPr>
+            <p:nvPr/>
+          </p:nvCxnSpPr>
+          <p:spPr>
+            <a:xfrm flipV="1">
+              <a:off x="4021655" y="849642"/>
+              <a:ext cx="1026537" cy="11668"/>
+            </a:xfrm>
+            <a:prstGeom prst="line">
+              <a:avLst/>
+            </a:prstGeom>
+            <a:ln cap="rnd"/>
+          </p:spPr>
+          <p:style>
+            <a:lnRef idx="3">
+              <a:schemeClr val="accent6"/>
+            </a:lnRef>
+            <a:fillRef idx="0">
+              <a:schemeClr val="accent6"/>
+            </a:fillRef>
+            <a:effectRef idx="2">
+              <a:schemeClr val="accent6"/>
+            </a:effectRef>
+            <a:fontRef idx="minor">
+              <a:schemeClr val="tx1"/>
+            </a:fontRef>
+          </p:style>
+        </p:cxnSp>
+        <p:sp>
+          <p:nvSpPr>
+            <p:cNvPr id="11" name="Oval 10">
+              <a:extLst>
+                <a:ext uri="{FF2B5EF4-FFF2-40B4-BE49-F238E27FC236}">
+                  <a16:creationId xmlns:a16="http://schemas.microsoft.com/office/drawing/2014/main" id="{85674D68-9AC2-45C4-B953-5391FAE46330}"/>
+                </a:ext>
+              </a:extLst>
+            </p:cNvPr>
+            <p:cNvSpPr/>
+            <p:nvPr/>
+          </p:nvSpPr>
+          <p:spPr>
+            <a:xfrm>
+              <a:off x="3971469" y="789305"/>
+              <a:ext cx="133350" cy="133350"/>
+            </a:xfrm>
+            <a:prstGeom prst="ellipse">
+              <a:avLst/>
+            </a:prstGeom>
+          </p:spPr>
+          <p:style>
+            <a:lnRef idx="2">
+              <a:schemeClr val="accent6"/>
+            </a:lnRef>
+            <a:fillRef idx="1">
+              <a:schemeClr val="lt1"/>
+            </a:fillRef>
+            <a:effectRef idx="0">
+              <a:schemeClr val="accent6"/>
+            </a:effectRef>
+            <a:fontRef idx="minor">
+              <a:schemeClr val="dk1"/>
+            </a:fontRef>
+          </p:style>
+          <p:txBody>
+            <a:bodyPr rtlCol="0" anchor="ctr"/>
+            <a:lstStyle/>
+            <a:p>
+              <a:pPr algn="ctr"/>
+              <a:endParaRPr lang="en-US" i="1" dirty="0"/>
+            </a:p>
+          </p:txBody>
+        </p:sp>
+        <p:sp>
+          <p:nvSpPr>
+            <p:cNvPr id="12" name="Oval 11">
+              <a:extLst>
+                <a:ext uri="{FF2B5EF4-FFF2-40B4-BE49-F238E27FC236}">
+                  <a16:creationId xmlns:a16="http://schemas.microsoft.com/office/drawing/2014/main" id="{698AD4D7-A8B8-4A6B-9CBB-640B4289CDCA}"/>
+                </a:ext>
+              </a:extLst>
+            </p:cNvPr>
+            <p:cNvSpPr/>
+            <p:nvPr/>
+          </p:nvSpPr>
+          <p:spPr>
+            <a:xfrm>
+              <a:off x="8336191" y="624781"/>
+              <a:ext cx="133350" cy="133350"/>
+            </a:xfrm>
+            <a:prstGeom prst="ellipse">
+              <a:avLst/>
+            </a:prstGeom>
+          </p:spPr>
+          <p:style>
+            <a:lnRef idx="2">
+              <a:schemeClr val="accent6"/>
+            </a:lnRef>
+            <a:fillRef idx="1">
+              <a:schemeClr val="lt1"/>
+            </a:fillRef>
+            <a:effectRef idx="0">
+              <a:schemeClr val="accent6"/>
+            </a:effectRef>
+            <a:fontRef idx="minor">
+              <a:schemeClr val="dk1"/>
+            </a:fontRef>
+          </p:style>
+          <p:txBody>
+            <a:bodyPr rtlCol="0" anchor="ctr"/>
+            <a:lstStyle/>
+            <a:p>
+              <a:pPr algn="ctr"/>
+              <a:endParaRPr lang="en-US" i="1" dirty="0"/>
+            </a:p>
+          </p:txBody>
+        </p:sp>
+      </p:grpSp>
+      <p:sp>
+        <p:nvSpPr>
+          <p:cNvPr id="21" name="TextBox 20">
+            <a:extLst>
+              <a:ext uri="{FF2B5EF4-FFF2-40B4-BE49-F238E27FC236}">
+                <a16:creationId xmlns:a16="http://schemas.microsoft.com/office/drawing/2014/main" id="{574F3C03-D51A-4577-B090-16E9EDCB2EEE}"/>
+              </a:ext>
+            </a:extLst>
+          </p:cNvPr>
+          <p:cNvSpPr txBox="1"/>
+          <p:nvPr/>
+        </p:nvSpPr>
+        <p:spPr>
+          <a:xfrm>
+            <a:off x="286124" y="5578019"/>
+            <a:ext cx="1353447" cy="646331"/>
+          </a:xfrm>
+          <a:prstGeom prst="rect">
+            <a:avLst/>
+          </a:prstGeom>
+          <a:noFill/>
+        </p:spPr>
+        <p:txBody>
+          <a:bodyPr wrap="none" rtlCol="0">
+            <a:spAutoFit/>
+          </a:bodyPr>
+          <a:lstStyle/>
+          <a:p>
+            <a:r>
+              <a:rPr lang="en-US" dirty="0">
+                <a:solidFill>
+                  <a:schemeClr val="accent6">
+                    <a:lumMod val="75000"/>
+                  </a:schemeClr>
+                </a:solidFill>
+              </a:rPr>
+              <a:t>Clear Screen</a:t>
+            </a:r>
+          </a:p>
+          <a:p>
+            <a:r>
+              <a:rPr lang="en-US" dirty="0">
+                <a:solidFill>
+                  <a:schemeClr val="accent6">
+                    <a:lumMod val="75000"/>
+                  </a:schemeClr>
+                </a:solidFill>
+              </a:rPr>
+              <a:t>Background</a:t>
+            </a:r>
+          </a:p>
+        </p:txBody>
+      </p:sp>
+      <p:sp>
+        <p:nvSpPr>
+          <p:cNvPr id="22" name="TextBox 21">
+            <a:extLst>
+              <a:ext uri="{FF2B5EF4-FFF2-40B4-BE49-F238E27FC236}">
+                <a16:creationId xmlns:a16="http://schemas.microsoft.com/office/drawing/2014/main" id="{5427716D-12F5-4E17-992E-30D9A89F570D}"/>
+              </a:ext>
+            </a:extLst>
+          </p:cNvPr>
+          <p:cNvSpPr txBox="1"/>
+          <p:nvPr/>
+        </p:nvSpPr>
+        <p:spPr>
+          <a:xfrm>
+            <a:off x="1959945" y="5578019"/>
+            <a:ext cx="1295035" cy="646331"/>
+          </a:xfrm>
+          <a:prstGeom prst="rect">
+            <a:avLst/>
+          </a:prstGeom>
+          <a:noFill/>
+        </p:spPr>
+        <p:txBody>
+          <a:bodyPr wrap="none" rtlCol="0">
+            <a:spAutoFit/>
+          </a:bodyPr>
+          <a:lstStyle/>
+          <a:p>
+            <a:r>
+              <a:rPr lang="en-US" dirty="0">
+                <a:solidFill>
+                  <a:schemeClr val="accent6">
+                    <a:lumMod val="75000"/>
+                  </a:schemeClr>
+                </a:solidFill>
+              </a:rPr>
+              <a:t>World</a:t>
+            </a:r>
+          </a:p>
+          <a:p>
+            <a:r>
+              <a:rPr lang="en-US" dirty="0">
+                <a:solidFill>
+                  <a:schemeClr val="accent6">
+                    <a:lumMod val="75000"/>
+                  </a:schemeClr>
+                </a:solidFill>
+              </a:rPr>
+              <a:t>Background</a:t>
+            </a:r>
+          </a:p>
+        </p:txBody>
+      </p:sp>
+      <p:sp>
+        <p:nvSpPr>
+          <p:cNvPr id="23" name="TextBox 22">
+            <a:extLst>
+              <a:ext uri="{FF2B5EF4-FFF2-40B4-BE49-F238E27FC236}">
+                <a16:creationId xmlns:a16="http://schemas.microsoft.com/office/drawing/2014/main" id="{8898C8F9-74CB-493A-8732-619DD22C3A83}"/>
+              </a:ext>
+            </a:extLst>
+          </p:cNvPr>
+          <p:cNvSpPr txBox="1"/>
+          <p:nvPr/>
+        </p:nvSpPr>
+        <p:spPr>
+          <a:xfrm>
+            <a:off x="3600765" y="5578019"/>
+            <a:ext cx="1229311" cy="646331"/>
+          </a:xfrm>
+          <a:prstGeom prst="rect">
+            <a:avLst/>
+          </a:prstGeom>
+          <a:noFill/>
+        </p:spPr>
+        <p:txBody>
+          <a:bodyPr wrap="none" rtlCol="0">
+            <a:spAutoFit/>
+          </a:bodyPr>
+          <a:lstStyle/>
+          <a:p>
+            <a:r>
+              <a:rPr lang="en-US" dirty="0">
+                <a:solidFill>
+                  <a:schemeClr val="accent6">
+                    <a:lumMod val="75000"/>
+                  </a:schemeClr>
+                </a:solidFill>
+              </a:rPr>
+              <a:t>World </a:t>
+            </a:r>
+          </a:p>
+          <a:p>
+            <a:r>
+              <a:rPr lang="en-US" dirty="0">
+                <a:solidFill>
+                  <a:schemeClr val="accent6">
+                    <a:lumMod val="75000"/>
+                  </a:schemeClr>
+                </a:solidFill>
+              </a:rPr>
+              <a:t>Midground</a:t>
+            </a:r>
+          </a:p>
+        </p:txBody>
+      </p:sp>
+      <p:sp>
+        <p:nvSpPr>
+          <p:cNvPr id="24" name="TextBox 23">
+            <a:extLst>
+              <a:ext uri="{FF2B5EF4-FFF2-40B4-BE49-F238E27FC236}">
+                <a16:creationId xmlns:a16="http://schemas.microsoft.com/office/drawing/2014/main" id="{C32AD6D6-0827-47FD-B882-734E6662588A}"/>
+              </a:ext>
+            </a:extLst>
+          </p:cNvPr>
+          <p:cNvSpPr txBox="1"/>
+          <p:nvPr/>
+        </p:nvSpPr>
+        <p:spPr>
+          <a:xfrm>
+            <a:off x="5228921" y="5578019"/>
+            <a:ext cx="855491" cy="646331"/>
+          </a:xfrm>
+          <a:prstGeom prst="rect">
+            <a:avLst/>
+          </a:prstGeom>
+          <a:noFill/>
+        </p:spPr>
+        <p:txBody>
+          <a:bodyPr wrap="none" rtlCol="0">
+            <a:spAutoFit/>
+          </a:bodyPr>
+          <a:lstStyle/>
+          <a:p>
+            <a:r>
+              <a:rPr lang="en-US" dirty="0">
+                <a:solidFill>
+                  <a:schemeClr val="accent6">
+                    <a:lumMod val="75000"/>
+                  </a:schemeClr>
+                </a:solidFill>
+              </a:rPr>
+              <a:t>Effects </a:t>
+            </a:r>
+          </a:p>
+          <a:p>
+            <a:r>
+              <a:rPr lang="en-US" dirty="0">
+                <a:solidFill>
+                  <a:schemeClr val="accent6">
+                    <a:lumMod val="75000"/>
+                  </a:schemeClr>
+                </a:solidFill>
+              </a:rPr>
+              <a:t>Layer</a:t>
+            </a:r>
+          </a:p>
+        </p:txBody>
+      </p:sp>
+      <p:sp>
+        <p:nvSpPr>
+          <p:cNvPr id="25" name="TextBox 24">
+            <a:extLst>
+              <a:ext uri="{FF2B5EF4-FFF2-40B4-BE49-F238E27FC236}">
+                <a16:creationId xmlns:a16="http://schemas.microsoft.com/office/drawing/2014/main" id="{4FE2A25E-D62C-43B0-83A4-AD894E016C0F}"/>
+              </a:ext>
+            </a:extLst>
+          </p:cNvPr>
+          <p:cNvSpPr txBox="1"/>
+          <p:nvPr/>
+        </p:nvSpPr>
+        <p:spPr>
+          <a:xfrm>
+            <a:off x="6804017" y="5578019"/>
+            <a:ext cx="1274451" cy="646331"/>
+          </a:xfrm>
+          <a:prstGeom prst="rect">
+            <a:avLst/>
+          </a:prstGeom>
+          <a:noFill/>
+        </p:spPr>
+        <p:txBody>
+          <a:bodyPr wrap="none" rtlCol="0">
+            <a:spAutoFit/>
+          </a:bodyPr>
+          <a:lstStyle/>
+          <a:p>
+            <a:r>
+              <a:rPr lang="en-US" dirty="0">
+                <a:solidFill>
+                  <a:schemeClr val="accent6">
+                    <a:lumMod val="75000"/>
+                  </a:schemeClr>
+                </a:solidFill>
+              </a:rPr>
+              <a:t>World </a:t>
+            </a:r>
+          </a:p>
+          <a:p>
+            <a:r>
+              <a:rPr lang="en-US" dirty="0">
+                <a:solidFill>
+                  <a:schemeClr val="accent6">
+                    <a:lumMod val="75000"/>
+                  </a:schemeClr>
+                </a:solidFill>
+              </a:rPr>
+              <a:t>Foreground</a:t>
+            </a:r>
+          </a:p>
+        </p:txBody>
+      </p:sp>
+      <p:sp>
+        <p:nvSpPr>
+          <p:cNvPr id="26" name="TextBox 25">
+            <a:extLst>
+              <a:ext uri="{FF2B5EF4-FFF2-40B4-BE49-F238E27FC236}">
+                <a16:creationId xmlns:a16="http://schemas.microsoft.com/office/drawing/2014/main" id="{819E7DCF-AEE3-4800-9277-B53EA6E21C19}"/>
+              </a:ext>
+            </a:extLst>
+          </p:cNvPr>
+          <p:cNvSpPr txBox="1"/>
+          <p:nvPr/>
+        </p:nvSpPr>
+        <p:spPr>
+          <a:xfrm>
+            <a:off x="8406056" y="5578019"/>
+            <a:ext cx="1106585" cy="646331"/>
+          </a:xfrm>
+          <a:prstGeom prst="rect">
+            <a:avLst/>
+          </a:prstGeom>
+          <a:noFill/>
+        </p:spPr>
+        <p:txBody>
+          <a:bodyPr wrap="none" rtlCol="0">
+            <a:spAutoFit/>
+          </a:bodyPr>
+          <a:lstStyle/>
+          <a:p>
+            <a:r>
+              <a:rPr lang="en-US" dirty="0">
+                <a:solidFill>
+                  <a:schemeClr val="accent6">
+                    <a:lumMod val="75000"/>
+                  </a:schemeClr>
+                </a:solidFill>
+              </a:rPr>
+              <a:t>World/UI </a:t>
+            </a:r>
+          </a:p>
+          <a:p>
+            <a:r>
+              <a:rPr lang="en-US" dirty="0">
+                <a:solidFill>
+                  <a:schemeClr val="accent6">
+                    <a:lumMod val="75000"/>
+                  </a:schemeClr>
+                </a:solidFill>
+              </a:rPr>
+              <a:t>Transition</a:t>
+            </a:r>
+          </a:p>
+        </p:txBody>
+      </p:sp>
+      <p:sp>
+        <p:nvSpPr>
+          <p:cNvPr id="27" name="TextBox 26">
+            <a:extLst>
+              <a:ext uri="{FF2B5EF4-FFF2-40B4-BE49-F238E27FC236}">
+                <a16:creationId xmlns:a16="http://schemas.microsoft.com/office/drawing/2014/main" id="{3FF7035B-5F33-448F-8FBE-92DAFB7A7026}"/>
+              </a:ext>
+            </a:extLst>
+          </p:cNvPr>
+          <p:cNvSpPr txBox="1"/>
+          <p:nvPr/>
+        </p:nvSpPr>
+        <p:spPr>
+          <a:xfrm>
+            <a:off x="10037130" y="5578019"/>
+            <a:ext cx="389850" cy="369332"/>
+          </a:xfrm>
+          <a:prstGeom prst="rect">
+            <a:avLst/>
+          </a:prstGeom>
+          <a:noFill/>
+        </p:spPr>
+        <p:txBody>
+          <a:bodyPr wrap="none" rtlCol="0">
+            <a:spAutoFit/>
+          </a:bodyPr>
+          <a:lstStyle/>
+          <a:p>
+            <a:r>
+              <a:rPr lang="en-US" dirty="0">
+                <a:solidFill>
+                  <a:schemeClr val="accent6">
+                    <a:lumMod val="75000"/>
+                  </a:schemeClr>
+                </a:solidFill>
+              </a:rPr>
+              <a:t>UI</a:t>
+            </a:r>
+          </a:p>
+        </p:txBody>
+      </p:sp>
+      <p:pic>
+        <p:nvPicPr>
+          <p:cNvPr id="35" name="Picture 34">
+            <a:extLst>
+              <a:ext uri="{FF2B5EF4-FFF2-40B4-BE49-F238E27FC236}">
+                <a16:creationId xmlns:a16="http://schemas.microsoft.com/office/drawing/2014/main" id="{F31141E5-29F7-4B63-A6EA-12389F90BBD4}"/>
+              </a:ext>
+            </a:extLst>
+          </p:cNvPr>
+          <p:cNvPicPr>
+            <a:picLocks noChangeAspect="1"/>
+          </p:cNvPicPr>
+          <p:nvPr/>
+        </p:nvPicPr>
+        <p:blipFill>
+          <a:blip r:embed="rId2"/>
+          <a:stretch>
+            <a:fillRect/>
+          </a:stretch>
+        </p:blipFill>
+        <p:spPr>
+          <a:xfrm>
+            <a:off x="480060" y="1168462"/>
+            <a:ext cx="11231880" cy="4362366"/>
+          </a:xfrm>
+          <a:prstGeom prst="rect">
+            <a:avLst/>
+          </a:prstGeom>
+        </p:spPr>
+      </p:pic>
+    </p:spTree>
+    <p:extLst>
+      <p:ext uri="{BB962C8B-B14F-4D97-AF65-F5344CB8AC3E}">
+        <p14:creationId xmlns:p14="http://schemas.microsoft.com/office/powerpoint/2010/main" val="4029843772"/>
+      </p:ext>
+    </p:extLst>
+  </p:cSld>
+  <p:clrMapOvr>
+    <a:masterClrMapping/>
+  </p:clrMapOvr>
+</p:sld>
+</file>
+
+<file path=ppt/slides/slide20.xml><?xml version="1.0" encoding="utf-8"?>
+<p:sld xmlns:a="http://schemas.openxmlformats.org/drawingml/2006/main" xmlns:r="http://schemas.openxmlformats.org/officeDocument/2006/relationships" xmlns:p="http://schemas.openxmlformats.org/presentationml/2006/main">
+  <p:cSld>
+    <p:spTree>
+      <p:nvGrpSpPr>
+        <p:cNvPr id="1" name=""/>
+        <p:cNvGrpSpPr/>
+        <p:nvPr/>
+      </p:nvGrpSpPr>
+      <p:grpSpPr>
+        <a:xfrm>
+          <a:off x="0" y="0"/>
+          <a:ext cx="0" cy="0"/>
+          <a:chOff x="0" y="0"/>
+          <a:chExt cx="0" cy="0"/>
+        </a:xfrm>
+      </p:grpSpPr>
+      <p:graphicFrame>
+        <p:nvGraphicFramePr>
+          <p:cNvPr id="4" name="Table 4">
+            <a:extLst>
+              <a:ext uri="{FF2B5EF4-FFF2-40B4-BE49-F238E27FC236}">
+                <a16:creationId xmlns:a16="http://schemas.microsoft.com/office/drawing/2014/main" id="{956CCF6E-976D-405A-AB38-F1B7FF885023}"/>
+              </a:ext>
+            </a:extLst>
+          </p:cNvPr>
+          <p:cNvGraphicFramePr>
+            <a:graphicFrameLocks noGrp="1"/>
+          </p:cNvGraphicFramePr>
+          <p:nvPr/>
+        </p:nvGraphicFramePr>
+        <p:xfrm>
+          <a:off x="0" y="1"/>
+          <a:ext cx="12191999" cy="6870817"/>
+        </p:xfrm>
+        <a:graphic>
+          <a:graphicData uri="http://schemas.openxmlformats.org/drawingml/2006/table">
+            <a:tbl>
+              <a:tblPr firstRow="1" bandRow="1">
+                <a:tableStyleId>{5940675A-B579-460E-94D1-54222C63F5DA}</a:tableStyleId>
+              </a:tblPr>
+              <a:tblGrid>
+                <a:gridCol w="489122">
+                  <a:extLst>
+                    <a:ext uri="{9D8B030D-6E8A-4147-A177-3AD203B41FA5}">
+                      <a16:colId xmlns:a16="http://schemas.microsoft.com/office/drawing/2014/main" val="716726513"/>
+                    </a:ext>
+                  </a:extLst>
+                </a:gridCol>
+                <a:gridCol w="1862709">
+                  <a:extLst>
+                    <a:ext uri="{9D8B030D-6E8A-4147-A177-3AD203B41FA5}">
+                      <a16:colId xmlns:a16="http://schemas.microsoft.com/office/drawing/2014/main" val="2537481366"/>
+                    </a:ext>
+                  </a:extLst>
+                </a:gridCol>
+                <a:gridCol w="1314272">
+                  <a:extLst>
+                    <a:ext uri="{9D8B030D-6E8A-4147-A177-3AD203B41FA5}">
+                      <a16:colId xmlns:a16="http://schemas.microsoft.com/office/drawing/2014/main" val="1913629758"/>
+                    </a:ext>
+                  </a:extLst>
+                </a:gridCol>
+                <a:gridCol w="2131474">
+                  <a:extLst>
+                    <a:ext uri="{9D8B030D-6E8A-4147-A177-3AD203B41FA5}">
+                      <a16:colId xmlns:a16="http://schemas.microsoft.com/office/drawing/2014/main" val="4007346255"/>
+                    </a:ext>
+                  </a:extLst>
+                </a:gridCol>
+                <a:gridCol w="2131474">
+                  <a:extLst>
+                    <a:ext uri="{9D8B030D-6E8A-4147-A177-3AD203B41FA5}">
+                      <a16:colId xmlns:a16="http://schemas.microsoft.com/office/drawing/2014/main" val="2090263074"/>
+                    </a:ext>
+                  </a:extLst>
+                </a:gridCol>
+                <a:gridCol w="2131474">
+                  <a:extLst>
+                    <a:ext uri="{9D8B030D-6E8A-4147-A177-3AD203B41FA5}">
+                      <a16:colId xmlns:a16="http://schemas.microsoft.com/office/drawing/2014/main" val="842783627"/>
+                    </a:ext>
+                  </a:extLst>
+                </a:gridCol>
+                <a:gridCol w="2131474">
+                  <a:extLst>
+                    <a:ext uri="{9D8B030D-6E8A-4147-A177-3AD203B41FA5}">
+                      <a16:colId xmlns:a16="http://schemas.microsoft.com/office/drawing/2014/main" val="407476373"/>
+                    </a:ext>
+                  </a:extLst>
+                </a:gridCol>
+              </a:tblGrid>
+              <a:tr h="345552">
+                <a:tc>
+                  <a:txBody>
+                    <a:bodyPr/>
+                    <a:lstStyle/>
+                    <a:p>
+                      <a:endParaRPr lang="en-US" dirty="0"/>
+                    </a:p>
+                  </a:txBody>
+                  <a:tcPr/>
+                </a:tc>
+                <a:tc gridSpan="6">
+                  <a:txBody>
+                    <a:bodyPr/>
+                    <a:lstStyle/>
+                    <a:p>
+                      <a:pPr algn="ctr"/>
+                      <a:r>
+                        <a:rPr lang="en-US" dirty="0"/>
+                        <a:t>Two</a:t>
+                      </a:r>
+                    </a:p>
+                  </a:txBody>
+                  <a:tcPr/>
+                </a:tc>
+                <a:tc hMerge="1">
+                  <a:txBody>
+                    <a:bodyPr/>
+                    <a:lstStyle/>
+                    <a:p>
+                      <a:endParaRPr lang="en-US" dirty="0"/>
+                    </a:p>
+                  </a:txBody>
+                  <a:tcPr/>
+                </a:tc>
+                <a:tc hMerge="1">
+                  <a:txBody>
+                    <a:bodyPr/>
+                    <a:lstStyle/>
+                    <a:p>
+                      <a:endParaRPr lang="en-US" dirty="0"/>
+                    </a:p>
+                  </a:txBody>
+                  <a:tcPr/>
+                </a:tc>
+                <a:tc hMerge="1">
+                  <a:txBody>
+                    <a:bodyPr/>
+                    <a:lstStyle/>
+                    <a:p>
+                      <a:endParaRPr lang="en-US" dirty="0"/>
+                    </a:p>
+                  </a:txBody>
+                  <a:tcPr/>
+                </a:tc>
+                <a:tc hMerge="1">
+                  <a:txBody>
+                    <a:bodyPr/>
+                    <a:lstStyle/>
+                    <a:p>
+                      <a:endParaRPr lang="en-US" dirty="0"/>
+                    </a:p>
+                  </a:txBody>
+                  <a:tcPr/>
+                </a:tc>
+                <a:tc hMerge="1">
+                  <a:txBody>
+                    <a:bodyPr/>
+                    <a:lstStyle/>
+                    <a:p>
+                      <a:pPr algn="ctr"/>
+                      <a:endParaRPr lang="en-US" dirty="0"/>
+                    </a:p>
+                  </a:txBody>
+                  <a:tcPr/>
+                </a:tc>
+                <a:extLst>
+                  <a:ext uri="{0D108BD9-81ED-4DB2-BD59-A6C34878D82A}">
+                    <a16:rowId xmlns:a16="http://schemas.microsoft.com/office/drawing/2014/main" val="306709068"/>
+                  </a:ext>
+                </a:extLst>
+              </a:tr>
+              <a:tr h="345552">
+                <a:tc rowSpan="6">
+                  <a:txBody>
+                    <a:bodyPr/>
+                    <a:lstStyle/>
+                    <a:p>
+                      <a:pPr algn="ctr"/>
+                      <a:r>
+                        <a:rPr lang="en-US" dirty="0"/>
+                        <a:t>One</a:t>
+                      </a:r>
+                    </a:p>
+                  </a:txBody>
+                  <a:tcPr vert="vert270" anchor="ctr"/>
+                </a:tc>
+                <a:tc>
+                  <a:txBody>
+                    <a:bodyPr/>
+                    <a:lstStyle/>
+                    <a:p>
+                      <a:r>
+                        <a:rPr lang="en-US" dirty="0"/>
+                        <a:t>-</a:t>
+                      </a:r>
+                    </a:p>
+                  </a:txBody>
+                  <a:tcPr/>
+                </a:tc>
+                <a:tc>
+                  <a:txBody>
+                    <a:bodyPr/>
+                    <a:lstStyle/>
+                    <a:p>
+                      <a:r>
+                        <a:rPr lang="en-US" dirty="0"/>
+                        <a:t>Point</a:t>
+                      </a:r>
+                    </a:p>
+                  </a:txBody>
+                  <a:tcPr/>
+                </a:tc>
+                <a:tc>
+                  <a:txBody>
+                    <a:bodyPr/>
+                    <a:lstStyle/>
+                    <a:p>
+                      <a:r>
+                        <a:rPr lang="en-US" dirty="0"/>
+                        <a:t>Circle</a:t>
+                      </a:r>
+                    </a:p>
+                  </a:txBody>
+                  <a:tcPr/>
+                </a:tc>
+                <a:tc>
+                  <a:txBody>
+                    <a:bodyPr/>
+                    <a:lstStyle/>
+                    <a:p>
+                      <a:r>
+                        <a:rPr lang="en-US" dirty="0"/>
+                        <a:t>AAR</a:t>
+                      </a:r>
+                    </a:p>
+                  </a:txBody>
+                  <a:tcPr/>
+                </a:tc>
+                <a:tc>
+                  <a:txBody>
+                    <a:bodyPr/>
+                    <a:lstStyle/>
+                    <a:p>
+                      <a:r>
+                        <a:rPr lang="en-US" dirty="0"/>
+                        <a:t>Convex</a:t>
+                      </a:r>
+                    </a:p>
+                  </a:txBody>
+                  <a:tcPr/>
+                </a:tc>
+                <a:tc>
+                  <a:txBody>
+                    <a:bodyPr/>
+                    <a:lstStyle/>
+                    <a:p>
+                      <a:r>
+                        <a:rPr lang="en-US" dirty="0"/>
+                        <a:t>Concave</a:t>
+                      </a:r>
+                    </a:p>
+                  </a:txBody>
+                  <a:tcPr/>
+                </a:tc>
+                <a:extLst>
+                  <a:ext uri="{0D108BD9-81ED-4DB2-BD59-A6C34878D82A}">
+                    <a16:rowId xmlns:a16="http://schemas.microsoft.com/office/drawing/2014/main" val="165118986"/>
+                  </a:ext>
+                </a:extLst>
+              </a:tr>
+              <a:tr h="1321601">
+                <a:tc vMerge="1">
+                  <a:txBody>
+                    <a:bodyPr/>
+                    <a:lstStyle/>
+                    <a:p>
+                      <a:endParaRPr lang="en-US" dirty="0"/>
+                    </a:p>
+                  </a:txBody>
+                  <a:tcPr/>
+                </a:tc>
+                <a:tc>
+                  <a:txBody>
+                    <a:bodyPr/>
+                    <a:lstStyle/>
+                    <a:p>
+                      <a:r>
+                        <a:rPr lang="en-US" dirty="0"/>
+                        <a:t>Point</a:t>
+                      </a:r>
+                    </a:p>
+                  </a:txBody>
+                  <a:tcPr/>
+                </a:tc>
+                <a:tc>
+                  <a:txBody>
+                    <a:bodyPr/>
+                    <a:lstStyle/>
+                    <a:p>
+                      <a:r>
+                        <a:rPr lang="en-US" dirty="0"/>
+                        <a:t>False</a:t>
+                      </a:r>
+                    </a:p>
+                  </a:txBody>
+                  <a:tcPr/>
+                </a:tc>
+                <a:tc>
+                  <a:txBody>
+                    <a:bodyPr/>
+                    <a:lstStyle/>
+                    <a:p>
+                      <a:r>
+                        <a:rPr lang="en-US" dirty="0">
+                          <a:highlight>
+                            <a:srgbClr val="FF0000"/>
+                          </a:highlight>
+                        </a:rPr>
+                        <a:t>Distance &lt; circle radius</a:t>
+                      </a:r>
+                    </a:p>
+                  </a:txBody>
+                  <a:tcPr/>
+                </a:tc>
+                <a:tc>
+                  <a:txBody>
+                    <a:bodyPr/>
+                    <a:lstStyle/>
+                    <a:p>
+                      <a:r>
+                        <a:rPr lang="en-US" dirty="0">
+                          <a:highlight>
+                            <a:srgbClr val="FF00FF"/>
+                          </a:highlight>
+                        </a:rPr>
+                        <a:t>Same side test</a:t>
+                      </a:r>
+                    </a:p>
+                  </a:txBody>
+                  <a:tcPr/>
+                </a:tc>
+                <a:tc>
+                  <a:txBody>
+                    <a:bodyPr/>
+                    <a:lstStyle/>
+                    <a:p>
+                      <a:r>
+                        <a:rPr lang="en-US" dirty="0">
+                          <a:highlight>
+                            <a:srgbClr val="FF00FF"/>
+                          </a:highlight>
+                        </a:rPr>
+                        <a:t>Same side test</a:t>
+                      </a:r>
+                    </a:p>
+                  </a:txBody>
+                  <a:tcPr/>
+                </a:tc>
+                <a:tc>
+                  <a:txBody>
+                    <a:bodyPr/>
+                    <a:lstStyle/>
+                    <a:p>
+                      <a:r>
+                        <a:rPr lang="en-US" dirty="0"/>
+                        <a:t>Convert two to set of convex shapes. </a:t>
+                      </a:r>
+                      <a:r>
+                        <a:rPr lang="en-US" b="1" dirty="0"/>
+                        <a:t>Do Point/Convex</a:t>
+                      </a:r>
+                    </a:p>
+                  </a:txBody>
+                  <a:tcPr/>
+                </a:tc>
+                <a:extLst>
+                  <a:ext uri="{0D108BD9-81ED-4DB2-BD59-A6C34878D82A}">
+                    <a16:rowId xmlns:a16="http://schemas.microsoft.com/office/drawing/2014/main" val="1443863339"/>
+                  </a:ext>
+                </a:extLst>
+              </a:tr>
+              <a:tr h="1123046">
+                <a:tc vMerge="1">
+                  <a:txBody>
+                    <a:bodyPr/>
+                    <a:lstStyle/>
+                    <a:p>
+                      <a:endParaRPr lang="en-US" dirty="0"/>
+                    </a:p>
+                  </a:txBody>
+                  <a:tcPr/>
+                </a:tc>
+                <a:tc>
+                  <a:txBody>
+                    <a:bodyPr/>
+                    <a:lstStyle/>
+                    <a:p>
+                      <a:r>
+                        <a:rPr lang="en-US" dirty="0"/>
+                        <a:t>Circle</a:t>
+                      </a:r>
+                    </a:p>
+                  </a:txBody>
+                  <a:tcPr/>
+                </a:tc>
+                <a:tc>
+                  <a:txBody>
+                    <a:bodyPr/>
+                    <a:lstStyle/>
+                    <a:p>
+                      <a:r>
+                        <a:rPr lang="en-US" b="1" dirty="0"/>
+                        <a:t>Swap</a:t>
+                      </a:r>
+                    </a:p>
+                  </a:txBody>
+                  <a:tcPr/>
+                </a:tc>
+                <a:tc>
+                  <a:txBody>
+                    <a:bodyPr/>
+                    <a:lstStyle/>
+                    <a:p>
+                      <a:r>
+                        <a:rPr lang="en-US" dirty="0"/>
+                        <a:t>Shrink circle one and deflate circle two. </a:t>
+                      </a:r>
+                      <a:r>
+                        <a:rPr lang="en-US" b="1" dirty="0"/>
+                        <a:t>Do Point/Circle</a:t>
+                      </a:r>
+                      <a:r>
+                        <a:rPr lang="en-US" dirty="0"/>
+                        <a:t>.</a:t>
+                      </a:r>
+                    </a:p>
+                  </a:txBody>
+                  <a:tcPr/>
+                </a:tc>
+                <a:tc>
+                  <a:txBody>
+                    <a:bodyPr/>
+                    <a:lstStyle/>
+                    <a:p>
+                      <a:endParaRPr lang="en-US" dirty="0"/>
+                    </a:p>
+                  </a:txBody>
+                  <a:tcPr/>
+                </a:tc>
+                <a:tc>
+                  <a:txBody>
+                    <a:bodyPr/>
+                    <a:lstStyle/>
+                    <a:p>
+                      <a:pPr marL="0" marR="0" lvl="0" indent="0" algn="l" defTabSz="914400" rtl="0" eaLnBrk="1" fontAlgn="auto" latinLnBrk="0" hangingPunct="1">
+                        <a:lnSpc>
+                          <a:spcPct val="100000"/>
+                        </a:lnSpc>
+                        <a:spcBef>
+                          <a:spcPts val="0"/>
+                        </a:spcBef>
+                        <a:spcAft>
+                          <a:spcPts val="0"/>
+                        </a:spcAft>
+                        <a:buClrTx/>
+                        <a:buSzTx/>
+                        <a:buFontTx/>
+                        <a:buNone/>
+                        <a:tabLst/>
+                        <a:defRPr/>
+                      </a:pPr>
+                      <a:r>
+                        <a:rPr lang="en-US" sz="1800" dirty="0">
+                          <a:highlight>
+                            <a:srgbClr val="00FF00"/>
+                          </a:highlight>
+                        </a:rPr>
+                        <a:t>Interior Test </a:t>
+                      </a:r>
+                      <a:r>
+                        <a:rPr lang="en-US" sz="1800" dirty="0"/>
+                        <a:t>+ </a:t>
+                      </a:r>
+                      <a:r>
+                        <a:rPr lang="en-US" sz="1800" dirty="0">
+                          <a:highlight>
+                            <a:srgbClr val="00FFFF"/>
+                          </a:highlight>
+                        </a:rPr>
+                        <a:t>Corner Test </a:t>
+                      </a:r>
+                      <a:r>
+                        <a:rPr lang="en-US" sz="1800" dirty="0"/>
+                        <a:t>+ </a:t>
+                      </a:r>
+                      <a:r>
+                        <a:rPr lang="en-US" sz="1800" dirty="0">
+                          <a:highlight>
+                            <a:srgbClr val="FFFF00"/>
+                          </a:highlight>
+                        </a:rPr>
+                        <a:t>Edge Test</a:t>
+                      </a:r>
+                    </a:p>
+                    <a:p>
+                      <a:endParaRPr lang="en-US" dirty="0"/>
+                    </a:p>
+                  </a:txBody>
+                  <a:tcPr/>
+                </a:tc>
+                <a:tc>
+                  <a:txBody>
+                    <a:bodyPr/>
+                    <a:lstStyle/>
+                    <a:p>
+                      <a:pPr marL="0" marR="0" lvl="0" indent="0" algn="l" defTabSz="914400" rtl="0" eaLnBrk="1" fontAlgn="auto" latinLnBrk="0" hangingPunct="1">
+                        <a:lnSpc>
+                          <a:spcPct val="100000"/>
+                        </a:lnSpc>
+                        <a:spcBef>
+                          <a:spcPts val="0"/>
+                        </a:spcBef>
+                        <a:spcAft>
+                          <a:spcPts val="0"/>
+                        </a:spcAft>
+                        <a:buClrTx/>
+                        <a:buSzTx/>
+                        <a:buFontTx/>
+                        <a:buNone/>
+                        <a:tabLst/>
+                        <a:defRPr/>
+                      </a:pPr>
+                      <a:r>
+                        <a:rPr lang="en-US" dirty="0"/>
+                        <a:t>Convert two to set of convex shapes. </a:t>
+                      </a:r>
+                      <a:r>
+                        <a:rPr lang="en-US" b="1" dirty="0"/>
+                        <a:t>Do Circle/Convex</a:t>
+                      </a:r>
+                    </a:p>
+                  </a:txBody>
+                  <a:tcPr/>
+                </a:tc>
+                <a:extLst>
+                  <a:ext uri="{0D108BD9-81ED-4DB2-BD59-A6C34878D82A}">
+                    <a16:rowId xmlns:a16="http://schemas.microsoft.com/office/drawing/2014/main" val="4103566691"/>
+                  </a:ext>
+                </a:extLst>
+              </a:tr>
+              <a:tr h="1347079">
+                <a:tc vMerge="1">
+                  <a:txBody>
+                    <a:bodyPr/>
+                    <a:lstStyle/>
+                    <a:p>
+                      <a:endParaRPr lang="en-US" dirty="0"/>
+                    </a:p>
+                  </a:txBody>
+                  <a:tcPr/>
+                </a:tc>
+                <a:tc>
+                  <a:txBody>
+                    <a:bodyPr/>
+                    <a:lstStyle/>
+                    <a:p>
+                      <a:r>
+                        <a:rPr lang="en-US" dirty="0"/>
+                        <a:t>AAR</a:t>
+                      </a:r>
+                    </a:p>
+                  </a:txBody>
+                  <a:tcPr/>
+                </a:tc>
+                <a:tc>
+                  <a:txBody>
+                    <a:bodyPr/>
+                    <a:lstStyle/>
+                    <a:p>
+                      <a:r>
+                        <a:rPr lang="en-US" b="1" dirty="0"/>
+                        <a:t>Swap</a:t>
+                      </a:r>
+                    </a:p>
+                  </a:txBody>
+                  <a:tcPr/>
+                </a:tc>
+                <a:tc>
+                  <a:txBody>
+                    <a:bodyPr/>
+                    <a:lstStyle/>
+                    <a:p>
+                      <a:r>
+                        <a:rPr lang="en-US" b="1" dirty="0"/>
+                        <a:t>Swap</a:t>
+                      </a:r>
+                    </a:p>
+                  </a:txBody>
+                  <a:tcPr/>
+                </a:tc>
+                <a:tc>
+                  <a:txBody>
+                    <a:bodyPr/>
+                    <a:lstStyle/>
+                    <a:p>
+                      <a:r>
+                        <a:rPr lang="en-US" dirty="0"/>
+                        <a:t>Convert two to 4 points. Do </a:t>
+                      </a:r>
+                      <a:r>
+                        <a:rPr lang="en-US" b="1" dirty="0"/>
+                        <a:t>Point/AAR </a:t>
+                      </a:r>
+                      <a:r>
+                        <a:rPr lang="en-US" dirty="0"/>
+                        <a:t>x 4. Reverse and repeat.</a:t>
+                      </a:r>
+                    </a:p>
+                  </a:txBody>
+                  <a:tcPr/>
+                </a:tc>
+                <a:tc>
+                  <a:txBody>
+                    <a:bodyPr/>
+                    <a:lstStyle/>
+                    <a:p>
+                      <a:r>
+                        <a:rPr lang="en-US" dirty="0"/>
+                        <a:t>Convert two to points. Do </a:t>
+                      </a:r>
+                      <a:r>
+                        <a:rPr lang="en-US" b="1" dirty="0"/>
+                        <a:t>Point/AAR </a:t>
+                      </a:r>
+                      <a:r>
+                        <a:rPr lang="en-US" dirty="0"/>
+                        <a:t>x n. Then do two/one </a:t>
+                      </a:r>
+                      <a:r>
+                        <a:rPr lang="en-US" sz="1800" dirty="0">
+                          <a:highlight>
+                            <a:srgbClr val="00FF00"/>
+                          </a:highlight>
+                        </a:rPr>
+                        <a:t>Interior Test </a:t>
+                      </a:r>
+                      <a:endParaRPr lang="en-US" dirty="0"/>
+                    </a:p>
+                  </a:txBody>
+                  <a:tcPr/>
+                </a:tc>
+                <a:tc>
+                  <a:txBody>
+                    <a:bodyPr/>
+                    <a:lstStyle/>
+                    <a:p>
+                      <a:pPr marL="0" marR="0" lvl="0" indent="0" algn="l" defTabSz="914400" rtl="0" eaLnBrk="1" fontAlgn="auto" latinLnBrk="0" hangingPunct="1">
+                        <a:lnSpc>
+                          <a:spcPct val="100000"/>
+                        </a:lnSpc>
+                        <a:spcBef>
+                          <a:spcPts val="0"/>
+                        </a:spcBef>
+                        <a:spcAft>
+                          <a:spcPts val="0"/>
+                        </a:spcAft>
+                        <a:buClrTx/>
+                        <a:buSzTx/>
+                        <a:buFontTx/>
+                        <a:buNone/>
+                        <a:tabLst/>
+                        <a:defRPr/>
+                      </a:pPr>
+                      <a:r>
+                        <a:rPr lang="en-US" dirty="0"/>
+                        <a:t>Convert two to set of convex shapes. </a:t>
+                      </a:r>
+                      <a:r>
+                        <a:rPr lang="en-US" b="1" dirty="0"/>
+                        <a:t>Do AAR/Convex</a:t>
+                      </a:r>
+                    </a:p>
+                  </a:txBody>
+                  <a:tcPr/>
+                </a:tc>
+                <a:extLst>
+                  <a:ext uri="{0D108BD9-81ED-4DB2-BD59-A6C34878D82A}">
+                    <a16:rowId xmlns:a16="http://schemas.microsoft.com/office/drawing/2014/main" val="44518630"/>
+                  </a:ext>
+                </a:extLst>
+              </a:tr>
+              <a:tr h="1251536">
+                <a:tc vMerge="1">
+                  <a:txBody>
+                    <a:bodyPr/>
+                    <a:lstStyle/>
+                    <a:p>
+                      <a:endParaRPr lang="en-US" dirty="0"/>
+                    </a:p>
+                  </a:txBody>
+                  <a:tcPr/>
+                </a:tc>
+                <a:tc>
+                  <a:txBody>
+                    <a:bodyPr/>
+                    <a:lstStyle/>
+                    <a:p>
+                      <a:r>
+                        <a:rPr lang="en-US" dirty="0"/>
+                        <a:t>Convex</a:t>
+                      </a:r>
+                    </a:p>
+                  </a:txBody>
+                  <a:tcPr/>
+                </a:tc>
+                <a:tc>
+                  <a:txBody>
+                    <a:bodyPr/>
+                    <a:lstStyle/>
+                    <a:p>
+                      <a:r>
+                        <a:rPr lang="en-US" b="1" dirty="0"/>
+                        <a:t>Swap</a:t>
+                      </a:r>
+                    </a:p>
+                  </a:txBody>
+                  <a:tcPr/>
+                </a:tc>
+                <a:tc>
+                  <a:txBody>
+                    <a:bodyPr/>
+                    <a:lstStyle/>
+                    <a:p>
+                      <a:r>
+                        <a:rPr lang="en-US" b="1" dirty="0"/>
+                        <a:t>Swap</a:t>
+                      </a:r>
+                    </a:p>
+                  </a:txBody>
+                  <a:tcPr/>
+                </a:tc>
+                <a:tc>
+                  <a:txBody>
+                    <a:bodyPr/>
+                    <a:lstStyle/>
+                    <a:p>
+                      <a:r>
+                        <a:rPr lang="en-US" b="1" dirty="0"/>
+                        <a:t>Swap</a:t>
+                      </a:r>
+                    </a:p>
+                  </a:txBody>
+                  <a:tcPr/>
+                </a:tc>
+                <a:tc>
+                  <a:txBody>
+                    <a:bodyPr/>
+                    <a:lstStyle/>
+                    <a:p>
+                      <a:pPr marL="0" marR="0" lvl="0" indent="0" algn="l" defTabSz="914400" rtl="0" eaLnBrk="1" fontAlgn="auto" latinLnBrk="0" hangingPunct="1">
+                        <a:lnSpc>
+                          <a:spcPct val="100000"/>
+                        </a:lnSpc>
+                        <a:spcBef>
+                          <a:spcPts val="0"/>
+                        </a:spcBef>
+                        <a:spcAft>
+                          <a:spcPts val="0"/>
+                        </a:spcAft>
+                        <a:buClrTx/>
+                        <a:buSzTx/>
+                        <a:buFontTx/>
+                        <a:buNone/>
+                        <a:tabLst/>
+                        <a:defRPr/>
+                      </a:pPr>
+                      <a:r>
+                        <a:rPr lang="en-US" dirty="0"/>
+                        <a:t>Convert two to points. </a:t>
+                      </a:r>
+                      <a:r>
+                        <a:rPr lang="en-US" b="1" dirty="0"/>
+                        <a:t>Do Point/Convex </a:t>
+                      </a:r>
+                      <a:r>
+                        <a:rPr lang="en-US" dirty="0"/>
+                        <a:t>x n. Reverse and Repeat</a:t>
+                      </a:r>
+                    </a:p>
+                  </a:txBody>
+                  <a:tcPr/>
+                </a:tc>
+                <a:tc>
+                  <a:txBody>
+                    <a:bodyPr/>
+                    <a:lstStyle/>
+                    <a:p>
+                      <a:pPr marL="0" marR="0" lvl="0" indent="0" algn="l" defTabSz="914400" rtl="0" eaLnBrk="1" fontAlgn="auto" latinLnBrk="0" hangingPunct="1">
+                        <a:lnSpc>
+                          <a:spcPct val="100000"/>
+                        </a:lnSpc>
+                        <a:spcBef>
+                          <a:spcPts val="0"/>
+                        </a:spcBef>
+                        <a:spcAft>
+                          <a:spcPts val="0"/>
+                        </a:spcAft>
+                        <a:buClrTx/>
+                        <a:buSzTx/>
+                        <a:buFontTx/>
+                        <a:buNone/>
+                        <a:tabLst/>
+                        <a:defRPr/>
+                      </a:pPr>
+                      <a:r>
+                        <a:rPr lang="en-US" dirty="0"/>
+                        <a:t>Convert two to set of convex shapes. </a:t>
+                      </a:r>
+                      <a:r>
+                        <a:rPr lang="en-US" b="1" dirty="0"/>
+                        <a:t>Do Convex/Convex</a:t>
+                      </a:r>
+                    </a:p>
+                  </a:txBody>
+                  <a:tcPr/>
+                </a:tc>
+                <a:extLst>
+                  <a:ext uri="{0D108BD9-81ED-4DB2-BD59-A6C34878D82A}">
+                    <a16:rowId xmlns:a16="http://schemas.microsoft.com/office/drawing/2014/main" val="3472991750"/>
+                  </a:ext>
+                </a:extLst>
+              </a:tr>
+              <a:tr h="910274">
+                <a:tc vMerge="1">
+                  <a:txBody>
+                    <a:bodyPr/>
+                    <a:lstStyle/>
+                    <a:p>
+                      <a:endParaRPr lang="en-US" dirty="0"/>
+                    </a:p>
+                  </a:txBody>
+                  <a:tcPr/>
+                </a:tc>
+                <a:tc>
+                  <a:txBody>
+                    <a:bodyPr/>
+                    <a:lstStyle/>
+                    <a:p>
+                      <a:r>
+                        <a:rPr lang="en-US" dirty="0"/>
+                        <a:t>Concave</a:t>
+                      </a:r>
+                    </a:p>
+                  </a:txBody>
+                  <a:tcPr/>
+                </a:tc>
+                <a:tc>
+                  <a:txBody>
+                    <a:bodyPr/>
+                    <a:lstStyle/>
+                    <a:p>
+                      <a:r>
+                        <a:rPr lang="en-US" b="1" dirty="0"/>
+                        <a:t>Swap</a:t>
+                      </a:r>
+                    </a:p>
+                  </a:txBody>
+                  <a:tcPr/>
+                </a:tc>
+                <a:tc>
+                  <a:txBody>
+                    <a:bodyPr/>
+                    <a:lstStyle/>
+                    <a:p>
+                      <a:r>
+                        <a:rPr lang="en-US" b="1" dirty="0"/>
+                        <a:t>Swap</a:t>
+                      </a:r>
+                    </a:p>
+                  </a:txBody>
+                  <a:tcPr/>
+                </a:tc>
+                <a:tc>
+                  <a:txBody>
+                    <a:bodyPr/>
+                    <a:lstStyle/>
+                    <a:p>
+                      <a:r>
+                        <a:rPr lang="en-US" b="1" dirty="0"/>
+                        <a:t>Swap</a:t>
+                      </a:r>
+                    </a:p>
+                  </a:txBody>
+                  <a:tcPr/>
+                </a:tc>
+                <a:tc>
+                  <a:txBody>
+                    <a:bodyPr/>
+                    <a:lstStyle/>
+                    <a:p>
+                      <a:r>
+                        <a:rPr lang="en-US" b="1" dirty="0"/>
+                        <a:t>Swap</a:t>
+                      </a:r>
+                    </a:p>
+                  </a:txBody>
+                  <a:tcPr/>
+                </a:tc>
+                <a:tc>
+                  <a:txBody>
+                    <a:bodyPr/>
+                    <a:lstStyle/>
+                    <a:p>
+                      <a:pPr marL="0" marR="0" lvl="0" indent="0" algn="l" defTabSz="914400" rtl="0" eaLnBrk="1" fontAlgn="auto" latinLnBrk="0" hangingPunct="1">
+                        <a:lnSpc>
+                          <a:spcPct val="100000"/>
+                        </a:lnSpc>
+                        <a:spcBef>
+                          <a:spcPts val="0"/>
+                        </a:spcBef>
+                        <a:spcAft>
+                          <a:spcPts val="0"/>
+                        </a:spcAft>
+                        <a:buClrTx/>
+                        <a:buSzTx/>
+                        <a:buFontTx/>
+                        <a:buNone/>
+                        <a:tabLst/>
+                        <a:defRPr/>
+                      </a:pPr>
+                      <a:r>
+                        <a:rPr lang="en-US" dirty="0"/>
+                        <a:t>Convert two to set of convex shapes. </a:t>
+                      </a:r>
+                      <a:r>
+                        <a:rPr lang="en-US" b="1" dirty="0"/>
+                        <a:t>Do Convex/Concave</a:t>
+                      </a:r>
+                    </a:p>
+                  </a:txBody>
+                  <a:tcPr/>
+                </a:tc>
+                <a:extLst>
+                  <a:ext uri="{0D108BD9-81ED-4DB2-BD59-A6C34878D82A}">
+                    <a16:rowId xmlns:a16="http://schemas.microsoft.com/office/drawing/2014/main" val="3605684786"/>
+                  </a:ext>
+                </a:extLst>
+              </a:tr>
+            </a:tbl>
+          </a:graphicData>
+        </a:graphic>
+      </p:graphicFrame>
+    </p:spTree>
+    <p:extLst>
+      <p:ext uri="{BB962C8B-B14F-4D97-AF65-F5344CB8AC3E}">
+        <p14:creationId xmlns:p14="http://schemas.microsoft.com/office/powerpoint/2010/main" val="4096169332"/>
+      </p:ext>
+    </p:extLst>
+  </p:cSld>
+  <p:clrMapOvr>
+    <a:masterClrMapping/>
+  </p:clrMapOvr>
+</p:sld>
+</file>
+
+<file path=ppt/slides/slide21.xml><?xml version="1.0" encoding="utf-8"?>
 <p:sld xmlns:a="http://schemas.openxmlformats.org/drawingml/2006/main" xmlns:r="http://schemas.openxmlformats.org/officeDocument/2006/relationships" xmlns:p="http://schemas.openxmlformats.org/presentationml/2006/main">
   <p:cSld>
     <p:spTree>
@@ -20395,7 +24319,7 @@
 </p:sld>
 </file>
 
-<file path=ppt/slides/slide19.xml><?xml version="1.0" encoding="utf-8"?>
+<file path=ppt/slides/slide22.xml><?xml version="1.0" encoding="utf-8"?>
 <p:sld xmlns:a="http://schemas.openxmlformats.org/drawingml/2006/main" xmlns:r="http://schemas.openxmlformats.org/officeDocument/2006/relationships" xmlns:p="http://schemas.openxmlformats.org/presentationml/2006/main">
   <p:cSld>
     <p:spTree>
@@ -22225,770 +26149,7 @@
 </p:sld>
 </file>
 
-<file path=ppt/slides/slide2.xml><?xml version="1.0" encoding="utf-8"?>
-<p:sld xmlns:a="http://schemas.openxmlformats.org/drawingml/2006/main" xmlns:r="http://schemas.openxmlformats.org/officeDocument/2006/relationships" xmlns:p="http://schemas.openxmlformats.org/presentationml/2006/main">
-  <p:cSld>
-    <p:spTree>
-      <p:nvGrpSpPr>
-        <p:cNvPr id="1" name=""/>
-        <p:cNvGrpSpPr/>
-        <p:nvPr/>
-      </p:nvGrpSpPr>
-      <p:grpSpPr>
-        <a:xfrm>
-          <a:off x="0" y="0"/>
-          <a:ext cx="0" cy="0"/>
-          <a:chOff x="0" y="0"/>
-          <a:chExt cx="0" cy="0"/>
-        </a:xfrm>
-      </p:grpSpPr>
-      <p:sp>
-        <p:nvSpPr>
-          <p:cNvPr id="4" name="TextBox 3">
-            <a:extLst>
-              <a:ext uri="{FF2B5EF4-FFF2-40B4-BE49-F238E27FC236}">
-                <a16:creationId xmlns:a16="http://schemas.microsoft.com/office/drawing/2014/main" id="{DC95240C-647E-4C0A-85CF-03CF4EBF7F0A}"/>
-              </a:ext>
-            </a:extLst>
-          </p:cNvPr>
-          <p:cNvSpPr txBox="1"/>
-          <p:nvPr/>
-        </p:nvSpPr>
-        <p:spPr>
-          <a:xfrm>
-            <a:off x="0" y="250222"/>
-            <a:ext cx="12192000" cy="523220"/>
-          </a:xfrm>
-          <a:prstGeom prst="rect">
-            <a:avLst/>
-          </a:prstGeom>
-          <a:noFill/>
-        </p:spPr>
-        <p:txBody>
-          <a:bodyPr wrap="square" rtlCol="0">
-            <a:spAutoFit/>
-          </a:bodyPr>
-          <a:lstStyle/>
-          <a:p>
-            <a:pPr algn="ctr"/>
-            <a:r>
-              <a:rPr lang="en-US" sz="2800" dirty="0">
-                <a:solidFill>
-                  <a:schemeClr val="accent6">
-                    <a:lumMod val="75000"/>
-                  </a:schemeClr>
-                </a:solidFill>
-              </a:rPr>
-              <a:t>Visual Layers</a:t>
-            </a:r>
-          </a:p>
-        </p:txBody>
-      </p:sp>
-      <p:grpSp>
-        <p:nvGrpSpPr>
-          <p:cNvPr id="5" name="Group 4">
-            <a:extLst>
-              <a:ext uri="{FF2B5EF4-FFF2-40B4-BE49-F238E27FC236}">
-                <a16:creationId xmlns:a16="http://schemas.microsoft.com/office/drawing/2014/main" id="{7D4465E7-FBDA-4DCF-BE58-C99E87108B7A}"/>
-              </a:ext>
-            </a:extLst>
-          </p:cNvPr>
-          <p:cNvGrpSpPr/>
-          <p:nvPr/>
-        </p:nvGrpSpPr>
-        <p:grpSpPr>
-          <a:xfrm>
-            <a:off x="3766877" y="629685"/>
-            <a:ext cx="4498072" cy="297874"/>
-            <a:chOff x="3971469" y="624781"/>
-            <a:chExt cx="4498072" cy="297874"/>
-          </a:xfrm>
-        </p:grpSpPr>
-        <p:cxnSp>
-          <p:nvCxnSpPr>
-            <p:cNvPr id="6" name="Straight Connector 5">
-              <a:extLst>
-                <a:ext uri="{FF2B5EF4-FFF2-40B4-BE49-F238E27FC236}">
-                  <a16:creationId xmlns:a16="http://schemas.microsoft.com/office/drawing/2014/main" id="{45C4EE94-FB9D-4197-BA3C-B4166A1C3CF2}"/>
-                </a:ext>
-              </a:extLst>
-            </p:cNvPr>
-            <p:cNvCxnSpPr/>
-            <p:nvPr/>
-          </p:nvCxnSpPr>
-          <p:spPr>
-            <a:xfrm>
-              <a:off x="5170031" y="773442"/>
-              <a:ext cx="2057400" cy="0"/>
-            </a:xfrm>
-            <a:prstGeom prst="line">
-              <a:avLst/>
-            </a:prstGeom>
-            <a:ln cap="rnd"/>
-          </p:spPr>
-          <p:style>
-            <a:lnRef idx="3">
-              <a:schemeClr val="accent6"/>
-            </a:lnRef>
-            <a:fillRef idx="0">
-              <a:schemeClr val="accent6"/>
-            </a:fillRef>
-            <a:effectRef idx="2">
-              <a:schemeClr val="accent6"/>
-            </a:effectRef>
-            <a:fontRef idx="minor">
-              <a:schemeClr val="tx1"/>
-            </a:fontRef>
-          </p:style>
-        </p:cxnSp>
-        <p:cxnSp>
-          <p:nvCxnSpPr>
-            <p:cNvPr id="7" name="Straight Connector 6">
-              <a:extLst>
-                <a:ext uri="{FF2B5EF4-FFF2-40B4-BE49-F238E27FC236}">
-                  <a16:creationId xmlns:a16="http://schemas.microsoft.com/office/drawing/2014/main" id="{D182A16C-9D8A-4A17-BE3E-120AC8E4521A}"/>
-                </a:ext>
-              </a:extLst>
-            </p:cNvPr>
-            <p:cNvCxnSpPr>
-              <a:cxnSpLocks/>
-            </p:cNvCxnSpPr>
-            <p:nvPr/>
-          </p:nvCxnSpPr>
-          <p:spPr>
-            <a:xfrm>
-              <a:off x="7349270" y="697242"/>
-              <a:ext cx="1027511" cy="0"/>
-            </a:xfrm>
-            <a:prstGeom prst="line">
-              <a:avLst/>
-            </a:prstGeom>
-            <a:ln cap="rnd"/>
-          </p:spPr>
-          <p:style>
-            <a:lnRef idx="3">
-              <a:schemeClr val="accent6"/>
-            </a:lnRef>
-            <a:fillRef idx="0">
-              <a:schemeClr val="accent6"/>
-            </a:fillRef>
-            <a:effectRef idx="2">
-              <a:schemeClr val="accent6"/>
-            </a:effectRef>
-            <a:fontRef idx="minor">
-              <a:schemeClr val="tx1"/>
-            </a:fontRef>
-          </p:style>
-        </p:cxnSp>
-        <p:cxnSp>
-          <p:nvCxnSpPr>
-            <p:cNvPr id="8" name="Straight Connector 7">
-              <a:extLst>
-                <a:ext uri="{FF2B5EF4-FFF2-40B4-BE49-F238E27FC236}">
-                  <a16:creationId xmlns:a16="http://schemas.microsoft.com/office/drawing/2014/main" id="{06489087-E70A-4009-85AE-578FC4B8D162}"/>
-                </a:ext>
-              </a:extLst>
-            </p:cNvPr>
-            <p:cNvCxnSpPr>
-              <a:cxnSpLocks/>
-            </p:cNvCxnSpPr>
-            <p:nvPr/>
-          </p:nvCxnSpPr>
-          <p:spPr>
-            <a:xfrm flipV="1">
-              <a:off x="7227431" y="697242"/>
-              <a:ext cx="121839" cy="76200"/>
-            </a:xfrm>
-            <a:prstGeom prst="line">
-              <a:avLst/>
-            </a:prstGeom>
-            <a:ln cap="rnd"/>
-          </p:spPr>
-          <p:style>
-            <a:lnRef idx="3">
-              <a:schemeClr val="accent6"/>
-            </a:lnRef>
-            <a:fillRef idx="0">
-              <a:schemeClr val="accent6"/>
-            </a:fillRef>
-            <a:effectRef idx="2">
-              <a:schemeClr val="accent6"/>
-            </a:effectRef>
-            <a:fontRef idx="minor">
-              <a:schemeClr val="tx1"/>
-            </a:fontRef>
-          </p:style>
-        </p:cxnSp>
-        <p:cxnSp>
-          <p:nvCxnSpPr>
-            <p:cNvPr id="9" name="Straight Connector 8">
-              <a:extLst>
-                <a:ext uri="{FF2B5EF4-FFF2-40B4-BE49-F238E27FC236}">
-                  <a16:creationId xmlns:a16="http://schemas.microsoft.com/office/drawing/2014/main" id="{B5325AAF-DF5C-48B6-A56D-722EDE0B2680}"/>
-                </a:ext>
-              </a:extLst>
-            </p:cNvPr>
-            <p:cNvCxnSpPr>
-              <a:cxnSpLocks/>
-            </p:cNvCxnSpPr>
-            <p:nvPr/>
-          </p:nvCxnSpPr>
-          <p:spPr>
-            <a:xfrm flipV="1">
-              <a:off x="5048192" y="773442"/>
-              <a:ext cx="121839" cy="76200"/>
-            </a:xfrm>
-            <a:prstGeom prst="line">
-              <a:avLst/>
-            </a:prstGeom>
-            <a:ln cap="rnd"/>
-          </p:spPr>
-          <p:style>
-            <a:lnRef idx="3">
-              <a:schemeClr val="accent6"/>
-            </a:lnRef>
-            <a:fillRef idx="0">
-              <a:schemeClr val="accent6"/>
-            </a:fillRef>
-            <a:effectRef idx="2">
-              <a:schemeClr val="accent6"/>
-            </a:effectRef>
-            <a:fontRef idx="minor">
-              <a:schemeClr val="tx1"/>
-            </a:fontRef>
-          </p:style>
-        </p:cxnSp>
-        <p:cxnSp>
-          <p:nvCxnSpPr>
-            <p:cNvPr id="10" name="Straight Connector 9">
-              <a:extLst>
-                <a:ext uri="{FF2B5EF4-FFF2-40B4-BE49-F238E27FC236}">
-                  <a16:creationId xmlns:a16="http://schemas.microsoft.com/office/drawing/2014/main" id="{3C3D5A29-BF66-496B-9AEB-4E9DB808D6DD}"/>
-                </a:ext>
-              </a:extLst>
-            </p:cNvPr>
-            <p:cNvCxnSpPr>
-              <a:cxnSpLocks/>
-            </p:cNvCxnSpPr>
-            <p:nvPr/>
-          </p:nvCxnSpPr>
-          <p:spPr>
-            <a:xfrm flipV="1">
-              <a:off x="4021655" y="849642"/>
-              <a:ext cx="1026537" cy="11668"/>
-            </a:xfrm>
-            <a:prstGeom prst="line">
-              <a:avLst/>
-            </a:prstGeom>
-            <a:ln cap="rnd"/>
-          </p:spPr>
-          <p:style>
-            <a:lnRef idx="3">
-              <a:schemeClr val="accent6"/>
-            </a:lnRef>
-            <a:fillRef idx="0">
-              <a:schemeClr val="accent6"/>
-            </a:fillRef>
-            <a:effectRef idx="2">
-              <a:schemeClr val="accent6"/>
-            </a:effectRef>
-            <a:fontRef idx="minor">
-              <a:schemeClr val="tx1"/>
-            </a:fontRef>
-          </p:style>
-        </p:cxnSp>
-        <p:sp>
-          <p:nvSpPr>
-            <p:cNvPr id="11" name="Oval 10">
-              <a:extLst>
-                <a:ext uri="{FF2B5EF4-FFF2-40B4-BE49-F238E27FC236}">
-                  <a16:creationId xmlns:a16="http://schemas.microsoft.com/office/drawing/2014/main" id="{85674D68-9AC2-45C4-B953-5391FAE46330}"/>
-                </a:ext>
-              </a:extLst>
-            </p:cNvPr>
-            <p:cNvSpPr/>
-            <p:nvPr/>
-          </p:nvSpPr>
-          <p:spPr>
-            <a:xfrm>
-              <a:off x="3971469" y="789305"/>
-              <a:ext cx="133350" cy="133350"/>
-            </a:xfrm>
-            <a:prstGeom prst="ellipse">
-              <a:avLst/>
-            </a:prstGeom>
-          </p:spPr>
-          <p:style>
-            <a:lnRef idx="2">
-              <a:schemeClr val="accent6"/>
-            </a:lnRef>
-            <a:fillRef idx="1">
-              <a:schemeClr val="lt1"/>
-            </a:fillRef>
-            <a:effectRef idx="0">
-              <a:schemeClr val="accent6"/>
-            </a:effectRef>
-            <a:fontRef idx="minor">
-              <a:schemeClr val="dk1"/>
-            </a:fontRef>
-          </p:style>
-          <p:txBody>
-            <a:bodyPr rtlCol="0" anchor="ctr"/>
-            <a:lstStyle/>
-            <a:p>
-              <a:pPr algn="ctr"/>
-              <a:endParaRPr lang="en-US" i="1" dirty="0"/>
-            </a:p>
-          </p:txBody>
-        </p:sp>
-        <p:sp>
-          <p:nvSpPr>
-            <p:cNvPr id="12" name="Oval 11">
-              <a:extLst>
-                <a:ext uri="{FF2B5EF4-FFF2-40B4-BE49-F238E27FC236}">
-                  <a16:creationId xmlns:a16="http://schemas.microsoft.com/office/drawing/2014/main" id="{698AD4D7-A8B8-4A6B-9CBB-640B4289CDCA}"/>
-                </a:ext>
-              </a:extLst>
-            </p:cNvPr>
-            <p:cNvSpPr/>
-            <p:nvPr/>
-          </p:nvSpPr>
-          <p:spPr>
-            <a:xfrm>
-              <a:off x="8336191" y="624781"/>
-              <a:ext cx="133350" cy="133350"/>
-            </a:xfrm>
-            <a:prstGeom prst="ellipse">
-              <a:avLst/>
-            </a:prstGeom>
-          </p:spPr>
-          <p:style>
-            <a:lnRef idx="2">
-              <a:schemeClr val="accent6"/>
-            </a:lnRef>
-            <a:fillRef idx="1">
-              <a:schemeClr val="lt1"/>
-            </a:fillRef>
-            <a:effectRef idx="0">
-              <a:schemeClr val="accent6"/>
-            </a:effectRef>
-            <a:fontRef idx="minor">
-              <a:schemeClr val="dk1"/>
-            </a:fontRef>
-          </p:style>
-          <p:txBody>
-            <a:bodyPr rtlCol="0" anchor="ctr"/>
-            <a:lstStyle/>
-            <a:p>
-              <a:pPr algn="ctr"/>
-              <a:endParaRPr lang="en-US" i="1" dirty="0"/>
-            </a:p>
-          </p:txBody>
-        </p:sp>
-      </p:grpSp>
-      <p:sp>
-        <p:nvSpPr>
-          <p:cNvPr id="21" name="TextBox 20">
-            <a:extLst>
-              <a:ext uri="{FF2B5EF4-FFF2-40B4-BE49-F238E27FC236}">
-                <a16:creationId xmlns:a16="http://schemas.microsoft.com/office/drawing/2014/main" id="{574F3C03-D51A-4577-B090-16E9EDCB2EEE}"/>
-              </a:ext>
-            </a:extLst>
-          </p:cNvPr>
-          <p:cNvSpPr txBox="1"/>
-          <p:nvPr/>
-        </p:nvSpPr>
-        <p:spPr>
-          <a:xfrm>
-            <a:off x="286124" y="5578019"/>
-            <a:ext cx="1353447" cy="646331"/>
-          </a:xfrm>
-          <a:prstGeom prst="rect">
-            <a:avLst/>
-          </a:prstGeom>
-          <a:noFill/>
-        </p:spPr>
-        <p:txBody>
-          <a:bodyPr wrap="none" rtlCol="0">
-            <a:spAutoFit/>
-          </a:bodyPr>
-          <a:lstStyle/>
-          <a:p>
-            <a:r>
-              <a:rPr lang="en-US" dirty="0">
-                <a:solidFill>
-                  <a:schemeClr val="accent6">
-                    <a:lumMod val="75000"/>
-                  </a:schemeClr>
-                </a:solidFill>
-              </a:rPr>
-              <a:t>Clear Screen</a:t>
-            </a:r>
-          </a:p>
-          <a:p>
-            <a:r>
-              <a:rPr lang="en-US" dirty="0">
-                <a:solidFill>
-                  <a:schemeClr val="accent6">
-                    <a:lumMod val="75000"/>
-                  </a:schemeClr>
-                </a:solidFill>
-              </a:rPr>
-              <a:t>Background</a:t>
-            </a:r>
-          </a:p>
-        </p:txBody>
-      </p:sp>
-      <p:sp>
-        <p:nvSpPr>
-          <p:cNvPr id="22" name="TextBox 21">
-            <a:extLst>
-              <a:ext uri="{FF2B5EF4-FFF2-40B4-BE49-F238E27FC236}">
-                <a16:creationId xmlns:a16="http://schemas.microsoft.com/office/drawing/2014/main" id="{5427716D-12F5-4E17-992E-30D9A89F570D}"/>
-              </a:ext>
-            </a:extLst>
-          </p:cNvPr>
-          <p:cNvSpPr txBox="1"/>
-          <p:nvPr/>
-        </p:nvSpPr>
-        <p:spPr>
-          <a:xfrm>
-            <a:off x="1959945" y="5578019"/>
-            <a:ext cx="1295035" cy="646331"/>
-          </a:xfrm>
-          <a:prstGeom prst="rect">
-            <a:avLst/>
-          </a:prstGeom>
-          <a:noFill/>
-        </p:spPr>
-        <p:txBody>
-          <a:bodyPr wrap="none" rtlCol="0">
-            <a:spAutoFit/>
-          </a:bodyPr>
-          <a:lstStyle/>
-          <a:p>
-            <a:r>
-              <a:rPr lang="en-US" dirty="0">
-                <a:solidFill>
-                  <a:schemeClr val="accent6">
-                    <a:lumMod val="75000"/>
-                  </a:schemeClr>
-                </a:solidFill>
-              </a:rPr>
-              <a:t>World</a:t>
-            </a:r>
-          </a:p>
-          <a:p>
-            <a:r>
-              <a:rPr lang="en-US" dirty="0">
-                <a:solidFill>
-                  <a:schemeClr val="accent6">
-                    <a:lumMod val="75000"/>
-                  </a:schemeClr>
-                </a:solidFill>
-              </a:rPr>
-              <a:t>Background</a:t>
-            </a:r>
-          </a:p>
-        </p:txBody>
-      </p:sp>
-      <p:sp>
-        <p:nvSpPr>
-          <p:cNvPr id="23" name="TextBox 22">
-            <a:extLst>
-              <a:ext uri="{FF2B5EF4-FFF2-40B4-BE49-F238E27FC236}">
-                <a16:creationId xmlns:a16="http://schemas.microsoft.com/office/drawing/2014/main" id="{8898C8F9-74CB-493A-8732-619DD22C3A83}"/>
-              </a:ext>
-            </a:extLst>
-          </p:cNvPr>
-          <p:cNvSpPr txBox="1"/>
-          <p:nvPr/>
-        </p:nvSpPr>
-        <p:spPr>
-          <a:xfrm>
-            <a:off x="3600765" y="5578019"/>
-            <a:ext cx="1229311" cy="646331"/>
-          </a:xfrm>
-          <a:prstGeom prst="rect">
-            <a:avLst/>
-          </a:prstGeom>
-          <a:noFill/>
-        </p:spPr>
-        <p:txBody>
-          <a:bodyPr wrap="none" rtlCol="0">
-            <a:spAutoFit/>
-          </a:bodyPr>
-          <a:lstStyle/>
-          <a:p>
-            <a:r>
-              <a:rPr lang="en-US" dirty="0">
-                <a:solidFill>
-                  <a:schemeClr val="accent6">
-                    <a:lumMod val="75000"/>
-                  </a:schemeClr>
-                </a:solidFill>
-              </a:rPr>
-              <a:t>World </a:t>
-            </a:r>
-          </a:p>
-          <a:p>
-            <a:r>
-              <a:rPr lang="en-US" dirty="0">
-                <a:solidFill>
-                  <a:schemeClr val="accent6">
-                    <a:lumMod val="75000"/>
-                  </a:schemeClr>
-                </a:solidFill>
-              </a:rPr>
-              <a:t>Midground</a:t>
-            </a:r>
-          </a:p>
-        </p:txBody>
-      </p:sp>
-      <p:sp>
-        <p:nvSpPr>
-          <p:cNvPr id="24" name="TextBox 23">
-            <a:extLst>
-              <a:ext uri="{FF2B5EF4-FFF2-40B4-BE49-F238E27FC236}">
-                <a16:creationId xmlns:a16="http://schemas.microsoft.com/office/drawing/2014/main" id="{C32AD6D6-0827-47FD-B882-734E6662588A}"/>
-              </a:ext>
-            </a:extLst>
-          </p:cNvPr>
-          <p:cNvSpPr txBox="1"/>
-          <p:nvPr/>
-        </p:nvSpPr>
-        <p:spPr>
-          <a:xfrm>
-            <a:off x="5228921" y="5578019"/>
-            <a:ext cx="855491" cy="646331"/>
-          </a:xfrm>
-          <a:prstGeom prst="rect">
-            <a:avLst/>
-          </a:prstGeom>
-          <a:noFill/>
-        </p:spPr>
-        <p:txBody>
-          <a:bodyPr wrap="none" rtlCol="0">
-            <a:spAutoFit/>
-          </a:bodyPr>
-          <a:lstStyle/>
-          <a:p>
-            <a:r>
-              <a:rPr lang="en-US" dirty="0">
-                <a:solidFill>
-                  <a:schemeClr val="accent6">
-                    <a:lumMod val="75000"/>
-                  </a:schemeClr>
-                </a:solidFill>
-              </a:rPr>
-              <a:t>Effects </a:t>
-            </a:r>
-          </a:p>
-          <a:p>
-            <a:r>
-              <a:rPr lang="en-US" dirty="0">
-                <a:solidFill>
-                  <a:schemeClr val="accent6">
-                    <a:lumMod val="75000"/>
-                  </a:schemeClr>
-                </a:solidFill>
-              </a:rPr>
-              <a:t>Layer</a:t>
-            </a:r>
-          </a:p>
-        </p:txBody>
-      </p:sp>
-      <p:sp>
-        <p:nvSpPr>
-          <p:cNvPr id="25" name="TextBox 24">
-            <a:extLst>
-              <a:ext uri="{FF2B5EF4-FFF2-40B4-BE49-F238E27FC236}">
-                <a16:creationId xmlns:a16="http://schemas.microsoft.com/office/drawing/2014/main" id="{4FE2A25E-D62C-43B0-83A4-AD894E016C0F}"/>
-              </a:ext>
-            </a:extLst>
-          </p:cNvPr>
-          <p:cNvSpPr txBox="1"/>
-          <p:nvPr/>
-        </p:nvSpPr>
-        <p:spPr>
-          <a:xfrm>
-            <a:off x="6804017" y="5578019"/>
-            <a:ext cx="1274451" cy="646331"/>
-          </a:xfrm>
-          <a:prstGeom prst="rect">
-            <a:avLst/>
-          </a:prstGeom>
-          <a:noFill/>
-        </p:spPr>
-        <p:txBody>
-          <a:bodyPr wrap="none" rtlCol="0">
-            <a:spAutoFit/>
-          </a:bodyPr>
-          <a:lstStyle/>
-          <a:p>
-            <a:r>
-              <a:rPr lang="en-US" dirty="0">
-                <a:solidFill>
-                  <a:schemeClr val="accent6">
-                    <a:lumMod val="75000"/>
-                  </a:schemeClr>
-                </a:solidFill>
-              </a:rPr>
-              <a:t>World </a:t>
-            </a:r>
-          </a:p>
-          <a:p>
-            <a:r>
-              <a:rPr lang="en-US" dirty="0">
-                <a:solidFill>
-                  <a:schemeClr val="accent6">
-                    <a:lumMod val="75000"/>
-                  </a:schemeClr>
-                </a:solidFill>
-              </a:rPr>
-              <a:t>Foreground</a:t>
-            </a:r>
-          </a:p>
-        </p:txBody>
-      </p:sp>
-      <p:sp>
-        <p:nvSpPr>
-          <p:cNvPr id="26" name="TextBox 25">
-            <a:extLst>
-              <a:ext uri="{FF2B5EF4-FFF2-40B4-BE49-F238E27FC236}">
-                <a16:creationId xmlns:a16="http://schemas.microsoft.com/office/drawing/2014/main" id="{819E7DCF-AEE3-4800-9277-B53EA6E21C19}"/>
-              </a:ext>
-            </a:extLst>
-          </p:cNvPr>
-          <p:cNvSpPr txBox="1"/>
-          <p:nvPr/>
-        </p:nvSpPr>
-        <p:spPr>
-          <a:xfrm>
-            <a:off x="8406056" y="5578019"/>
-            <a:ext cx="1106585" cy="646331"/>
-          </a:xfrm>
-          <a:prstGeom prst="rect">
-            <a:avLst/>
-          </a:prstGeom>
-          <a:noFill/>
-        </p:spPr>
-        <p:txBody>
-          <a:bodyPr wrap="none" rtlCol="0">
-            <a:spAutoFit/>
-          </a:bodyPr>
-          <a:lstStyle/>
-          <a:p>
-            <a:r>
-              <a:rPr lang="en-US" dirty="0">
-                <a:solidFill>
-                  <a:schemeClr val="accent6">
-                    <a:lumMod val="75000"/>
-                  </a:schemeClr>
-                </a:solidFill>
-              </a:rPr>
-              <a:t>World/UI </a:t>
-            </a:r>
-          </a:p>
-          <a:p>
-            <a:r>
-              <a:rPr lang="en-US" dirty="0">
-                <a:solidFill>
-                  <a:schemeClr val="accent6">
-                    <a:lumMod val="75000"/>
-                  </a:schemeClr>
-                </a:solidFill>
-              </a:rPr>
-              <a:t>Transition</a:t>
-            </a:r>
-          </a:p>
-        </p:txBody>
-      </p:sp>
-      <p:sp>
-        <p:nvSpPr>
-          <p:cNvPr id="27" name="TextBox 26">
-            <a:extLst>
-              <a:ext uri="{FF2B5EF4-FFF2-40B4-BE49-F238E27FC236}">
-                <a16:creationId xmlns:a16="http://schemas.microsoft.com/office/drawing/2014/main" id="{3FF7035B-5F33-448F-8FBE-92DAFB7A7026}"/>
-              </a:ext>
-            </a:extLst>
-          </p:cNvPr>
-          <p:cNvSpPr txBox="1"/>
-          <p:nvPr/>
-        </p:nvSpPr>
-        <p:spPr>
-          <a:xfrm>
-            <a:off x="10037130" y="5578019"/>
-            <a:ext cx="389850" cy="369332"/>
-          </a:xfrm>
-          <a:prstGeom prst="rect">
-            <a:avLst/>
-          </a:prstGeom>
-          <a:noFill/>
-        </p:spPr>
-        <p:txBody>
-          <a:bodyPr wrap="none" rtlCol="0">
-            <a:spAutoFit/>
-          </a:bodyPr>
-          <a:lstStyle/>
-          <a:p>
-            <a:r>
-              <a:rPr lang="en-US" dirty="0">
-                <a:solidFill>
-                  <a:schemeClr val="accent6">
-                    <a:lumMod val="75000"/>
-                  </a:schemeClr>
-                </a:solidFill>
-              </a:rPr>
-              <a:t>UI</a:t>
-            </a:r>
-          </a:p>
-        </p:txBody>
-      </p:sp>
-      <p:pic>
-        <p:nvPicPr>
-          <p:cNvPr id="35" name="Picture 34">
-            <a:extLst>
-              <a:ext uri="{FF2B5EF4-FFF2-40B4-BE49-F238E27FC236}">
-                <a16:creationId xmlns:a16="http://schemas.microsoft.com/office/drawing/2014/main" id="{F31141E5-29F7-4B63-A6EA-12389F90BBD4}"/>
-              </a:ext>
-            </a:extLst>
-          </p:cNvPr>
-          <p:cNvPicPr>
-            <a:picLocks noChangeAspect="1"/>
-          </p:cNvPicPr>
-          <p:nvPr/>
-        </p:nvPicPr>
-        <p:blipFill>
-          <a:blip r:embed="rId2"/>
-          <a:stretch>
-            <a:fillRect/>
-          </a:stretch>
-        </p:blipFill>
-        <p:spPr>
-          <a:xfrm>
-            <a:off x="480060" y="1168462"/>
-            <a:ext cx="11231880" cy="4362366"/>
-          </a:xfrm>
-          <a:prstGeom prst="rect">
-            <a:avLst/>
-          </a:prstGeom>
-        </p:spPr>
-      </p:pic>
-    </p:spTree>
-    <p:extLst>
-      <p:ext uri="{BB962C8B-B14F-4D97-AF65-F5344CB8AC3E}">
-        <p14:creationId xmlns:p14="http://schemas.microsoft.com/office/powerpoint/2010/main" val="4029843772"/>
-      </p:ext>
-    </p:extLst>
-  </p:cSld>
-  <p:clrMapOvr>
-    <a:masterClrMapping/>
-  </p:clrMapOvr>
-</p:sld>
-</file>
-
-<file path=ppt/slides/slide20.xml><?xml version="1.0" encoding="utf-8"?>
+<file path=ppt/slides/slide23.xml><?xml version="1.0" encoding="utf-8"?>
 <p:sld xmlns:a="http://schemas.openxmlformats.org/drawingml/2006/main" xmlns:r="http://schemas.openxmlformats.org/officeDocument/2006/relationships" xmlns:p="http://schemas.openxmlformats.org/presentationml/2006/main">
   <p:cSld>
     <p:spTree>
@@ -26176,7 +29337,7 @@
 </p:sld>
 </file>
 
-<file path=ppt/slides/slide21.xml><?xml version="1.0" encoding="utf-8"?>
+<file path=ppt/slides/slide24.xml><?xml version="1.0" encoding="utf-8"?>
 <p:sld xmlns:a="http://schemas.openxmlformats.org/drawingml/2006/main" xmlns:r="http://schemas.openxmlformats.org/officeDocument/2006/relationships" xmlns:p="http://schemas.openxmlformats.org/presentationml/2006/main">
   <p:cSld>
     <p:spTree>
@@ -30758,7 +33919,7 @@
 </p:sld>
 </file>
 
-<file path=ppt/slides/slide22.xml><?xml version="1.0" encoding="utf-8"?>
+<file path=ppt/slides/slide25.xml><?xml version="1.0" encoding="utf-8"?>
 <p:sld xmlns:a="http://schemas.openxmlformats.org/drawingml/2006/main" xmlns:r="http://schemas.openxmlformats.org/officeDocument/2006/relationships" xmlns:p="http://schemas.openxmlformats.org/presentationml/2006/main">
   <p:cSld>
     <p:spTree>
@@ -37087,7 +40248,7 @@
 </p:sld>
 </file>
 
-<file path=ppt/slides/slide23.xml><?xml version="1.0" encoding="utf-8"?>
+<file path=ppt/slides/slide26.xml><?xml version="1.0" encoding="utf-8"?>
 <p:sld xmlns:a="http://schemas.openxmlformats.org/drawingml/2006/main" xmlns:r="http://schemas.openxmlformats.org/officeDocument/2006/relationships" xmlns:p="http://schemas.openxmlformats.org/presentationml/2006/main">
   <p:cSld>
     <p:spTree>

--- a/Course Notes/GamPartsAndTerms.pptx
+++ b/Course Notes/GamPartsAndTerms.pptx
@@ -17,20 +17,21 @@
     <p:sldId id="260" r:id="rId11"/>
     <p:sldId id="261" r:id="rId12"/>
     <p:sldId id="262" r:id="rId13"/>
-    <p:sldId id="263" r:id="rId14"/>
-    <p:sldId id="265" r:id="rId15"/>
-    <p:sldId id="273" r:id="rId16"/>
-    <p:sldId id="266" r:id="rId17"/>
-    <p:sldId id="264" r:id="rId18"/>
-    <p:sldId id="281" r:id="rId19"/>
-    <p:sldId id="282" r:id="rId20"/>
-    <p:sldId id="283" r:id="rId21"/>
-    <p:sldId id="267" r:id="rId22"/>
-    <p:sldId id="268" r:id="rId23"/>
-    <p:sldId id="270" r:id="rId24"/>
-    <p:sldId id="271" r:id="rId25"/>
-    <p:sldId id="272" r:id="rId26"/>
-    <p:sldId id="269" r:id="rId27"/>
+    <p:sldId id="273" r:id="rId14"/>
+    <p:sldId id="284" r:id="rId15"/>
+    <p:sldId id="263" r:id="rId16"/>
+    <p:sldId id="265" r:id="rId17"/>
+    <p:sldId id="266" r:id="rId18"/>
+    <p:sldId id="264" r:id="rId19"/>
+    <p:sldId id="281" r:id="rId20"/>
+    <p:sldId id="282" r:id="rId21"/>
+    <p:sldId id="283" r:id="rId22"/>
+    <p:sldId id="267" r:id="rId23"/>
+    <p:sldId id="268" r:id="rId24"/>
+    <p:sldId id="270" r:id="rId25"/>
+    <p:sldId id="271" r:id="rId26"/>
+    <p:sldId id="272" r:id="rId27"/>
+    <p:sldId id="269" r:id="rId28"/>
   </p:sldIdLst>
   <p:sldSz cx="12192000" cy="6858000"/>
   <p:notesSz cx="6858000" cy="9144000"/>
@@ -284,7 +285,7 @@
           <a:p>
             <a:fld id="{06ADBE60-9DBF-4AEC-B933-FFCA020856EA}" type="datetimeFigureOut">
               <a:rPr lang="en-US" smtClean="0"/>
-              <a:t>3/22/2021</a:t>
+              <a:t>3/24/2021</a:t>
             </a:fld>
             <a:endParaRPr lang="en-US"/>
           </a:p>
@@ -482,7 +483,7 @@
           <a:p>
             <a:fld id="{06ADBE60-9DBF-4AEC-B933-FFCA020856EA}" type="datetimeFigureOut">
               <a:rPr lang="en-US" smtClean="0"/>
-              <a:t>3/22/2021</a:t>
+              <a:t>3/24/2021</a:t>
             </a:fld>
             <a:endParaRPr lang="en-US"/>
           </a:p>
@@ -690,7 +691,7 @@
           <a:p>
             <a:fld id="{06ADBE60-9DBF-4AEC-B933-FFCA020856EA}" type="datetimeFigureOut">
               <a:rPr lang="en-US" smtClean="0"/>
-              <a:t>3/22/2021</a:t>
+              <a:t>3/24/2021</a:t>
             </a:fld>
             <a:endParaRPr lang="en-US"/>
           </a:p>
@@ -888,7 +889,7 @@
           <a:p>
             <a:fld id="{06ADBE60-9DBF-4AEC-B933-FFCA020856EA}" type="datetimeFigureOut">
               <a:rPr lang="en-US" smtClean="0"/>
-              <a:t>3/22/2021</a:t>
+              <a:t>3/24/2021</a:t>
             </a:fld>
             <a:endParaRPr lang="en-US"/>
           </a:p>
@@ -1163,7 +1164,7 @@
           <a:p>
             <a:fld id="{06ADBE60-9DBF-4AEC-B933-FFCA020856EA}" type="datetimeFigureOut">
               <a:rPr lang="en-US" smtClean="0"/>
-              <a:t>3/22/2021</a:t>
+              <a:t>3/24/2021</a:t>
             </a:fld>
             <a:endParaRPr lang="en-US"/>
           </a:p>
@@ -1428,7 +1429,7 @@
           <a:p>
             <a:fld id="{06ADBE60-9DBF-4AEC-B933-FFCA020856EA}" type="datetimeFigureOut">
               <a:rPr lang="en-US" smtClean="0"/>
-              <a:t>3/22/2021</a:t>
+              <a:t>3/24/2021</a:t>
             </a:fld>
             <a:endParaRPr lang="en-US"/>
           </a:p>
@@ -1840,7 +1841,7 @@
           <a:p>
             <a:fld id="{06ADBE60-9DBF-4AEC-B933-FFCA020856EA}" type="datetimeFigureOut">
               <a:rPr lang="en-US" smtClean="0"/>
-              <a:t>3/22/2021</a:t>
+              <a:t>3/24/2021</a:t>
             </a:fld>
             <a:endParaRPr lang="en-US"/>
           </a:p>
@@ -1981,7 +1982,7 @@
           <a:p>
             <a:fld id="{06ADBE60-9DBF-4AEC-B933-FFCA020856EA}" type="datetimeFigureOut">
               <a:rPr lang="en-US" smtClean="0"/>
-              <a:t>3/22/2021</a:t>
+              <a:t>3/24/2021</a:t>
             </a:fld>
             <a:endParaRPr lang="en-US"/>
           </a:p>
@@ -2094,7 +2095,7 @@
           <a:p>
             <a:fld id="{06ADBE60-9DBF-4AEC-B933-FFCA020856EA}" type="datetimeFigureOut">
               <a:rPr lang="en-US" smtClean="0"/>
-              <a:t>3/22/2021</a:t>
+              <a:t>3/24/2021</a:t>
             </a:fld>
             <a:endParaRPr lang="en-US"/>
           </a:p>
@@ -2405,7 +2406,7 @@
           <a:p>
             <a:fld id="{06ADBE60-9DBF-4AEC-B933-FFCA020856EA}" type="datetimeFigureOut">
               <a:rPr lang="en-US" smtClean="0"/>
-              <a:t>3/22/2021</a:t>
+              <a:t>3/24/2021</a:t>
             </a:fld>
             <a:endParaRPr lang="en-US"/>
           </a:p>
@@ -2693,7 +2694,7 @@
           <a:p>
             <a:fld id="{06ADBE60-9DBF-4AEC-B933-FFCA020856EA}" type="datetimeFigureOut">
               <a:rPr lang="en-US" smtClean="0"/>
-              <a:t>3/22/2021</a:t>
+              <a:t>3/24/2021</a:t>
             </a:fld>
             <a:endParaRPr lang="en-US"/>
           </a:p>
@@ -2934,7 +2935,7 @@
           <a:p>
             <a:fld id="{06ADBE60-9DBF-4AEC-B933-FFCA020856EA}" type="datetimeFigureOut">
               <a:rPr lang="en-US" smtClean="0"/>
-              <a:t>3/22/2021</a:t>
+              <a:t>3/24/2021</a:t>
             </a:fld>
             <a:endParaRPr lang="en-US"/>
           </a:p>
@@ -7962,6 +7963,2718 @@
       </p:grpSpPr>
       <p:sp>
         <p:nvSpPr>
+          <p:cNvPr id="65" name="Rectangle 64" hidden="1">
+            <a:extLst>
+              <a:ext uri="{FF2B5EF4-FFF2-40B4-BE49-F238E27FC236}">
+                <a16:creationId xmlns:a16="http://schemas.microsoft.com/office/drawing/2014/main" id="{797C19EA-5677-41FA-A77D-87AA72E606CB}"/>
+              </a:ext>
+            </a:extLst>
+          </p:cNvPr>
+          <p:cNvSpPr/>
+          <p:nvPr/>
+        </p:nvSpPr>
+        <p:spPr>
+          <a:xfrm>
+            <a:off x="0" y="0"/>
+            <a:ext cx="12192000" cy="6858000"/>
+          </a:xfrm>
+          <a:prstGeom prst="rect">
+            <a:avLst/>
+          </a:prstGeom>
+          <a:solidFill>
+            <a:schemeClr val="bg1"/>
+          </a:solidFill>
+          <a:ln>
+            <a:noFill/>
+          </a:ln>
+        </p:spPr>
+        <p:style>
+          <a:lnRef idx="2">
+            <a:schemeClr val="accent1">
+              <a:shade val="50000"/>
+            </a:schemeClr>
+          </a:lnRef>
+          <a:fillRef idx="1">
+            <a:schemeClr val="accent1"/>
+          </a:fillRef>
+          <a:effectRef idx="0">
+            <a:schemeClr val="accent1"/>
+          </a:effectRef>
+          <a:fontRef idx="minor">
+            <a:schemeClr val="lt1"/>
+          </a:fontRef>
+        </p:style>
+        <p:txBody>
+          <a:bodyPr rtlCol="0" anchor="ctr"/>
+          <a:lstStyle/>
+          <a:p>
+            <a:pPr algn="ctr"/>
+            <a:endParaRPr lang="en-US"/>
+          </a:p>
+        </p:txBody>
+      </p:sp>
+      <p:sp>
+        <p:nvSpPr>
+          <p:cNvPr id="38" name="TextBox 37">
+            <a:extLst>
+              <a:ext uri="{FF2B5EF4-FFF2-40B4-BE49-F238E27FC236}">
+                <a16:creationId xmlns:a16="http://schemas.microsoft.com/office/drawing/2014/main" id="{91D2CAB9-EF2E-4B5B-B20A-806B6DD60F42}"/>
+              </a:ext>
+            </a:extLst>
+          </p:cNvPr>
+          <p:cNvSpPr txBox="1"/>
+          <p:nvPr/>
+        </p:nvSpPr>
+        <p:spPr>
+          <a:xfrm>
+            <a:off x="4060401" y="250222"/>
+            <a:ext cx="4071198" cy="523220"/>
+          </a:xfrm>
+          <a:prstGeom prst="rect">
+            <a:avLst/>
+          </a:prstGeom>
+          <a:noFill/>
+        </p:spPr>
+        <p:txBody>
+          <a:bodyPr wrap="square" rtlCol="0">
+            <a:spAutoFit/>
+          </a:bodyPr>
+          <a:lstStyle/>
+          <a:p>
+            <a:pPr algn="ctr"/>
+            <a:r>
+              <a:rPr lang="en-US" sz="2800" dirty="0">
+                <a:solidFill>
+                  <a:schemeClr val="accent6">
+                    <a:lumMod val="75000"/>
+                  </a:schemeClr>
+                </a:solidFill>
+              </a:rPr>
+              <a:t>AABB/Circle Collisions</a:t>
+            </a:r>
+          </a:p>
+        </p:txBody>
+      </p:sp>
+      <p:grpSp>
+        <p:nvGrpSpPr>
+          <p:cNvPr id="49" name="Group 48">
+            <a:extLst>
+              <a:ext uri="{FF2B5EF4-FFF2-40B4-BE49-F238E27FC236}">
+                <a16:creationId xmlns:a16="http://schemas.microsoft.com/office/drawing/2014/main" id="{B8CE06AF-2806-4107-95D9-AAC286CC343B}"/>
+              </a:ext>
+            </a:extLst>
+          </p:cNvPr>
+          <p:cNvGrpSpPr/>
+          <p:nvPr/>
+        </p:nvGrpSpPr>
+        <p:grpSpPr>
+          <a:xfrm>
+            <a:off x="3766877" y="629685"/>
+            <a:ext cx="4498072" cy="297874"/>
+            <a:chOff x="3971469" y="624781"/>
+            <a:chExt cx="4498072" cy="297874"/>
+          </a:xfrm>
+        </p:grpSpPr>
+        <p:cxnSp>
+          <p:nvCxnSpPr>
+            <p:cNvPr id="40" name="Straight Connector 39">
+              <a:extLst>
+                <a:ext uri="{FF2B5EF4-FFF2-40B4-BE49-F238E27FC236}">
+                  <a16:creationId xmlns:a16="http://schemas.microsoft.com/office/drawing/2014/main" id="{D6E0AC31-61D0-4CE2-AA3B-3C6978E8704A}"/>
+                </a:ext>
+              </a:extLst>
+            </p:cNvPr>
+            <p:cNvCxnSpPr/>
+            <p:nvPr/>
+          </p:nvCxnSpPr>
+          <p:spPr>
+            <a:xfrm>
+              <a:off x="5170031" y="773442"/>
+              <a:ext cx="2057400" cy="0"/>
+            </a:xfrm>
+            <a:prstGeom prst="line">
+              <a:avLst/>
+            </a:prstGeom>
+            <a:ln cap="rnd"/>
+          </p:spPr>
+          <p:style>
+            <a:lnRef idx="3">
+              <a:schemeClr val="accent6"/>
+            </a:lnRef>
+            <a:fillRef idx="0">
+              <a:schemeClr val="accent6"/>
+            </a:fillRef>
+            <a:effectRef idx="2">
+              <a:schemeClr val="accent6"/>
+            </a:effectRef>
+            <a:fontRef idx="minor">
+              <a:schemeClr val="tx1"/>
+            </a:fontRef>
+          </p:style>
+        </p:cxnSp>
+        <p:cxnSp>
+          <p:nvCxnSpPr>
+            <p:cNvPr id="41" name="Straight Connector 40">
+              <a:extLst>
+                <a:ext uri="{FF2B5EF4-FFF2-40B4-BE49-F238E27FC236}">
+                  <a16:creationId xmlns:a16="http://schemas.microsoft.com/office/drawing/2014/main" id="{B388F3BF-FB37-4435-8519-443F06647178}"/>
+                </a:ext>
+              </a:extLst>
+            </p:cNvPr>
+            <p:cNvCxnSpPr>
+              <a:cxnSpLocks/>
+            </p:cNvCxnSpPr>
+            <p:nvPr/>
+          </p:nvCxnSpPr>
+          <p:spPr>
+            <a:xfrm>
+              <a:off x="7349270" y="697242"/>
+              <a:ext cx="1027511" cy="0"/>
+            </a:xfrm>
+            <a:prstGeom prst="line">
+              <a:avLst/>
+            </a:prstGeom>
+            <a:ln cap="rnd"/>
+          </p:spPr>
+          <p:style>
+            <a:lnRef idx="3">
+              <a:schemeClr val="accent6"/>
+            </a:lnRef>
+            <a:fillRef idx="0">
+              <a:schemeClr val="accent6"/>
+            </a:fillRef>
+            <a:effectRef idx="2">
+              <a:schemeClr val="accent6"/>
+            </a:effectRef>
+            <a:fontRef idx="minor">
+              <a:schemeClr val="tx1"/>
+            </a:fontRef>
+          </p:style>
+        </p:cxnSp>
+        <p:cxnSp>
+          <p:nvCxnSpPr>
+            <p:cNvPr id="43" name="Straight Connector 42">
+              <a:extLst>
+                <a:ext uri="{FF2B5EF4-FFF2-40B4-BE49-F238E27FC236}">
+                  <a16:creationId xmlns:a16="http://schemas.microsoft.com/office/drawing/2014/main" id="{EC5F7052-9710-4CD3-8A81-EEE0E9A7244C}"/>
+                </a:ext>
+              </a:extLst>
+            </p:cNvPr>
+            <p:cNvCxnSpPr>
+              <a:cxnSpLocks/>
+            </p:cNvCxnSpPr>
+            <p:nvPr/>
+          </p:nvCxnSpPr>
+          <p:spPr>
+            <a:xfrm flipV="1">
+              <a:off x="7227431" y="697242"/>
+              <a:ext cx="121839" cy="76200"/>
+            </a:xfrm>
+            <a:prstGeom prst="line">
+              <a:avLst/>
+            </a:prstGeom>
+            <a:ln cap="rnd"/>
+          </p:spPr>
+          <p:style>
+            <a:lnRef idx="3">
+              <a:schemeClr val="accent6"/>
+            </a:lnRef>
+            <a:fillRef idx="0">
+              <a:schemeClr val="accent6"/>
+            </a:fillRef>
+            <a:effectRef idx="2">
+              <a:schemeClr val="accent6"/>
+            </a:effectRef>
+            <a:fontRef idx="minor">
+              <a:schemeClr val="tx1"/>
+            </a:fontRef>
+          </p:style>
+        </p:cxnSp>
+        <p:cxnSp>
+          <p:nvCxnSpPr>
+            <p:cNvPr id="46" name="Straight Connector 45">
+              <a:extLst>
+                <a:ext uri="{FF2B5EF4-FFF2-40B4-BE49-F238E27FC236}">
+                  <a16:creationId xmlns:a16="http://schemas.microsoft.com/office/drawing/2014/main" id="{C86B609C-3E9D-4EA1-9D7B-7AD108C8C57B}"/>
+                </a:ext>
+              </a:extLst>
+            </p:cNvPr>
+            <p:cNvCxnSpPr>
+              <a:cxnSpLocks/>
+            </p:cNvCxnSpPr>
+            <p:nvPr/>
+          </p:nvCxnSpPr>
+          <p:spPr>
+            <a:xfrm flipV="1">
+              <a:off x="5048192" y="773442"/>
+              <a:ext cx="121839" cy="76200"/>
+            </a:xfrm>
+            <a:prstGeom prst="line">
+              <a:avLst/>
+            </a:prstGeom>
+            <a:ln cap="rnd"/>
+          </p:spPr>
+          <p:style>
+            <a:lnRef idx="3">
+              <a:schemeClr val="accent6"/>
+            </a:lnRef>
+            <a:fillRef idx="0">
+              <a:schemeClr val="accent6"/>
+            </a:fillRef>
+            <a:effectRef idx="2">
+              <a:schemeClr val="accent6"/>
+            </a:effectRef>
+            <a:fontRef idx="minor">
+              <a:schemeClr val="tx1"/>
+            </a:fontRef>
+          </p:style>
+        </p:cxnSp>
+        <p:cxnSp>
+          <p:nvCxnSpPr>
+            <p:cNvPr id="47" name="Straight Connector 46">
+              <a:extLst>
+                <a:ext uri="{FF2B5EF4-FFF2-40B4-BE49-F238E27FC236}">
+                  <a16:creationId xmlns:a16="http://schemas.microsoft.com/office/drawing/2014/main" id="{0D690C07-0109-4CEC-B0CC-434EED608911}"/>
+                </a:ext>
+              </a:extLst>
+            </p:cNvPr>
+            <p:cNvCxnSpPr>
+              <a:cxnSpLocks/>
+            </p:cNvCxnSpPr>
+            <p:nvPr/>
+          </p:nvCxnSpPr>
+          <p:spPr>
+            <a:xfrm flipV="1">
+              <a:off x="4021655" y="849642"/>
+              <a:ext cx="1026537" cy="11668"/>
+            </a:xfrm>
+            <a:prstGeom prst="line">
+              <a:avLst/>
+            </a:prstGeom>
+            <a:ln cap="rnd"/>
+          </p:spPr>
+          <p:style>
+            <a:lnRef idx="3">
+              <a:schemeClr val="accent6"/>
+            </a:lnRef>
+            <a:fillRef idx="0">
+              <a:schemeClr val="accent6"/>
+            </a:fillRef>
+            <a:effectRef idx="2">
+              <a:schemeClr val="accent6"/>
+            </a:effectRef>
+            <a:fontRef idx="minor">
+              <a:schemeClr val="tx1"/>
+            </a:fontRef>
+          </p:style>
+        </p:cxnSp>
+        <p:sp>
+          <p:nvSpPr>
+            <p:cNvPr id="50" name="Oval 49">
+              <a:extLst>
+                <a:ext uri="{FF2B5EF4-FFF2-40B4-BE49-F238E27FC236}">
+                  <a16:creationId xmlns:a16="http://schemas.microsoft.com/office/drawing/2014/main" id="{EEA3A56A-D77B-4804-9467-3C2325189A39}"/>
+                </a:ext>
+              </a:extLst>
+            </p:cNvPr>
+            <p:cNvSpPr/>
+            <p:nvPr/>
+          </p:nvSpPr>
+          <p:spPr>
+            <a:xfrm>
+              <a:off x="3971469" y="789305"/>
+              <a:ext cx="133350" cy="133350"/>
+            </a:xfrm>
+            <a:prstGeom prst="ellipse">
+              <a:avLst/>
+            </a:prstGeom>
+          </p:spPr>
+          <p:style>
+            <a:lnRef idx="2">
+              <a:schemeClr val="accent6"/>
+            </a:lnRef>
+            <a:fillRef idx="1">
+              <a:schemeClr val="lt1"/>
+            </a:fillRef>
+            <a:effectRef idx="0">
+              <a:schemeClr val="accent6"/>
+            </a:effectRef>
+            <a:fontRef idx="minor">
+              <a:schemeClr val="dk1"/>
+            </a:fontRef>
+          </p:style>
+          <p:txBody>
+            <a:bodyPr rtlCol="0" anchor="ctr"/>
+            <a:lstStyle/>
+            <a:p>
+              <a:pPr algn="ctr"/>
+              <a:endParaRPr lang="en-US" i="1" dirty="0"/>
+            </a:p>
+          </p:txBody>
+        </p:sp>
+        <p:sp>
+          <p:nvSpPr>
+            <p:cNvPr id="51" name="Oval 50">
+              <a:extLst>
+                <a:ext uri="{FF2B5EF4-FFF2-40B4-BE49-F238E27FC236}">
+                  <a16:creationId xmlns:a16="http://schemas.microsoft.com/office/drawing/2014/main" id="{488A40C9-3C11-477D-B0FB-19648893F367}"/>
+                </a:ext>
+              </a:extLst>
+            </p:cNvPr>
+            <p:cNvSpPr/>
+            <p:nvPr/>
+          </p:nvSpPr>
+          <p:spPr>
+            <a:xfrm>
+              <a:off x="8336191" y="624781"/>
+              <a:ext cx="133350" cy="133350"/>
+            </a:xfrm>
+            <a:prstGeom prst="ellipse">
+              <a:avLst/>
+            </a:prstGeom>
+          </p:spPr>
+          <p:style>
+            <a:lnRef idx="2">
+              <a:schemeClr val="accent6"/>
+            </a:lnRef>
+            <a:fillRef idx="1">
+              <a:schemeClr val="lt1"/>
+            </a:fillRef>
+            <a:effectRef idx="0">
+              <a:schemeClr val="accent6"/>
+            </a:effectRef>
+            <a:fontRef idx="minor">
+              <a:schemeClr val="dk1"/>
+            </a:fontRef>
+          </p:style>
+          <p:txBody>
+            <a:bodyPr rtlCol="0" anchor="ctr"/>
+            <a:lstStyle/>
+            <a:p>
+              <a:pPr algn="ctr"/>
+              <a:endParaRPr lang="en-US" i="1" dirty="0"/>
+            </a:p>
+          </p:txBody>
+        </p:sp>
+      </p:grpSp>
+      <p:cxnSp>
+        <p:nvCxnSpPr>
+          <p:cNvPr id="71" name="Straight Connector 70">
+            <a:extLst>
+              <a:ext uri="{FF2B5EF4-FFF2-40B4-BE49-F238E27FC236}">
+                <a16:creationId xmlns:a16="http://schemas.microsoft.com/office/drawing/2014/main" id="{108C9F26-696D-4DEF-8C6D-710F8FF8B0D5}"/>
+              </a:ext>
+            </a:extLst>
+          </p:cNvPr>
+          <p:cNvCxnSpPr>
+            <a:cxnSpLocks/>
+          </p:cNvCxnSpPr>
+          <p:nvPr/>
+        </p:nvCxnSpPr>
+        <p:spPr>
+          <a:xfrm>
+            <a:off x="1994379" y="1870902"/>
+            <a:ext cx="2978502" cy="18150"/>
+          </a:xfrm>
+          <a:prstGeom prst="line">
+            <a:avLst/>
+          </a:prstGeom>
+          <a:ln cap="rnd"/>
+        </p:spPr>
+        <p:style>
+          <a:lnRef idx="3">
+            <a:schemeClr val="accent6"/>
+          </a:lnRef>
+          <a:fillRef idx="0">
+            <a:schemeClr val="accent6"/>
+          </a:fillRef>
+          <a:effectRef idx="2">
+            <a:schemeClr val="accent6"/>
+          </a:effectRef>
+          <a:fontRef idx="minor">
+            <a:schemeClr val="tx1"/>
+          </a:fontRef>
+        </p:style>
+      </p:cxnSp>
+      <p:sp>
+        <p:nvSpPr>
+          <p:cNvPr id="72" name="Oval 71">
+            <a:extLst>
+              <a:ext uri="{FF2B5EF4-FFF2-40B4-BE49-F238E27FC236}">
+                <a16:creationId xmlns:a16="http://schemas.microsoft.com/office/drawing/2014/main" id="{03AFFEFA-1269-4227-9954-49A160078C50}"/>
+              </a:ext>
+            </a:extLst>
+          </p:cNvPr>
+          <p:cNvSpPr/>
+          <p:nvPr/>
+        </p:nvSpPr>
+        <p:spPr>
+          <a:xfrm>
+            <a:off x="4925255" y="1822034"/>
+            <a:ext cx="133350" cy="133350"/>
+          </a:xfrm>
+          <a:prstGeom prst="ellipse">
+            <a:avLst/>
+          </a:prstGeom>
+        </p:spPr>
+        <p:style>
+          <a:lnRef idx="2">
+            <a:schemeClr val="accent6"/>
+          </a:lnRef>
+          <a:fillRef idx="1">
+            <a:schemeClr val="lt1"/>
+          </a:fillRef>
+          <a:effectRef idx="0">
+            <a:schemeClr val="accent6"/>
+          </a:effectRef>
+          <a:fontRef idx="minor">
+            <a:schemeClr val="dk1"/>
+          </a:fontRef>
+        </p:style>
+        <p:txBody>
+          <a:bodyPr rtlCol="0" anchor="ctr"/>
+          <a:lstStyle/>
+          <a:p>
+            <a:pPr algn="ctr"/>
+            <a:endParaRPr lang="en-US"/>
+          </a:p>
+        </p:txBody>
+      </p:sp>
+      <p:sp>
+        <p:nvSpPr>
+          <p:cNvPr id="73" name="TextBox 72">
+            <a:extLst>
+              <a:ext uri="{FF2B5EF4-FFF2-40B4-BE49-F238E27FC236}">
+                <a16:creationId xmlns:a16="http://schemas.microsoft.com/office/drawing/2014/main" id="{F7F5DB62-664D-4058-818D-A3333720B734}"/>
+              </a:ext>
+            </a:extLst>
+          </p:cNvPr>
+          <p:cNvSpPr txBox="1"/>
+          <p:nvPr/>
+        </p:nvSpPr>
+        <p:spPr>
+          <a:xfrm>
+            <a:off x="1908655" y="1482518"/>
+            <a:ext cx="2004331" cy="369332"/>
+          </a:xfrm>
+          <a:prstGeom prst="rect">
+            <a:avLst/>
+          </a:prstGeom>
+          <a:noFill/>
+        </p:spPr>
+        <p:txBody>
+          <a:bodyPr wrap="none" rtlCol="0">
+            <a:spAutoFit/>
+          </a:bodyPr>
+          <a:lstStyle/>
+          <a:p>
+            <a:r>
+              <a:rPr lang="en-US" dirty="0">
+                <a:solidFill>
+                  <a:schemeClr val="accent6">
+                    <a:lumMod val="75000"/>
+                  </a:schemeClr>
+                </a:solidFill>
+              </a:rPr>
+              <a:t>Possible Outcomes</a:t>
+            </a:r>
+          </a:p>
+        </p:txBody>
+      </p:sp>
+      <p:sp>
+        <p:nvSpPr>
+          <p:cNvPr id="74" name="TextBox 73">
+            <a:extLst>
+              <a:ext uri="{FF2B5EF4-FFF2-40B4-BE49-F238E27FC236}">
+                <a16:creationId xmlns:a16="http://schemas.microsoft.com/office/drawing/2014/main" id="{244AAA45-05E8-46E4-BCB9-018F1BA0CEBA}"/>
+              </a:ext>
+            </a:extLst>
+          </p:cNvPr>
+          <p:cNvSpPr txBox="1"/>
+          <p:nvPr/>
+        </p:nvSpPr>
+        <p:spPr>
+          <a:xfrm>
+            <a:off x="1906228" y="2040438"/>
+            <a:ext cx="3372166" cy="2139047"/>
+          </a:xfrm>
+          <a:prstGeom prst="rect">
+            <a:avLst/>
+          </a:prstGeom>
+          <a:noFill/>
+        </p:spPr>
+        <p:txBody>
+          <a:bodyPr wrap="square" rtlCol="0">
+            <a:spAutoFit/>
+          </a:bodyPr>
+          <a:lstStyle/>
+          <a:p>
+            <a:pPr>
+              <a:spcAft>
+                <a:spcPts val="600"/>
+              </a:spcAft>
+            </a:pPr>
+            <a:r>
+              <a:rPr lang="en-US" dirty="0"/>
+              <a:t>Four possible situations:</a:t>
+            </a:r>
+          </a:p>
+          <a:p>
+            <a:pPr marL="342900" indent="-342900">
+              <a:spcAft>
+                <a:spcPts val="600"/>
+              </a:spcAft>
+              <a:buFont typeface="+mj-lt"/>
+              <a:buAutoNum type="arabicPeriod"/>
+            </a:pPr>
+            <a:r>
+              <a:rPr lang="en-US" dirty="0"/>
+              <a:t>Circle entirely in AABB</a:t>
+            </a:r>
+          </a:p>
+          <a:p>
+            <a:pPr marL="342900" indent="-342900">
+              <a:spcAft>
+                <a:spcPts val="600"/>
+              </a:spcAft>
+              <a:buFont typeface="+mj-lt"/>
+              <a:buAutoNum type="arabicPeriod"/>
+            </a:pPr>
+            <a:r>
+              <a:rPr lang="en-US" dirty="0"/>
+              <a:t>AABB entirely in Circle</a:t>
+            </a:r>
+          </a:p>
+          <a:p>
+            <a:pPr marL="342900" indent="-342900">
+              <a:spcAft>
+                <a:spcPts val="600"/>
+              </a:spcAft>
+              <a:buFont typeface="+mj-lt"/>
+              <a:buAutoNum type="arabicPeriod"/>
+            </a:pPr>
+            <a:r>
+              <a:rPr lang="en-US" dirty="0"/>
+              <a:t>AABB corner in Circle</a:t>
+            </a:r>
+          </a:p>
+          <a:p>
+            <a:pPr marL="342900" indent="-342900">
+              <a:spcAft>
+                <a:spcPts val="600"/>
+              </a:spcAft>
+              <a:buFont typeface="+mj-lt"/>
+              <a:buAutoNum type="arabicPeriod"/>
+            </a:pPr>
+            <a:r>
+              <a:rPr lang="en-US"/>
+              <a:t>Circle overlaps AABB Edge</a:t>
+            </a:r>
+            <a:endParaRPr lang="en-US" dirty="0"/>
+          </a:p>
+          <a:p>
+            <a:pPr marL="342900" indent="-342900">
+              <a:spcAft>
+                <a:spcPts val="600"/>
+              </a:spcAft>
+              <a:buFont typeface="+mj-lt"/>
+              <a:buAutoNum type="arabicPeriod"/>
+            </a:pPr>
+            <a:r>
+              <a:rPr lang="en-US" dirty="0"/>
+              <a:t>No intersection</a:t>
+            </a:r>
+          </a:p>
+        </p:txBody>
+      </p:sp>
+      <p:sp>
+        <p:nvSpPr>
+          <p:cNvPr id="2" name="Rectangle 1">
+            <a:extLst>
+              <a:ext uri="{FF2B5EF4-FFF2-40B4-BE49-F238E27FC236}">
+                <a16:creationId xmlns:a16="http://schemas.microsoft.com/office/drawing/2014/main" id="{76A0E81D-AB2E-45D1-A39B-BFE2CFB197C6}"/>
+              </a:ext>
+            </a:extLst>
+          </p:cNvPr>
+          <p:cNvSpPr/>
+          <p:nvPr/>
+        </p:nvSpPr>
+        <p:spPr>
+          <a:xfrm>
+            <a:off x="6811171" y="2466036"/>
+            <a:ext cx="1497626" cy="2003148"/>
+          </a:xfrm>
+          <a:prstGeom prst="rect">
+            <a:avLst/>
+          </a:prstGeom>
+          <a:noFill/>
+          <a:ln w="19050">
+            <a:solidFill>
+              <a:schemeClr val="accent6">
+                <a:lumMod val="75000"/>
+              </a:schemeClr>
+            </a:solidFill>
+          </a:ln>
+        </p:spPr>
+        <p:style>
+          <a:lnRef idx="2">
+            <a:schemeClr val="accent6"/>
+          </a:lnRef>
+          <a:fillRef idx="1">
+            <a:schemeClr val="lt1"/>
+          </a:fillRef>
+          <a:effectRef idx="0">
+            <a:schemeClr val="accent6"/>
+          </a:effectRef>
+          <a:fontRef idx="minor">
+            <a:schemeClr val="dk1"/>
+          </a:fontRef>
+        </p:style>
+        <p:txBody>
+          <a:bodyPr rtlCol="0" anchor="ctr"/>
+          <a:lstStyle/>
+          <a:p>
+            <a:pPr algn="ctr"/>
+            <a:endParaRPr lang="en-US"/>
+          </a:p>
+        </p:txBody>
+      </p:sp>
+      <p:sp>
+        <p:nvSpPr>
+          <p:cNvPr id="3" name="Oval 2">
+            <a:extLst>
+              <a:ext uri="{FF2B5EF4-FFF2-40B4-BE49-F238E27FC236}">
+                <a16:creationId xmlns:a16="http://schemas.microsoft.com/office/drawing/2014/main" id="{F0325FBE-ED2F-4E74-9E13-59068552FE7E}"/>
+              </a:ext>
+            </a:extLst>
+          </p:cNvPr>
+          <p:cNvSpPr/>
+          <p:nvPr/>
+        </p:nvSpPr>
+        <p:spPr>
+          <a:xfrm>
+            <a:off x="7050915" y="2966104"/>
+            <a:ext cx="901759" cy="901759"/>
+          </a:xfrm>
+          <a:prstGeom prst="ellipse">
+            <a:avLst/>
+          </a:prstGeom>
+          <a:noFill/>
+        </p:spPr>
+        <p:style>
+          <a:lnRef idx="2">
+            <a:schemeClr val="accent6"/>
+          </a:lnRef>
+          <a:fillRef idx="1">
+            <a:schemeClr val="lt1"/>
+          </a:fillRef>
+          <a:effectRef idx="0">
+            <a:schemeClr val="accent6"/>
+          </a:effectRef>
+          <a:fontRef idx="minor">
+            <a:schemeClr val="dk1"/>
+          </a:fontRef>
+        </p:style>
+        <p:txBody>
+          <a:bodyPr rtlCol="0" anchor="ctr"/>
+          <a:lstStyle/>
+          <a:p>
+            <a:pPr algn="ctr"/>
+            <a:endParaRPr lang="en-US"/>
+          </a:p>
+        </p:txBody>
+      </p:sp>
+      <p:sp>
+        <p:nvSpPr>
+          <p:cNvPr id="45" name="Arc 44">
+            <a:extLst>
+              <a:ext uri="{FF2B5EF4-FFF2-40B4-BE49-F238E27FC236}">
+                <a16:creationId xmlns:a16="http://schemas.microsoft.com/office/drawing/2014/main" id="{8AD8956B-BFA0-43D6-AA0A-60D3EB64A0B6}"/>
+              </a:ext>
+            </a:extLst>
+          </p:cNvPr>
+          <p:cNvSpPr/>
+          <p:nvPr/>
+        </p:nvSpPr>
+        <p:spPr>
+          <a:xfrm rot="16200000">
+            <a:off x="6336281" y="1451961"/>
+            <a:ext cx="3905416" cy="4038344"/>
+          </a:xfrm>
+          <a:prstGeom prst="arc">
+            <a:avLst>
+              <a:gd name="adj1" fmla="val 10139362"/>
+              <a:gd name="adj2" fmla="val 602610"/>
+            </a:avLst>
+          </a:prstGeom>
+          <a:ln>
+            <a:solidFill>
+              <a:schemeClr val="accent6"/>
+            </a:solidFill>
+            <a:prstDash val="dash"/>
+          </a:ln>
+        </p:spPr>
+        <p:style>
+          <a:lnRef idx="1">
+            <a:schemeClr val="accent1"/>
+          </a:lnRef>
+          <a:fillRef idx="0">
+            <a:schemeClr val="accent1"/>
+          </a:fillRef>
+          <a:effectRef idx="0">
+            <a:schemeClr val="accent1"/>
+          </a:effectRef>
+          <a:fontRef idx="minor">
+            <a:schemeClr val="tx1"/>
+          </a:fontRef>
+        </p:style>
+        <p:txBody>
+          <a:bodyPr rtlCol="0" anchor="ctr"/>
+          <a:lstStyle/>
+          <a:p>
+            <a:pPr algn="ctr"/>
+            <a:endParaRPr lang="en-US"/>
+          </a:p>
+        </p:txBody>
+      </p:sp>
+      <p:sp>
+        <p:nvSpPr>
+          <p:cNvPr id="4" name="Arc 3">
+            <a:extLst>
+              <a:ext uri="{FF2B5EF4-FFF2-40B4-BE49-F238E27FC236}">
+                <a16:creationId xmlns:a16="http://schemas.microsoft.com/office/drawing/2014/main" id="{076B72E5-B6E8-4329-B1E2-253413E1DB54}"/>
+              </a:ext>
+            </a:extLst>
+          </p:cNvPr>
+          <p:cNvSpPr/>
+          <p:nvPr/>
+        </p:nvSpPr>
+        <p:spPr>
+          <a:xfrm rot="16200000">
+            <a:off x="6336281" y="1448439"/>
+            <a:ext cx="3905416" cy="4038344"/>
+          </a:xfrm>
+          <a:prstGeom prst="arc">
+            <a:avLst>
+              <a:gd name="adj1" fmla="val 8092"/>
+              <a:gd name="adj2" fmla="val 0"/>
+            </a:avLst>
+          </a:prstGeom>
+          <a:ln w="12700">
+            <a:solidFill>
+              <a:schemeClr val="accent6"/>
+            </a:solidFill>
+          </a:ln>
+        </p:spPr>
+        <p:style>
+          <a:lnRef idx="1">
+            <a:schemeClr val="accent1"/>
+          </a:lnRef>
+          <a:fillRef idx="0">
+            <a:schemeClr val="accent1"/>
+          </a:fillRef>
+          <a:effectRef idx="0">
+            <a:schemeClr val="accent1"/>
+          </a:effectRef>
+          <a:fontRef idx="minor">
+            <a:schemeClr val="tx1"/>
+          </a:fontRef>
+        </p:style>
+        <p:txBody>
+          <a:bodyPr rtlCol="0" anchor="ctr"/>
+          <a:lstStyle/>
+          <a:p>
+            <a:pPr algn="ctr"/>
+            <a:endParaRPr lang="en-US"/>
+          </a:p>
+        </p:txBody>
+      </p:sp>
+      <p:sp>
+        <p:nvSpPr>
+          <p:cNvPr id="52" name="Oval 51">
+            <a:extLst>
+              <a:ext uri="{FF2B5EF4-FFF2-40B4-BE49-F238E27FC236}">
+                <a16:creationId xmlns:a16="http://schemas.microsoft.com/office/drawing/2014/main" id="{F202C6C6-40D8-4672-AE22-6671F4CD811C}"/>
+              </a:ext>
+            </a:extLst>
+          </p:cNvPr>
+          <p:cNvSpPr/>
+          <p:nvPr/>
+        </p:nvSpPr>
+        <p:spPr>
+          <a:xfrm>
+            <a:off x="5339312" y="3984831"/>
+            <a:ext cx="1026538" cy="1026538"/>
+          </a:xfrm>
+          <a:prstGeom prst="ellipse">
+            <a:avLst/>
+          </a:prstGeom>
+          <a:solidFill>
+            <a:schemeClr val="bg1"/>
+          </a:solidFill>
+        </p:spPr>
+        <p:style>
+          <a:lnRef idx="2">
+            <a:schemeClr val="accent6"/>
+          </a:lnRef>
+          <a:fillRef idx="1">
+            <a:schemeClr val="lt1"/>
+          </a:fillRef>
+          <a:effectRef idx="0">
+            <a:schemeClr val="accent6"/>
+          </a:effectRef>
+          <a:fontRef idx="minor">
+            <a:schemeClr val="dk1"/>
+          </a:fontRef>
+        </p:style>
+        <p:txBody>
+          <a:bodyPr rtlCol="0" anchor="ctr"/>
+          <a:lstStyle/>
+          <a:p>
+            <a:pPr algn="ctr"/>
+            <a:endParaRPr lang="en-US"/>
+          </a:p>
+        </p:txBody>
+      </p:sp>
+      <p:sp>
+        <p:nvSpPr>
+          <p:cNvPr id="53" name="Oval 52">
+            <a:extLst>
+              <a:ext uri="{FF2B5EF4-FFF2-40B4-BE49-F238E27FC236}">
+                <a16:creationId xmlns:a16="http://schemas.microsoft.com/office/drawing/2014/main" id="{8A27FC5B-71F7-45C0-ABF7-C234AF383F87}"/>
+              </a:ext>
+            </a:extLst>
+          </p:cNvPr>
+          <p:cNvSpPr/>
+          <p:nvPr/>
+        </p:nvSpPr>
+        <p:spPr>
+          <a:xfrm>
+            <a:off x="6128290" y="3169130"/>
+            <a:ext cx="901759" cy="901759"/>
+          </a:xfrm>
+          <a:prstGeom prst="ellipse">
+            <a:avLst/>
+          </a:prstGeom>
+          <a:solidFill>
+            <a:schemeClr val="bg1"/>
+          </a:solidFill>
+        </p:spPr>
+        <p:style>
+          <a:lnRef idx="2">
+            <a:schemeClr val="accent6"/>
+          </a:lnRef>
+          <a:fillRef idx="1">
+            <a:schemeClr val="lt1"/>
+          </a:fillRef>
+          <a:effectRef idx="0">
+            <a:schemeClr val="accent6"/>
+          </a:effectRef>
+          <a:fontRef idx="minor">
+            <a:schemeClr val="dk1"/>
+          </a:fontRef>
+        </p:style>
+        <p:txBody>
+          <a:bodyPr rtlCol="0" anchor="ctr"/>
+          <a:lstStyle/>
+          <a:p>
+            <a:pPr algn="ctr"/>
+            <a:endParaRPr lang="en-US"/>
+          </a:p>
+        </p:txBody>
+      </p:sp>
+      <p:sp>
+        <p:nvSpPr>
+          <p:cNvPr id="5" name="TextBox 4">
+            <a:extLst>
+              <a:ext uri="{FF2B5EF4-FFF2-40B4-BE49-F238E27FC236}">
+                <a16:creationId xmlns:a16="http://schemas.microsoft.com/office/drawing/2014/main" id="{B119F888-6C7B-4402-A725-C8B3EF08CF3B}"/>
+              </a:ext>
+            </a:extLst>
+          </p:cNvPr>
+          <p:cNvSpPr txBox="1"/>
+          <p:nvPr/>
+        </p:nvSpPr>
+        <p:spPr>
+          <a:xfrm>
+            <a:off x="7333104" y="2932990"/>
+            <a:ext cx="359394" cy="369332"/>
+          </a:xfrm>
+          <a:prstGeom prst="rect">
+            <a:avLst/>
+          </a:prstGeom>
+          <a:noFill/>
+        </p:spPr>
+        <p:txBody>
+          <a:bodyPr wrap="none" rtlCol="0">
+            <a:spAutoFit/>
+          </a:bodyPr>
+          <a:lstStyle/>
+          <a:p>
+            <a:r>
+              <a:rPr lang="en-US" dirty="0"/>
+              <a:t>1.</a:t>
+            </a:r>
+          </a:p>
+        </p:txBody>
+      </p:sp>
+      <p:sp>
+        <p:nvSpPr>
+          <p:cNvPr id="54" name="TextBox 53">
+            <a:extLst>
+              <a:ext uri="{FF2B5EF4-FFF2-40B4-BE49-F238E27FC236}">
+                <a16:creationId xmlns:a16="http://schemas.microsoft.com/office/drawing/2014/main" id="{6E49F2EB-B87C-490F-A90E-E6432E5854AB}"/>
+              </a:ext>
+            </a:extLst>
+          </p:cNvPr>
+          <p:cNvSpPr txBox="1"/>
+          <p:nvPr/>
+        </p:nvSpPr>
+        <p:spPr>
+          <a:xfrm>
+            <a:off x="8048570" y="1463587"/>
+            <a:ext cx="359394" cy="369332"/>
+          </a:xfrm>
+          <a:prstGeom prst="rect">
+            <a:avLst/>
+          </a:prstGeom>
+          <a:noFill/>
+        </p:spPr>
+        <p:txBody>
+          <a:bodyPr wrap="none" rtlCol="0">
+            <a:spAutoFit/>
+          </a:bodyPr>
+          <a:lstStyle/>
+          <a:p>
+            <a:r>
+              <a:rPr lang="en-US" dirty="0"/>
+              <a:t>2.</a:t>
+            </a:r>
+          </a:p>
+        </p:txBody>
+      </p:sp>
+      <p:sp>
+        <p:nvSpPr>
+          <p:cNvPr id="55" name="TextBox 54">
+            <a:extLst>
+              <a:ext uri="{FF2B5EF4-FFF2-40B4-BE49-F238E27FC236}">
+                <a16:creationId xmlns:a16="http://schemas.microsoft.com/office/drawing/2014/main" id="{0B03AB78-E1C3-40FD-9B2E-24187426017A}"/>
+              </a:ext>
+            </a:extLst>
+          </p:cNvPr>
+          <p:cNvSpPr txBox="1"/>
+          <p:nvPr/>
+        </p:nvSpPr>
+        <p:spPr>
+          <a:xfrm>
+            <a:off x="6408814" y="3127820"/>
+            <a:ext cx="359394" cy="369332"/>
+          </a:xfrm>
+          <a:prstGeom prst="rect">
+            <a:avLst/>
+          </a:prstGeom>
+          <a:noFill/>
+        </p:spPr>
+        <p:txBody>
+          <a:bodyPr wrap="none" rtlCol="0">
+            <a:spAutoFit/>
+          </a:bodyPr>
+          <a:lstStyle/>
+          <a:p>
+            <a:r>
+              <a:rPr lang="en-US" dirty="0"/>
+              <a:t>4.</a:t>
+            </a:r>
+          </a:p>
+        </p:txBody>
+      </p:sp>
+      <p:sp>
+        <p:nvSpPr>
+          <p:cNvPr id="58" name="TextBox 57">
+            <a:extLst>
+              <a:ext uri="{FF2B5EF4-FFF2-40B4-BE49-F238E27FC236}">
+                <a16:creationId xmlns:a16="http://schemas.microsoft.com/office/drawing/2014/main" id="{DCCB3F7A-EFC7-4602-8EFA-35E51AA7E268}"/>
+              </a:ext>
+            </a:extLst>
+          </p:cNvPr>
+          <p:cNvSpPr txBox="1"/>
+          <p:nvPr/>
+        </p:nvSpPr>
+        <p:spPr>
+          <a:xfrm>
+            <a:off x="5687763" y="3983424"/>
+            <a:ext cx="359394" cy="369332"/>
+          </a:xfrm>
+          <a:prstGeom prst="rect">
+            <a:avLst/>
+          </a:prstGeom>
+          <a:noFill/>
+        </p:spPr>
+        <p:txBody>
+          <a:bodyPr wrap="none" rtlCol="0">
+            <a:spAutoFit/>
+          </a:bodyPr>
+          <a:lstStyle/>
+          <a:p>
+            <a:r>
+              <a:rPr lang="en-US" dirty="0"/>
+              <a:t>5.</a:t>
+            </a:r>
+          </a:p>
+        </p:txBody>
+      </p:sp>
+      <p:pic>
+        <p:nvPicPr>
+          <p:cNvPr id="7" name="Picture 6">
+            <a:extLst>
+              <a:ext uri="{FF2B5EF4-FFF2-40B4-BE49-F238E27FC236}">
+                <a16:creationId xmlns:a16="http://schemas.microsoft.com/office/drawing/2014/main" id="{439DC8CE-89F5-4FD2-84A5-B37C54FED516}"/>
+              </a:ext>
+            </a:extLst>
+          </p:cNvPr>
+          <p:cNvPicPr>
+            <a:picLocks noChangeAspect="1"/>
+          </p:cNvPicPr>
+          <p:nvPr/>
+        </p:nvPicPr>
+        <p:blipFill>
+          <a:blip r:embed="rId2"/>
+          <a:stretch>
+            <a:fillRect/>
+          </a:stretch>
+        </p:blipFill>
+        <p:spPr>
+          <a:xfrm>
+            <a:off x="10516892" y="6040501"/>
+            <a:ext cx="1321688" cy="599655"/>
+          </a:xfrm>
+          <a:prstGeom prst="rect">
+            <a:avLst/>
+          </a:prstGeom>
+        </p:spPr>
+      </p:pic>
+      <p:sp>
+        <p:nvSpPr>
+          <p:cNvPr id="39" name="Oval 38">
+            <a:extLst>
+              <a:ext uri="{FF2B5EF4-FFF2-40B4-BE49-F238E27FC236}">
+                <a16:creationId xmlns:a16="http://schemas.microsoft.com/office/drawing/2014/main" id="{14C774CD-D516-4CFB-A984-51F3A888178F}"/>
+              </a:ext>
+            </a:extLst>
+          </p:cNvPr>
+          <p:cNvSpPr/>
+          <p:nvPr/>
+        </p:nvSpPr>
+        <p:spPr>
+          <a:xfrm>
+            <a:off x="7902826" y="4028184"/>
+            <a:ext cx="901759" cy="901759"/>
+          </a:xfrm>
+          <a:prstGeom prst="ellipse">
+            <a:avLst/>
+          </a:prstGeom>
+          <a:solidFill>
+            <a:schemeClr val="bg1"/>
+          </a:solidFill>
+        </p:spPr>
+        <p:style>
+          <a:lnRef idx="2">
+            <a:schemeClr val="accent6"/>
+          </a:lnRef>
+          <a:fillRef idx="1">
+            <a:schemeClr val="lt1"/>
+          </a:fillRef>
+          <a:effectRef idx="0">
+            <a:schemeClr val="accent6"/>
+          </a:effectRef>
+          <a:fontRef idx="minor">
+            <a:schemeClr val="dk1"/>
+          </a:fontRef>
+        </p:style>
+        <p:txBody>
+          <a:bodyPr rtlCol="0" anchor="ctr"/>
+          <a:lstStyle/>
+          <a:p>
+            <a:pPr algn="ctr"/>
+            <a:endParaRPr lang="en-US"/>
+          </a:p>
+        </p:txBody>
+      </p:sp>
+      <p:sp>
+        <p:nvSpPr>
+          <p:cNvPr id="42" name="TextBox 41">
+            <a:extLst>
+              <a:ext uri="{FF2B5EF4-FFF2-40B4-BE49-F238E27FC236}">
+                <a16:creationId xmlns:a16="http://schemas.microsoft.com/office/drawing/2014/main" id="{C34BDE7B-C84D-4752-9372-76900011F801}"/>
+              </a:ext>
+            </a:extLst>
+          </p:cNvPr>
+          <p:cNvSpPr txBox="1"/>
+          <p:nvPr/>
+        </p:nvSpPr>
+        <p:spPr>
+          <a:xfrm>
+            <a:off x="8185695" y="4096210"/>
+            <a:ext cx="359394" cy="369332"/>
+          </a:xfrm>
+          <a:prstGeom prst="rect">
+            <a:avLst/>
+          </a:prstGeom>
+          <a:noFill/>
+        </p:spPr>
+        <p:txBody>
+          <a:bodyPr wrap="none" rtlCol="0">
+            <a:spAutoFit/>
+          </a:bodyPr>
+          <a:lstStyle/>
+          <a:p>
+            <a:r>
+              <a:rPr lang="en-US" dirty="0"/>
+              <a:t>3.</a:t>
+            </a:r>
+          </a:p>
+        </p:txBody>
+      </p:sp>
+    </p:spTree>
+    <p:extLst>
+      <p:ext uri="{BB962C8B-B14F-4D97-AF65-F5344CB8AC3E}">
+        <p14:creationId xmlns:p14="http://schemas.microsoft.com/office/powerpoint/2010/main" val="999886201"/>
+      </p:ext>
+    </p:extLst>
+  </p:cSld>
+  <p:clrMapOvr>
+    <a:masterClrMapping/>
+  </p:clrMapOvr>
+</p:sld>
+</file>
+
+<file path=ppt/slides/slide14.xml><?xml version="1.0" encoding="utf-8"?>
+<p:sld xmlns:a="http://schemas.openxmlformats.org/drawingml/2006/main" xmlns:r="http://schemas.openxmlformats.org/officeDocument/2006/relationships" xmlns:p="http://schemas.openxmlformats.org/presentationml/2006/main">
+  <p:cSld>
+    <p:spTree>
+      <p:nvGrpSpPr>
+        <p:cNvPr id="1" name=""/>
+        <p:cNvGrpSpPr/>
+        <p:nvPr/>
+      </p:nvGrpSpPr>
+      <p:grpSpPr>
+        <a:xfrm>
+          <a:off x="0" y="0"/>
+          <a:ext cx="0" cy="0"/>
+          <a:chOff x="0" y="0"/>
+          <a:chExt cx="0" cy="0"/>
+        </a:xfrm>
+      </p:grpSpPr>
+      <p:sp>
+        <p:nvSpPr>
+          <p:cNvPr id="65" name="Rectangle 64" hidden="1">
+            <a:extLst>
+              <a:ext uri="{FF2B5EF4-FFF2-40B4-BE49-F238E27FC236}">
+                <a16:creationId xmlns:a16="http://schemas.microsoft.com/office/drawing/2014/main" id="{797C19EA-5677-41FA-A77D-87AA72E606CB}"/>
+              </a:ext>
+            </a:extLst>
+          </p:cNvPr>
+          <p:cNvSpPr/>
+          <p:nvPr/>
+        </p:nvSpPr>
+        <p:spPr>
+          <a:xfrm>
+            <a:off x="0" y="0"/>
+            <a:ext cx="12192000" cy="6858000"/>
+          </a:xfrm>
+          <a:prstGeom prst="rect">
+            <a:avLst/>
+          </a:prstGeom>
+          <a:solidFill>
+            <a:schemeClr val="bg1"/>
+          </a:solidFill>
+          <a:ln>
+            <a:noFill/>
+          </a:ln>
+        </p:spPr>
+        <p:style>
+          <a:lnRef idx="2">
+            <a:schemeClr val="accent1">
+              <a:shade val="50000"/>
+            </a:schemeClr>
+          </a:lnRef>
+          <a:fillRef idx="1">
+            <a:schemeClr val="accent1"/>
+          </a:fillRef>
+          <a:effectRef idx="0">
+            <a:schemeClr val="accent1"/>
+          </a:effectRef>
+          <a:fontRef idx="minor">
+            <a:schemeClr val="lt1"/>
+          </a:fontRef>
+        </p:style>
+        <p:txBody>
+          <a:bodyPr rtlCol="0" anchor="ctr"/>
+          <a:lstStyle/>
+          <a:p>
+            <a:pPr algn="ctr"/>
+            <a:endParaRPr lang="en-US"/>
+          </a:p>
+        </p:txBody>
+      </p:sp>
+      <p:sp>
+        <p:nvSpPr>
+          <p:cNvPr id="38" name="TextBox 37">
+            <a:extLst>
+              <a:ext uri="{FF2B5EF4-FFF2-40B4-BE49-F238E27FC236}">
+                <a16:creationId xmlns:a16="http://schemas.microsoft.com/office/drawing/2014/main" id="{91D2CAB9-EF2E-4B5B-B20A-806B6DD60F42}"/>
+              </a:ext>
+            </a:extLst>
+          </p:cNvPr>
+          <p:cNvSpPr txBox="1"/>
+          <p:nvPr/>
+        </p:nvSpPr>
+        <p:spPr>
+          <a:xfrm>
+            <a:off x="3927051" y="250222"/>
+            <a:ext cx="4337898" cy="523220"/>
+          </a:xfrm>
+          <a:prstGeom prst="rect">
+            <a:avLst/>
+          </a:prstGeom>
+          <a:noFill/>
+        </p:spPr>
+        <p:txBody>
+          <a:bodyPr wrap="square" rtlCol="0">
+            <a:spAutoFit/>
+          </a:bodyPr>
+          <a:lstStyle/>
+          <a:p>
+            <a:pPr algn="ctr"/>
+            <a:r>
+              <a:rPr lang="en-US" sz="2800" dirty="0">
+                <a:solidFill>
+                  <a:schemeClr val="accent6">
+                    <a:lumMod val="75000"/>
+                  </a:schemeClr>
+                </a:solidFill>
+              </a:rPr>
+              <a:t>AABB/Circle Collisions</a:t>
+            </a:r>
+          </a:p>
+        </p:txBody>
+      </p:sp>
+      <p:grpSp>
+        <p:nvGrpSpPr>
+          <p:cNvPr id="49" name="Group 48">
+            <a:extLst>
+              <a:ext uri="{FF2B5EF4-FFF2-40B4-BE49-F238E27FC236}">
+                <a16:creationId xmlns:a16="http://schemas.microsoft.com/office/drawing/2014/main" id="{B8CE06AF-2806-4107-95D9-AAC286CC343B}"/>
+              </a:ext>
+            </a:extLst>
+          </p:cNvPr>
+          <p:cNvGrpSpPr/>
+          <p:nvPr/>
+        </p:nvGrpSpPr>
+        <p:grpSpPr>
+          <a:xfrm>
+            <a:off x="3766877" y="629685"/>
+            <a:ext cx="4498072" cy="297874"/>
+            <a:chOff x="3971469" y="624781"/>
+            <a:chExt cx="4498072" cy="297874"/>
+          </a:xfrm>
+        </p:grpSpPr>
+        <p:cxnSp>
+          <p:nvCxnSpPr>
+            <p:cNvPr id="40" name="Straight Connector 39">
+              <a:extLst>
+                <a:ext uri="{FF2B5EF4-FFF2-40B4-BE49-F238E27FC236}">
+                  <a16:creationId xmlns:a16="http://schemas.microsoft.com/office/drawing/2014/main" id="{D6E0AC31-61D0-4CE2-AA3B-3C6978E8704A}"/>
+                </a:ext>
+              </a:extLst>
+            </p:cNvPr>
+            <p:cNvCxnSpPr/>
+            <p:nvPr/>
+          </p:nvCxnSpPr>
+          <p:spPr>
+            <a:xfrm>
+              <a:off x="5170031" y="773442"/>
+              <a:ext cx="2057400" cy="0"/>
+            </a:xfrm>
+            <a:prstGeom prst="line">
+              <a:avLst/>
+            </a:prstGeom>
+            <a:ln cap="rnd"/>
+          </p:spPr>
+          <p:style>
+            <a:lnRef idx="3">
+              <a:schemeClr val="accent6"/>
+            </a:lnRef>
+            <a:fillRef idx="0">
+              <a:schemeClr val="accent6"/>
+            </a:fillRef>
+            <a:effectRef idx="2">
+              <a:schemeClr val="accent6"/>
+            </a:effectRef>
+            <a:fontRef idx="minor">
+              <a:schemeClr val="tx1"/>
+            </a:fontRef>
+          </p:style>
+        </p:cxnSp>
+        <p:cxnSp>
+          <p:nvCxnSpPr>
+            <p:cNvPr id="41" name="Straight Connector 40">
+              <a:extLst>
+                <a:ext uri="{FF2B5EF4-FFF2-40B4-BE49-F238E27FC236}">
+                  <a16:creationId xmlns:a16="http://schemas.microsoft.com/office/drawing/2014/main" id="{B388F3BF-FB37-4435-8519-443F06647178}"/>
+                </a:ext>
+              </a:extLst>
+            </p:cNvPr>
+            <p:cNvCxnSpPr>
+              <a:cxnSpLocks/>
+            </p:cNvCxnSpPr>
+            <p:nvPr/>
+          </p:nvCxnSpPr>
+          <p:spPr>
+            <a:xfrm>
+              <a:off x="7349270" y="697242"/>
+              <a:ext cx="1027511" cy="0"/>
+            </a:xfrm>
+            <a:prstGeom prst="line">
+              <a:avLst/>
+            </a:prstGeom>
+            <a:ln cap="rnd"/>
+          </p:spPr>
+          <p:style>
+            <a:lnRef idx="3">
+              <a:schemeClr val="accent6"/>
+            </a:lnRef>
+            <a:fillRef idx="0">
+              <a:schemeClr val="accent6"/>
+            </a:fillRef>
+            <a:effectRef idx="2">
+              <a:schemeClr val="accent6"/>
+            </a:effectRef>
+            <a:fontRef idx="minor">
+              <a:schemeClr val="tx1"/>
+            </a:fontRef>
+          </p:style>
+        </p:cxnSp>
+        <p:cxnSp>
+          <p:nvCxnSpPr>
+            <p:cNvPr id="43" name="Straight Connector 42">
+              <a:extLst>
+                <a:ext uri="{FF2B5EF4-FFF2-40B4-BE49-F238E27FC236}">
+                  <a16:creationId xmlns:a16="http://schemas.microsoft.com/office/drawing/2014/main" id="{EC5F7052-9710-4CD3-8A81-EEE0E9A7244C}"/>
+                </a:ext>
+              </a:extLst>
+            </p:cNvPr>
+            <p:cNvCxnSpPr>
+              <a:cxnSpLocks/>
+            </p:cNvCxnSpPr>
+            <p:nvPr/>
+          </p:nvCxnSpPr>
+          <p:spPr>
+            <a:xfrm flipV="1">
+              <a:off x="7227431" y="697242"/>
+              <a:ext cx="121839" cy="76200"/>
+            </a:xfrm>
+            <a:prstGeom prst="line">
+              <a:avLst/>
+            </a:prstGeom>
+            <a:ln cap="rnd"/>
+          </p:spPr>
+          <p:style>
+            <a:lnRef idx="3">
+              <a:schemeClr val="accent6"/>
+            </a:lnRef>
+            <a:fillRef idx="0">
+              <a:schemeClr val="accent6"/>
+            </a:fillRef>
+            <a:effectRef idx="2">
+              <a:schemeClr val="accent6"/>
+            </a:effectRef>
+            <a:fontRef idx="minor">
+              <a:schemeClr val="tx1"/>
+            </a:fontRef>
+          </p:style>
+        </p:cxnSp>
+        <p:cxnSp>
+          <p:nvCxnSpPr>
+            <p:cNvPr id="46" name="Straight Connector 45">
+              <a:extLst>
+                <a:ext uri="{FF2B5EF4-FFF2-40B4-BE49-F238E27FC236}">
+                  <a16:creationId xmlns:a16="http://schemas.microsoft.com/office/drawing/2014/main" id="{C86B609C-3E9D-4EA1-9D7B-7AD108C8C57B}"/>
+                </a:ext>
+              </a:extLst>
+            </p:cNvPr>
+            <p:cNvCxnSpPr>
+              <a:cxnSpLocks/>
+            </p:cNvCxnSpPr>
+            <p:nvPr/>
+          </p:nvCxnSpPr>
+          <p:spPr>
+            <a:xfrm flipV="1">
+              <a:off x="5048192" y="773442"/>
+              <a:ext cx="121839" cy="76200"/>
+            </a:xfrm>
+            <a:prstGeom prst="line">
+              <a:avLst/>
+            </a:prstGeom>
+            <a:ln cap="rnd"/>
+          </p:spPr>
+          <p:style>
+            <a:lnRef idx="3">
+              <a:schemeClr val="accent6"/>
+            </a:lnRef>
+            <a:fillRef idx="0">
+              <a:schemeClr val="accent6"/>
+            </a:fillRef>
+            <a:effectRef idx="2">
+              <a:schemeClr val="accent6"/>
+            </a:effectRef>
+            <a:fontRef idx="minor">
+              <a:schemeClr val="tx1"/>
+            </a:fontRef>
+          </p:style>
+        </p:cxnSp>
+        <p:cxnSp>
+          <p:nvCxnSpPr>
+            <p:cNvPr id="47" name="Straight Connector 46">
+              <a:extLst>
+                <a:ext uri="{FF2B5EF4-FFF2-40B4-BE49-F238E27FC236}">
+                  <a16:creationId xmlns:a16="http://schemas.microsoft.com/office/drawing/2014/main" id="{0D690C07-0109-4CEC-B0CC-434EED608911}"/>
+                </a:ext>
+              </a:extLst>
+            </p:cNvPr>
+            <p:cNvCxnSpPr>
+              <a:cxnSpLocks/>
+            </p:cNvCxnSpPr>
+            <p:nvPr/>
+          </p:nvCxnSpPr>
+          <p:spPr>
+            <a:xfrm flipV="1">
+              <a:off x="4021655" y="849642"/>
+              <a:ext cx="1026537" cy="11668"/>
+            </a:xfrm>
+            <a:prstGeom prst="line">
+              <a:avLst/>
+            </a:prstGeom>
+            <a:ln cap="rnd"/>
+          </p:spPr>
+          <p:style>
+            <a:lnRef idx="3">
+              <a:schemeClr val="accent6"/>
+            </a:lnRef>
+            <a:fillRef idx="0">
+              <a:schemeClr val="accent6"/>
+            </a:fillRef>
+            <a:effectRef idx="2">
+              <a:schemeClr val="accent6"/>
+            </a:effectRef>
+            <a:fontRef idx="minor">
+              <a:schemeClr val="tx1"/>
+            </a:fontRef>
+          </p:style>
+        </p:cxnSp>
+        <p:sp>
+          <p:nvSpPr>
+            <p:cNvPr id="50" name="Oval 49">
+              <a:extLst>
+                <a:ext uri="{FF2B5EF4-FFF2-40B4-BE49-F238E27FC236}">
+                  <a16:creationId xmlns:a16="http://schemas.microsoft.com/office/drawing/2014/main" id="{EEA3A56A-D77B-4804-9467-3C2325189A39}"/>
+                </a:ext>
+              </a:extLst>
+            </p:cNvPr>
+            <p:cNvSpPr/>
+            <p:nvPr/>
+          </p:nvSpPr>
+          <p:spPr>
+            <a:xfrm>
+              <a:off x="3971469" y="789305"/>
+              <a:ext cx="133350" cy="133350"/>
+            </a:xfrm>
+            <a:prstGeom prst="ellipse">
+              <a:avLst/>
+            </a:prstGeom>
+          </p:spPr>
+          <p:style>
+            <a:lnRef idx="2">
+              <a:schemeClr val="accent6"/>
+            </a:lnRef>
+            <a:fillRef idx="1">
+              <a:schemeClr val="lt1"/>
+            </a:fillRef>
+            <a:effectRef idx="0">
+              <a:schemeClr val="accent6"/>
+            </a:effectRef>
+            <a:fontRef idx="minor">
+              <a:schemeClr val="dk1"/>
+            </a:fontRef>
+          </p:style>
+          <p:txBody>
+            <a:bodyPr rtlCol="0" anchor="ctr"/>
+            <a:lstStyle/>
+            <a:p>
+              <a:pPr algn="ctr"/>
+              <a:endParaRPr lang="en-US" i="1" dirty="0"/>
+            </a:p>
+          </p:txBody>
+        </p:sp>
+        <p:sp>
+          <p:nvSpPr>
+            <p:cNvPr id="51" name="Oval 50">
+              <a:extLst>
+                <a:ext uri="{FF2B5EF4-FFF2-40B4-BE49-F238E27FC236}">
+                  <a16:creationId xmlns:a16="http://schemas.microsoft.com/office/drawing/2014/main" id="{488A40C9-3C11-477D-B0FB-19648893F367}"/>
+                </a:ext>
+              </a:extLst>
+            </p:cNvPr>
+            <p:cNvSpPr/>
+            <p:nvPr/>
+          </p:nvSpPr>
+          <p:spPr>
+            <a:xfrm>
+              <a:off x="8336191" y="624781"/>
+              <a:ext cx="133350" cy="133350"/>
+            </a:xfrm>
+            <a:prstGeom prst="ellipse">
+              <a:avLst/>
+            </a:prstGeom>
+          </p:spPr>
+          <p:style>
+            <a:lnRef idx="2">
+              <a:schemeClr val="accent6"/>
+            </a:lnRef>
+            <a:fillRef idx="1">
+              <a:schemeClr val="lt1"/>
+            </a:fillRef>
+            <a:effectRef idx="0">
+              <a:schemeClr val="accent6"/>
+            </a:effectRef>
+            <a:fontRef idx="minor">
+              <a:schemeClr val="dk1"/>
+            </a:fontRef>
+          </p:style>
+          <p:txBody>
+            <a:bodyPr rtlCol="0" anchor="ctr"/>
+            <a:lstStyle/>
+            <a:p>
+              <a:pPr algn="ctr"/>
+              <a:endParaRPr lang="en-US" i="1" dirty="0"/>
+            </a:p>
+          </p:txBody>
+        </p:sp>
+      </p:grpSp>
+      <p:pic>
+        <p:nvPicPr>
+          <p:cNvPr id="7" name="Picture 6">
+            <a:extLst>
+              <a:ext uri="{FF2B5EF4-FFF2-40B4-BE49-F238E27FC236}">
+                <a16:creationId xmlns:a16="http://schemas.microsoft.com/office/drawing/2014/main" id="{439DC8CE-89F5-4FD2-84A5-B37C54FED516}"/>
+              </a:ext>
+            </a:extLst>
+          </p:cNvPr>
+          <p:cNvPicPr>
+            <a:picLocks noChangeAspect="1"/>
+          </p:cNvPicPr>
+          <p:nvPr/>
+        </p:nvPicPr>
+        <p:blipFill>
+          <a:blip r:embed="rId2"/>
+          <a:stretch>
+            <a:fillRect/>
+          </a:stretch>
+        </p:blipFill>
+        <p:spPr>
+          <a:xfrm>
+            <a:off x="10516892" y="6040501"/>
+            <a:ext cx="1321688" cy="599655"/>
+          </a:xfrm>
+          <a:prstGeom prst="rect">
+            <a:avLst/>
+          </a:prstGeom>
+        </p:spPr>
+      </p:pic>
+      <p:sp>
+        <p:nvSpPr>
+          <p:cNvPr id="6" name="Rectangle 5">
+            <a:extLst>
+              <a:ext uri="{FF2B5EF4-FFF2-40B4-BE49-F238E27FC236}">
+                <a16:creationId xmlns:a16="http://schemas.microsoft.com/office/drawing/2014/main" id="{A58CE1C0-27A2-427D-80A7-076B92E21AD0}"/>
+              </a:ext>
+            </a:extLst>
+          </p:cNvPr>
+          <p:cNvSpPr/>
+          <p:nvPr/>
+        </p:nvSpPr>
+        <p:spPr>
+          <a:xfrm>
+            <a:off x="6273110" y="1370968"/>
+            <a:ext cx="4623275" cy="4321162"/>
+          </a:xfrm>
+          <a:prstGeom prst="rect">
+            <a:avLst/>
+          </a:prstGeom>
+          <a:noFill/>
+          <a:ln>
+            <a:solidFill>
+              <a:schemeClr val="accent6">
+                <a:lumMod val="75000"/>
+              </a:schemeClr>
+            </a:solidFill>
+            <a:prstDash val="dash"/>
+          </a:ln>
+        </p:spPr>
+        <p:style>
+          <a:lnRef idx="2">
+            <a:schemeClr val="accent6"/>
+          </a:lnRef>
+          <a:fillRef idx="1">
+            <a:schemeClr val="lt1"/>
+          </a:fillRef>
+          <a:effectRef idx="0">
+            <a:schemeClr val="accent6"/>
+          </a:effectRef>
+          <a:fontRef idx="minor">
+            <a:schemeClr val="dk1"/>
+          </a:fontRef>
+        </p:style>
+        <p:txBody>
+          <a:bodyPr rtlCol="0" anchor="ctr"/>
+          <a:lstStyle/>
+          <a:p>
+            <a:pPr algn="ctr"/>
+            <a:endParaRPr lang="en-US"/>
+          </a:p>
+        </p:txBody>
+      </p:sp>
+      <p:sp>
+        <p:nvSpPr>
+          <p:cNvPr id="8" name="Oval 7">
+            <a:extLst>
+              <a:ext uri="{FF2B5EF4-FFF2-40B4-BE49-F238E27FC236}">
+                <a16:creationId xmlns:a16="http://schemas.microsoft.com/office/drawing/2014/main" id="{4E8FC64C-B905-40EC-9FBD-37083F4A08B5}"/>
+              </a:ext>
+            </a:extLst>
+          </p:cNvPr>
+          <p:cNvSpPr/>
+          <p:nvPr/>
+        </p:nvSpPr>
+        <p:spPr>
+          <a:xfrm>
+            <a:off x="5704814" y="1380776"/>
+            <a:ext cx="1136592" cy="1136592"/>
+          </a:xfrm>
+          <a:prstGeom prst="ellipse">
+            <a:avLst/>
+          </a:prstGeom>
+          <a:noFill/>
+          <a:ln>
+            <a:prstDash val="dash"/>
+          </a:ln>
+        </p:spPr>
+        <p:style>
+          <a:lnRef idx="2">
+            <a:schemeClr val="accent6"/>
+          </a:lnRef>
+          <a:fillRef idx="1">
+            <a:schemeClr val="lt1"/>
+          </a:fillRef>
+          <a:effectRef idx="0">
+            <a:schemeClr val="accent6"/>
+          </a:effectRef>
+          <a:fontRef idx="minor">
+            <a:schemeClr val="dk1"/>
+          </a:fontRef>
+        </p:style>
+        <p:txBody>
+          <a:bodyPr rtlCol="0" anchor="ctr"/>
+          <a:lstStyle/>
+          <a:p>
+            <a:pPr algn="ctr"/>
+            <a:endParaRPr lang="en-US"/>
+          </a:p>
+        </p:txBody>
+      </p:sp>
+      <p:sp>
+        <p:nvSpPr>
+          <p:cNvPr id="44" name="Oval 43">
+            <a:extLst>
+              <a:ext uri="{FF2B5EF4-FFF2-40B4-BE49-F238E27FC236}">
+                <a16:creationId xmlns:a16="http://schemas.microsoft.com/office/drawing/2014/main" id="{0E1EA8D7-4326-4926-A7D5-80B00DD238A5}"/>
+              </a:ext>
+            </a:extLst>
+          </p:cNvPr>
+          <p:cNvSpPr/>
+          <p:nvPr/>
+        </p:nvSpPr>
+        <p:spPr>
+          <a:xfrm>
+            <a:off x="5704814" y="4545729"/>
+            <a:ext cx="1136592" cy="1136592"/>
+          </a:xfrm>
+          <a:prstGeom prst="ellipse">
+            <a:avLst/>
+          </a:prstGeom>
+          <a:noFill/>
+          <a:ln>
+            <a:prstDash val="dash"/>
+          </a:ln>
+        </p:spPr>
+        <p:style>
+          <a:lnRef idx="2">
+            <a:schemeClr val="accent6"/>
+          </a:lnRef>
+          <a:fillRef idx="1">
+            <a:schemeClr val="lt1"/>
+          </a:fillRef>
+          <a:effectRef idx="0">
+            <a:schemeClr val="accent6"/>
+          </a:effectRef>
+          <a:fontRef idx="minor">
+            <a:schemeClr val="dk1"/>
+          </a:fontRef>
+        </p:style>
+        <p:txBody>
+          <a:bodyPr rtlCol="0" anchor="ctr"/>
+          <a:lstStyle/>
+          <a:p>
+            <a:pPr algn="ctr"/>
+            <a:endParaRPr lang="en-US"/>
+          </a:p>
+        </p:txBody>
+      </p:sp>
+      <p:sp>
+        <p:nvSpPr>
+          <p:cNvPr id="48" name="Oval 47">
+            <a:extLst>
+              <a:ext uri="{FF2B5EF4-FFF2-40B4-BE49-F238E27FC236}">
+                <a16:creationId xmlns:a16="http://schemas.microsoft.com/office/drawing/2014/main" id="{C9363643-A2E0-4193-95A7-2989C53DAABC}"/>
+              </a:ext>
+            </a:extLst>
+          </p:cNvPr>
+          <p:cNvSpPr/>
+          <p:nvPr/>
+        </p:nvSpPr>
+        <p:spPr>
+          <a:xfrm>
+            <a:off x="10328089" y="4545729"/>
+            <a:ext cx="1136592" cy="1136592"/>
+          </a:xfrm>
+          <a:prstGeom prst="ellipse">
+            <a:avLst/>
+          </a:prstGeom>
+          <a:noFill/>
+          <a:ln>
+            <a:prstDash val="dash"/>
+          </a:ln>
+        </p:spPr>
+        <p:style>
+          <a:lnRef idx="2">
+            <a:schemeClr val="accent6"/>
+          </a:lnRef>
+          <a:fillRef idx="1">
+            <a:schemeClr val="lt1"/>
+          </a:fillRef>
+          <a:effectRef idx="0">
+            <a:schemeClr val="accent6"/>
+          </a:effectRef>
+          <a:fontRef idx="minor">
+            <a:schemeClr val="dk1"/>
+          </a:fontRef>
+        </p:style>
+        <p:txBody>
+          <a:bodyPr rtlCol="0" anchor="ctr"/>
+          <a:lstStyle/>
+          <a:p>
+            <a:pPr algn="ctr"/>
+            <a:endParaRPr lang="en-US"/>
+          </a:p>
+        </p:txBody>
+      </p:sp>
+      <p:sp>
+        <p:nvSpPr>
+          <p:cNvPr id="56" name="Oval 55">
+            <a:extLst>
+              <a:ext uri="{FF2B5EF4-FFF2-40B4-BE49-F238E27FC236}">
+                <a16:creationId xmlns:a16="http://schemas.microsoft.com/office/drawing/2014/main" id="{F0036CBE-53B5-4285-88B5-0A5ECBEC2270}"/>
+              </a:ext>
+            </a:extLst>
+          </p:cNvPr>
+          <p:cNvSpPr/>
+          <p:nvPr/>
+        </p:nvSpPr>
+        <p:spPr>
+          <a:xfrm>
+            <a:off x="10328089" y="1360560"/>
+            <a:ext cx="1136592" cy="1136592"/>
+          </a:xfrm>
+          <a:prstGeom prst="ellipse">
+            <a:avLst/>
+          </a:prstGeom>
+          <a:noFill/>
+          <a:ln>
+            <a:prstDash val="dash"/>
+          </a:ln>
+        </p:spPr>
+        <p:style>
+          <a:lnRef idx="2">
+            <a:schemeClr val="accent6"/>
+          </a:lnRef>
+          <a:fillRef idx="1">
+            <a:schemeClr val="lt1"/>
+          </a:fillRef>
+          <a:effectRef idx="0">
+            <a:schemeClr val="accent6"/>
+          </a:effectRef>
+          <a:fontRef idx="minor">
+            <a:schemeClr val="dk1"/>
+          </a:fontRef>
+        </p:style>
+        <p:txBody>
+          <a:bodyPr rtlCol="0" anchor="ctr"/>
+          <a:lstStyle/>
+          <a:p>
+            <a:pPr algn="ctr"/>
+            <a:endParaRPr lang="en-US"/>
+          </a:p>
+        </p:txBody>
+      </p:sp>
+      <p:sp>
+        <p:nvSpPr>
+          <p:cNvPr id="57" name="Rectangle 56">
+            <a:extLst>
+              <a:ext uri="{FF2B5EF4-FFF2-40B4-BE49-F238E27FC236}">
+                <a16:creationId xmlns:a16="http://schemas.microsoft.com/office/drawing/2014/main" id="{405E85EA-EEDE-4B43-96C3-53757F9F99CC}"/>
+              </a:ext>
+            </a:extLst>
+          </p:cNvPr>
+          <p:cNvSpPr/>
+          <p:nvPr/>
+        </p:nvSpPr>
+        <p:spPr>
+          <a:xfrm>
+            <a:off x="5704815" y="1949072"/>
+            <a:ext cx="5759866" cy="3174761"/>
+          </a:xfrm>
+          <a:prstGeom prst="rect">
+            <a:avLst/>
+          </a:prstGeom>
+          <a:noFill/>
+          <a:ln>
+            <a:solidFill>
+              <a:schemeClr val="accent6">
+                <a:lumMod val="75000"/>
+              </a:schemeClr>
+            </a:solidFill>
+            <a:prstDash val="dash"/>
+          </a:ln>
+        </p:spPr>
+        <p:style>
+          <a:lnRef idx="2">
+            <a:schemeClr val="accent6"/>
+          </a:lnRef>
+          <a:fillRef idx="1">
+            <a:schemeClr val="lt1"/>
+          </a:fillRef>
+          <a:effectRef idx="0">
+            <a:schemeClr val="accent6"/>
+          </a:effectRef>
+          <a:fontRef idx="minor">
+            <a:schemeClr val="dk1"/>
+          </a:fontRef>
+        </p:style>
+        <p:txBody>
+          <a:bodyPr rtlCol="0" anchor="ctr"/>
+          <a:lstStyle/>
+          <a:p>
+            <a:pPr algn="ctr"/>
+            <a:endParaRPr lang="en-US"/>
+          </a:p>
+        </p:txBody>
+      </p:sp>
+      <p:sp>
+        <p:nvSpPr>
+          <p:cNvPr id="75" name="Rectangle 74">
+            <a:extLst>
+              <a:ext uri="{FF2B5EF4-FFF2-40B4-BE49-F238E27FC236}">
+                <a16:creationId xmlns:a16="http://schemas.microsoft.com/office/drawing/2014/main" id="{105FB833-A7F4-4138-B4AF-834C833743CA}"/>
+              </a:ext>
+            </a:extLst>
+          </p:cNvPr>
+          <p:cNvSpPr/>
+          <p:nvPr/>
+        </p:nvSpPr>
+        <p:spPr>
+          <a:xfrm>
+            <a:off x="6273110" y="1949072"/>
+            <a:ext cx="4623275" cy="3170648"/>
+          </a:xfrm>
+          <a:prstGeom prst="rect">
+            <a:avLst/>
+          </a:prstGeom>
+          <a:noFill/>
+        </p:spPr>
+        <p:style>
+          <a:lnRef idx="2">
+            <a:schemeClr val="accent6"/>
+          </a:lnRef>
+          <a:fillRef idx="1">
+            <a:schemeClr val="lt1"/>
+          </a:fillRef>
+          <a:effectRef idx="0">
+            <a:schemeClr val="accent6"/>
+          </a:effectRef>
+          <a:fontRef idx="minor">
+            <a:schemeClr val="dk1"/>
+          </a:fontRef>
+        </p:style>
+        <p:txBody>
+          <a:bodyPr rtlCol="0" anchor="ctr"/>
+          <a:lstStyle/>
+          <a:p>
+            <a:pPr algn="ctr"/>
+            <a:endParaRPr lang="en-US"/>
+          </a:p>
+        </p:txBody>
+      </p:sp>
+      <p:sp>
+        <p:nvSpPr>
+          <p:cNvPr id="76" name="Oval 75">
+            <a:extLst>
+              <a:ext uri="{FF2B5EF4-FFF2-40B4-BE49-F238E27FC236}">
+                <a16:creationId xmlns:a16="http://schemas.microsoft.com/office/drawing/2014/main" id="{2C0A0D1E-8A6A-470A-BB6F-E3710DFE58D4}"/>
+              </a:ext>
+            </a:extLst>
+          </p:cNvPr>
+          <p:cNvSpPr/>
+          <p:nvPr/>
+        </p:nvSpPr>
+        <p:spPr>
+          <a:xfrm>
+            <a:off x="3900227" y="1665635"/>
+            <a:ext cx="1136592" cy="1136592"/>
+          </a:xfrm>
+          <a:prstGeom prst="ellipse">
+            <a:avLst/>
+          </a:prstGeom>
+          <a:noFill/>
+          <a:ln>
+            <a:prstDash val="solid"/>
+          </a:ln>
+        </p:spPr>
+        <p:style>
+          <a:lnRef idx="2">
+            <a:schemeClr val="accent6"/>
+          </a:lnRef>
+          <a:fillRef idx="1">
+            <a:schemeClr val="lt1"/>
+          </a:fillRef>
+          <a:effectRef idx="0">
+            <a:schemeClr val="accent6"/>
+          </a:effectRef>
+          <a:fontRef idx="minor">
+            <a:schemeClr val="dk1"/>
+          </a:fontRef>
+        </p:style>
+        <p:txBody>
+          <a:bodyPr rtlCol="0" anchor="ctr"/>
+          <a:lstStyle/>
+          <a:p>
+            <a:pPr algn="ctr"/>
+            <a:endParaRPr lang="en-US"/>
+          </a:p>
+        </p:txBody>
+      </p:sp>
+      <p:cxnSp>
+        <p:nvCxnSpPr>
+          <p:cNvPr id="77" name="Straight Connector 76">
+            <a:extLst>
+              <a:ext uri="{FF2B5EF4-FFF2-40B4-BE49-F238E27FC236}">
+                <a16:creationId xmlns:a16="http://schemas.microsoft.com/office/drawing/2014/main" id="{87A40864-1E99-41C5-ACB7-C3C506776E7A}"/>
+              </a:ext>
+            </a:extLst>
+          </p:cNvPr>
+          <p:cNvCxnSpPr>
+            <a:cxnSpLocks/>
+          </p:cNvCxnSpPr>
+          <p:nvPr/>
+        </p:nvCxnSpPr>
+        <p:spPr>
+          <a:xfrm>
+            <a:off x="533048" y="1597433"/>
+            <a:ext cx="2978502" cy="18150"/>
+          </a:xfrm>
+          <a:prstGeom prst="line">
+            <a:avLst/>
+          </a:prstGeom>
+          <a:ln cap="rnd"/>
+        </p:spPr>
+        <p:style>
+          <a:lnRef idx="3">
+            <a:schemeClr val="accent6"/>
+          </a:lnRef>
+          <a:fillRef idx="0">
+            <a:schemeClr val="accent6"/>
+          </a:fillRef>
+          <a:effectRef idx="2">
+            <a:schemeClr val="accent6"/>
+          </a:effectRef>
+          <a:fontRef idx="minor">
+            <a:schemeClr val="tx1"/>
+          </a:fontRef>
+        </p:style>
+      </p:cxnSp>
+      <p:sp>
+        <p:nvSpPr>
+          <p:cNvPr id="78" name="Oval 77">
+            <a:extLst>
+              <a:ext uri="{FF2B5EF4-FFF2-40B4-BE49-F238E27FC236}">
+                <a16:creationId xmlns:a16="http://schemas.microsoft.com/office/drawing/2014/main" id="{ECE12F6C-9428-429D-81DC-E1ADF5E6EAEB}"/>
+              </a:ext>
+            </a:extLst>
+          </p:cNvPr>
+          <p:cNvSpPr/>
+          <p:nvPr/>
+        </p:nvSpPr>
+        <p:spPr>
+          <a:xfrm>
+            <a:off x="3463924" y="1548565"/>
+            <a:ext cx="133350" cy="133350"/>
+          </a:xfrm>
+          <a:prstGeom prst="ellipse">
+            <a:avLst/>
+          </a:prstGeom>
+        </p:spPr>
+        <p:style>
+          <a:lnRef idx="2">
+            <a:schemeClr val="accent6"/>
+          </a:lnRef>
+          <a:fillRef idx="1">
+            <a:schemeClr val="lt1"/>
+          </a:fillRef>
+          <a:effectRef idx="0">
+            <a:schemeClr val="accent6"/>
+          </a:effectRef>
+          <a:fontRef idx="minor">
+            <a:schemeClr val="dk1"/>
+          </a:fontRef>
+        </p:style>
+        <p:txBody>
+          <a:bodyPr rtlCol="0" anchor="ctr"/>
+          <a:lstStyle/>
+          <a:p>
+            <a:pPr algn="ctr"/>
+            <a:endParaRPr lang="en-US"/>
+          </a:p>
+        </p:txBody>
+      </p:sp>
+      <p:sp>
+        <p:nvSpPr>
+          <p:cNvPr id="79" name="TextBox 78">
+            <a:extLst>
+              <a:ext uri="{FF2B5EF4-FFF2-40B4-BE49-F238E27FC236}">
+                <a16:creationId xmlns:a16="http://schemas.microsoft.com/office/drawing/2014/main" id="{F69ECAA1-2427-4C5C-A757-E286410556A5}"/>
+              </a:ext>
+            </a:extLst>
+          </p:cNvPr>
+          <p:cNvSpPr txBox="1"/>
+          <p:nvPr/>
+        </p:nvSpPr>
+        <p:spPr>
+          <a:xfrm>
+            <a:off x="447324" y="1209049"/>
+            <a:ext cx="2740430" cy="369332"/>
+          </a:xfrm>
+          <a:prstGeom prst="rect">
+            <a:avLst/>
+          </a:prstGeom>
+          <a:noFill/>
+        </p:spPr>
+        <p:txBody>
+          <a:bodyPr wrap="none" rtlCol="0">
+            <a:spAutoFit/>
+          </a:bodyPr>
+          <a:lstStyle/>
+          <a:p>
+            <a:r>
+              <a:rPr lang="en-US" dirty="0">
+                <a:solidFill>
+                  <a:schemeClr val="accent6">
+                    <a:lumMod val="75000"/>
+                  </a:schemeClr>
+                </a:solidFill>
+              </a:rPr>
+              <a:t>Break Into Other Geometry</a:t>
+            </a:r>
+          </a:p>
+        </p:txBody>
+      </p:sp>
+      <p:sp>
+        <p:nvSpPr>
+          <p:cNvPr id="80" name="TextBox 79">
+            <a:extLst>
+              <a:ext uri="{FF2B5EF4-FFF2-40B4-BE49-F238E27FC236}">
+                <a16:creationId xmlns:a16="http://schemas.microsoft.com/office/drawing/2014/main" id="{5DA02790-ACDD-4D6C-804E-8F2F77467CDC}"/>
+              </a:ext>
+            </a:extLst>
+          </p:cNvPr>
+          <p:cNvSpPr txBox="1"/>
+          <p:nvPr/>
+        </p:nvSpPr>
+        <p:spPr>
+          <a:xfrm>
+            <a:off x="444897" y="1762696"/>
+            <a:ext cx="3372166" cy="2816156"/>
+          </a:xfrm>
+          <a:prstGeom prst="rect">
+            <a:avLst/>
+          </a:prstGeom>
+          <a:noFill/>
+        </p:spPr>
+        <p:txBody>
+          <a:bodyPr wrap="square" rtlCol="0">
+            <a:spAutoFit/>
+          </a:bodyPr>
+          <a:lstStyle/>
+          <a:p>
+            <a:pPr marL="342900" indent="-342900">
+              <a:spcAft>
+                <a:spcPts val="600"/>
+              </a:spcAft>
+              <a:buFont typeface="+mj-lt"/>
+              <a:buAutoNum type="arabicPeriod"/>
+            </a:pPr>
+            <a:r>
+              <a:rPr lang="en-US" dirty="0"/>
+              <a:t>Shrink the circle to a point</a:t>
+            </a:r>
+          </a:p>
+          <a:p>
+            <a:pPr marL="342900" indent="-342900">
+              <a:spcAft>
+                <a:spcPts val="600"/>
+              </a:spcAft>
+              <a:buFont typeface="+mj-lt"/>
+              <a:buAutoNum type="arabicPeriod"/>
+            </a:pPr>
+            <a:r>
+              <a:rPr lang="en-US" dirty="0"/>
+              <a:t>Create a rectangle with a width of +2*radius</a:t>
+            </a:r>
+          </a:p>
+          <a:p>
+            <a:pPr marL="342900" indent="-342900">
+              <a:spcAft>
+                <a:spcPts val="600"/>
+              </a:spcAft>
+              <a:buFont typeface="+mj-lt"/>
+              <a:buAutoNum type="arabicPeriod"/>
+            </a:pPr>
+            <a:r>
+              <a:rPr lang="en-US" dirty="0"/>
+              <a:t>Create a rectangle with a height of +2*radius</a:t>
+            </a:r>
+          </a:p>
+          <a:p>
+            <a:pPr marL="342900" indent="-342900">
+              <a:spcAft>
+                <a:spcPts val="600"/>
+              </a:spcAft>
+              <a:buFont typeface="+mj-lt"/>
+              <a:buAutoNum type="arabicPeriod"/>
+            </a:pPr>
+            <a:r>
+              <a:rPr lang="en-US" dirty="0"/>
+              <a:t>Create four circles, one at each of the original corners, with the radius of the original circle.</a:t>
+            </a:r>
+          </a:p>
+        </p:txBody>
+      </p:sp>
+      <p:cxnSp>
+        <p:nvCxnSpPr>
+          <p:cNvPr id="81" name="Straight Connector 80">
+            <a:extLst>
+              <a:ext uri="{FF2B5EF4-FFF2-40B4-BE49-F238E27FC236}">
+                <a16:creationId xmlns:a16="http://schemas.microsoft.com/office/drawing/2014/main" id="{8D9372EA-CABF-4969-8B46-C73D69EABF3E}"/>
+              </a:ext>
+            </a:extLst>
+          </p:cNvPr>
+          <p:cNvCxnSpPr>
+            <a:cxnSpLocks/>
+          </p:cNvCxnSpPr>
+          <p:nvPr/>
+        </p:nvCxnSpPr>
+        <p:spPr>
+          <a:xfrm>
+            <a:off x="482862" y="5137493"/>
+            <a:ext cx="2978502" cy="18150"/>
+          </a:xfrm>
+          <a:prstGeom prst="line">
+            <a:avLst/>
+          </a:prstGeom>
+          <a:ln cap="rnd"/>
+        </p:spPr>
+        <p:style>
+          <a:lnRef idx="3">
+            <a:schemeClr val="accent6"/>
+          </a:lnRef>
+          <a:fillRef idx="0">
+            <a:schemeClr val="accent6"/>
+          </a:fillRef>
+          <a:effectRef idx="2">
+            <a:schemeClr val="accent6"/>
+          </a:effectRef>
+          <a:fontRef idx="minor">
+            <a:schemeClr val="tx1"/>
+          </a:fontRef>
+        </p:style>
+      </p:cxnSp>
+      <p:sp>
+        <p:nvSpPr>
+          <p:cNvPr id="82" name="Oval 81">
+            <a:extLst>
+              <a:ext uri="{FF2B5EF4-FFF2-40B4-BE49-F238E27FC236}">
+                <a16:creationId xmlns:a16="http://schemas.microsoft.com/office/drawing/2014/main" id="{B7E81835-D962-45C7-BC72-0315F23FAEA7}"/>
+              </a:ext>
+            </a:extLst>
+          </p:cNvPr>
+          <p:cNvSpPr/>
+          <p:nvPr/>
+        </p:nvSpPr>
+        <p:spPr>
+          <a:xfrm>
+            <a:off x="3413738" y="5088625"/>
+            <a:ext cx="133350" cy="133350"/>
+          </a:xfrm>
+          <a:prstGeom prst="ellipse">
+            <a:avLst/>
+          </a:prstGeom>
+        </p:spPr>
+        <p:style>
+          <a:lnRef idx="2">
+            <a:schemeClr val="accent6"/>
+          </a:lnRef>
+          <a:fillRef idx="1">
+            <a:schemeClr val="lt1"/>
+          </a:fillRef>
+          <a:effectRef idx="0">
+            <a:schemeClr val="accent6"/>
+          </a:effectRef>
+          <a:fontRef idx="minor">
+            <a:schemeClr val="dk1"/>
+          </a:fontRef>
+        </p:style>
+        <p:txBody>
+          <a:bodyPr rtlCol="0" anchor="ctr"/>
+          <a:lstStyle/>
+          <a:p>
+            <a:pPr algn="ctr"/>
+            <a:endParaRPr lang="en-US"/>
+          </a:p>
+        </p:txBody>
+      </p:sp>
+      <p:sp>
+        <p:nvSpPr>
+          <p:cNvPr id="83" name="TextBox 82">
+            <a:extLst>
+              <a:ext uri="{FF2B5EF4-FFF2-40B4-BE49-F238E27FC236}">
+                <a16:creationId xmlns:a16="http://schemas.microsoft.com/office/drawing/2014/main" id="{ED9953A4-4F9F-49D3-80C4-D3C2B2104040}"/>
+              </a:ext>
+            </a:extLst>
+          </p:cNvPr>
+          <p:cNvSpPr txBox="1"/>
+          <p:nvPr/>
+        </p:nvSpPr>
+        <p:spPr>
+          <a:xfrm>
+            <a:off x="397138" y="4749109"/>
+            <a:ext cx="1739066" cy="369332"/>
+          </a:xfrm>
+          <a:prstGeom prst="rect">
+            <a:avLst/>
+          </a:prstGeom>
+          <a:noFill/>
+        </p:spPr>
+        <p:txBody>
+          <a:bodyPr wrap="none" rtlCol="0">
+            <a:spAutoFit/>
+          </a:bodyPr>
+          <a:lstStyle/>
+          <a:p>
+            <a:r>
+              <a:rPr lang="en-US" dirty="0">
+                <a:solidFill>
+                  <a:schemeClr val="accent6">
+                    <a:lumMod val="75000"/>
+                  </a:schemeClr>
+                </a:solidFill>
+              </a:rPr>
+              <a:t>Detect Collisions</a:t>
+            </a:r>
+          </a:p>
+        </p:txBody>
+      </p:sp>
+      <p:sp>
+        <p:nvSpPr>
+          <p:cNvPr id="84" name="TextBox 83">
+            <a:extLst>
+              <a:ext uri="{FF2B5EF4-FFF2-40B4-BE49-F238E27FC236}">
+                <a16:creationId xmlns:a16="http://schemas.microsoft.com/office/drawing/2014/main" id="{26DF8DD7-7411-43B1-86DD-E09B25829548}"/>
+              </a:ext>
+            </a:extLst>
+          </p:cNvPr>
+          <p:cNvSpPr txBox="1"/>
+          <p:nvPr/>
+        </p:nvSpPr>
+        <p:spPr>
+          <a:xfrm>
+            <a:off x="394711" y="5302756"/>
+            <a:ext cx="3372166" cy="923330"/>
+          </a:xfrm>
+          <a:prstGeom prst="rect">
+            <a:avLst/>
+          </a:prstGeom>
+          <a:noFill/>
+        </p:spPr>
+        <p:txBody>
+          <a:bodyPr wrap="square" rtlCol="0">
+            <a:spAutoFit/>
+          </a:bodyPr>
+          <a:lstStyle/>
+          <a:p>
+            <a:pPr>
+              <a:spcAft>
+                <a:spcPts val="600"/>
+              </a:spcAft>
+            </a:pPr>
+            <a:r>
+              <a:rPr lang="en-US" dirty="0"/>
+              <a:t>If the new point collides with any of the new geometry, the circle collides with the rectangle</a:t>
+            </a:r>
+          </a:p>
+        </p:txBody>
+      </p:sp>
+      <p:cxnSp>
+        <p:nvCxnSpPr>
+          <p:cNvPr id="10" name="Straight Arrow Connector 9">
+            <a:extLst>
+              <a:ext uri="{FF2B5EF4-FFF2-40B4-BE49-F238E27FC236}">
+                <a16:creationId xmlns:a16="http://schemas.microsoft.com/office/drawing/2014/main" id="{7A0AD612-5F8B-4FAC-8CDF-8B04EA779A4A}"/>
+              </a:ext>
+            </a:extLst>
+          </p:cNvPr>
+          <p:cNvCxnSpPr>
+            <a:stCxn id="76" idx="5"/>
+          </p:cNvCxnSpPr>
+          <p:nvPr/>
+        </p:nvCxnSpPr>
+        <p:spPr>
+          <a:xfrm flipH="1" flipV="1">
+            <a:off x="4473723" y="2191688"/>
+            <a:ext cx="396646" cy="444089"/>
+          </a:xfrm>
+          <a:prstGeom prst="straightConnector1">
+            <a:avLst/>
+          </a:prstGeom>
+          <a:ln w="19050">
+            <a:solidFill>
+              <a:schemeClr val="accent6">
+                <a:lumMod val="75000"/>
+              </a:schemeClr>
+            </a:solidFill>
+            <a:prstDash val="dash"/>
+            <a:tailEnd type="triangle"/>
+          </a:ln>
+        </p:spPr>
+        <p:style>
+          <a:lnRef idx="1">
+            <a:schemeClr val="accent1"/>
+          </a:lnRef>
+          <a:fillRef idx="0">
+            <a:schemeClr val="accent1"/>
+          </a:fillRef>
+          <a:effectRef idx="0">
+            <a:schemeClr val="accent1"/>
+          </a:effectRef>
+          <a:fontRef idx="minor">
+            <a:schemeClr val="tx1"/>
+          </a:fontRef>
+        </p:style>
+      </p:cxnSp>
+      <p:sp>
+        <p:nvSpPr>
+          <p:cNvPr id="11" name="TextBox 10">
+            <a:extLst>
+              <a:ext uri="{FF2B5EF4-FFF2-40B4-BE49-F238E27FC236}">
+                <a16:creationId xmlns:a16="http://schemas.microsoft.com/office/drawing/2014/main" id="{C0389CAD-25CB-4AFA-BBB6-F2C05D212CAD}"/>
+              </a:ext>
+            </a:extLst>
+          </p:cNvPr>
+          <p:cNvSpPr txBox="1"/>
+          <p:nvPr/>
+        </p:nvSpPr>
+        <p:spPr>
+          <a:xfrm>
+            <a:off x="4651847" y="2080900"/>
+            <a:ext cx="301686" cy="369332"/>
+          </a:xfrm>
+          <a:prstGeom prst="rect">
+            <a:avLst/>
+          </a:prstGeom>
+          <a:noFill/>
+        </p:spPr>
+        <p:txBody>
+          <a:bodyPr wrap="none" rtlCol="0">
+            <a:spAutoFit/>
+          </a:bodyPr>
+          <a:lstStyle/>
+          <a:p>
+            <a:r>
+              <a:rPr lang="en-US" dirty="0"/>
+              <a:t>1</a:t>
+            </a:r>
+          </a:p>
+        </p:txBody>
+      </p:sp>
+      <p:sp>
+        <p:nvSpPr>
+          <p:cNvPr id="85" name="TextBox 84">
+            <a:extLst>
+              <a:ext uri="{FF2B5EF4-FFF2-40B4-BE49-F238E27FC236}">
+                <a16:creationId xmlns:a16="http://schemas.microsoft.com/office/drawing/2014/main" id="{936CBE09-643D-4495-9572-E13CDB411BFA}"/>
+              </a:ext>
+            </a:extLst>
+          </p:cNvPr>
+          <p:cNvSpPr txBox="1"/>
+          <p:nvPr/>
+        </p:nvSpPr>
+        <p:spPr>
+          <a:xfrm>
+            <a:off x="5403129" y="3305797"/>
+            <a:ext cx="301686" cy="369332"/>
+          </a:xfrm>
+          <a:prstGeom prst="rect">
+            <a:avLst/>
+          </a:prstGeom>
+          <a:noFill/>
+        </p:spPr>
+        <p:txBody>
+          <a:bodyPr wrap="none" rtlCol="0">
+            <a:spAutoFit/>
+          </a:bodyPr>
+          <a:lstStyle/>
+          <a:p>
+            <a:r>
+              <a:rPr lang="en-US" dirty="0"/>
+              <a:t>2</a:t>
+            </a:r>
+          </a:p>
+        </p:txBody>
+      </p:sp>
+      <p:sp>
+        <p:nvSpPr>
+          <p:cNvPr id="86" name="TextBox 85">
+            <a:extLst>
+              <a:ext uri="{FF2B5EF4-FFF2-40B4-BE49-F238E27FC236}">
+                <a16:creationId xmlns:a16="http://schemas.microsoft.com/office/drawing/2014/main" id="{272B6280-4FC9-4E54-8B7D-F4A6B92CB77D}"/>
+              </a:ext>
+            </a:extLst>
+          </p:cNvPr>
+          <p:cNvSpPr txBox="1"/>
+          <p:nvPr/>
+        </p:nvSpPr>
+        <p:spPr>
+          <a:xfrm>
+            <a:off x="8433905" y="996432"/>
+            <a:ext cx="301686" cy="369332"/>
+          </a:xfrm>
+          <a:prstGeom prst="rect">
+            <a:avLst/>
+          </a:prstGeom>
+          <a:noFill/>
+        </p:spPr>
+        <p:txBody>
+          <a:bodyPr wrap="none" rtlCol="0">
+            <a:spAutoFit/>
+          </a:bodyPr>
+          <a:lstStyle/>
+          <a:p>
+            <a:r>
+              <a:rPr lang="en-US" dirty="0"/>
+              <a:t>3</a:t>
+            </a:r>
+          </a:p>
+        </p:txBody>
+      </p:sp>
+      <p:sp>
+        <p:nvSpPr>
+          <p:cNvPr id="87" name="TextBox 86">
+            <a:extLst>
+              <a:ext uri="{FF2B5EF4-FFF2-40B4-BE49-F238E27FC236}">
+                <a16:creationId xmlns:a16="http://schemas.microsoft.com/office/drawing/2014/main" id="{C51ECA40-8FF6-44AF-8BC8-5B1F0DD269E4}"/>
+              </a:ext>
+            </a:extLst>
+          </p:cNvPr>
+          <p:cNvSpPr txBox="1"/>
+          <p:nvPr/>
+        </p:nvSpPr>
+        <p:spPr>
+          <a:xfrm>
+            <a:off x="5509143" y="1188900"/>
+            <a:ext cx="301686" cy="369332"/>
+          </a:xfrm>
+          <a:prstGeom prst="rect">
+            <a:avLst/>
+          </a:prstGeom>
+          <a:noFill/>
+        </p:spPr>
+        <p:txBody>
+          <a:bodyPr wrap="none" rtlCol="0">
+            <a:spAutoFit/>
+          </a:bodyPr>
+          <a:lstStyle/>
+          <a:p>
+            <a:r>
+              <a:rPr lang="en-US" dirty="0"/>
+              <a:t>4</a:t>
+            </a:r>
+          </a:p>
+        </p:txBody>
+      </p:sp>
+      <p:sp>
+        <p:nvSpPr>
+          <p:cNvPr id="88" name="TextBox 87">
+            <a:extLst>
+              <a:ext uri="{FF2B5EF4-FFF2-40B4-BE49-F238E27FC236}">
+                <a16:creationId xmlns:a16="http://schemas.microsoft.com/office/drawing/2014/main" id="{FC187196-F163-47F3-B09F-594C05DD5F8C}"/>
+              </a:ext>
+            </a:extLst>
+          </p:cNvPr>
+          <p:cNvSpPr txBox="1"/>
+          <p:nvPr/>
+        </p:nvSpPr>
+        <p:spPr>
+          <a:xfrm>
+            <a:off x="11313837" y="1166085"/>
+            <a:ext cx="301686" cy="369332"/>
+          </a:xfrm>
+          <a:prstGeom prst="rect">
+            <a:avLst/>
+          </a:prstGeom>
+          <a:noFill/>
+        </p:spPr>
+        <p:txBody>
+          <a:bodyPr wrap="none" rtlCol="0">
+            <a:spAutoFit/>
+          </a:bodyPr>
+          <a:lstStyle/>
+          <a:p>
+            <a:r>
+              <a:rPr lang="en-US" dirty="0"/>
+              <a:t>4</a:t>
+            </a:r>
+          </a:p>
+        </p:txBody>
+      </p:sp>
+      <p:sp>
+        <p:nvSpPr>
+          <p:cNvPr id="89" name="TextBox 88">
+            <a:extLst>
+              <a:ext uri="{FF2B5EF4-FFF2-40B4-BE49-F238E27FC236}">
+                <a16:creationId xmlns:a16="http://schemas.microsoft.com/office/drawing/2014/main" id="{4DA5CCA8-EC9B-4A54-A66F-734A00F0E96F}"/>
+              </a:ext>
+            </a:extLst>
+          </p:cNvPr>
+          <p:cNvSpPr txBox="1"/>
+          <p:nvPr/>
+        </p:nvSpPr>
+        <p:spPr>
+          <a:xfrm>
+            <a:off x="5589441" y="5514673"/>
+            <a:ext cx="301686" cy="369332"/>
+          </a:xfrm>
+          <a:prstGeom prst="rect">
+            <a:avLst/>
+          </a:prstGeom>
+          <a:noFill/>
+        </p:spPr>
+        <p:txBody>
+          <a:bodyPr wrap="none" rtlCol="0">
+            <a:spAutoFit/>
+          </a:bodyPr>
+          <a:lstStyle/>
+          <a:p>
+            <a:r>
+              <a:rPr lang="en-US" dirty="0"/>
+              <a:t>4</a:t>
+            </a:r>
+          </a:p>
+        </p:txBody>
+      </p:sp>
+      <p:sp>
+        <p:nvSpPr>
+          <p:cNvPr id="90" name="TextBox 89">
+            <a:extLst>
+              <a:ext uri="{FF2B5EF4-FFF2-40B4-BE49-F238E27FC236}">
+                <a16:creationId xmlns:a16="http://schemas.microsoft.com/office/drawing/2014/main" id="{1B3BAA2D-84E7-4822-8B6E-68FF8C0494F1}"/>
+              </a:ext>
+            </a:extLst>
+          </p:cNvPr>
+          <p:cNvSpPr txBox="1"/>
+          <p:nvPr/>
+        </p:nvSpPr>
+        <p:spPr>
+          <a:xfrm>
+            <a:off x="11293007" y="5486250"/>
+            <a:ext cx="301686" cy="369332"/>
+          </a:xfrm>
+          <a:prstGeom prst="rect">
+            <a:avLst/>
+          </a:prstGeom>
+          <a:noFill/>
+        </p:spPr>
+        <p:txBody>
+          <a:bodyPr wrap="none" rtlCol="0">
+            <a:spAutoFit/>
+          </a:bodyPr>
+          <a:lstStyle/>
+          <a:p>
+            <a:r>
+              <a:rPr lang="en-US" dirty="0"/>
+              <a:t>4</a:t>
+            </a:r>
+          </a:p>
+        </p:txBody>
+      </p:sp>
+    </p:spTree>
+    <p:extLst>
+      <p:ext uri="{BB962C8B-B14F-4D97-AF65-F5344CB8AC3E}">
+        <p14:creationId xmlns:p14="http://schemas.microsoft.com/office/powerpoint/2010/main" val="148125180"/>
+      </p:ext>
+    </p:extLst>
+  </p:cSld>
+  <p:clrMapOvr>
+    <a:masterClrMapping/>
+  </p:clrMapOvr>
+</p:sld>
+</file>
+
+<file path=ppt/slides/slide15.xml><?xml version="1.0" encoding="utf-8"?>
+<p:sld xmlns:a="http://schemas.openxmlformats.org/drawingml/2006/main" xmlns:r="http://schemas.openxmlformats.org/officeDocument/2006/relationships" xmlns:p="http://schemas.openxmlformats.org/presentationml/2006/main">
+  <p:cSld>
+    <p:spTree>
+      <p:nvGrpSpPr>
+        <p:cNvPr id="1" name=""/>
+        <p:cNvGrpSpPr/>
+        <p:nvPr/>
+      </p:nvGrpSpPr>
+      <p:grpSpPr>
+        <a:xfrm>
+          <a:off x="0" y="0"/>
+          <a:ext cx="0" cy="0"/>
+          <a:chOff x="0" y="0"/>
+          <a:chExt cx="0" cy="0"/>
+        </a:xfrm>
+      </p:grpSpPr>
+      <p:sp>
+        <p:nvSpPr>
           <p:cNvPr id="31" name="Rectangle 30">
             <a:extLst>
               <a:ext uri="{FF2B5EF4-FFF2-40B4-BE49-F238E27FC236}">
@@ -9385,7 +12098,7 @@
 </p:sld>
 </file>
 
-<file path=ppt/slides/slide14.xml><?xml version="1.0" encoding="utf-8"?>
+<file path=ppt/slides/slide16.xml><?xml version="1.0" encoding="utf-8"?>
 <p:sld xmlns:a="http://schemas.openxmlformats.org/drawingml/2006/main" xmlns:r="http://schemas.openxmlformats.org/officeDocument/2006/relationships" xmlns:p="http://schemas.openxmlformats.org/presentationml/2006/main">
   <p:cSld>
     <p:spTree>
@@ -12314,2230 +15027,7 @@
 </p:sld>
 </file>
 
-<file path=ppt/slides/slide15.xml><?xml version="1.0" encoding="utf-8"?>
-<p:sld xmlns:a="http://schemas.openxmlformats.org/drawingml/2006/main" xmlns:r="http://schemas.openxmlformats.org/officeDocument/2006/relationships" xmlns:p="http://schemas.openxmlformats.org/presentationml/2006/main">
-  <p:cSld>
-    <p:spTree>
-      <p:nvGrpSpPr>
-        <p:cNvPr id="1" name=""/>
-        <p:cNvGrpSpPr/>
-        <p:nvPr/>
-      </p:nvGrpSpPr>
-      <p:grpSpPr>
-        <a:xfrm>
-          <a:off x="0" y="0"/>
-          <a:ext cx="0" cy="0"/>
-          <a:chOff x="0" y="0"/>
-          <a:chExt cx="0" cy="0"/>
-        </a:xfrm>
-      </p:grpSpPr>
-      <p:sp>
-        <p:nvSpPr>
-          <p:cNvPr id="65" name="Rectangle 64">
-            <a:extLst>
-              <a:ext uri="{FF2B5EF4-FFF2-40B4-BE49-F238E27FC236}">
-                <a16:creationId xmlns:a16="http://schemas.microsoft.com/office/drawing/2014/main" id="{797C19EA-5677-41FA-A77D-87AA72E606CB}"/>
-              </a:ext>
-            </a:extLst>
-          </p:cNvPr>
-          <p:cNvSpPr/>
-          <p:nvPr/>
-        </p:nvSpPr>
-        <p:spPr>
-          <a:xfrm>
-            <a:off x="0" y="0"/>
-            <a:ext cx="12192000" cy="6858000"/>
-          </a:xfrm>
-          <a:prstGeom prst="rect">
-            <a:avLst/>
-          </a:prstGeom>
-          <a:solidFill>
-            <a:schemeClr val="bg1"/>
-          </a:solidFill>
-          <a:ln>
-            <a:noFill/>
-          </a:ln>
-        </p:spPr>
-        <p:style>
-          <a:lnRef idx="2">
-            <a:schemeClr val="accent1">
-              <a:shade val="50000"/>
-            </a:schemeClr>
-          </a:lnRef>
-          <a:fillRef idx="1">
-            <a:schemeClr val="accent1"/>
-          </a:fillRef>
-          <a:effectRef idx="0">
-            <a:schemeClr val="accent1"/>
-          </a:effectRef>
-          <a:fontRef idx="minor">
-            <a:schemeClr val="lt1"/>
-          </a:fontRef>
-        </p:style>
-        <p:txBody>
-          <a:bodyPr rtlCol="0" anchor="ctr"/>
-          <a:lstStyle/>
-          <a:p>
-            <a:pPr algn="ctr"/>
-            <a:endParaRPr lang="en-US"/>
-          </a:p>
-        </p:txBody>
-      </p:sp>
-      <p:sp>
-        <p:nvSpPr>
-          <p:cNvPr id="38" name="TextBox 37">
-            <a:extLst>
-              <a:ext uri="{FF2B5EF4-FFF2-40B4-BE49-F238E27FC236}">
-                <a16:creationId xmlns:a16="http://schemas.microsoft.com/office/drawing/2014/main" id="{91D2CAB9-EF2E-4B5B-B20A-806B6DD60F42}"/>
-              </a:ext>
-            </a:extLst>
-          </p:cNvPr>
-          <p:cNvSpPr txBox="1"/>
-          <p:nvPr/>
-        </p:nvSpPr>
-        <p:spPr>
-          <a:xfrm>
-            <a:off x="0" y="250222"/>
-            <a:ext cx="12192000" cy="523220"/>
-          </a:xfrm>
-          <a:prstGeom prst="rect">
-            <a:avLst/>
-          </a:prstGeom>
-          <a:noFill/>
-        </p:spPr>
-        <p:txBody>
-          <a:bodyPr wrap="square" rtlCol="0">
-            <a:spAutoFit/>
-          </a:bodyPr>
-          <a:lstStyle/>
-          <a:p>
-            <a:pPr algn="ctr"/>
-            <a:r>
-              <a:rPr lang="en-US" sz="2800" dirty="0">
-                <a:solidFill>
-                  <a:schemeClr val="accent6">
-                    <a:lumMod val="75000"/>
-                  </a:schemeClr>
-                </a:solidFill>
-              </a:rPr>
-              <a:t>AABB/Circle Collisions</a:t>
-            </a:r>
-          </a:p>
-        </p:txBody>
-      </p:sp>
-      <p:grpSp>
-        <p:nvGrpSpPr>
-          <p:cNvPr id="49" name="Group 48">
-            <a:extLst>
-              <a:ext uri="{FF2B5EF4-FFF2-40B4-BE49-F238E27FC236}">
-                <a16:creationId xmlns:a16="http://schemas.microsoft.com/office/drawing/2014/main" id="{B8CE06AF-2806-4107-95D9-AAC286CC343B}"/>
-              </a:ext>
-            </a:extLst>
-          </p:cNvPr>
-          <p:cNvGrpSpPr/>
-          <p:nvPr/>
-        </p:nvGrpSpPr>
-        <p:grpSpPr>
-          <a:xfrm>
-            <a:off x="3766877" y="629685"/>
-            <a:ext cx="4498072" cy="297874"/>
-            <a:chOff x="3971469" y="624781"/>
-            <a:chExt cx="4498072" cy="297874"/>
-          </a:xfrm>
-        </p:grpSpPr>
-        <p:cxnSp>
-          <p:nvCxnSpPr>
-            <p:cNvPr id="40" name="Straight Connector 39">
-              <a:extLst>
-                <a:ext uri="{FF2B5EF4-FFF2-40B4-BE49-F238E27FC236}">
-                  <a16:creationId xmlns:a16="http://schemas.microsoft.com/office/drawing/2014/main" id="{D6E0AC31-61D0-4CE2-AA3B-3C6978E8704A}"/>
-                </a:ext>
-              </a:extLst>
-            </p:cNvPr>
-            <p:cNvCxnSpPr/>
-            <p:nvPr/>
-          </p:nvCxnSpPr>
-          <p:spPr>
-            <a:xfrm>
-              <a:off x="5170031" y="773442"/>
-              <a:ext cx="2057400" cy="0"/>
-            </a:xfrm>
-            <a:prstGeom prst="line">
-              <a:avLst/>
-            </a:prstGeom>
-            <a:ln cap="rnd"/>
-          </p:spPr>
-          <p:style>
-            <a:lnRef idx="3">
-              <a:schemeClr val="accent6"/>
-            </a:lnRef>
-            <a:fillRef idx="0">
-              <a:schemeClr val="accent6"/>
-            </a:fillRef>
-            <a:effectRef idx="2">
-              <a:schemeClr val="accent6"/>
-            </a:effectRef>
-            <a:fontRef idx="minor">
-              <a:schemeClr val="tx1"/>
-            </a:fontRef>
-          </p:style>
-        </p:cxnSp>
-        <p:cxnSp>
-          <p:nvCxnSpPr>
-            <p:cNvPr id="41" name="Straight Connector 40">
-              <a:extLst>
-                <a:ext uri="{FF2B5EF4-FFF2-40B4-BE49-F238E27FC236}">
-                  <a16:creationId xmlns:a16="http://schemas.microsoft.com/office/drawing/2014/main" id="{B388F3BF-FB37-4435-8519-443F06647178}"/>
-                </a:ext>
-              </a:extLst>
-            </p:cNvPr>
-            <p:cNvCxnSpPr>
-              <a:cxnSpLocks/>
-            </p:cNvCxnSpPr>
-            <p:nvPr/>
-          </p:nvCxnSpPr>
-          <p:spPr>
-            <a:xfrm>
-              <a:off x="7349270" y="697242"/>
-              <a:ext cx="1027511" cy="0"/>
-            </a:xfrm>
-            <a:prstGeom prst="line">
-              <a:avLst/>
-            </a:prstGeom>
-            <a:ln cap="rnd"/>
-          </p:spPr>
-          <p:style>
-            <a:lnRef idx="3">
-              <a:schemeClr val="accent6"/>
-            </a:lnRef>
-            <a:fillRef idx="0">
-              <a:schemeClr val="accent6"/>
-            </a:fillRef>
-            <a:effectRef idx="2">
-              <a:schemeClr val="accent6"/>
-            </a:effectRef>
-            <a:fontRef idx="minor">
-              <a:schemeClr val="tx1"/>
-            </a:fontRef>
-          </p:style>
-        </p:cxnSp>
-        <p:cxnSp>
-          <p:nvCxnSpPr>
-            <p:cNvPr id="43" name="Straight Connector 42">
-              <a:extLst>
-                <a:ext uri="{FF2B5EF4-FFF2-40B4-BE49-F238E27FC236}">
-                  <a16:creationId xmlns:a16="http://schemas.microsoft.com/office/drawing/2014/main" id="{EC5F7052-9710-4CD3-8A81-EEE0E9A7244C}"/>
-                </a:ext>
-              </a:extLst>
-            </p:cNvPr>
-            <p:cNvCxnSpPr>
-              <a:cxnSpLocks/>
-            </p:cNvCxnSpPr>
-            <p:nvPr/>
-          </p:nvCxnSpPr>
-          <p:spPr>
-            <a:xfrm flipV="1">
-              <a:off x="7227431" y="697242"/>
-              <a:ext cx="121839" cy="76200"/>
-            </a:xfrm>
-            <a:prstGeom prst="line">
-              <a:avLst/>
-            </a:prstGeom>
-            <a:ln cap="rnd"/>
-          </p:spPr>
-          <p:style>
-            <a:lnRef idx="3">
-              <a:schemeClr val="accent6"/>
-            </a:lnRef>
-            <a:fillRef idx="0">
-              <a:schemeClr val="accent6"/>
-            </a:fillRef>
-            <a:effectRef idx="2">
-              <a:schemeClr val="accent6"/>
-            </a:effectRef>
-            <a:fontRef idx="minor">
-              <a:schemeClr val="tx1"/>
-            </a:fontRef>
-          </p:style>
-        </p:cxnSp>
-        <p:cxnSp>
-          <p:nvCxnSpPr>
-            <p:cNvPr id="46" name="Straight Connector 45">
-              <a:extLst>
-                <a:ext uri="{FF2B5EF4-FFF2-40B4-BE49-F238E27FC236}">
-                  <a16:creationId xmlns:a16="http://schemas.microsoft.com/office/drawing/2014/main" id="{C86B609C-3E9D-4EA1-9D7B-7AD108C8C57B}"/>
-                </a:ext>
-              </a:extLst>
-            </p:cNvPr>
-            <p:cNvCxnSpPr>
-              <a:cxnSpLocks/>
-            </p:cNvCxnSpPr>
-            <p:nvPr/>
-          </p:nvCxnSpPr>
-          <p:spPr>
-            <a:xfrm flipV="1">
-              <a:off x="5048192" y="773442"/>
-              <a:ext cx="121839" cy="76200"/>
-            </a:xfrm>
-            <a:prstGeom prst="line">
-              <a:avLst/>
-            </a:prstGeom>
-            <a:ln cap="rnd"/>
-          </p:spPr>
-          <p:style>
-            <a:lnRef idx="3">
-              <a:schemeClr val="accent6"/>
-            </a:lnRef>
-            <a:fillRef idx="0">
-              <a:schemeClr val="accent6"/>
-            </a:fillRef>
-            <a:effectRef idx="2">
-              <a:schemeClr val="accent6"/>
-            </a:effectRef>
-            <a:fontRef idx="minor">
-              <a:schemeClr val="tx1"/>
-            </a:fontRef>
-          </p:style>
-        </p:cxnSp>
-        <p:cxnSp>
-          <p:nvCxnSpPr>
-            <p:cNvPr id="47" name="Straight Connector 46">
-              <a:extLst>
-                <a:ext uri="{FF2B5EF4-FFF2-40B4-BE49-F238E27FC236}">
-                  <a16:creationId xmlns:a16="http://schemas.microsoft.com/office/drawing/2014/main" id="{0D690C07-0109-4CEC-B0CC-434EED608911}"/>
-                </a:ext>
-              </a:extLst>
-            </p:cNvPr>
-            <p:cNvCxnSpPr>
-              <a:cxnSpLocks/>
-            </p:cNvCxnSpPr>
-            <p:nvPr/>
-          </p:nvCxnSpPr>
-          <p:spPr>
-            <a:xfrm flipV="1">
-              <a:off x="4021655" y="849642"/>
-              <a:ext cx="1026537" cy="11668"/>
-            </a:xfrm>
-            <a:prstGeom prst="line">
-              <a:avLst/>
-            </a:prstGeom>
-            <a:ln cap="rnd"/>
-          </p:spPr>
-          <p:style>
-            <a:lnRef idx="3">
-              <a:schemeClr val="accent6"/>
-            </a:lnRef>
-            <a:fillRef idx="0">
-              <a:schemeClr val="accent6"/>
-            </a:fillRef>
-            <a:effectRef idx="2">
-              <a:schemeClr val="accent6"/>
-            </a:effectRef>
-            <a:fontRef idx="minor">
-              <a:schemeClr val="tx1"/>
-            </a:fontRef>
-          </p:style>
-        </p:cxnSp>
-        <p:sp>
-          <p:nvSpPr>
-            <p:cNvPr id="50" name="Oval 49">
-              <a:extLst>
-                <a:ext uri="{FF2B5EF4-FFF2-40B4-BE49-F238E27FC236}">
-                  <a16:creationId xmlns:a16="http://schemas.microsoft.com/office/drawing/2014/main" id="{EEA3A56A-D77B-4804-9467-3C2325189A39}"/>
-                </a:ext>
-              </a:extLst>
-            </p:cNvPr>
-            <p:cNvSpPr/>
-            <p:nvPr/>
-          </p:nvSpPr>
-          <p:spPr>
-            <a:xfrm>
-              <a:off x="3971469" y="789305"/>
-              <a:ext cx="133350" cy="133350"/>
-            </a:xfrm>
-            <a:prstGeom prst="ellipse">
-              <a:avLst/>
-            </a:prstGeom>
-          </p:spPr>
-          <p:style>
-            <a:lnRef idx="2">
-              <a:schemeClr val="accent6"/>
-            </a:lnRef>
-            <a:fillRef idx="1">
-              <a:schemeClr val="lt1"/>
-            </a:fillRef>
-            <a:effectRef idx="0">
-              <a:schemeClr val="accent6"/>
-            </a:effectRef>
-            <a:fontRef idx="minor">
-              <a:schemeClr val="dk1"/>
-            </a:fontRef>
-          </p:style>
-          <p:txBody>
-            <a:bodyPr rtlCol="0" anchor="ctr"/>
-            <a:lstStyle/>
-            <a:p>
-              <a:pPr algn="ctr"/>
-              <a:endParaRPr lang="en-US" i="1" dirty="0"/>
-            </a:p>
-          </p:txBody>
-        </p:sp>
-        <p:sp>
-          <p:nvSpPr>
-            <p:cNvPr id="51" name="Oval 50">
-              <a:extLst>
-                <a:ext uri="{FF2B5EF4-FFF2-40B4-BE49-F238E27FC236}">
-                  <a16:creationId xmlns:a16="http://schemas.microsoft.com/office/drawing/2014/main" id="{488A40C9-3C11-477D-B0FB-19648893F367}"/>
-                </a:ext>
-              </a:extLst>
-            </p:cNvPr>
-            <p:cNvSpPr/>
-            <p:nvPr/>
-          </p:nvSpPr>
-          <p:spPr>
-            <a:xfrm>
-              <a:off x="8336191" y="624781"/>
-              <a:ext cx="133350" cy="133350"/>
-            </a:xfrm>
-            <a:prstGeom prst="ellipse">
-              <a:avLst/>
-            </a:prstGeom>
-          </p:spPr>
-          <p:style>
-            <a:lnRef idx="2">
-              <a:schemeClr val="accent6"/>
-            </a:lnRef>
-            <a:fillRef idx="1">
-              <a:schemeClr val="lt1"/>
-            </a:fillRef>
-            <a:effectRef idx="0">
-              <a:schemeClr val="accent6"/>
-            </a:effectRef>
-            <a:fontRef idx="minor">
-              <a:schemeClr val="dk1"/>
-            </a:fontRef>
-          </p:style>
-          <p:txBody>
-            <a:bodyPr rtlCol="0" anchor="ctr"/>
-            <a:lstStyle/>
-            <a:p>
-              <a:pPr algn="ctr"/>
-              <a:endParaRPr lang="en-US" i="1" dirty="0"/>
-            </a:p>
-          </p:txBody>
-        </p:sp>
-      </p:grpSp>
-      <p:cxnSp>
-        <p:nvCxnSpPr>
-          <p:cNvPr id="71" name="Straight Connector 70">
-            <a:extLst>
-              <a:ext uri="{FF2B5EF4-FFF2-40B4-BE49-F238E27FC236}">
-                <a16:creationId xmlns:a16="http://schemas.microsoft.com/office/drawing/2014/main" id="{108C9F26-696D-4DEF-8C6D-710F8FF8B0D5}"/>
-              </a:ext>
-            </a:extLst>
-          </p:cNvPr>
-          <p:cNvCxnSpPr>
-            <a:cxnSpLocks/>
-          </p:cNvCxnSpPr>
-          <p:nvPr/>
-        </p:nvCxnSpPr>
-        <p:spPr>
-          <a:xfrm>
-            <a:off x="533048" y="1597433"/>
-            <a:ext cx="2978502" cy="18150"/>
-          </a:xfrm>
-          <a:prstGeom prst="line">
-            <a:avLst/>
-          </a:prstGeom>
-          <a:ln cap="rnd"/>
-        </p:spPr>
-        <p:style>
-          <a:lnRef idx="3">
-            <a:schemeClr val="accent6"/>
-          </a:lnRef>
-          <a:fillRef idx="0">
-            <a:schemeClr val="accent6"/>
-          </a:fillRef>
-          <a:effectRef idx="2">
-            <a:schemeClr val="accent6"/>
-          </a:effectRef>
-          <a:fontRef idx="minor">
-            <a:schemeClr val="tx1"/>
-          </a:fontRef>
-        </p:style>
-      </p:cxnSp>
-      <p:sp>
-        <p:nvSpPr>
-          <p:cNvPr id="72" name="Oval 71">
-            <a:extLst>
-              <a:ext uri="{FF2B5EF4-FFF2-40B4-BE49-F238E27FC236}">
-                <a16:creationId xmlns:a16="http://schemas.microsoft.com/office/drawing/2014/main" id="{03AFFEFA-1269-4227-9954-49A160078C50}"/>
-              </a:ext>
-            </a:extLst>
-          </p:cNvPr>
-          <p:cNvSpPr/>
-          <p:nvPr/>
-        </p:nvSpPr>
-        <p:spPr>
-          <a:xfrm>
-            <a:off x="3463924" y="1548565"/>
-            <a:ext cx="133350" cy="133350"/>
-          </a:xfrm>
-          <a:prstGeom prst="ellipse">
-            <a:avLst/>
-          </a:prstGeom>
-        </p:spPr>
-        <p:style>
-          <a:lnRef idx="2">
-            <a:schemeClr val="accent6"/>
-          </a:lnRef>
-          <a:fillRef idx="1">
-            <a:schemeClr val="lt1"/>
-          </a:fillRef>
-          <a:effectRef idx="0">
-            <a:schemeClr val="accent6"/>
-          </a:effectRef>
-          <a:fontRef idx="minor">
-            <a:schemeClr val="dk1"/>
-          </a:fontRef>
-        </p:style>
-        <p:txBody>
-          <a:bodyPr rtlCol="0" anchor="ctr"/>
-          <a:lstStyle/>
-          <a:p>
-            <a:pPr algn="ctr"/>
-            <a:endParaRPr lang="en-US"/>
-          </a:p>
-        </p:txBody>
-      </p:sp>
-      <p:sp>
-        <p:nvSpPr>
-          <p:cNvPr id="73" name="TextBox 72">
-            <a:extLst>
-              <a:ext uri="{FF2B5EF4-FFF2-40B4-BE49-F238E27FC236}">
-                <a16:creationId xmlns:a16="http://schemas.microsoft.com/office/drawing/2014/main" id="{F7F5DB62-664D-4058-818D-A3333720B734}"/>
-              </a:ext>
-            </a:extLst>
-          </p:cNvPr>
-          <p:cNvSpPr txBox="1"/>
-          <p:nvPr/>
-        </p:nvSpPr>
-        <p:spPr>
-          <a:xfrm>
-            <a:off x="447324" y="1209049"/>
-            <a:ext cx="1268489" cy="369332"/>
-          </a:xfrm>
-          <a:prstGeom prst="rect">
-            <a:avLst/>
-          </a:prstGeom>
-          <a:noFill/>
-        </p:spPr>
-        <p:txBody>
-          <a:bodyPr wrap="none" rtlCol="0">
-            <a:spAutoFit/>
-          </a:bodyPr>
-          <a:lstStyle/>
-          <a:p>
-            <a:r>
-              <a:rPr lang="en-US" dirty="0">
-                <a:solidFill>
-                  <a:schemeClr val="accent6">
-                    <a:lumMod val="75000"/>
-                  </a:schemeClr>
-                </a:solidFill>
-              </a:rPr>
-              <a:t>Possibilities</a:t>
-            </a:r>
-          </a:p>
-        </p:txBody>
-      </p:sp>
-      <p:sp>
-        <p:nvSpPr>
-          <p:cNvPr id="74" name="TextBox 73">
-            <a:extLst>
-              <a:ext uri="{FF2B5EF4-FFF2-40B4-BE49-F238E27FC236}">
-                <a16:creationId xmlns:a16="http://schemas.microsoft.com/office/drawing/2014/main" id="{244AAA45-05E8-46E4-BCB9-018F1BA0CEBA}"/>
-              </a:ext>
-            </a:extLst>
-          </p:cNvPr>
-          <p:cNvSpPr txBox="1"/>
-          <p:nvPr/>
-        </p:nvSpPr>
-        <p:spPr>
-          <a:xfrm>
-            <a:off x="444897" y="1766969"/>
-            <a:ext cx="3372166" cy="2139047"/>
-          </a:xfrm>
-          <a:prstGeom prst="rect">
-            <a:avLst/>
-          </a:prstGeom>
-          <a:noFill/>
-        </p:spPr>
-        <p:txBody>
-          <a:bodyPr wrap="square" rtlCol="0">
-            <a:spAutoFit/>
-          </a:bodyPr>
-          <a:lstStyle/>
-          <a:p>
-            <a:pPr>
-              <a:spcAft>
-                <a:spcPts val="600"/>
-              </a:spcAft>
-            </a:pPr>
-            <a:r>
-              <a:rPr lang="en-US" dirty="0"/>
-              <a:t>Four possible situations:</a:t>
-            </a:r>
-          </a:p>
-          <a:p>
-            <a:pPr marL="342900" indent="-342900">
-              <a:spcAft>
-                <a:spcPts val="600"/>
-              </a:spcAft>
-              <a:buFont typeface="+mj-lt"/>
-              <a:buAutoNum type="arabicPeriod"/>
-            </a:pPr>
-            <a:r>
-              <a:rPr lang="en-US" dirty="0"/>
-              <a:t>Circle entirely in AABB</a:t>
-            </a:r>
-          </a:p>
-          <a:p>
-            <a:pPr marL="342900" indent="-342900">
-              <a:spcAft>
-                <a:spcPts val="600"/>
-              </a:spcAft>
-              <a:buFont typeface="+mj-lt"/>
-              <a:buAutoNum type="arabicPeriod"/>
-            </a:pPr>
-            <a:r>
-              <a:rPr lang="en-US" dirty="0"/>
-              <a:t>AABB entirely in Circle</a:t>
-            </a:r>
-          </a:p>
-          <a:p>
-            <a:pPr marL="342900" indent="-342900">
-              <a:spcAft>
-                <a:spcPts val="600"/>
-              </a:spcAft>
-              <a:buFont typeface="+mj-lt"/>
-              <a:buAutoNum type="arabicPeriod"/>
-            </a:pPr>
-            <a:r>
-              <a:rPr lang="en-US" dirty="0"/>
-              <a:t>AABB corner in Circle</a:t>
-            </a:r>
-          </a:p>
-          <a:p>
-            <a:pPr marL="342900" indent="-342900">
-              <a:spcAft>
-                <a:spcPts val="600"/>
-              </a:spcAft>
-              <a:buFont typeface="+mj-lt"/>
-              <a:buAutoNum type="arabicPeriod"/>
-            </a:pPr>
-            <a:r>
-              <a:rPr lang="en-US"/>
-              <a:t>Circle overlaps AABB Edge</a:t>
-            </a:r>
-            <a:endParaRPr lang="en-US" dirty="0"/>
-          </a:p>
-          <a:p>
-            <a:pPr marL="342900" indent="-342900">
-              <a:spcAft>
-                <a:spcPts val="600"/>
-              </a:spcAft>
-              <a:buFont typeface="+mj-lt"/>
-              <a:buAutoNum type="arabicPeriod"/>
-            </a:pPr>
-            <a:r>
-              <a:rPr lang="en-US" dirty="0"/>
-              <a:t>No intersection</a:t>
-            </a:r>
-          </a:p>
-        </p:txBody>
-      </p:sp>
-      <mc:AlternateContent xmlns:mc="http://schemas.openxmlformats.org/markup-compatibility/2006" xmlns:a14="http://schemas.microsoft.com/office/drawing/2010/main">
-        <mc:Choice Requires="a14">
-          <p:sp>
-            <p:nvSpPr>
-              <p:cNvPr id="12" name="TextBox 11">
-                <a:extLst>
-                  <a:ext uri="{FF2B5EF4-FFF2-40B4-BE49-F238E27FC236}">
-                    <a16:creationId xmlns:a16="http://schemas.microsoft.com/office/drawing/2014/main" id="{3B848218-A21D-4A4B-A6F1-AF6133DA73CB}"/>
-                  </a:ext>
-                </a:extLst>
-              </p:cNvPr>
-              <p:cNvSpPr txBox="1"/>
-              <p:nvPr/>
-            </p:nvSpPr>
-            <p:spPr>
-              <a:xfrm>
-                <a:off x="486787" y="4286175"/>
-                <a:ext cx="2977137" cy="1754326"/>
-              </a:xfrm>
-              <a:prstGeom prst="rect">
-                <a:avLst/>
-              </a:prstGeom>
-              <a:noFill/>
-            </p:spPr>
-            <p:txBody>
-              <a:bodyPr wrap="square" rtlCol="0">
-                <a:spAutoFit/>
-              </a:bodyPr>
-              <a:lstStyle/>
-              <a:p>
-                <a:r>
-                  <a:rPr lang="en-US" dirty="0"/>
-                  <a:t>Find the point </a:t>
-                </a:r>
-                <a14:m>
-                  <m:oMath xmlns:m="http://schemas.openxmlformats.org/officeDocument/2006/math">
-                    <m:d>
-                      <m:dPr>
-                        <m:ctrlPr>
-                          <a:rPr lang="en-US" i="1">
-                            <a:latin typeface="Cambria Math" panose="02040503050406030204" pitchFamily="18" charset="0"/>
-                          </a:rPr>
-                        </m:ctrlPr>
-                      </m:dPr>
-                      <m:e>
-                        <m:r>
-                          <a:rPr lang="en-US" i="1">
-                            <a:latin typeface="Cambria Math" panose="02040503050406030204" pitchFamily="18" charset="0"/>
-                          </a:rPr>
-                          <m:t>𝑟𝑥</m:t>
-                        </m:r>
-                        <m:r>
-                          <a:rPr lang="en-US" i="1">
-                            <a:latin typeface="Cambria Math" panose="02040503050406030204" pitchFamily="18" charset="0"/>
-                          </a:rPr>
-                          <m:t>,</m:t>
-                        </m:r>
-                        <m:r>
-                          <a:rPr lang="en-US" i="1">
-                            <a:latin typeface="Cambria Math" panose="02040503050406030204" pitchFamily="18" charset="0"/>
-                          </a:rPr>
-                          <m:t>𝑟𝑦</m:t>
-                        </m:r>
-                      </m:e>
-                    </m:d>
-                  </m:oMath>
-                </a14:m>
-                <a:r>
-                  <a:rPr lang="en-US" dirty="0"/>
-                  <a:t> on the AABB closest to the circle center </a:t>
-                </a:r>
-                <a14:m>
-                  <m:oMath xmlns:m="http://schemas.openxmlformats.org/officeDocument/2006/math">
-                    <m:r>
-                      <a:rPr lang="en-US" b="0" i="1" smtClean="0">
-                        <a:latin typeface="Cambria Math" panose="02040503050406030204" pitchFamily="18" charset="0"/>
-                      </a:rPr>
-                      <m:t>(</m:t>
-                    </m:r>
-                    <m:r>
-                      <a:rPr lang="en-US" b="0" i="1" smtClean="0">
-                        <a:latin typeface="Cambria Math" panose="02040503050406030204" pitchFamily="18" charset="0"/>
-                      </a:rPr>
-                      <m:t>𝑐𝑥</m:t>
-                    </m:r>
-                    <m:r>
-                      <a:rPr lang="en-US" b="0" i="1" smtClean="0">
-                        <a:latin typeface="Cambria Math" panose="02040503050406030204" pitchFamily="18" charset="0"/>
-                      </a:rPr>
-                      <m:t>,</m:t>
-                    </m:r>
-                    <m:r>
-                      <a:rPr lang="en-US" b="0" i="1" smtClean="0">
-                        <a:latin typeface="Cambria Math" panose="02040503050406030204" pitchFamily="18" charset="0"/>
-                      </a:rPr>
-                      <m:t>𝑐𝑦</m:t>
-                    </m:r>
-                    <m:r>
-                      <a:rPr lang="en-US" b="0" i="1" smtClean="0">
-                        <a:latin typeface="Cambria Math" panose="02040503050406030204" pitchFamily="18" charset="0"/>
-                      </a:rPr>
-                      <m:t>)</m:t>
-                    </m:r>
-                  </m:oMath>
-                </a14:m>
-                <a:r>
-                  <a:rPr lang="en-US" dirty="0"/>
-                  <a:t>. </a:t>
-                </a:r>
-                <a14:m>
-                  <m:oMath xmlns:m="http://schemas.openxmlformats.org/officeDocument/2006/math">
-                    <m:r>
-                      <a:rPr lang="en-US" b="0" i="1" dirty="0" smtClean="0">
-                        <a:latin typeface="Cambria Math" panose="02040503050406030204" pitchFamily="18" charset="0"/>
-                      </a:rPr>
-                      <m:t>𝐼𝐹𝐹</m:t>
-                    </m:r>
-                  </m:oMath>
-                </a14:m>
-                <a:r>
-                  <a:rPr lang="en-US" dirty="0"/>
-                  <a:t> the distance is less than the radius, they are in collision.</a:t>
-                </a:r>
-              </a:p>
-              <a:p>
-                <a:endParaRPr lang="en-US" dirty="0"/>
-              </a:p>
-            </p:txBody>
-          </p:sp>
-        </mc:Choice>
-        <mc:Fallback xmlns="">
-          <p:sp>
-            <p:nvSpPr>
-              <p:cNvPr id="12" name="TextBox 11">
-                <a:extLst>
-                  <a:ext uri="{FF2B5EF4-FFF2-40B4-BE49-F238E27FC236}">
-                    <a16:creationId xmlns:a16="http://schemas.microsoft.com/office/drawing/2014/main" id="{3B848218-A21D-4A4B-A6F1-AF6133DA73CB}"/>
-                  </a:ext>
-                </a:extLst>
-              </p:cNvPr>
-              <p:cNvSpPr txBox="1">
-                <a:spLocks noRot="1" noChangeAspect="1" noMove="1" noResize="1" noEditPoints="1" noAdjustHandles="1" noChangeArrowheads="1" noChangeShapeType="1" noTextEdit="1"/>
-              </p:cNvSpPr>
-              <p:nvPr/>
-            </p:nvSpPr>
-            <p:spPr>
-              <a:xfrm>
-                <a:off x="486787" y="4286175"/>
-                <a:ext cx="2977137" cy="1754326"/>
-              </a:xfrm>
-              <a:prstGeom prst="rect">
-                <a:avLst/>
-              </a:prstGeom>
-              <a:blipFill>
-                <a:blip r:embed="rId2"/>
-                <a:stretch>
-                  <a:fillRect l="-1844" t="-1736" r="-2664"/>
-                </a:stretch>
-              </a:blipFill>
-            </p:spPr>
-            <p:txBody>
-              <a:bodyPr/>
-              <a:lstStyle/>
-              <a:p>
-                <a:r>
-                  <a:rPr lang="en-US">
-                    <a:noFill/>
-                  </a:rPr>
-                  <a:t> </a:t>
-                </a:r>
-              </a:p>
-            </p:txBody>
-          </p:sp>
-        </mc:Fallback>
-      </mc:AlternateContent>
-      <p:cxnSp>
-        <p:nvCxnSpPr>
-          <p:cNvPr id="62" name="Straight Connector 61">
-            <a:extLst>
-              <a:ext uri="{FF2B5EF4-FFF2-40B4-BE49-F238E27FC236}">
-                <a16:creationId xmlns:a16="http://schemas.microsoft.com/office/drawing/2014/main" id="{37E1D4B2-E8C6-4F45-B4F6-952FD0AAEAAB}"/>
-              </a:ext>
-            </a:extLst>
-          </p:cNvPr>
-          <p:cNvCxnSpPr>
-            <a:cxnSpLocks/>
-          </p:cNvCxnSpPr>
-          <p:nvPr/>
-        </p:nvCxnSpPr>
-        <p:spPr>
-          <a:xfrm>
-            <a:off x="485422" y="4192653"/>
-            <a:ext cx="2978502" cy="18150"/>
-          </a:xfrm>
-          <a:prstGeom prst="line">
-            <a:avLst/>
-          </a:prstGeom>
-          <a:ln cap="rnd"/>
-        </p:spPr>
-        <p:style>
-          <a:lnRef idx="3">
-            <a:schemeClr val="accent6"/>
-          </a:lnRef>
-          <a:fillRef idx="0">
-            <a:schemeClr val="accent6"/>
-          </a:fillRef>
-          <a:effectRef idx="2">
-            <a:schemeClr val="accent6"/>
-          </a:effectRef>
-          <a:fontRef idx="minor">
-            <a:schemeClr val="tx1"/>
-          </a:fontRef>
-        </p:style>
-      </p:cxnSp>
-      <p:sp>
-        <p:nvSpPr>
-          <p:cNvPr id="63" name="TextBox 62">
-            <a:extLst>
-              <a:ext uri="{FF2B5EF4-FFF2-40B4-BE49-F238E27FC236}">
-                <a16:creationId xmlns:a16="http://schemas.microsoft.com/office/drawing/2014/main" id="{FD14B7E7-3A70-49B9-BB09-690C0AD0D214}"/>
-              </a:ext>
-            </a:extLst>
-          </p:cNvPr>
-          <p:cNvSpPr txBox="1"/>
-          <p:nvPr/>
-        </p:nvSpPr>
-        <p:spPr>
-          <a:xfrm>
-            <a:off x="1317695" y="3796474"/>
-            <a:ext cx="2146229" cy="369332"/>
-          </a:xfrm>
-          <a:prstGeom prst="rect">
-            <a:avLst/>
-          </a:prstGeom>
-          <a:noFill/>
-        </p:spPr>
-        <p:txBody>
-          <a:bodyPr wrap="none" rtlCol="0">
-            <a:spAutoFit/>
-          </a:bodyPr>
-          <a:lstStyle/>
-          <a:p>
-            <a:pPr algn="r"/>
-            <a:r>
-              <a:rPr lang="en-US" dirty="0">
-                <a:solidFill>
-                  <a:schemeClr val="accent6">
-                    <a:lumMod val="75000"/>
-                  </a:schemeClr>
-                </a:solidFill>
-              </a:rPr>
-              <a:t>Calculating Collisions</a:t>
-            </a:r>
-          </a:p>
-        </p:txBody>
-      </p:sp>
-      <p:sp>
-        <p:nvSpPr>
-          <p:cNvPr id="64" name="Oval 63">
-            <a:extLst>
-              <a:ext uri="{FF2B5EF4-FFF2-40B4-BE49-F238E27FC236}">
-                <a16:creationId xmlns:a16="http://schemas.microsoft.com/office/drawing/2014/main" id="{B9FF2606-C243-4E53-81BF-17DA33308F28}"/>
-              </a:ext>
-            </a:extLst>
-          </p:cNvPr>
-          <p:cNvSpPr/>
-          <p:nvPr/>
-        </p:nvSpPr>
-        <p:spPr>
-          <a:xfrm>
-            <a:off x="3461955" y="4138920"/>
-            <a:ext cx="133350" cy="133350"/>
-          </a:xfrm>
-          <a:prstGeom prst="ellipse">
-            <a:avLst/>
-          </a:prstGeom>
-        </p:spPr>
-        <p:style>
-          <a:lnRef idx="2">
-            <a:schemeClr val="accent6"/>
-          </a:lnRef>
-          <a:fillRef idx="1">
-            <a:schemeClr val="lt1"/>
-          </a:fillRef>
-          <a:effectRef idx="0">
-            <a:schemeClr val="accent6"/>
-          </a:effectRef>
-          <a:fontRef idx="minor">
-            <a:schemeClr val="dk1"/>
-          </a:fontRef>
-        </p:style>
-        <p:txBody>
-          <a:bodyPr rtlCol="0" anchor="ctr"/>
-          <a:lstStyle/>
-          <a:p>
-            <a:pPr algn="ctr"/>
-            <a:endParaRPr lang="en-US"/>
-          </a:p>
-        </p:txBody>
-      </p:sp>
-      <p:sp>
-        <p:nvSpPr>
-          <p:cNvPr id="2" name="Rectangle 1">
-            <a:extLst>
-              <a:ext uri="{FF2B5EF4-FFF2-40B4-BE49-F238E27FC236}">
-                <a16:creationId xmlns:a16="http://schemas.microsoft.com/office/drawing/2014/main" id="{76A0E81D-AB2E-45D1-A39B-BFE2CFB197C6}"/>
-              </a:ext>
-            </a:extLst>
-          </p:cNvPr>
-          <p:cNvSpPr/>
-          <p:nvPr/>
-        </p:nvSpPr>
-        <p:spPr>
-          <a:xfrm>
-            <a:off x="5349840" y="2192567"/>
-            <a:ext cx="1497626" cy="2003148"/>
-          </a:xfrm>
-          <a:prstGeom prst="rect">
-            <a:avLst/>
-          </a:prstGeom>
-          <a:noFill/>
-          <a:ln w="19050">
-            <a:solidFill>
-              <a:schemeClr val="accent6">
-                <a:lumMod val="75000"/>
-              </a:schemeClr>
-            </a:solidFill>
-          </a:ln>
-        </p:spPr>
-        <p:style>
-          <a:lnRef idx="2">
-            <a:schemeClr val="accent6"/>
-          </a:lnRef>
-          <a:fillRef idx="1">
-            <a:schemeClr val="lt1"/>
-          </a:fillRef>
-          <a:effectRef idx="0">
-            <a:schemeClr val="accent6"/>
-          </a:effectRef>
-          <a:fontRef idx="minor">
-            <a:schemeClr val="dk1"/>
-          </a:fontRef>
-        </p:style>
-        <p:txBody>
-          <a:bodyPr rtlCol="0" anchor="ctr"/>
-          <a:lstStyle/>
-          <a:p>
-            <a:pPr algn="ctr"/>
-            <a:endParaRPr lang="en-US"/>
-          </a:p>
-        </p:txBody>
-      </p:sp>
-      <p:sp>
-        <p:nvSpPr>
-          <p:cNvPr id="3" name="Oval 2">
-            <a:extLst>
-              <a:ext uri="{FF2B5EF4-FFF2-40B4-BE49-F238E27FC236}">
-                <a16:creationId xmlns:a16="http://schemas.microsoft.com/office/drawing/2014/main" id="{F0325FBE-ED2F-4E74-9E13-59068552FE7E}"/>
-              </a:ext>
-            </a:extLst>
-          </p:cNvPr>
-          <p:cNvSpPr/>
-          <p:nvPr/>
-        </p:nvSpPr>
-        <p:spPr>
-          <a:xfrm>
-            <a:off x="5589584" y="2692635"/>
-            <a:ext cx="901759" cy="901759"/>
-          </a:xfrm>
-          <a:prstGeom prst="ellipse">
-            <a:avLst/>
-          </a:prstGeom>
-          <a:noFill/>
-        </p:spPr>
-        <p:style>
-          <a:lnRef idx="2">
-            <a:schemeClr val="accent6"/>
-          </a:lnRef>
-          <a:fillRef idx="1">
-            <a:schemeClr val="lt1"/>
-          </a:fillRef>
-          <a:effectRef idx="0">
-            <a:schemeClr val="accent6"/>
-          </a:effectRef>
-          <a:fontRef idx="minor">
-            <a:schemeClr val="dk1"/>
-          </a:fontRef>
-        </p:style>
-        <p:txBody>
-          <a:bodyPr rtlCol="0" anchor="ctr"/>
-          <a:lstStyle/>
-          <a:p>
-            <a:pPr algn="ctr"/>
-            <a:endParaRPr lang="en-US"/>
-          </a:p>
-        </p:txBody>
-      </p:sp>
-      <p:sp>
-        <p:nvSpPr>
-          <p:cNvPr id="45" name="Arc 44">
-            <a:extLst>
-              <a:ext uri="{FF2B5EF4-FFF2-40B4-BE49-F238E27FC236}">
-                <a16:creationId xmlns:a16="http://schemas.microsoft.com/office/drawing/2014/main" id="{8AD8956B-BFA0-43D6-AA0A-60D3EB64A0B6}"/>
-              </a:ext>
-            </a:extLst>
-          </p:cNvPr>
-          <p:cNvSpPr/>
-          <p:nvPr/>
-        </p:nvSpPr>
-        <p:spPr>
-          <a:xfrm rot="16200000">
-            <a:off x="4874950" y="1178492"/>
-            <a:ext cx="3905416" cy="4038344"/>
-          </a:xfrm>
-          <a:prstGeom prst="arc">
-            <a:avLst>
-              <a:gd name="adj1" fmla="val 10139362"/>
-              <a:gd name="adj2" fmla="val 602610"/>
-            </a:avLst>
-          </a:prstGeom>
-          <a:ln>
-            <a:solidFill>
-              <a:schemeClr val="accent6"/>
-            </a:solidFill>
-            <a:prstDash val="dash"/>
-          </a:ln>
-        </p:spPr>
-        <p:style>
-          <a:lnRef idx="1">
-            <a:schemeClr val="accent1"/>
-          </a:lnRef>
-          <a:fillRef idx="0">
-            <a:schemeClr val="accent1"/>
-          </a:fillRef>
-          <a:effectRef idx="0">
-            <a:schemeClr val="accent1"/>
-          </a:effectRef>
-          <a:fontRef idx="minor">
-            <a:schemeClr val="tx1"/>
-          </a:fontRef>
-        </p:style>
-        <p:txBody>
-          <a:bodyPr rtlCol="0" anchor="ctr"/>
-          <a:lstStyle/>
-          <a:p>
-            <a:pPr algn="ctr"/>
-            <a:endParaRPr lang="en-US"/>
-          </a:p>
-        </p:txBody>
-      </p:sp>
-      <p:sp>
-        <p:nvSpPr>
-          <p:cNvPr id="4" name="Arc 3">
-            <a:extLst>
-              <a:ext uri="{FF2B5EF4-FFF2-40B4-BE49-F238E27FC236}">
-                <a16:creationId xmlns:a16="http://schemas.microsoft.com/office/drawing/2014/main" id="{076B72E5-B6E8-4329-B1E2-253413E1DB54}"/>
-              </a:ext>
-            </a:extLst>
-          </p:cNvPr>
-          <p:cNvSpPr/>
-          <p:nvPr/>
-        </p:nvSpPr>
-        <p:spPr>
-          <a:xfrm rot="16200000">
-            <a:off x="4874950" y="1174970"/>
-            <a:ext cx="3905416" cy="4038344"/>
-          </a:xfrm>
-          <a:prstGeom prst="arc">
-            <a:avLst>
-              <a:gd name="adj1" fmla="val 11133513"/>
-              <a:gd name="adj2" fmla="val 0"/>
-            </a:avLst>
-          </a:prstGeom>
-          <a:ln w="12700">
-            <a:solidFill>
-              <a:schemeClr val="accent6"/>
-            </a:solidFill>
-          </a:ln>
-        </p:spPr>
-        <p:style>
-          <a:lnRef idx="1">
-            <a:schemeClr val="accent1"/>
-          </a:lnRef>
-          <a:fillRef idx="0">
-            <a:schemeClr val="accent1"/>
-          </a:fillRef>
-          <a:effectRef idx="0">
-            <a:schemeClr val="accent1"/>
-          </a:effectRef>
-          <a:fontRef idx="minor">
-            <a:schemeClr val="tx1"/>
-          </a:fontRef>
-        </p:style>
-        <p:txBody>
-          <a:bodyPr rtlCol="0" anchor="ctr"/>
-          <a:lstStyle/>
-          <a:p>
-            <a:pPr algn="ctr"/>
-            <a:endParaRPr lang="en-US"/>
-          </a:p>
-        </p:txBody>
-      </p:sp>
-      <p:sp>
-        <p:nvSpPr>
-          <p:cNvPr id="52" name="Oval 51">
-            <a:extLst>
-              <a:ext uri="{FF2B5EF4-FFF2-40B4-BE49-F238E27FC236}">
-                <a16:creationId xmlns:a16="http://schemas.microsoft.com/office/drawing/2014/main" id="{F202C6C6-40D8-4672-AE22-6671F4CD811C}"/>
-              </a:ext>
-            </a:extLst>
-          </p:cNvPr>
-          <p:cNvSpPr/>
-          <p:nvPr/>
-        </p:nvSpPr>
-        <p:spPr>
-          <a:xfrm>
-            <a:off x="3877981" y="3711362"/>
-            <a:ext cx="1026538" cy="1026538"/>
-          </a:xfrm>
-          <a:prstGeom prst="ellipse">
-            <a:avLst/>
-          </a:prstGeom>
-          <a:solidFill>
-            <a:schemeClr val="bg1"/>
-          </a:solidFill>
-        </p:spPr>
-        <p:style>
-          <a:lnRef idx="2">
-            <a:schemeClr val="accent6"/>
-          </a:lnRef>
-          <a:fillRef idx="1">
-            <a:schemeClr val="lt1"/>
-          </a:fillRef>
-          <a:effectRef idx="0">
-            <a:schemeClr val="accent6"/>
-          </a:effectRef>
-          <a:fontRef idx="minor">
-            <a:schemeClr val="dk1"/>
-          </a:fontRef>
-        </p:style>
-        <p:txBody>
-          <a:bodyPr rtlCol="0" anchor="ctr"/>
-          <a:lstStyle/>
-          <a:p>
-            <a:pPr algn="ctr"/>
-            <a:endParaRPr lang="en-US"/>
-          </a:p>
-        </p:txBody>
-      </p:sp>
-      <p:sp>
-        <p:nvSpPr>
-          <p:cNvPr id="53" name="Oval 52">
-            <a:extLst>
-              <a:ext uri="{FF2B5EF4-FFF2-40B4-BE49-F238E27FC236}">
-                <a16:creationId xmlns:a16="http://schemas.microsoft.com/office/drawing/2014/main" id="{8A27FC5B-71F7-45C0-ABF7-C234AF383F87}"/>
-              </a:ext>
-            </a:extLst>
-          </p:cNvPr>
-          <p:cNvSpPr/>
-          <p:nvPr/>
-        </p:nvSpPr>
-        <p:spPr>
-          <a:xfrm>
-            <a:off x="4666959" y="2895661"/>
-            <a:ext cx="901759" cy="901759"/>
-          </a:xfrm>
-          <a:prstGeom prst="ellipse">
-            <a:avLst/>
-          </a:prstGeom>
-          <a:solidFill>
-            <a:schemeClr val="bg1"/>
-          </a:solidFill>
-        </p:spPr>
-        <p:style>
-          <a:lnRef idx="2">
-            <a:schemeClr val="accent6"/>
-          </a:lnRef>
-          <a:fillRef idx="1">
-            <a:schemeClr val="lt1"/>
-          </a:fillRef>
-          <a:effectRef idx="0">
-            <a:schemeClr val="accent6"/>
-          </a:effectRef>
-          <a:fontRef idx="minor">
-            <a:schemeClr val="dk1"/>
-          </a:fontRef>
-        </p:style>
-        <p:txBody>
-          <a:bodyPr rtlCol="0" anchor="ctr"/>
-          <a:lstStyle/>
-          <a:p>
-            <a:pPr algn="ctr"/>
-            <a:endParaRPr lang="en-US"/>
-          </a:p>
-        </p:txBody>
-      </p:sp>
-      <p:sp>
-        <p:nvSpPr>
-          <p:cNvPr id="5" name="TextBox 4">
-            <a:extLst>
-              <a:ext uri="{FF2B5EF4-FFF2-40B4-BE49-F238E27FC236}">
-                <a16:creationId xmlns:a16="http://schemas.microsoft.com/office/drawing/2014/main" id="{B119F888-6C7B-4402-A725-C8B3EF08CF3B}"/>
-              </a:ext>
-            </a:extLst>
-          </p:cNvPr>
-          <p:cNvSpPr txBox="1"/>
-          <p:nvPr/>
-        </p:nvSpPr>
-        <p:spPr>
-          <a:xfrm>
-            <a:off x="5871773" y="2659521"/>
-            <a:ext cx="359394" cy="369332"/>
-          </a:xfrm>
-          <a:prstGeom prst="rect">
-            <a:avLst/>
-          </a:prstGeom>
-          <a:noFill/>
-        </p:spPr>
-        <p:txBody>
-          <a:bodyPr wrap="none" rtlCol="0">
-            <a:spAutoFit/>
-          </a:bodyPr>
-          <a:lstStyle/>
-          <a:p>
-            <a:r>
-              <a:rPr lang="en-US" dirty="0"/>
-              <a:t>1.</a:t>
-            </a:r>
-          </a:p>
-        </p:txBody>
-      </p:sp>
-      <p:sp>
-        <p:nvSpPr>
-          <p:cNvPr id="54" name="TextBox 53">
-            <a:extLst>
-              <a:ext uri="{FF2B5EF4-FFF2-40B4-BE49-F238E27FC236}">
-                <a16:creationId xmlns:a16="http://schemas.microsoft.com/office/drawing/2014/main" id="{6E49F2EB-B87C-490F-A90E-E6432E5854AB}"/>
-              </a:ext>
-            </a:extLst>
-          </p:cNvPr>
-          <p:cNvSpPr txBox="1"/>
-          <p:nvPr/>
-        </p:nvSpPr>
-        <p:spPr>
-          <a:xfrm>
-            <a:off x="6587239" y="1190118"/>
-            <a:ext cx="359394" cy="369332"/>
-          </a:xfrm>
-          <a:prstGeom prst="rect">
-            <a:avLst/>
-          </a:prstGeom>
-          <a:noFill/>
-        </p:spPr>
-        <p:txBody>
-          <a:bodyPr wrap="none" rtlCol="0">
-            <a:spAutoFit/>
-          </a:bodyPr>
-          <a:lstStyle/>
-          <a:p>
-            <a:r>
-              <a:rPr lang="en-US" dirty="0"/>
-              <a:t>2.</a:t>
-            </a:r>
-          </a:p>
-        </p:txBody>
-      </p:sp>
-      <p:sp>
-        <p:nvSpPr>
-          <p:cNvPr id="55" name="TextBox 54">
-            <a:extLst>
-              <a:ext uri="{FF2B5EF4-FFF2-40B4-BE49-F238E27FC236}">
-                <a16:creationId xmlns:a16="http://schemas.microsoft.com/office/drawing/2014/main" id="{0B03AB78-E1C3-40FD-9B2E-24187426017A}"/>
-              </a:ext>
-            </a:extLst>
-          </p:cNvPr>
-          <p:cNvSpPr txBox="1"/>
-          <p:nvPr/>
-        </p:nvSpPr>
-        <p:spPr>
-          <a:xfrm>
-            <a:off x="4947483" y="2854351"/>
-            <a:ext cx="359394" cy="369332"/>
-          </a:xfrm>
-          <a:prstGeom prst="rect">
-            <a:avLst/>
-          </a:prstGeom>
-          <a:noFill/>
-        </p:spPr>
-        <p:txBody>
-          <a:bodyPr wrap="none" rtlCol="0">
-            <a:spAutoFit/>
-          </a:bodyPr>
-          <a:lstStyle/>
-          <a:p>
-            <a:r>
-              <a:rPr lang="en-US" dirty="0"/>
-              <a:t>4.</a:t>
-            </a:r>
-          </a:p>
-        </p:txBody>
-      </p:sp>
-      <p:sp>
-        <p:nvSpPr>
-          <p:cNvPr id="58" name="TextBox 57">
-            <a:extLst>
-              <a:ext uri="{FF2B5EF4-FFF2-40B4-BE49-F238E27FC236}">
-                <a16:creationId xmlns:a16="http://schemas.microsoft.com/office/drawing/2014/main" id="{DCCB3F7A-EFC7-4602-8EFA-35E51AA7E268}"/>
-              </a:ext>
-            </a:extLst>
-          </p:cNvPr>
-          <p:cNvSpPr txBox="1"/>
-          <p:nvPr/>
-        </p:nvSpPr>
-        <p:spPr>
-          <a:xfrm>
-            <a:off x="4226432" y="3709955"/>
-            <a:ext cx="359394" cy="369332"/>
-          </a:xfrm>
-          <a:prstGeom prst="rect">
-            <a:avLst/>
-          </a:prstGeom>
-          <a:noFill/>
-        </p:spPr>
-        <p:txBody>
-          <a:bodyPr wrap="none" rtlCol="0">
-            <a:spAutoFit/>
-          </a:bodyPr>
-          <a:lstStyle/>
-          <a:p>
-            <a:r>
-              <a:rPr lang="en-US" dirty="0"/>
-              <a:t>5.</a:t>
-            </a:r>
-          </a:p>
-        </p:txBody>
-      </p:sp>
-      <mc:AlternateContent xmlns:mc="http://schemas.openxmlformats.org/markup-compatibility/2006" xmlns:a14="http://schemas.microsoft.com/office/drawing/2010/main">
-        <mc:Choice Requires="a14">
-          <p:sp>
-            <p:nvSpPr>
-              <p:cNvPr id="59" name="TextBox 58">
-                <a:extLst>
-                  <a:ext uri="{FF2B5EF4-FFF2-40B4-BE49-F238E27FC236}">
-                    <a16:creationId xmlns:a16="http://schemas.microsoft.com/office/drawing/2014/main" id="{9E35315D-E3B0-46A1-BBAD-D43DA285DC9B}"/>
-                  </a:ext>
-                </a:extLst>
-              </p:cNvPr>
-              <p:cNvSpPr txBox="1"/>
-              <p:nvPr/>
-            </p:nvSpPr>
-            <p:spPr>
-              <a:xfrm>
-                <a:off x="8861443" y="1586195"/>
-                <a:ext cx="2977137" cy="2031325"/>
-              </a:xfrm>
-              <a:prstGeom prst="rect">
-                <a:avLst/>
-              </a:prstGeom>
-              <a:noFill/>
-            </p:spPr>
-            <p:txBody>
-              <a:bodyPr wrap="square" rtlCol="0">
-                <a:spAutoFit/>
-              </a:bodyPr>
-              <a:lstStyle/>
-              <a:p>
-                <a14:m>
-                  <m:oMath xmlns:m="http://schemas.openxmlformats.org/officeDocument/2006/math">
-                    <m:r>
-                      <a:rPr lang="en-US" b="0" i="1" smtClean="0">
-                        <a:latin typeface="Cambria Math" panose="02040503050406030204" pitchFamily="18" charset="0"/>
-                      </a:rPr>
-                      <m:t>𝐼𝐹𝐹</m:t>
-                    </m:r>
-                    <m:r>
-                      <a:rPr lang="en-US" b="0" i="1" smtClean="0">
-                        <a:latin typeface="Cambria Math" panose="02040503050406030204" pitchFamily="18" charset="0"/>
-                      </a:rPr>
-                      <m:t> (</m:t>
-                    </m:r>
-                    <m:r>
-                      <a:rPr lang="en-US" b="0" i="1" smtClean="0">
-                        <a:latin typeface="Cambria Math" panose="02040503050406030204" pitchFamily="18" charset="0"/>
-                      </a:rPr>
-                      <m:t>𝑐𝑥</m:t>
-                    </m:r>
-                    <m:r>
-                      <a:rPr lang="en-US" b="0" i="1" smtClean="0">
-                        <a:latin typeface="Cambria Math" panose="02040503050406030204" pitchFamily="18" charset="0"/>
-                      </a:rPr>
-                      <m:t>,</m:t>
-                    </m:r>
-                    <m:r>
-                      <a:rPr lang="en-US" b="0" i="1" smtClean="0">
-                        <a:latin typeface="Cambria Math" panose="02040503050406030204" pitchFamily="18" charset="0"/>
-                      </a:rPr>
-                      <m:t>𝑐𝑦</m:t>
-                    </m:r>
-                    <m:r>
-                      <a:rPr lang="en-US" b="0" i="1" smtClean="0">
-                        <a:latin typeface="Cambria Math" panose="02040503050406030204" pitchFamily="18" charset="0"/>
-                      </a:rPr>
-                      <m:t>)</m:t>
-                    </m:r>
-                  </m:oMath>
-                </a14:m>
-                <a:r>
-                  <a:rPr lang="en-US" dirty="0"/>
-                  <a:t> is in the AABB, then </a:t>
-                </a:r>
-                <a14:m>
-                  <m:oMath xmlns:m="http://schemas.openxmlformats.org/officeDocument/2006/math">
-                    <m:d>
-                      <m:dPr>
-                        <m:ctrlPr>
-                          <a:rPr lang="en-US" b="0" i="1" smtClean="0">
-                            <a:latin typeface="Cambria Math" panose="02040503050406030204" pitchFamily="18" charset="0"/>
-                          </a:rPr>
-                        </m:ctrlPr>
-                      </m:dPr>
-                      <m:e>
-                        <m:r>
-                          <a:rPr lang="en-US" b="0" i="1" smtClean="0">
-                            <a:latin typeface="Cambria Math" panose="02040503050406030204" pitchFamily="18" charset="0"/>
-                          </a:rPr>
-                          <m:t>𝑟𝑥</m:t>
-                        </m:r>
-                        <m:r>
-                          <a:rPr lang="en-US" b="0" i="1" smtClean="0">
-                            <a:latin typeface="Cambria Math" panose="02040503050406030204" pitchFamily="18" charset="0"/>
-                          </a:rPr>
-                          <m:t>,</m:t>
-                        </m:r>
-                        <m:r>
-                          <a:rPr lang="en-US" b="0" i="1" smtClean="0">
-                            <a:latin typeface="Cambria Math" panose="02040503050406030204" pitchFamily="18" charset="0"/>
-                          </a:rPr>
-                          <m:t>𝑟𝑦</m:t>
-                        </m:r>
-                      </m:e>
-                    </m:d>
-                    <m:r>
-                      <a:rPr lang="en-US" b="0" i="1" smtClean="0">
-                        <a:latin typeface="Cambria Math" panose="02040503050406030204" pitchFamily="18" charset="0"/>
-                      </a:rPr>
-                      <m:t>=(</m:t>
-                    </m:r>
-                    <m:r>
-                      <a:rPr lang="en-US" b="0" i="1" smtClean="0">
-                        <a:latin typeface="Cambria Math" panose="02040503050406030204" pitchFamily="18" charset="0"/>
-                      </a:rPr>
-                      <m:t>𝑐𝑥</m:t>
-                    </m:r>
-                    <m:r>
-                      <a:rPr lang="en-US" b="0" i="1" smtClean="0">
-                        <a:latin typeface="Cambria Math" panose="02040503050406030204" pitchFamily="18" charset="0"/>
-                      </a:rPr>
-                      <m:t>,</m:t>
-                    </m:r>
-                    <m:r>
-                      <a:rPr lang="en-US" b="0" i="1" smtClean="0">
-                        <a:latin typeface="Cambria Math" panose="02040503050406030204" pitchFamily="18" charset="0"/>
-                      </a:rPr>
-                      <m:t>𝑐𝑦</m:t>
-                    </m:r>
-                    <m:r>
-                      <a:rPr lang="en-US" b="0" i="1" smtClean="0">
-                        <a:latin typeface="Cambria Math" panose="02040503050406030204" pitchFamily="18" charset="0"/>
-                      </a:rPr>
-                      <m:t>)</m:t>
-                    </m:r>
-                  </m:oMath>
-                </a14:m>
-                <a:r>
-                  <a:rPr lang="en-US" dirty="0"/>
-                  <a:t>.</a:t>
-                </a:r>
-              </a:p>
-              <a:p>
-                <a:endParaRPr lang="en-US" dirty="0"/>
-              </a:p>
-              <a:p>
-                <a:r>
-                  <a:rPr lang="en-US" dirty="0"/>
-                  <a:t>Otherwise, </a:t>
-                </a:r>
-                <a14:m>
-                  <m:oMath xmlns:m="http://schemas.openxmlformats.org/officeDocument/2006/math">
-                    <m:r>
-                      <a:rPr lang="en-US" b="0" i="1" smtClean="0">
-                        <a:latin typeface="Cambria Math" panose="02040503050406030204" pitchFamily="18" charset="0"/>
-                      </a:rPr>
-                      <m:t>(</m:t>
-                    </m:r>
-                    <m:r>
-                      <a:rPr lang="en-US" b="0" i="1" smtClean="0">
-                        <a:latin typeface="Cambria Math" panose="02040503050406030204" pitchFamily="18" charset="0"/>
-                      </a:rPr>
-                      <m:t>𝑟𝑥</m:t>
-                    </m:r>
-                    <m:r>
-                      <a:rPr lang="en-US" b="0" i="1" smtClean="0">
-                        <a:latin typeface="Cambria Math" panose="02040503050406030204" pitchFamily="18" charset="0"/>
-                      </a:rPr>
-                      <m:t>,</m:t>
-                    </m:r>
-                    <m:r>
-                      <a:rPr lang="en-US" b="0" i="1" smtClean="0">
-                        <a:latin typeface="Cambria Math" panose="02040503050406030204" pitchFamily="18" charset="0"/>
-                      </a:rPr>
-                      <m:t>𝑟𝑦</m:t>
-                    </m:r>
-                    <m:r>
-                      <a:rPr lang="en-US" b="0" i="1" smtClean="0">
-                        <a:latin typeface="Cambria Math" panose="02040503050406030204" pitchFamily="18" charset="0"/>
-                      </a:rPr>
-                      <m:t>)</m:t>
-                    </m:r>
-                  </m:oMath>
-                </a14:m>
-                <a:r>
-                  <a:rPr lang="en-US" dirty="0"/>
-                  <a:t> is on the side or corner closest to </a:t>
-                </a:r>
-                <a14:m>
-                  <m:oMath xmlns:m="http://schemas.openxmlformats.org/officeDocument/2006/math">
-                    <m:d>
-                      <m:dPr>
-                        <m:ctrlPr>
-                          <a:rPr lang="en-US" b="0" i="1" smtClean="0">
-                            <a:latin typeface="Cambria Math" panose="02040503050406030204" pitchFamily="18" charset="0"/>
-                          </a:rPr>
-                        </m:ctrlPr>
-                      </m:dPr>
-                      <m:e>
-                        <m:r>
-                          <a:rPr lang="en-US" b="0" i="1" smtClean="0">
-                            <a:latin typeface="Cambria Math" panose="02040503050406030204" pitchFamily="18" charset="0"/>
-                          </a:rPr>
-                          <m:t>𝑐𝑥</m:t>
-                        </m:r>
-                        <m:r>
-                          <a:rPr lang="en-US" b="0" i="1" smtClean="0">
-                            <a:latin typeface="Cambria Math" panose="02040503050406030204" pitchFamily="18" charset="0"/>
-                          </a:rPr>
-                          <m:t>,</m:t>
-                        </m:r>
-                        <m:r>
-                          <a:rPr lang="en-US" b="0" i="1" smtClean="0">
-                            <a:latin typeface="Cambria Math" panose="02040503050406030204" pitchFamily="18" charset="0"/>
-                          </a:rPr>
-                          <m:t>𝑐𝑦</m:t>
-                        </m:r>
-                      </m:e>
-                    </m:d>
-                  </m:oMath>
-                </a14:m>
-                <a:r>
-                  <a:rPr lang="en-US" dirty="0"/>
-                  <a:t>. Find this side/corner with a series of checks.</a:t>
-                </a:r>
-              </a:p>
-            </p:txBody>
-          </p:sp>
-        </mc:Choice>
-        <mc:Fallback xmlns="">
-          <p:sp>
-            <p:nvSpPr>
-              <p:cNvPr id="59" name="TextBox 58">
-                <a:extLst>
-                  <a:ext uri="{FF2B5EF4-FFF2-40B4-BE49-F238E27FC236}">
-                    <a16:creationId xmlns:a16="http://schemas.microsoft.com/office/drawing/2014/main" id="{9E35315D-E3B0-46A1-BBAD-D43DA285DC9B}"/>
-                  </a:ext>
-                </a:extLst>
-              </p:cNvPr>
-              <p:cNvSpPr txBox="1">
-                <a:spLocks noRot="1" noChangeAspect="1" noMove="1" noResize="1" noEditPoints="1" noAdjustHandles="1" noChangeArrowheads="1" noChangeShapeType="1" noTextEdit="1"/>
-              </p:cNvSpPr>
-              <p:nvPr/>
-            </p:nvSpPr>
-            <p:spPr>
-              <a:xfrm>
-                <a:off x="8861443" y="1586195"/>
-                <a:ext cx="2977137" cy="2031325"/>
-              </a:xfrm>
-              <a:prstGeom prst="rect">
-                <a:avLst/>
-              </a:prstGeom>
-              <a:blipFill>
-                <a:blip r:embed="rId3"/>
-                <a:stretch>
-                  <a:fillRect l="-1844" t="-1502" r="-2459" b="-3904"/>
-                </a:stretch>
-              </a:blipFill>
-            </p:spPr>
-            <p:txBody>
-              <a:bodyPr/>
-              <a:lstStyle/>
-              <a:p>
-                <a:r>
-                  <a:rPr lang="en-US">
-                    <a:noFill/>
-                  </a:rPr>
-                  <a:t> </a:t>
-                </a:r>
-              </a:p>
-            </p:txBody>
-          </p:sp>
-        </mc:Fallback>
-      </mc:AlternateContent>
-      <p:cxnSp>
-        <p:nvCxnSpPr>
-          <p:cNvPr id="60" name="Straight Connector 59">
-            <a:extLst>
-              <a:ext uri="{FF2B5EF4-FFF2-40B4-BE49-F238E27FC236}">
-                <a16:creationId xmlns:a16="http://schemas.microsoft.com/office/drawing/2014/main" id="{7A3D0D17-E225-4F08-A196-317296A976F1}"/>
-              </a:ext>
-            </a:extLst>
-          </p:cNvPr>
-          <p:cNvCxnSpPr>
-            <a:cxnSpLocks/>
-          </p:cNvCxnSpPr>
-          <p:nvPr/>
-        </p:nvCxnSpPr>
-        <p:spPr>
-          <a:xfrm>
-            <a:off x="8860078" y="1492673"/>
-            <a:ext cx="2978502" cy="18150"/>
-          </a:xfrm>
-          <a:prstGeom prst="line">
-            <a:avLst/>
-          </a:prstGeom>
-          <a:ln cap="rnd"/>
-        </p:spPr>
-        <p:style>
-          <a:lnRef idx="3">
-            <a:schemeClr val="accent6"/>
-          </a:lnRef>
-          <a:fillRef idx="0">
-            <a:schemeClr val="accent6"/>
-          </a:fillRef>
-          <a:effectRef idx="2">
-            <a:schemeClr val="accent6"/>
-          </a:effectRef>
-          <a:fontRef idx="minor">
-            <a:schemeClr val="tx1"/>
-          </a:fontRef>
-        </p:style>
-      </p:cxnSp>
-      <p:sp>
-        <p:nvSpPr>
-          <p:cNvPr id="61" name="TextBox 60">
-            <a:extLst>
-              <a:ext uri="{FF2B5EF4-FFF2-40B4-BE49-F238E27FC236}">
-                <a16:creationId xmlns:a16="http://schemas.microsoft.com/office/drawing/2014/main" id="{7F5A880D-EBD2-4C73-92C6-47134D83BF95}"/>
-              </a:ext>
-            </a:extLst>
-          </p:cNvPr>
-          <p:cNvSpPr txBox="1"/>
-          <p:nvPr/>
-        </p:nvSpPr>
-        <p:spPr>
-          <a:xfrm>
-            <a:off x="9692351" y="1096494"/>
-            <a:ext cx="2146229" cy="369332"/>
-          </a:xfrm>
-          <a:prstGeom prst="rect">
-            <a:avLst/>
-          </a:prstGeom>
-          <a:noFill/>
-        </p:spPr>
-        <p:txBody>
-          <a:bodyPr wrap="none" rtlCol="0">
-            <a:spAutoFit/>
-          </a:bodyPr>
-          <a:lstStyle/>
-          <a:p>
-            <a:pPr algn="r"/>
-            <a:r>
-              <a:rPr lang="en-US" dirty="0">
-                <a:solidFill>
-                  <a:schemeClr val="accent6">
-                    <a:lumMod val="75000"/>
-                  </a:schemeClr>
-                </a:solidFill>
-              </a:rPr>
-              <a:t>Calculating Collisions</a:t>
-            </a:r>
-          </a:p>
-        </p:txBody>
-      </p:sp>
-      <p:sp>
-        <p:nvSpPr>
-          <p:cNvPr id="66" name="Oval 65">
-            <a:extLst>
-              <a:ext uri="{FF2B5EF4-FFF2-40B4-BE49-F238E27FC236}">
-                <a16:creationId xmlns:a16="http://schemas.microsoft.com/office/drawing/2014/main" id="{96D1BA74-BB43-4C63-AFE8-B27713547A40}"/>
-              </a:ext>
-            </a:extLst>
-          </p:cNvPr>
-          <p:cNvSpPr/>
-          <p:nvPr/>
-        </p:nvSpPr>
-        <p:spPr>
-          <a:xfrm>
-            <a:off x="8780155" y="1434663"/>
-            <a:ext cx="133350" cy="133350"/>
-          </a:xfrm>
-          <a:prstGeom prst="ellipse">
-            <a:avLst/>
-          </a:prstGeom>
-        </p:spPr>
-        <p:style>
-          <a:lnRef idx="2">
-            <a:schemeClr val="accent6"/>
-          </a:lnRef>
-          <a:fillRef idx="1">
-            <a:schemeClr val="lt1"/>
-          </a:fillRef>
-          <a:effectRef idx="0">
-            <a:schemeClr val="accent6"/>
-          </a:effectRef>
-          <a:fontRef idx="minor">
-            <a:schemeClr val="dk1"/>
-          </a:fontRef>
-        </p:style>
-        <p:txBody>
-          <a:bodyPr rtlCol="0" anchor="ctr"/>
-          <a:lstStyle/>
-          <a:p>
-            <a:pPr algn="ctr"/>
-            <a:endParaRPr lang="en-US"/>
-          </a:p>
-        </p:txBody>
-      </p:sp>
-      <p:sp>
-        <p:nvSpPr>
-          <p:cNvPr id="67" name="TextBox 66">
-            <a:extLst>
-              <a:ext uri="{FF2B5EF4-FFF2-40B4-BE49-F238E27FC236}">
-                <a16:creationId xmlns:a16="http://schemas.microsoft.com/office/drawing/2014/main" id="{8F0170F8-65A8-46F3-AD14-49E0AACD1692}"/>
-              </a:ext>
-            </a:extLst>
-          </p:cNvPr>
-          <p:cNvSpPr txBox="1"/>
-          <p:nvPr/>
-        </p:nvSpPr>
-        <p:spPr>
-          <a:xfrm>
-            <a:off x="8861443" y="4343605"/>
-            <a:ext cx="2977137" cy="1169551"/>
-          </a:xfrm>
-          <a:prstGeom prst="rect">
-            <a:avLst/>
-          </a:prstGeom>
-          <a:noFill/>
-        </p:spPr>
-        <p:txBody>
-          <a:bodyPr wrap="square" rtlCol="0">
-            <a:spAutoFit/>
-          </a:bodyPr>
-          <a:lstStyle/>
-          <a:p>
-            <a:r>
-              <a:rPr lang="en-US" sz="1400" dirty="0">
-                <a:latin typeface="Lucida Console" panose="020B0609040504020204" pitchFamily="49" charset="0"/>
-              </a:rPr>
-              <a:t>(</a:t>
-            </a:r>
-            <a:r>
-              <a:rPr lang="en-US" sz="1400" dirty="0" err="1">
-                <a:latin typeface="Lucida Console" panose="020B0609040504020204" pitchFamily="49" charset="0"/>
-              </a:rPr>
-              <a:t>rx,ry</a:t>
-            </a:r>
-            <a:r>
-              <a:rPr lang="en-US" sz="1400" dirty="0">
-                <a:latin typeface="Lucida Console" panose="020B0609040504020204" pitchFamily="49" charset="0"/>
-              </a:rPr>
-              <a:t>)=bottom left</a:t>
-            </a:r>
-          </a:p>
-          <a:p>
-            <a:r>
-              <a:rPr lang="en-US" sz="1400" dirty="0">
-                <a:latin typeface="Lucida Console" panose="020B0609040504020204" pitchFamily="49" charset="0"/>
-              </a:rPr>
-              <a:t>if(cx &gt; </a:t>
-            </a:r>
-            <a:r>
-              <a:rPr lang="en-US" sz="1400" dirty="0" err="1">
-                <a:latin typeface="Lucida Console" panose="020B0609040504020204" pitchFamily="49" charset="0"/>
-              </a:rPr>
-              <a:t>rx+rw</a:t>
-            </a:r>
-            <a:r>
-              <a:rPr lang="en-US" sz="1400" dirty="0">
-                <a:latin typeface="Lucida Console" panose="020B0609040504020204" pitchFamily="49" charset="0"/>
-              </a:rPr>
-              <a:t>) 	</a:t>
-            </a:r>
-            <a:r>
-              <a:rPr lang="en-US" sz="1400" dirty="0" err="1">
-                <a:latin typeface="Lucida Console" panose="020B0609040504020204" pitchFamily="49" charset="0"/>
-              </a:rPr>
-              <a:t>rx</a:t>
-            </a:r>
-            <a:r>
-              <a:rPr lang="en-US" sz="1400" dirty="0">
-                <a:latin typeface="Lucida Console" panose="020B0609040504020204" pitchFamily="49" charset="0"/>
-              </a:rPr>
-              <a:t>=</a:t>
-            </a:r>
-            <a:r>
-              <a:rPr lang="en-US" sz="1400" dirty="0" err="1">
-                <a:latin typeface="Lucida Console" panose="020B0609040504020204" pitchFamily="49" charset="0"/>
-              </a:rPr>
-              <a:t>rx+rw</a:t>
-            </a:r>
-            <a:endParaRPr lang="en-US" sz="1400" dirty="0">
-              <a:latin typeface="Lucida Console" panose="020B0609040504020204" pitchFamily="49" charset="0"/>
-            </a:endParaRPr>
-          </a:p>
-          <a:p>
-            <a:r>
-              <a:rPr lang="en-US" sz="1400" dirty="0">
-                <a:latin typeface="Lucida Console" panose="020B0609040504020204" pitchFamily="49" charset="0"/>
-              </a:rPr>
-              <a:t>else if(cx &gt; </a:t>
-            </a:r>
-            <a:r>
-              <a:rPr lang="en-US" sz="1400" dirty="0" err="1">
-                <a:latin typeface="Lucida Console" panose="020B0609040504020204" pitchFamily="49" charset="0"/>
-              </a:rPr>
-              <a:t>rx</a:t>
-            </a:r>
-            <a:r>
-              <a:rPr lang="en-US" sz="1400" dirty="0">
-                <a:latin typeface="Lucida Console" panose="020B0609040504020204" pitchFamily="49" charset="0"/>
-              </a:rPr>
-              <a:t>) 	</a:t>
-            </a:r>
-            <a:r>
-              <a:rPr lang="en-US" sz="1400" dirty="0" err="1">
-                <a:latin typeface="Lucida Console" panose="020B0609040504020204" pitchFamily="49" charset="0"/>
-              </a:rPr>
-              <a:t>rx</a:t>
-            </a:r>
-            <a:r>
-              <a:rPr lang="en-US" sz="1400" dirty="0">
-                <a:latin typeface="Lucida Console" panose="020B0609040504020204" pitchFamily="49" charset="0"/>
-              </a:rPr>
-              <a:t>=cx</a:t>
-            </a:r>
-          </a:p>
-          <a:p>
-            <a:r>
-              <a:rPr lang="en-US" sz="1400" dirty="0">
-                <a:latin typeface="Lucida Console" panose="020B0609040504020204" pitchFamily="49" charset="0"/>
-              </a:rPr>
-              <a:t>if(cy &gt; </a:t>
-            </a:r>
-            <a:r>
-              <a:rPr lang="en-US" sz="1400" dirty="0" err="1">
-                <a:latin typeface="Lucida Console" panose="020B0609040504020204" pitchFamily="49" charset="0"/>
-              </a:rPr>
-              <a:t>ry+rh</a:t>
-            </a:r>
-            <a:r>
-              <a:rPr lang="en-US" sz="1400" dirty="0">
-                <a:latin typeface="Lucida Console" panose="020B0609040504020204" pitchFamily="49" charset="0"/>
-              </a:rPr>
-              <a:t>) 	</a:t>
-            </a:r>
-            <a:r>
-              <a:rPr lang="en-US" sz="1400" dirty="0" err="1">
-                <a:latin typeface="Lucida Console" panose="020B0609040504020204" pitchFamily="49" charset="0"/>
-              </a:rPr>
-              <a:t>ry</a:t>
-            </a:r>
-            <a:r>
-              <a:rPr lang="en-US" sz="1400" dirty="0">
-                <a:latin typeface="Lucida Console" panose="020B0609040504020204" pitchFamily="49" charset="0"/>
-              </a:rPr>
-              <a:t>=</a:t>
-            </a:r>
-            <a:r>
-              <a:rPr lang="en-US" sz="1400" dirty="0" err="1">
-                <a:latin typeface="Lucida Console" panose="020B0609040504020204" pitchFamily="49" charset="0"/>
-              </a:rPr>
-              <a:t>ry+rh</a:t>
-            </a:r>
-            <a:endParaRPr lang="en-US" sz="1400" dirty="0">
-              <a:latin typeface="Lucida Console" panose="020B0609040504020204" pitchFamily="49" charset="0"/>
-            </a:endParaRPr>
-          </a:p>
-          <a:p>
-            <a:r>
-              <a:rPr lang="en-US" sz="1400" dirty="0">
-                <a:latin typeface="Lucida Console" panose="020B0609040504020204" pitchFamily="49" charset="0"/>
-              </a:rPr>
-              <a:t>else if(cy &gt; </a:t>
-            </a:r>
-            <a:r>
-              <a:rPr lang="en-US" sz="1400" dirty="0" err="1">
-                <a:latin typeface="Lucida Console" panose="020B0609040504020204" pitchFamily="49" charset="0"/>
-              </a:rPr>
-              <a:t>ry</a:t>
-            </a:r>
-            <a:r>
-              <a:rPr lang="en-US" sz="1400" dirty="0">
-                <a:latin typeface="Lucida Console" panose="020B0609040504020204" pitchFamily="49" charset="0"/>
-              </a:rPr>
-              <a:t>)	</a:t>
-            </a:r>
-            <a:r>
-              <a:rPr lang="en-US" sz="1400" dirty="0" err="1">
-                <a:latin typeface="Lucida Console" panose="020B0609040504020204" pitchFamily="49" charset="0"/>
-              </a:rPr>
-              <a:t>ry</a:t>
-            </a:r>
-            <a:r>
-              <a:rPr lang="en-US" sz="1400" dirty="0">
-                <a:latin typeface="Lucida Console" panose="020B0609040504020204" pitchFamily="49" charset="0"/>
-              </a:rPr>
-              <a:t>=cy</a:t>
-            </a:r>
-          </a:p>
-        </p:txBody>
-      </p:sp>
-      <p:cxnSp>
-        <p:nvCxnSpPr>
-          <p:cNvPr id="68" name="Straight Connector 67">
-            <a:extLst>
-              <a:ext uri="{FF2B5EF4-FFF2-40B4-BE49-F238E27FC236}">
-                <a16:creationId xmlns:a16="http://schemas.microsoft.com/office/drawing/2014/main" id="{B5B682DD-6083-47E3-B512-DE7AA3827C84}"/>
-              </a:ext>
-            </a:extLst>
-          </p:cNvPr>
-          <p:cNvCxnSpPr>
-            <a:cxnSpLocks/>
-          </p:cNvCxnSpPr>
-          <p:nvPr/>
-        </p:nvCxnSpPr>
-        <p:spPr>
-          <a:xfrm>
-            <a:off x="8860078" y="4250083"/>
-            <a:ext cx="2978502" cy="18150"/>
-          </a:xfrm>
-          <a:prstGeom prst="line">
-            <a:avLst/>
-          </a:prstGeom>
-          <a:ln cap="rnd"/>
-        </p:spPr>
-        <p:style>
-          <a:lnRef idx="3">
-            <a:schemeClr val="accent6"/>
-          </a:lnRef>
-          <a:fillRef idx="0">
-            <a:schemeClr val="accent6"/>
-          </a:fillRef>
-          <a:effectRef idx="2">
-            <a:schemeClr val="accent6"/>
-          </a:effectRef>
-          <a:fontRef idx="minor">
-            <a:schemeClr val="tx1"/>
-          </a:fontRef>
-        </p:style>
-      </p:cxnSp>
-      <p:sp>
-        <p:nvSpPr>
-          <p:cNvPr id="69" name="TextBox 68">
-            <a:extLst>
-              <a:ext uri="{FF2B5EF4-FFF2-40B4-BE49-F238E27FC236}">
-                <a16:creationId xmlns:a16="http://schemas.microsoft.com/office/drawing/2014/main" id="{89029BC5-8905-41DD-8842-3F06DD5E210F}"/>
-              </a:ext>
-            </a:extLst>
-          </p:cNvPr>
-          <p:cNvSpPr txBox="1"/>
-          <p:nvPr/>
-        </p:nvSpPr>
-        <p:spPr>
-          <a:xfrm>
-            <a:off x="11003607" y="3853904"/>
-            <a:ext cx="834973" cy="369332"/>
-          </a:xfrm>
-          <a:prstGeom prst="rect">
-            <a:avLst/>
-          </a:prstGeom>
-          <a:noFill/>
-        </p:spPr>
-        <p:txBody>
-          <a:bodyPr wrap="none" rtlCol="0">
-            <a:spAutoFit/>
-          </a:bodyPr>
-          <a:lstStyle/>
-          <a:p>
-            <a:pPr algn="r"/>
-            <a:r>
-              <a:rPr lang="en-US" dirty="0">
-                <a:solidFill>
-                  <a:schemeClr val="accent6">
-                    <a:lumMod val="75000"/>
-                  </a:schemeClr>
-                </a:solidFill>
-              </a:rPr>
-              <a:t>Checks</a:t>
-            </a:r>
-          </a:p>
-        </p:txBody>
-      </p:sp>
-      <p:sp>
-        <p:nvSpPr>
-          <p:cNvPr id="70" name="Oval 69">
-            <a:extLst>
-              <a:ext uri="{FF2B5EF4-FFF2-40B4-BE49-F238E27FC236}">
-                <a16:creationId xmlns:a16="http://schemas.microsoft.com/office/drawing/2014/main" id="{630D7181-B711-4552-B91D-3B5F88A8ED01}"/>
-              </a:ext>
-            </a:extLst>
-          </p:cNvPr>
-          <p:cNvSpPr/>
-          <p:nvPr/>
-        </p:nvSpPr>
-        <p:spPr>
-          <a:xfrm>
-            <a:off x="8780155" y="4192073"/>
-            <a:ext cx="133350" cy="133350"/>
-          </a:xfrm>
-          <a:prstGeom prst="ellipse">
-            <a:avLst/>
-          </a:prstGeom>
-        </p:spPr>
-        <p:style>
-          <a:lnRef idx="2">
-            <a:schemeClr val="accent6"/>
-          </a:lnRef>
-          <a:fillRef idx="1">
-            <a:schemeClr val="lt1"/>
-          </a:fillRef>
-          <a:effectRef idx="0">
-            <a:schemeClr val="accent6"/>
-          </a:effectRef>
-          <a:fontRef idx="minor">
-            <a:schemeClr val="dk1"/>
-          </a:fontRef>
-        </p:style>
-        <p:txBody>
-          <a:bodyPr rtlCol="0" anchor="ctr"/>
-          <a:lstStyle/>
-          <a:p>
-            <a:pPr algn="ctr"/>
-            <a:endParaRPr lang="en-US"/>
-          </a:p>
-        </p:txBody>
-      </p:sp>
-      <p:pic>
-        <p:nvPicPr>
-          <p:cNvPr id="7" name="Picture 6">
-            <a:extLst>
-              <a:ext uri="{FF2B5EF4-FFF2-40B4-BE49-F238E27FC236}">
-                <a16:creationId xmlns:a16="http://schemas.microsoft.com/office/drawing/2014/main" id="{439DC8CE-89F5-4FD2-84A5-B37C54FED516}"/>
-              </a:ext>
-            </a:extLst>
-          </p:cNvPr>
-          <p:cNvPicPr>
-            <a:picLocks noChangeAspect="1"/>
-          </p:cNvPicPr>
-          <p:nvPr/>
-        </p:nvPicPr>
-        <p:blipFill>
-          <a:blip r:embed="rId4"/>
-          <a:stretch>
-            <a:fillRect/>
-          </a:stretch>
-        </p:blipFill>
-        <p:spPr>
-          <a:xfrm>
-            <a:off x="10516892" y="6040501"/>
-            <a:ext cx="1321688" cy="599655"/>
-          </a:xfrm>
-          <a:prstGeom prst="rect">
-            <a:avLst/>
-          </a:prstGeom>
-        </p:spPr>
-      </p:pic>
-      <p:sp>
-        <p:nvSpPr>
-          <p:cNvPr id="39" name="Oval 38">
-            <a:extLst>
-              <a:ext uri="{FF2B5EF4-FFF2-40B4-BE49-F238E27FC236}">
-                <a16:creationId xmlns:a16="http://schemas.microsoft.com/office/drawing/2014/main" id="{14C774CD-D516-4CFB-A984-51F3A888178F}"/>
-              </a:ext>
-            </a:extLst>
-          </p:cNvPr>
-          <p:cNvSpPr/>
-          <p:nvPr/>
-        </p:nvSpPr>
-        <p:spPr>
-          <a:xfrm>
-            <a:off x="6441495" y="3754715"/>
-            <a:ext cx="901759" cy="901759"/>
-          </a:xfrm>
-          <a:prstGeom prst="ellipse">
-            <a:avLst/>
-          </a:prstGeom>
-          <a:solidFill>
-            <a:schemeClr val="bg1"/>
-          </a:solidFill>
-        </p:spPr>
-        <p:style>
-          <a:lnRef idx="2">
-            <a:schemeClr val="accent6"/>
-          </a:lnRef>
-          <a:fillRef idx="1">
-            <a:schemeClr val="lt1"/>
-          </a:fillRef>
-          <a:effectRef idx="0">
-            <a:schemeClr val="accent6"/>
-          </a:effectRef>
-          <a:fontRef idx="minor">
-            <a:schemeClr val="dk1"/>
-          </a:fontRef>
-        </p:style>
-        <p:txBody>
-          <a:bodyPr rtlCol="0" anchor="ctr"/>
-          <a:lstStyle/>
-          <a:p>
-            <a:pPr algn="ctr"/>
-            <a:endParaRPr lang="en-US"/>
-          </a:p>
-        </p:txBody>
-      </p:sp>
-      <p:sp>
-        <p:nvSpPr>
-          <p:cNvPr id="42" name="TextBox 41">
-            <a:extLst>
-              <a:ext uri="{FF2B5EF4-FFF2-40B4-BE49-F238E27FC236}">
-                <a16:creationId xmlns:a16="http://schemas.microsoft.com/office/drawing/2014/main" id="{C34BDE7B-C84D-4752-9372-76900011F801}"/>
-              </a:ext>
-            </a:extLst>
-          </p:cNvPr>
-          <p:cNvSpPr txBox="1"/>
-          <p:nvPr/>
-        </p:nvSpPr>
-        <p:spPr>
-          <a:xfrm>
-            <a:off x="6724364" y="3822741"/>
-            <a:ext cx="359394" cy="369332"/>
-          </a:xfrm>
-          <a:prstGeom prst="rect">
-            <a:avLst/>
-          </a:prstGeom>
-          <a:noFill/>
-        </p:spPr>
-        <p:txBody>
-          <a:bodyPr wrap="none" rtlCol="0">
-            <a:spAutoFit/>
-          </a:bodyPr>
-          <a:lstStyle/>
-          <a:p>
-            <a:r>
-              <a:rPr lang="en-US" dirty="0"/>
-              <a:t>3.</a:t>
-            </a:r>
-          </a:p>
-        </p:txBody>
-      </p:sp>
-    </p:spTree>
-    <p:extLst>
-      <p:ext uri="{BB962C8B-B14F-4D97-AF65-F5344CB8AC3E}">
-        <p14:creationId xmlns:p14="http://schemas.microsoft.com/office/powerpoint/2010/main" val="999886201"/>
-      </p:ext>
-    </p:extLst>
-  </p:cSld>
-  <p:clrMapOvr>
-    <a:masterClrMapping/>
-  </p:clrMapOvr>
-</p:sld>
-</file>
-
-<file path=ppt/slides/slide16.xml><?xml version="1.0" encoding="utf-8"?>
+<file path=ppt/slides/slide17.xml><?xml version="1.0" encoding="utf-8"?>
 <p:sld xmlns:a="http://schemas.openxmlformats.org/drawingml/2006/main" xmlns:r="http://schemas.openxmlformats.org/officeDocument/2006/relationships" xmlns:p="http://schemas.openxmlformats.org/presentationml/2006/main">
   <p:cSld>
     <p:spTree>
@@ -16995,7 +17485,7 @@
 </p:sld>
 </file>
 
-<file path=ppt/slides/slide17.xml><?xml version="1.0" encoding="utf-8"?>
+<file path=ppt/slides/slide18.xml><?xml version="1.0" encoding="utf-8"?>
 <p:sld xmlns:a="http://schemas.openxmlformats.org/drawingml/2006/main" xmlns:r="http://schemas.openxmlformats.org/officeDocument/2006/relationships" xmlns:p="http://schemas.openxmlformats.org/presentationml/2006/main" show="0">
   <p:cSld>
     <p:spTree>
@@ -18307,7 +18797,7 @@
 </p:sld>
 </file>
 
-<file path=ppt/slides/slide18.xml><?xml version="1.0" encoding="utf-8"?>
+<file path=ppt/slides/slide19.xml><?xml version="1.0" encoding="utf-8"?>
 <p:sld xmlns:a="http://schemas.openxmlformats.org/drawingml/2006/main" xmlns:r="http://schemas.openxmlformats.org/officeDocument/2006/relationships" xmlns:p="http://schemas.openxmlformats.org/presentationml/2006/main" show="0">
   <p:cSld>
     <p:spTree>
@@ -19633,799 +20123,6 @@
     <p:extLst>
       <p:ext uri="{BB962C8B-B14F-4D97-AF65-F5344CB8AC3E}">
         <p14:creationId xmlns:p14="http://schemas.microsoft.com/office/powerpoint/2010/main" val="807574710"/>
-      </p:ext>
-    </p:extLst>
-  </p:cSld>
-  <p:clrMapOvr>
-    <a:masterClrMapping/>
-  </p:clrMapOvr>
-</p:sld>
-</file>
-
-<file path=ppt/slides/slide19.xml><?xml version="1.0" encoding="utf-8"?>
-<p:sld xmlns:a="http://schemas.openxmlformats.org/drawingml/2006/main" xmlns:r="http://schemas.openxmlformats.org/officeDocument/2006/relationships" xmlns:p="http://schemas.openxmlformats.org/presentationml/2006/main">
-  <p:cSld>
-    <p:spTree>
-      <p:nvGrpSpPr>
-        <p:cNvPr id="1" name=""/>
-        <p:cNvGrpSpPr/>
-        <p:nvPr/>
-      </p:nvGrpSpPr>
-      <p:grpSpPr>
-        <a:xfrm>
-          <a:off x="0" y="0"/>
-          <a:ext cx="0" cy="0"/>
-          <a:chOff x="0" y="0"/>
-          <a:chExt cx="0" cy="0"/>
-        </a:xfrm>
-      </p:grpSpPr>
-      <p:graphicFrame>
-        <p:nvGraphicFramePr>
-          <p:cNvPr id="4" name="Table 4">
-            <a:extLst>
-              <a:ext uri="{FF2B5EF4-FFF2-40B4-BE49-F238E27FC236}">
-                <a16:creationId xmlns:a16="http://schemas.microsoft.com/office/drawing/2014/main" id="{956CCF6E-976D-405A-AB38-F1B7FF885023}"/>
-              </a:ext>
-            </a:extLst>
-          </p:cNvPr>
-          <p:cNvGraphicFramePr>
-            <a:graphicFrameLocks noGrp="1"/>
-          </p:cNvGraphicFramePr>
-          <p:nvPr>
-            <p:extLst>
-              <p:ext uri="{D42A27DB-BD31-4B8C-83A1-F6EECF244321}">
-                <p14:modId xmlns:p14="http://schemas.microsoft.com/office/powerpoint/2010/main" val="343215556"/>
-              </p:ext>
-            </p:extLst>
-          </p:nvPr>
-        </p:nvGraphicFramePr>
-        <p:xfrm>
-          <a:off x="0" y="1"/>
-          <a:ext cx="12191999" cy="6685056"/>
-        </p:xfrm>
-        <a:graphic>
-          <a:graphicData uri="http://schemas.openxmlformats.org/drawingml/2006/table">
-            <a:tbl>
-              <a:tblPr firstRow="1" bandRow="1">
-                <a:tableStyleId>{5940675A-B579-460E-94D1-54222C63F5DA}</a:tableStyleId>
-              </a:tblPr>
-              <a:tblGrid>
-                <a:gridCol w="489122">
-                  <a:extLst>
-                    <a:ext uri="{9D8B030D-6E8A-4147-A177-3AD203B41FA5}">
-                      <a16:colId xmlns:a16="http://schemas.microsoft.com/office/drawing/2014/main" val="716726513"/>
-                    </a:ext>
-                  </a:extLst>
-                </a:gridCol>
-                <a:gridCol w="1862709">
-                  <a:extLst>
-                    <a:ext uri="{9D8B030D-6E8A-4147-A177-3AD203B41FA5}">
-                      <a16:colId xmlns:a16="http://schemas.microsoft.com/office/drawing/2014/main" val="2537481366"/>
-                    </a:ext>
-                  </a:extLst>
-                </a:gridCol>
-                <a:gridCol w="1314272">
-                  <a:extLst>
-                    <a:ext uri="{9D8B030D-6E8A-4147-A177-3AD203B41FA5}">
-                      <a16:colId xmlns:a16="http://schemas.microsoft.com/office/drawing/2014/main" val="1913629758"/>
-                    </a:ext>
-                  </a:extLst>
-                </a:gridCol>
-                <a:gridCol w="2131474">
-                  <a:extLst>
-                    <a:ext uri="{9D8B030D-6E8A-4147-A177-3AD203B41FA5}">
-                      <a16:colId xmlns:a16="http://schemas.microsoft.com/office/drawing/2014/main" val="4007346255"/>
-                    </a:ext>
-                  </a:extLst>
-                </a:gridCol>
-                <a:gridCol w="2131474">
-                  <a:extLst>
-                    <a:ext uri="{9D8B030D-6E8A-4147-A177-3AD203B41FA5}">
-                      <a16:colId xmlns:a16="http://schemas.microsoft.com/office/drawing/2014/main" val="2090263074"/>
-                    </a:ext>
-                  </a:extLst>
-                </a:gridCol>
-                <a:gridCol w="2131474">
-                  <a:extLst>
-                    <a:ext uri="{9D8B030D-6E8A-4147-A177-3AD203B41FA5}">
-                      <a16:colId xmlns:a16="http://schemas.microsoft.com/office/drawing/2014/main" val="842783627"/>
-                    </a:ext>
-                  </a:extLst>
-                </a:gridCol>
-                <a:gridCol w="2131474">
-                  <a:extLst>
-                    <a:ext uri="{9D8B030D-6E8A-4147-A177-3AD203B41FA5}">
-                      <a16:colId xmlns:a16="http://schemas.microsoft.com/office/drawing/2014/main" val="407476373"/>
-                    </a:ext>
-                  </a:extLst>
-                </a:gridCol>
-              </a:tblGrid>
-              <a:tr h="345552">
-                <a:tc>
-                  <a:txBody>
-                    <a:bodyPr/>
-                    <a:lstStyle/>
-                    <a:p>
-                      <a:endParaRPr lang="en-US" dirty="0"/>
-                    </a:p>
-                  </a:txBody>
-                  <a:tcPr/>
-                </a:tc>
-                <a:tc gridSpan="6">
-                  <a:txBody>
-                    <a:bodyPr/>
-                    <a:lstStyle/>
-                    <a:p>
-                      <a:pPr algn="ctr"/>
-                      <a:r>
-                        <a:rPr lang="en-US" dirty="0"/>
-                        <a:t>Two</a:t>
-                      </a:r>
-                    </a:p>
-                  </a:txBody>
-                  <a:tcPr/>
-                </a:tc>
-                <a:tc hMerge="1">
-                  <a:txBody>
-                    <a:bodyPr/>
-                    <a:lstStyle/>
-                    <a:p>
-                      <a:endParaRPr lang="en-US" dirty="0"/>
-                    </a:p>
-                  </a:txBody>
-                  <a:tcPr/>
-                </a:tc>
-                <a:tc hMerge="1">
-                  <a:txBody>
-                    <a:bodyPr/>
-                    <a:lstStyle/>
-                    <a:p>
-                      <a:endParaRPr lang="en-US" dirty="0"/>
-                    </a:p>
-                  </a:txBody>
-                  <a:tcPr/>
-                </a:tc>
-                <a:tc hMerge="1">
-                  <a:txBody>
-                    <a:bodyPr/>
-                    <a:lstStyle/>
-                    <a:p>
-                      <a:endParaRPr lang="en-US" dirty="0"/>
-                    </a:p>
-                  </a:txBody>
-                  <a:tcPr/>
-                </a:tc>
-                <a:tc hMerge="1">
-                  <a:txBody>
-                    <a:bodyPr/>
-                    <a:lstStyle/>
-                    <a:p>
-                      <a:endParaRPr lang="en-US" dirty="0"/>
-                    </a:p>
-                  </a:txBody>
-                  <a:tcPr/>
-                </a:tc>
-                <a:tc hMerge="1">
-                  <a:txBody>
-                    <a:bodyPr/>
-                    <a:lstStyle/>
-                    <a:p>
-                      <a:pPr algn="ctr"/>
-                      <a:endParaRPr lang="en-US" dirty="0"/>
-                    </a:p>
-                  </a:txBody>
-                  <a:tcPr/>
-                </a:tc>
-                <a:extLst>
-                  <a:ext uri="{0D108BD9-81ED-4DB2-BD59-A6C34878D82A}">
-                    <a16:rowId xmlns:a16="http://schemas.microsoft.com/office/drawing/2014/main" val="306709068"/>
-                  </a:ext>
-                </a:extLst>
-              </a:tr>
-              <a:tr h="345552">
-                <a:tc rowSpan="6">
-                  <a:txBody>
-                    <a:bodyPr/>
-                    <a:lstStyle/>
-                    <a:p>
-                      <a:pPr algn="ctr"/>
-                      <a:r>
-                        <a:rPr lang="en-US" dirty="0"/>
-                        <a:t>One</a:t>
-                      </a:r>
-                    </a:p>
-                  </a:txBody>
-                  <a:tcPr vert="vert270" anchor="ctr"/>
-                </a:tc>
-                <a:tc>
-                  <a:txBody>
-                    <a:bodyPr/>
-                    <a:lstStyle/>
-                    <a:p>
-                      <a:r>
-                        <a:rPr lang="en-US" dirty="0"/>
-                        <a:t>-</a:t>
-                      </a:r>
-                    </a:p>
-                  </a:txBody>
-                  <a:tcPr/>
-                </a:tc>
-                <a:tc>
-                  <a:txBody>
-                    <a:bodyPr/>
-                    <a:lstStyle/>
-                    <a:p>
-                      <a:r>
-                        <a:rPr lang="en-US" dirty="0"/>
-                        <a:t>Point</a:t>
-                      </a:r>
-                    </a:p>
-                  </a:txBody>
-                  <a:tcPr/>
-                </a:tc>
-                <a:tc>
-                  <a:txBody>
-                    <a:bodyPr/>
-                    <a:lstStyle/>
-                    <a:p>
-                      <a:r>
-                        <a:rPr lang="en-US" dirty="0"/>
-                        <a:t>Circle</a:t>
-                      </a:r>
-                    </a:p>
-                  </a:txBody>
-                  <a:tcPr/>
-                </a:tc>
-                <a:tc>
-                  <a:txBody>
-                    <a:bodyPr/>
-                    <a:lstStyle/>
-                    <a:p>
-                      <a:r>
-                        <a:rPr lang="en-US" dirty="0"/>
-                        <a:t>AAR</a:t>
-                      </a:r>
-                    </a:p>
-                  </a:txBody>
-                  <a:tcPr/>
-                </a:tc>
-                <a:tc>
-                  <a:txBody>
-                    <a:bodyPr/>
-                    <a:lstStyle/>
-                    <a:p>
-                      <a:r>
-                        <a:rPr lang="en-US" dirty="0"/>
-                        <a:t>Convex</a:t>
-                      </a:r>
-                    </a:p>
-                  </a:txBody>
-                  <a:tcPr/>
-                </a:tc>
-                <a:tc>
-                  <a:txBody>
-                    <a:bodyPr/>
-                    <a:lstStyle/>
-                    <a:p>
-                      <a:r>
-                        <a:rPr lang="en-US" dirty="0"/>
-                        <a:t>Concave</a:t>
-                      </a:r>
-                    </a:p>
-                  </a:txBody>
-                  <a:tcPr/>
-                </a:tc>
-                <a:extLst>
-                  <a:ext uri="{0D108BD9-81ED-4DB2-BD59-A6C34878D82A}">
-                    <a16:rowId xmlns:a16="http://schemas.microsoft.com/office/drawing/2014/main" val="165118986"/>
-                  </a:ext>
-                </a:extLst>
-              </a:tr>
-              <a:tr h="1321601">
-                <a:tc vMerge="1">
-                  <a:txBody>
-                    <a:bodyPr/>
-                    <a:lstStyle/>
-                    <a:p>
-                      <a:endParaRPr lang="en-US" dirty="0"/>
-                    </a:p>
-                  </a:txBody>
-                  <a:tcPr/>
-                </a:tc>
-                <a:tc>
-                  <a:txBody>
-                    <a:bodyPr/>
-                    <a:lstStyle/>
-                    <a:p>
-                      <a:r>
-                        <a:rPr lang="en-US" dirty="0"/>
-                        <a:t>Point</a:t>
-                      </a:r>
-                    </a:p>
-                  </a:txBody>
-                  <a:tcPr/>
-                </a:tc>
-                <a:tc>
-                  <a:txBody>
-                    <a:bodyPr/>
-                    <a:lstStyle/>
-                    <a:p>
-                      <a:endParaRPr lang="en-US" dirty="0"/>
-                    </a:p>
-                  </a:txBody>
-                  <a:tcPr/>
-                </a:tc>
-                <a:tc>
-                  <a:txBody>
-                    <a:bodyPr/>
-                    <a:lstStyle/>
-                    <a:p>
-                      <a:endParaRPr lang="en-US" dirty="0">
-                        <a:highlight>
-                          <a:srgbClr val="FF0000"/>
-                        </a:highlight>
-                      </a:endParaRPr>
-                    </a:p>
-                  </a:txBody>
-                  <a:tcPr/>
-                </a:tc>
-                <a:tc>
-                  <a:txBody>
-                    <a:bodyPr/>
-                    <a:lstStyle/>
-                    <a:p>
-                      <a:endParaRPr lang="en-US" dirty="0">
-                        <a:highlight>
-                          <a:srgbClr val="FF00FF"/>
-                        </a:highlight>
-                      </a:endParaRPr>
-                    </a:p>
-                  </a:txBody>
-                  <a:tcPr/>
-                </a:tc>
-                <a:tc>
-                  <a:txBody>
-                    <a:bodyPr/>
-                    <a:lstStyle/>
-                    <a:p>
-                      <a:endParaRPr lang="en-US" dirty="0">
-                        <a:highlight>
-                          <a:srgbClr val="FF00FF"/>
-                        </a:highlight>
-                      </a:endParaRPr>
-                    </a:p>
-                  </a:txBody>
-                  <a:tcPr/>
-                </a:tc>
-                <a:tc>
-                  <a:txBody>
-                    <a:bodyPr/>
-                    <a:lstStyle/>
-                    <a:p>
-                      <a:endParaRPr lang="en-US" b="1" dirty="0"/>
-                    </a:p>
-                  </a:txBody>
-                  <a:tcPr/>
-                </a:tc>
-                <a:extLst>
-                  <a:ext uri="{0D108BD9-81ED-4DB2-BD59-A6C34878D82A}">
-                    <a16:rowId xmlns:a16="http://schemas.microsoft.com/office/drawing/2014/main" val="1443863339"/>
-                  </a:ext>
-                </a:extLst>
-              </a:tr>
-              <a:tr h="1123046">
-                <a:tc vMerge="1">
-                  <a:txBody>
-                    <a:bodyPr/>
-                    <a:lstStyle/>
-                    <a:p>
-                      <a:endParaRPr lang="en-US" dirty="0"/>
-                    </a:p>
-                  </a:txBody>
-                  <a:tcPr/>
-                </a:tc>
-                <a:tc>
-                  <a:txBody>
-                    <a:bodyPr/>
-                    <a:lstStyle/>
-                    <a:p>
-                      <a:r>
-                        <a:rPr lang="en-US" dirty="0"/>
-                        <a:t>Circle</a:t>
-                      </a:r>
-                    </a:p>
-                  </a:txBody>
-                  <a:tcPr/>
-                </a:tc>
-                <a:tc>
-                  <a:txBody>
-                    <a:bodyPr/>
-                    <a:lstStyle/>
-                    <a:p>
-                      <a:endParaRPr lang="en-US" b="1" dirty="0"/>
-                    </a:p>
-                  </a:txBody>
-                  <a:tcPr/>
-                </a:tc>
-                <a:tc>
-                  <a:txBody>
-                    <a:bodyPr/>
-                    <a:lstStyle/>
-                    <a:p>
-                      <a:endParaRPr lang="en-US" dirty="0"/>
-                    </a:p>
-                  </a:txBody>
-                  <a:tcPr/>
-                </a:tc>
-                <a:tc>
-                  <a:txBody>
-                    <a:bodyPr/>
-                    <a:lstStyle/>
-                    <a:p>
-                      <a:endParaRPr lang="en-US" dirty="0"/>
-                    </a:p>
-                  </a:txBody>
-                  <a:tcPr/>
-                </a:tc>
-                <a:tc>
-                  <a:txBody>
-                    <a:bodyPr/>
-                    <a:lstStyle/>
-                    <a:p>
-                      <a:endParaRPr lang="en-US" dirty="0"/>
-                    </a:p>
-                  </a:txBody>
-                  <a:tcPr/>
-                </a:tc>
-                <a:tc>
-                  <a:txBody>
-                    <a:bodyPr/>
-                    <a:lstStyle/>
-                    <a:p>
-                      <a:pPr marL="0" marR="0" lvl="0" indent="0" algn="l" defTabSz="914400" rtl="0" eaLnBrk="1" fontAlgn="auto" latinLnBrk="0" hangingPunct="1">
-                        <a:lnSpc>
-                          <a:spcPct val="100000"/>
-                        </a:lnSpc>
-                        <a:spcBef>
-                          <a:spcPts val="0"/>
-                        </a:spcBef>
-                        <a:spcAft>
-                          <a:spcPts val="0"/>
-                        </a:spcAft>
-                        <a:buClrTx/>
-                        <a:buSzTx/>
-                        <a:buFontTx/>
-                        <a:buNone/>
-                        <a:tabLst/>
-                        <a:defRPr/>
-                      </a:pPr>
-                      <a:endParaRPr lang="en-US" b="1" dirty="0"/>
-                    </a:p>
-                  </a:txBody>
-                  <a:tcPr/>
-                </a:tc>
-                <a:extLst>
-                  <a:ext uri="{0D108BD9-81ED-4DB2-BD59-A6C34878D82A}">
-                    <a16:rowId xmlns:a16="http://schemas.microsoft.com/office/drawing/2014/main" val="4103566691"/>
-                  </a:ext>
-                </a:extLst>
-              </a:tr>
-              <a:tr h="1347079">
-                <a:tc vMerge="1">
-                  <a:txBody>
-                    <a:bodyPr/>
-                    <a:lstStyle/>
-                    <a:p>
-                      <a:endParaRPr lang="en-US" dirty="0"/>
-                    </a:p>
-                  </a:txBody>
-                  <a:tcPr/>
-                </a:tc>
-                <a:tc>
-                  <a:txBody>
-                    <a:bodyPr/>
-                    <a:lstStyle/>
-                    <a:p>
-                      <a:r>
-                        <a:rPr lang="en-US" dirty="0"/>
-                        <a:t>AAR</a:t>
-                      </a:r>
-                    </a:p>
-                  </a:txBody>
-                  <a:tcPr/>
-                </a:tc>
-                <a:tc>
-                  <a:txBody>
-                    <a:bodyPr/>
-                    <a:lstStyle/>
-                    <a:p>
-                      <a:endParaRPr lang="en-US" b="1" dirty="0"/>
-                    </a:p>
-                  </a:txBody>
-                  <a:tcPr/>
-                </a:tc>
-                <a:tc>
-                  <a:txBody>
-                    <a:bodyPr/>
-                    <a:lstStyle/>
-                    <a:p>
-                      <a:endParaRPr lang="en-US" b="1" dirty="0"/>
-                    </a:p>
-                  </a:txBody>
-                  <a:tcPr/>
-                </a:tc>
-                <a:tc>
-                  <a:txBody>
-                    <a:bodyPr/>
-                    <a:lstStyle/>
-                    <a:p>
-                      <a:endParaRPr lang="en-US" dirty="0"/>
-                    </a:p>
-                  </a:txBody>
-                  <a:tcPr/>
-                </a:tc>
-                <a:tc>
-                  <a:txBody>
-                    <a:bodyPr/>
-                    <a:lstStyle/>
-                    <a:p>
-                      <a:endParaRPr lang="en-US" dirty="0"/>
-                    </a:p>
-                  </a:txBody>
-                  <a:tcPr/>
-                </a:tc>
-                <a:tc>
-                  <a:txBody>
-                    <a:bodyPr/>
-                    <a:lstStyle/>
-                    <a:p>
-                      <a:pPr marL="0" marR="0" lvl="0" indent="0" algn="l" defTabSz="914400" rtl="0" eaLnBrk="1" fontAlgn="auto" latinLnBrk="0" hangingPunct="1">
-                        <a:lnSpc>
-                          <a:spcPct val="100000"/>
-                        </a:lnSpc>
-                        <a:spcBef>
-                          <a:spcPts val="0"/>
-                        </a:spcBef>
-                        <a:spcAft>
-                          <a:spcPts val="0"/>
-                        </a:spcAft>
-                        <a:buClrTx/>
-                        <a:buSzTx/>
-                        <a:buFontTx/>
-                        <a:buNone/>
-                        <a:tabLst/>
-                        <a:defRPr/>
-                      </a:pPr>
-                      <a:endParaRPr lang="en-US" b="1" dirty="0"/>
-                    </a:p>
-                  </a:txBody>
-                  <a:tcPr/>
-                </a:tc>
-                <a:extLst>
-                  <a:ext uri="{0D108BD9-81ED-4DB2-BD59-A6C34878D82A}">
-                    <a16:rowId xmlns:a16="http://schemas.microsoft.com/office/drawing/2014/main" val="44518630"/>
-                  </a:ext>
-                </a:extLst>
-              </a:tr>
-              <a:tr h="1251536">
-                <a:tc vMerge="1">
-                  <a:txBody>
-                    <a:bodyPr/>
-                    <a:lstStyle/>
-                    <a:p>
-                      <a:endParaRPr lang="en-US" dirty="0"/>
-                    </a:p>
-                  </a:txBody>
-                  <a:tcPr/>
-                </a:tc>
-                <a:tc>
-                  <a:txBody>
-                    <a:bodyPr/>
-                    <a:lstStyle/>
-                    <a:p>
-                      <a:r>
-                        <a:rPr lang="en-US" dirty="0"/>
-                        <a:t>Convex</a:t>
-                      </a:r>
-                    </a:p>
-                  </a:txBody>
-                  <a:tcPr/>
-                </a:tc>
-                <a:tc>
-                  <a:txBody>
-                    <a:bodyPr/>
-                    <a:lstStyle/>
-                    <a:p>
-                      <a:endParaRPr lang="en-US" b="1" dirty="0"/>
-                    </a:p>
-                  </a:txBody>
-                  <a:tcPr/>
-                </a:tc>
-                <a:tc>
-                  <a:txBody>
-                    <a:bodyPr/>
-                    <a:lstStyle/>
-                    <a:p>
-                      <a:endParaRPr lang="en-US" b="1" dirty="0"/>
-                    </a:p>
-                  </a:txBody>
-                  <a:tcPr/>
-                </a:tc>
-                <a:tc>
-                  <a:txBody>
-                    <a:bodyPr/>
-                    <a:lstStyle/>
-                    <a:p>
-                      <a:endParaRPr lang="en-US" b="1" dirty="0"/>
-                    </a:p>
-                  </a:txBody>
-                  <a:tcPr/>
-                </a:tc>
-                <a:tc>
-                  <a:txBody>
-                    <a:bodyPr/>
-                    <a:lstStyle/>
-                    <a:p>
-                      <a:pPr marL="0" marR="0" lvl="0" indent="0" algn="l" defTabSz="914400" rtl="0" eaLnBrk="1" fontAlgn="auto" latinLnBrk="0" hangingPunct="1">
-                        <a:lnSpc>
-                          <a:spcPct val="100000"/>
-                        </a:lnSpc>
-                        <a:spcBef>
-                          <a:spcPts val="0"/>
-                        </a:spcBef>
-                        <a:spcAft>
-                          <a:spcPts val="0"/>
-                        </a:spcAft>
-                        <a:buClrTx/>
-                        <a:buSzTx/>
-                        <a:buFontTx/>
-                        <a:buNone/>
-                        <a:tabLst/>
-                        <a:defRPr/>
-                      </a:pPr>
-                      <a:endParaRPr lang="en-US" dirty="0"/>
-                    </a:p>
-                  </a:txBody>
-                  <a:tcPr/>
-                </a:tc>
-                <a:tc>
-                  <a:txBody>
-                    <a:bodyPr/>
-                    <a:lstStyle/>
-                    <a:p>
-                      <a:pPr marL="0" marR="0" lvl="0" indent="0" algn="l" defTabSz="914400" rtl="0" eaLnBrk="1" fontAlgn="auto" latinLnBrk="0" hangingPunct="1">
-                        <a:lnSpc>
-                          <a:spcPct val="100000"/>
-                        </a:lnSpc>
-                        <a:spcBef>
-                          <a:spcPts val="0"/>
-                        </a:spcBef>
-                        <a:spcAft>
-                          <a:spcPts val="0"/>
-                        </a:spcAft>
-                        <a:buClrTx/>
-                        <a:buSzTx/>
-                        <a:buFontTx/>
-                        <a:buNone/>
-                        <a:tabLst/>
-                        <a:defRPr/>
-                      </a:pPr>
-                      <a:endParaRPr lang="en-US" b="1" dirty="0"/>
-                    </a:p>
-                  </a:txBody>
-                  <a:tcPr/>
-                </a:tc>
-                <a:extLst>
-                  <a:ext uri="{0D108BD9-81ED-4DB2-BD59-A6C34878D82A}">
-                    <a16:rowId xmlns:a16="http://schemas.microsoft.com/office/drawing/2014/main" val="3472991750"/>
-                  </a:ext>
-                </a:extLst>
-              </a:tr>
-              <a:tr h="910274">
-                <a:tc vMerge="1">
-                  <a:txBody>
-                    <a:bodyPr/>
-                    <a:lstStyle/>
-                    <a:p>
-                      <a:endParaRPr lang="en-US" dirty="0"/>
-                    </a:p>
-                  </a:txBody>
-                  <a:tcPr/>
-                </a:tc>
-                <a:tc>
-                  <a:txBody>
-                    <a:bodyPr/>
-                    <a:lstStyle/>
-                    <a:p>
-                      <a:r>
-                        <a:rPr lang="en-US" dirty="0"/>
-                        <a:t>Concave</a:t>
-                      </a:r>
-                    </a:p>
-                  </a:txBody>
-                  <a:tcPr/>
-                </a:tc>
-                <a:tc>
-                  <a:txBody>
-                    <a:bodyPr/>
-                    <a:lstStyle/>
-                    <a:p>
-                      <a:endParaRPr lang="en-US" b="1" dirty="0"/>
-                    </a:p>
-                  </a:txBody>
-                  <a:tcPr/>
-                </a:tc>
-                <a:tc>
-                  <a:txBody>
-                    <a:bodyPr/>
-                    <a:lstStyle/>
-                    <a:p>
-                      <a:endParaRPr lang="en-US" b="1" dirty="0"/>
-                    </a:p>
-                  </a:txBody>
-                  <a:tcPr/>
-                </a:tc>
-                <a:tc>
-                  <a:txBody>
-                    <a:bodyPr/>
-                    <a:lstStyle/>
-                    <a:p>
-                      <a:endParaRPr lang="en-US" b="1" dirty="0"/>
-                    </a:p>
-                  </a:txBody>
-                  <a:tcPr/>
-                </a:tc>
-                <a:tc>
-                  <a:txBody>
-                    <a:bodyPr/>
-                    <a:lstStyle/>
-                    <a:p>
-                      <a:endParaRPr lang="en-US" b="1" dirty="0"/>
-                    </a:p>
-                  </a:txBody>
-                  <a:tcPr/>
-                </a:tc>
-                <a:tc>
-                  <a:txBody>
-                    <a:bodyPr/>
-                    <a:lstStyle/>
-                    <a:p>
-                      <a:pPr marL="0" marR="0" lvl="0" indent="0" algn="l" defTabSz="914400" rtl="0" eaLnBrk="1" fontAlgn="auto" latinLnBrk="0" hangingPunct="1">
-                        <a:lnSpc>
-                          <a:spcPct val="100000"/>
-                        </a:lnSpc>
-                        <a:spcBef>
-                          <a:spcPts val="0"/>
-                        </a:spcBef>
-                        <a:spcAft>
-                          <a:spcPts val="0"/>
-                        </a:spcAft>
-                        <a:buClrTx/>
-                        <a:buSzTx/>
-                        <a:buFontTx/>
-                        <a:buNone/>
-                        <a:tabLst/>
-                        <a:defRPr/>
-                      </a:pPr>
-                      <a:endParaRPr lang="en-US" b="1" dirty="0"/>
-                    </a:p>
-                  </a:txBody>
-                  <a:tcPr/>
-                </a:tc>
-                <a:extLst>
-                  <a:ext uri="{0D108BD9-81ED-4DB2-BD59-A6C34878D82A}">
-                    <a16:rowId xmlns:a16="http://schemas.microsoft.com/office/drawing/2014/main" val="3605684786"/>
-                  </a:ext>
-                </a:extLst>
-              </a:tr>
-            </a:tbl>
-          </a:graphicData>
-        </a:graphic>
-      </p:graphicFrame>
-    </p:spTree>
-    <p:extLst>
-      <p:ext uri="{BB962C8B-B14F-4D97-AF65-F5344CB8AC3E}">
-        <p14:creationId xmlns:p14="http://schemas.microsoft.com/office/powerpoint/2010/main" val="4053374155"/>
       </p:ext>
     </p:extLst>
   </p:cSld>
@@ -21227,6 +20924,799 @@
           <p:cNvGraphicFramePr>
             <a:graphicFrameLocks noGrp="1"/>
           </p:cNvGraphicFramePr>
+          <p:nvPr>
+            <p:extLst>
+              <p:ext uri="{D42A27DB-BD31-4B8C-83A1-F6EECF244321}">
+                <p14:modId xmlns:p14="http://schemas.microsoft.com/office/powerpoint/2010/main" val="343215556"/>
+              </p:ext>
+            </p:extLst>
+          </p:nvPr>
+        </p:nvGraphicFramePr>
+        <p:xfrm>
+          <a:off x="0" y="1"/>
+          <a:ext cx="12191999" cy="6685056"/>
+        </p:xfrm>
+        <a:graphic>
+          <a:graphicData uri="http://schemas.openxmlformats.org/drawingml/2006/table">
+            <a:tbl>
+              <a:tblPr firstRow="1" bandRow="1">
+                <a:tableStyleId>{5940675A-B579-460E-94D1-54222C63F5DA}</a:tableStyleId>
+              </a:tblPr>
+              <a:tblGrid>
+                <a:gridCol w="489122">
+                  <a:extLst>
+                    <a:ext uri="{9D8B030D-6E8A-4147-A177-3AD203B41FA5}">
+                      <a16:colId xmlns:a16="http://schemas.microsoft.com/office/drawing/2014/main" val="716726513"/>
+                    </a:ext>
+                  </a:extLst>
+                </a:gridCol>
+                <a:gridCol w="1862709">
+                  <a:extLst>
+                    <a:ext uri="{9D8B030D-6E8A-4147-A177-3AD203B41FA5}">
+                      <a16:colId xmlns:a16="http://schemas.microsoft.com/office/drawing/2014/main" val="2537481366"/>
+                    </a:ext>
+                  </a:extLst>
+                </a:gridCol>
+                <a:gridCol w="1314272">
+                  <a:extLst>
+                    <a:ext uri="{9D8B030D-6E8A-4147-A177-3AD203B41FA5}">
+                      <a16:colId xmlns:a16="http://schemas.microsoft.com/office/drawing/2014/main" val="1913629758"/>
+                    </a:ext>
+                  </a:extLst>
+                </a:gridCol>
+                <a:gridCol w="2131474">
+                  <a:extLst>
+                    <a:ext uri="{9D8B030D-6E8A-4147-A177-3AD203B41FA5}">
+                      <a16:colId xmlns:a16="http://schemas.microsoft.com/office/drawing/2014/main" val="4007346255"/>
+                    </a:ext>
+                  </a:extLst>
+                </a:gridCol>
+                <a:gridCol w="2131474">
+                  <a:extLst>
+                    <a:ext uri="{9D8B030D-6E8A-4147-A177-3AD203B41FA5}">
+                      <a16:colId xmlns:a16="http://schemas.microsoft.com/office/drawing/2014/main" val="2090263074"/>
+                    </a:ext>
+                  </a:extLst>
+                </a:gridCol>
+                <a:gridCol w="2131474">
+                  <a:extLst>
+                    <a:ext uri="{9D8B030D-6E8A-4147-A177-3AD203B41FA5}">
+                      <a16:colId xmlns:a16="http://schemas.microsoft.com/office/drawing/2014/main" val="842783627"/>
+                    </a:ext>
+                  </a:extLst>
+                </a:gridCol>
+                <a:gridCol w="2131474">
+                  <a:extLst>
+                    <a:ext uri="{9D8B030D-6E8A-4147-A177-3AD203B41FA5}">
+                      <a16:colId xmlns:a16="http://schemas.microsoft.com/office/drawing/2014/main" val="407476373"/>
+                    </a:ext>
+                  </a:extLst>
+                </a:gridCol>
+              </a:tblGrid>
+              <a:tr h="345552">
+                <a:tc>
+                  <a:txBody>
+                    <a:bodyPr/>
+                    <a:lstStyle/>
+                    <a:p>
+                      <a:endParaRPr lang="en-US" dirty="0"/>
+                    </a:p>
+                  </a:txBody>
+                  <a:tcPr/>
+                </a:tc>
+                <a:tc gridSpan="6">
+                  <a:txBody>
+                    <a:bodyPr/>
+                    <a:lstStyle/>
+                    <a:p>
+                      <a:pPr algn="ctr"/>
+                      <a:r>
+                        <a:rPr lang="en-US" dirty="0"/>
+                        <a:t>Two</a:t>
+                      </a:r>
+                    </a:p>
+                  </a:txBody>
+                  <a:tcPr/>
+                </a:tc>
+                <a:tc hMerge="1">
+                  <a:txBody>
+                    <a:bodyPr/>
+                    <a:lstStyle/>
+                    <a:p>
+                      <a:endParaRPr lang="en-US" dirty="0"/>
+                    </a:p>
+                  </a:txBody>
+                  <a:tcPr/>
+                </a:tc>
+                <a:tc hMerge="1">
+                  <a:txBody>
+                    <a:bodyPr/>
+                    <a:lstStyle/>
+                    <a:p>
+                      <a:endParaRPr lang="en-US" dirty="0"/>
+                    </a:p>
+                  </a:txBody>
+                  <a:tcPr/>
+                </a:tc>
+                <a:tc hMerge="1">
+                  <a:txBody>
+                    <a:bodyPr/>
+                    <a:lstStyle/>
+                    <a:p>
+                      <a:endParaRPr lang="en-US" dirty="0"/>
+                    </a:p>
+                  </a:txBody>
+                  <a:tcPr/>
+                </a:tc>
+                <a:tc hMerge="1">
+                  <a:txBody>
+                    <a:bodyPr/>
+                    <a:lstStyle/>
+                    <a:p>
+                      <a:endParaRPr lang="en-US" dirty="0"/>
+                    </a:p>
+                  </a:txBody>
+                  <a:tcPr/>
+                </a:tc>
+                <a:tc hMerge="1">
+                  <a:txBody>
+                    <a:bodyPr/>
+                    <a:lstStyle/>
+                    <a:p>
+                      <a:pPr algn="ctr"/>
+                      <a:endParaRPr lang="en-US" dirty="0"/>
+                    </a:p>
+                  </a:txBody>
+                  <a:tcPr/>
+                </a:tc>
+                <a:extLst>
+                  <a:ext uri="{0D108BD9-81ED-4DB2-BD59-A6C34878D82A}">
+                    <a16:rowId xmlns:a16="http://schemas.microsoft.com/office/drawing/2014/main" val="306709068"/>
+                  </a:ext>
+                </a:extLst>
+              </a:tr>
+              <a:tr h="345552">
+                <a:tc rowSpan="6">
+                  <a:txBody>
+                    <a:bodyPr/>
+                    <a:lstStyle/>
+                    <a:p>
+                      <a:pPr algn="ctr"/>
+                      <a:r>
+                        <a:rPr lang="en-US" dirty="0"/>
+                        <a:t>One</a:t>
+                      </a:r>
+                    </a:p>
+                  </a:txBody>
+                  <a:tcPr vert="vert270" anchor="ctr"/>
+                </a:tc>
+                <a:tc>
+                  <a:txBody>
+                    <a:bodyPr/>
+                    <a:lstStyle/>
+                    <a:p>
+                      <a:r>
+                        <a:rPr lang="en-US" dirty="0"/>
+                        <a:t>-</a:t>
+                      </a:r>
+                    </a:p>
+                  </a:txBody>
+                  <a:tcPr/>
+                </a:tc>
+                <a:tc>
+                  <a:txBody>
+                    <a:bodyPr/>
+                    <a:lstStyle/>
+                    <a:p>
+                      <a:r>
+                        <a:rPr lang="en-US" dirty="0"/>
+                        <a:t>Point</a:t>
+                      </a:r>
+                    </a:p>
+                  </a:txBody>
+                  <a:tcPr/>
+                </a:tc>
+                <a:tc>
+                  <a:txBody>
+                    <a:bodyPr/>
+                    <a:lstStyle/>
+                    <a:p>
+                      <a:r>
+                        <a:rPr lang="en-US" dirty="0"/>
+                        <a:t>Circle</a:t>
+                      </a:r>
+                    </a:p>
+                  </a:txBody>
+                  <a:tcPr/>
+                </a:tc>
+                <a:tc>
+                  <a:txBody>
+                    <a:bodyPr/>
+                    <a:lstStyle/>
+                    <a:p>
+                      <a:r>
+                        <a:rPr lang="en-US" dirty="0"/>
+                        <a:t>AAR</a:t>
+                      </a:r>
+                    </a:p>
+                  </a:txBody>
+                  <a:tcPr/>
+                </a:tc>
+                <a:tc>
+                  <a:txBody>
+                    <a:bodyPr/>
+                    <a:lstStyle/>
+                    <a:p>
+                      <a:r>
+                        <a:rPr lang="en-US" dirty="0"/>
+                        <a:t>Convex</a:t>
+                      </a:r>
+                    </a:p>
+                  </a:txBody>
+                  <a:tcPr/>
+                </a:tc>
+                <a:tc>
+                  <a:txBody>
+                    <a:bodyPr/>
+                    <a:lstStyle/>
+                    <a:p>
+                      <a:r>
+                        <a:rPr lang="en-US" dirty="0"/>
+                        <a:t>Concave</a:t>
+                      </a:r>
+                    </a:p>
+                  </a:txBody>
+                  <a:tcPr/>
+                </a:tc>
+                <a:extLst>
+                  <a:ext uri="{0D108BD9-81ED-4DB2-BD59-A6C34878D82A}">
+                    <a16:rowId xmlns:a16="http://schemas.microsoft.com/office/drawing/2014/main" val="165118986"/>
+                  </a:ext>
+                </a:extLst>
+              </a:tr>
+              <a:tr h="1321601">
+                <a:tc vMerge="1">
+                  <a:txBody>
+                    <a:bodyPr/>
+                    <a:lstStyle/>
+                    <a:p>
+                      <a:endParaRPr lang="en-US" dirty="0"/>
+                    </a:p>
+                  </a:txBody>
+                  <a:tcPr/>
+                </a:tc>
+                <a:tc>
+                  <a:txBody>
+                    <a:bodyPr/>
+                    <a:lstStyle/>
+                    <a:p>
+                      <a:r>
+                        <a:rPr lang="en-US" dirty="0"/>
+                        <a:t>Point</a:t>
+                      </a:r>
+                    </a:p>
+                  </a:txBody>
+                  <a:tcPr/>
+                </a:tc>
+                <a:tc>
+                  <a:txBody>
+                    <a:bodyPr/>
+                    <a:lstStyle/>
+                    <a:p>
+                      <a:endParaRPr lang="en-US" dirty="0"/>
+                    </a:p>
+                  </a:txBody>
+                  <a:tcPr/>
+                </a:tc>
+                <a:tc>
+                  <a:txBody>
+                    <a:bodyPr/>
+                    <a:lstStyle/>
+                    <a:p>
+                      <a:endParaRPr lang="en-US" dirty="0">
+                        <a:highlight>
+                          <a:srgbClr val="FF0000"/>
+                        </a:highlight>
+                      </a:endParaRPr>
+                    </a:p>
+                  </a:txBody>
+                  <a:tcPr/>
+                </a:tc>
+                <a:tc>
+                  <a:txBody>
+                    <a:bodyPr/>
+                    <a:lstStyle/>
+                    <a:p>
+                      <a:endParaRPr lang="en-US" dirty="0">
+                        <a:highlight>
+                          <a:srgbClr val="FF00FF"/>
+                        </a:highlight>
+                      </a:endParaRPr>
+                    </a:p>
+                  </a:txBody>
+                  <a:tcPr/>
+                </a:tc>
+                <a:tc>
+                  <a:txBody>
+                    <a:bodyPr/>
+                    <a:lstStyle/>
+                    <a:p>
+                      <a:endParaRPr lang="en-US" dirty="0">
+                        <a:highlight>
+                          <a:srgbClr val="FF00FF"/>
+                        </a:highlight>
+                      </a:endParaRPr>
+                    </a:p>
+                  </a:txBody>
+                  <a:tcPr/>
+                </a:tc>
+                <a:tc>
+                  <a:txBody>
+                    <a:bodyPr/>
+                    <a:lstStyle/>
+                    <a:p>
+                      <a:endParaRPr lang="en-US" b="1" dirty="0"/>
+                    </a:p>
+                  </a:txBody>
+                  <a:tcPr/>
+                </a:tc>
+                <a:extLst>
+                  <a:ext uri="{0D108BD9-81ED-4DB2-BD59-A6C34878D82A}">
+                    <a16:rowId xmlns:a16="http://schemas.microsoft.com/office/drawing/2014/main" val="1443863339"/>
+                  </a:ext>
+                </a:extLst>
+              </a:tr>
+              <a:tr h="1123046">
+                <a:tc vMerge="1">
+                  <a:txBody>
+                    <a:bodyPr/>
+                    <a:lstStyle/>
+                    <a:p>
+                      <a:endParaRPr lang="en-US" dirty="0"/>
+                    </a:p>
+                  </a:txBody>
+                  <a:tcPr/>
+                </a:tc>
+                <a:tc>
+                  <a:txBody>
+                    <a:bodyPr/>
+                    <a:lstStyle/>
+                    <a:p>
+                      <a:r>
+                        <a:rPr lang="en-US" dirty="0"/>
+                        <a:t>Circle</a:t>
+                      </a:r>
+                    </a:p>
+                  </a:txBody>
+                  <a:tcPr/>
+                </a:tc>
+                <a:tc>
+                  <a:txBody>
+                    <a:bodyPr/>
+                    <a:lstStyle/>
+                    <a:p>
+                      <a:endParaRPr lang="en-US" b="1" dirty="0"/>
+                    </a:p>
+                  </a:txBody>
+                  <a:tcPr/>
+                </a:tc>
+                <a:tc>
+                  <a:txBody>
+                    <a:bodyPr/>
+                    <a:lstStyle/>
+                    <a:p>
+                      <a:endParaRPr lang="en-US" dirty="0"/>
+                    </a:p>
+                  </a:txBody>
+                  <a:tcPr/>
+                </a:tc>
+                <a:tc>
+                  <a:txBody>
+                    <a:bodyPr/>
+                    <a:lstStyle/>
+                    <a:p>
+                      <a:endParaRPr lang="en-US" dirty="0"/>
+                    </a:p>
+                  </a:txBody>
+                  <a:tcPr/>
+                </a:tc>
+                <a:tc>
+                  <a:txBody>
+                    <a:bodyPr/>
+                    <a:lstStyle/>
+                    <a:p>
+                      <a:endParaRPr lang="en-US" dirty="0"/>
+                    </a:p>
+                  </a:txBody>
+                  <a:tcPr/>
+                </a:tc>
+                <a:tc>
+                  <a:txBody>
+                    <a:bodyPr/>
+                    <a:lstStyle/>
+                    <a:p>
+                      <a:pPr marL="0" marR="0" lvl="0" indent="0" algn="l" defTabSz="914400" rtl="0" eaLnBrk="1" fontAlgn="auto" latinLnBrk="0" hangingPunct="1">
+                        <a:lnSpc>
+                          <a:spcPct val="100000"/>
+                        </a:lnSpc>
+                        <a:spcBef>
+                          <a:spcPts val="0"/>
+                        </a:spcBef>
+                        <a:spcAft>
+                          <a:spcPts val="0"/>
+                        </a:spcAft>
+                        <a:buClrTx/>
+                        <a:buSzTx/>
+                        <a:buFontTx/>
+                        <a:buNone/>
+                        <a:tabLst/>
+                        <a:defRPr/>
+                      </a:pPr>
+                      <a:endParaRPr lang="en-US" b="1" dirty="0"/>
+                    </a:p>
+                  </a:txBody>
+                  <a:tcPr/>
+                </a:tc>
+                <a:extLst>
+                  <a:ext uri="{0D108BD9-81ED-4DB2-BD59-A6C34878D82A}">
+                    <a16:rowId xmlns:a16="http://schemas.microsoft.com/office/drawing/2014/main" val="4103566691"/>
+                  </a:ext>
+                </a:extLst>
+              </a:tr>
+              <a:tr h="1347079">
+                <a:tc vMerge="1">
+                  <a:txBody>
+                    <a:bodyPr/>
+                    <a:lstStyle/>
+                    <a:p>
+                      <a:endParaRPr lang="en-US" dirty="0"/>
+                    </a:p>
+                  </a:txBody>
+                  <a:tcPr/>
+                </a:tc>
+                <a:tc>
+                  <a:txBody>
+                    <a:bodyPr/>
+                    <a:lstStyle/>
+                    <a:p>
+                      <a:r>
+                        <a:rPr lang="en-US" dirty="0"/>
+                        <a:t>AAR</a:t>
+                      </a:r>
+                    </a:p>
+                  </a:txBody>
+                  <a:tcPr/>
+                </a:tc>
+                <a:tc>
+                  <a:txBody>
+                    <a:bodyPr/>
+                    <a:lstStyle/>
+                    <a:p>
+                      <a:endParaRPr lang="en-US" b="1" dirty="0"/>
+                    </a:p>
+                  </a:txBody>
+                  <a:tcPr/>
+                </a:tc>
+                <a:tc>
+                  <a:txBody>
+                    <a:bodyPr/>
+                    <a:lstStyle/>
+                    <a:p>
+                      <a:endParaRPr lang="en-US" b="1" dirty="0"/>
+                    </a:p>
+                  </a:txBody>
+                  <a:tcPr/>
+                </a:tc>
+                <a:tc>
+                  <a:txBody>
+                    <a:bodyPr/>
+                    <a:lstStyle/>
+                    <a:p>
+                      <a:endParaRPr lang="en-US" dirty="0"/>
+                    </a:p>
+                  </a:txBody>
+                  <a:tcPr/>
+                </a:tc>
+                <a:tc>
+                  <a:txBody>
+                    <a:bodyPr/>
+                    <a:lstStyle/>
+                    <a:p>
+                      <a:endParaRPr lang="en-US" dirty="0"/>
+                    </a:p>
+                  </a:txBody>
+                  <a:tcPr/>
+                </a:tc>
+                <a:tc>
+                  <a:txBody>
+                    <a:bodyPr/>
+                    <a:lstStyle/>
+                    <a:p>
+                      <a:pPr marL="0" marR="0" lvl="0" indent="0" algn="l" defTabSz="914400" rtl="0" eaLnBrk="1" fontAlgn="auto" latinLnBrk="0" hangingPunct="1">
+                        <a:lnSpc>
+                          <a:spcPct val="100000"/>
+                        </a:lnSpc>
+                        <a:spcBef>
+                          <a:spcPts val="0"/>
+                        </a:spcBef>
+                        <a:spcAft>
+                          <a:spcPts val="0"/>
+                        </a:spcAft>
+                        <a:buClrTx/>
+                        <a:buSzTx/>
+                        <a:buFontTx/>
+                        <a:buNone/>
+                        <a:tabLst/>
+                        <a:defRPr/>
+                      </a:pPr>
+                      <a:endParaRPr lang="en-US" b="1" dirty="0"/>
+                    </a:p>
+                  </a:txBody>
+                  <a:tcPr/>
+                </a:tc>
+                <a:extLst>
+                  <a:ext uri="{0D108BD9-81ED-4DB2-BD59-A6C34878D82A}">
+                    <a16:rowId xmlns:a16="http://schemas.microsoft.com/office/drawing/2014/main" val="44518630"/>
+                  </a:ext>
+                </a:extLst>
+              </a:tr>
+              <a:tr h="1251536">
+                <a:tc vMerge="1">
+                  <a:txBody>
+                    <a:bodyPr/>
+                    <a:lstStyle/>
+                    <a:p>
+                      <a:endParaRPr lang="en-US" dirty="0"/>
+                    </a:p>
+                  </a:txBody>
+                  <a:tcPr/>
+                </a:tc>
+                <a:tc>
+                  <a:txBody>
+                    <a:bodyPr/>
+                    <a:lstStyle/>
+                    <a:p>
+                      <a:r>
+                        <a:rPr lang="en-US" dirty="0"/>
+                        <a:t>Convex</a:t>
+                      </a:r>
+                    </a:p>
+                  </a:txBody>
+                  <a:tcPr/>
+                </a:tc>
+                <a:tc>
+                  <a:txBody>
+                    <a:bodyPr/>
+                    <a:lstStyle/>
+                    <a:p>
+                      <a:endParaRPr lang="en-US" b="1" dirty="0"/>
+                    </a:p>
+                  </a:txBody>
+                  <a:tcPr/>
+                </a:tc>
+                <a:tc>
+                  <a:txBody>
+                    <a:bodyPr/>
+                    <a:lstStyle/>
+                    <a:p>
+                      <a:endParaRPr lang="en-US" b="1" dirty="0"/>
+                    </a:p>
+                  </a:txBody>
+                  <a:tcPr/>
+                </a:tc>
+                <a:tc>
+                  <a:txBody>
+                    <a:bodyPr/>
+                    <a:lstStyle/>
+                    <a:p>
+                      <a:endParaRPr lang="en-US" b="1" dirty="0"/>
+                    </a:p>
+                  </a:txBody>
+                  <a:tcPr/>
+                </a:tc>
+                <a:tc>
+                  <a:txBody>
+                    <a:bodyPr/>
+                    <a:lstStyle/>
+                    <a:p>
+                      <a:pPr marL="0" marR="0" lvl="0" indent="0" algn="l" defTabSz="914400" rtl="0" eaLnBrk="1" fontAlgn="auto" latinLnBrk="0" hangingPunct="1">
+                        <a:lnSpc>
+                          <a:spcPct val="100000"/>
+                        </a:lnSpc>
+                        <a:spcBef>
+                          <a:spcPts val="0"/>
+                        </a:spcBef>
+                        <a:spcAft>
+                          <a:spcPts val="0"/>
+                        </a:spcAft>
+                        <a:buClrTx/>
+                        <a:buSzTx/>
+                        <a:buFontTx/>
+                        <a:buNone/>
+                        <a:tabLst/>
+                        <a:defRPr/>
+                      </a:pPr>
+                      <a:endParaRPr lang="en-US" dirty="0"/>
+                    </a:p>
+                  </a:txBody>
+                  <a:tcPr/>
+                </a:tc>
+                <a:tc>
+                  <a:txBody>
+                    <a:bodyPr/>
+                    <a:lstStyle/>
+                    <a:p>
+                      <a:pPr marL="0" marR="0" lvl="0" indent="0" algn="l" defTabSz="914400" rtl="0" eaLnBrk="1" fontAlgn="auto" latinLnBrk="0" hangingPunct="1">
+                        <a:lnSpc>
+                          <a:spcPct val="100000"/>
+                        </a:lnSpc>
+                        <a:spcBef>
+                          <a:spcPts val="0"/>
+                        </a:spcBef>
+                        <a:spcAft>
+                          <a:spcPts val="0"/>
+                        </a:spcAft>
+                        <a:buClrTx/>
+                        <a:buSzTx/>
+                        <a:buFontTx/>
+                        <a:buNone/>
+                        <a:tabLst/>
+                        <a:defRPr/>
+                      </a:pPr>
+                      <a:endParaRPr lang="en-US" b="1" dirty="0"/>
+                    </a:p>
+                  </a:txBody>
+                  <a:tcPr/>
+                </a:tc>
+                <a:extLst>
+                  <a:ext uri="{0D108BD9-81ED-4DB2-BD59-A6C34878D82A}">
+                    <a16:rowId xmlns:a16="http://schemas.microsoft.com/office/drawing/2014/main" val="3472991750"/>
+                  </a:ext>
+                </a:extLst>
+              </a:tr>
+              <a:tr h="910274">
+                <a:tc vMerge="1">
+                  <a:txBody>
+                    <a:bodyPr/>
+                    <a:lstStyle/>
+                    <a:p>
+                      <a:endParaRPr lang="en-US" dirty="0"/>
+                    </a:p>
+                  </a:txBody>
+                  <a:tcPr/>
+                </a:tc>
+                <a:tc>
+                  <a:txBody>
+                    <a:bodyPr/>
+                    <a:lstStyle/>
+                    <a:p>
+                      <a:r>
+                        <a:rPr lang="en-US" dirty="0"/>
+                        <a:t>Concave</a:t>
+                      </a:r>
+                    </a:p>
+                  </a:txBody>
+                  <a:tcPr/>
+                </a:tc>
+                <a:tc>
+                  <a:txBody>
+                    <a:bodyPr/>
+                    <a:lstStyle/>
+                    <a:p>
+                      <a:endParaRPr lang="en-US" b="1" dirty="0"/>
+                    </a:p>
+                  </a:txBody>
+                  <a:tcPr/>
+                </a:tc>
+                <a:tc>
+                  <a:txBody>
+                    <a:bodyPr/>
+                    <a:lstStyle/>
+                    <a:p>
+                      <a:endParaRPr lang="en-US" b="1" dirty="0"/>
+                    </a:p>
+                  </a:txBody>
+                  <a:tcPr/>
+                </a:tc>
+                <a:tc>
+                  <a:txBody>
+                    <a:bodyPr/>
+                    <a:lstStyle/>
+                    <a:p>
+                      <a:endParaRPr lang="en-US" b="1" dirty="0"/>
+                    </a:p>
+                  </a:txBody>
+                  <a:tcPr/>
+                </a:tc>
+                <a:tc>
+                  <a:txBody>
+                    <a:bodyPr/>
+                    <a:lstStyle/>
+                    <a:p>
+                      <a:endParaRPr lang="en-US" b="1" dirty="0"/>
+                    </a:p>
+                  </a:txBody>
+                  <a:tcPr/>
+                </a:tc>
+                <a:tc>
+                  <a:txBody>
+                    <a:bodyPr/>
+                    <a:lstStyle/>
+                    <a:p>
+                      <a:pPr marL="0" marR="0" lvl="0" indent="0" algn="l" defTabSz="914400" rtl="0" eaLnBrk="1" fontAlgn="auto" latinLnBrk="0" hangingPunct="1">
+                        <a:lnSpc>
+                          <a:spcPct val="100000"/>
+                        </a:lnSpc>
+                        <a:spcBef>
+                          <a:spcPts val="0"/>
+                        </a:spcBef>
+                        <a:spcAft>
+                          <a:spcPts val="0"/>
+                        </a:spcAft>
+                        <a:buClrTx/>
+                        <a:buSzTx/>
+                        <a:buFontTx/>
+                        <a:buNone/>
+                        <a:tabLst/>
+                        <a:defRPr/>
+                      </a:pPr>
+                      <a:endParaRPr lang="en-US" b="1" dirty="0"/>
+                    </a:p>
+                  </a:txBody>
+                  <a:tcPr/>
+                </a:tc>
+                <a:extLst>
+                  <a:ext uri="{0D108BD9-81ED-4DB2-BD59-A6C34878D82A}">
+                    <a16:rowId xmlns:a16="http://schemas.microsoft.com/office/drawing/2014/main" val="3605684786"/>
+                  </a:ext>
+                </a:extLst>
+              </a:tr>
+            </a:tbl>
+          </a:graphicData>
+        </a:graphic>
+      </p:graphicFrame>
+    </p:spTree>
+    <p:extLst>
+      <p:ext uri="{BB962C8B-B14F-4D97-AF65-F5344CB8AC3E}">
+        <p14:creationId xmlns:p14="http://schemas.microsoft.com/office/powerpoint/2010/main" val="4053374155"/>
+      </p:ext>
+    </p:extLst>
+  </p:cSld>
+  <p:clrMapOvr>
+    <a:masterClrMapping/>
+  </p:clrMapOvr>
+</p:sld>
+</file>
+
+<file path=ppt/slides/slide21.xml><?xml version="1.0" encoding="utf-8"?>
+<p:sld xmlns:a="http://schemas.openxmlformats.org/drawingml/2006/main" xmlns:r="http://schemas.openxmlformats.org/officeDocument/2006/relationships" xmlns:p="http://schemas.openxmlformats.org/presentationml/2006/main">
+  <p:cSld>
+    <p:spTree>
+      <p:nvGrpSpPr>
+        <p:cNvPr id="1" name=""/>
+        <p:cNvGrpSpPr/>
+        <p:nvPr/>
+      </p:nvGrpSpPr>
+      <p:grpSpPr>
+        <a:xfrm>
+          <a:off x="0" y="0"/>
+          <a:ext cx="0" cy="0"/>
+          <a:chOff x="0" y="0"/>
+          <a:chExt cx="0" cy="0"/>
+        </a:xfrm>
+      </p:grpSpPr>
+      <p:graphicFrame>
+        <p:nvGraphicFramePr>
+          <p:cNvPr id="4" name="Table 4">
+            <a:extLst>
+              <a:ext uri="{FF2B5EF4-FFF2-40B4-BE49-F238E27FC236}">
+                <a16:creationId xmlns:a16="http://schemas.microsoft.com/office/drawing/2014/main" id="{956CCF6E-976D-405A-AB38-F1B7FF885023}"/>
+              </a:ext>
+            </a:extLst>
+          </p:cNvPr>
+          <p:cNvGraphicFramePr>
+            <a:graphicFrameLocks noGrp="1"/>
+          </p:cNvGraphicFramePr>
           <p:nvPr/>
         </p:nvGraphicFramePr>
         <p:xfrm>
@@ -22166,7 +22656,7 @@
 </p:sld>
 </file>
 
-<file path=ppt/slides/slide21.xml><?xml version="1.0" encoding="utf-8"?>
+<file path=ppt/slides/slide22.xml><?xml version="1.0" encoding="utf-8"?>
 <p:sld xmlns:a="http://schemas.openxmlformats.org/drawingml/2006/main" xmlns:r="http://schemas.openxmlformats.org/officeDocument/2006/relationships" xmlns:p="http://schemas.openxmlformats.org/presentationml/2006/main">
   <p:cSld>
     <p:spTree>
@@ -24319,7 +24809,7 @@
 </p:sld>
 </file>
 
-<file path=ppt/slides/slide22.xml><?xml version="1.0" encoding="utf-8"?>
+<file path=ppt/slides/slide23.xml><?xml version="1.0" encoding="utf-8"?>
 <p:sld xmlns:a="http://schemas.openxmlformats.org/drawingml/2006/main" xmlns:r="http://schemas.openxmlformats.org/officeDocument/2006/relationships" xmlns:p="http://schemas.openxmlformats.org/presentationml/2006/main">
   <p:cSld>
     <p:spTree>
@@ -26149,7 +26639,7 @@
 </p:sld>
 </file>
 
-<file path=ppt/slides/slide23.xml><?xml version="1.0" encoding="utf-8"?>
+<file path=ppt/slides/slide24.xml><?xml version="1.0" encoding="utf-8"?>
 <p:sld xmlns:a="http://schemas.openxmlformats.org/drawingml/2006/main" xmlns:r="http://schemas.openxmlformats.org/officeDocument/2006/relationships" xmlns:p="http://schemas.openxmlformats.org/presentationml/2006/main">
   <p:cSld>
     <p:spTree>
@@ -29337,7 +29827,7 @@
 </p:sld>
 </file>
 
-<file path=ppt/slides/slide24.xml><?xml version="1.0" encoding="utf-8"?>
+<file path=ppt/slides/slide25.xml><?xml version="1.0" encoding="utf-8"?>
 <p:sld xmlns:a="http://schemas.openxmlformats.org/drawingml/2006/main" xmlns:r="http://schemas.openxmlformats.org/officeDocument/2006/relationships" xmlns:p="http://schemas.openxmlformats.org/presentationml/2006/main">
   <p:cSld>
     <p:spTree>
@@ -33919,7 +34409,7 @@
 </p:sld>
 </file>
 
-<file path=ppt/slides/slide25.xml><?xml version="1.0" encoding="utf-8"?>
+<file path=ppt/slides/slide26.xml><?xml version="1.0" encoding="utf-8"?>
 <p:sld xmlns:a="http://schemas.openxmlformats.org/drawingml/2006/main" xmlns:r="http://schemas.openxmlformats.org/officeDocument/2006/relationships" xmlns:p="http://schemas.openxmlformats.org/presentationml/2006/main">
   <p:cSld>
     <p:spTree>
@@ -40248,7 +40738,7 @@
 </p:sld>
 </file>
 
-<file path=ppt/slides/slide26.xml><?xml version="1.0" encoding="utf-8"?>
+<file path=ppt/slides/slide27.xml><?xml version="1.0" encoding="utf-8"?>
 <p:sld xmlns:a="http://schemas.openxmlformats.org/drawingml/2006/main" xmlns:r="http://schemas.openxmlformats.org/officeDocument/2006/relationships" xmlns:p="http://schemas.openxmlformats.org/presentationml/2006/main">
   <p:cSld>
     <p:spTree>
